--- a/presentation/softuniada/presentation.pptx
+++ b/presentation/softuniada/presentation.pptx
@@ -3088,7 +3088,10 @@
             <a:r>
               <a:rPr lang="en-GB" sz="3200" b="1" dirty="0" smtClean="0">
                 <a:solidFill>
-                  <a:srgbClr val="E6A4C5"/>
+                  <a:schemeClr val="tx1">
+                    <a:lumMod val="75000"/>
+                    <a:lumOff val="25000"/>
+                  </a:schemeClr>
                 </a:solidFill>
                 <a:latin typeface="Nunito" panose="00000500000000000000" pitchFamily="2" charset="0"/>
               </a:rPr>
@@ -3096,7 +3099,10 @@
             </a:r>
             <a:endParaRPr lang="en-GB" sz="3200" b="1" dirty="0">
               <a:solidFill>
-                <a:srgbClr val="E6A4C5"/>
+                <a:schemeClr val="tx1">
+                  <a:lumMod val="75000"/>
+                  <a:lumOff val="25000"/>
+                </a:schemeClr>
               </a:solidFill>
               <a:latin typeface="Nunito" panose="00000500000000000000" pitchFamily="2" charset="0"/>
             </a:endParaRPr>
@@ -3163,7 +3169,10 @@
             <a:r>
               <a:rPr lang="en-GB" sz="2400" b="1" dirty="0" smtClean="0">
                 <a:solidFill>
-                  <a:srgbClr val="E6A4C5"/>
+                  <a:schemeClr val="tx1">
+                    <a:lumMod val="75000"/>
+                    <a:lumOff val="25000"/>
+                  </a:schemeClr>
                 </a:solidFill>
                 <a:latin typeface="Nunito" panose="00000500000000000000" pitchFamily="2" charset="0"/>
               </a:rPr>
@@ -3175,7 +3184,10 @@
             <a:r>
               <a:rPr lang="en-GB" sz="2400" b="1" dirty="0" smtClean="0">
                 <a:solidFill>
-                  <a:srgbClr val="E6A4C5"/>
+                  <a:schemeClr val="tx1">
+                    <a:lumMod val="75000"/>
+                    <a:lumOff val="25000"/>
+                  </a:schemeClr>
                 </a:solidFill>
                 <a:latin typeface="Nunito" panose="00000500000000000000" pitchFamily="2" charset="0"/>
               </a:rPr>
@@ -3183,7 +3195,10 @@
             </a:r>
             <a:endParaRPr lang="en-GB" sz="2400" b="1" dirty="0">
               <a:solidFill>
-                <a:srgbClr val="E6A4C5"/>
+                <a:schemeClr val="tx1">
+                  <a:lumMod val="75000"/>
+                  <a:lumOff val="25000"/>
+                </a:schemeClr>
               </a:solidFill>
               <a:latin typeface="Nunito" panose="00000500000000000000" pitchFamily="2" charset="0"/>
             </a:endParaRPr>
@@ -3387,7 +3402,7 @@
         <p:spPr>
           <a:xfrm>
             <a:off x="6687460" y="1782237"/>
-            <a:ext cx="4702628" cy="3970318"/>
+            <a:ext cx="4702628" cy="4401205"/>
           </a:xfrm>
           <a:prstGeom prst="rect">
             <a:avLst/>
@@ -3402,68 +3417,89 @@
           <a:p>
             <a:pPr lvl="1"/>
             <a:r>
-              <a:rPr lang="en-GB" sz="2800" b="1" dirty="0" smtClean="0">
+              <a:rPr lang="en-GB" sz="2800" dirty="0" smtClean="0">
                 <a:solidFill>
-                  <a:srgbClr val="E6A4C5"/>
+                  <a:schemeClr val="tx1">
+                    <a:lumMod val="75000"/>
+                    <a:lumOff val="25000"/>
+                  </a:schemeClr>
                 </a:solidFill>
-                <a:latin typeface="Nunito" panose="00000500000000000000" pitchFamily="2" charset="0"/>
+                <a:latin typeface="Nunito ExtraBold" panose="00000900000000000000" pitchFamily="2" charset="0"/>
               </a:rPr>
               <a:t>- Waiting too long just to have your order taken</a:t>
             </a:r>
           </a:p>
           <a:p>
             <a:pPr lvl="1"/>
-            <a:endParaRPr lang="en-GB" sz="2800" b="1" dirty="0" smtClean="0">
+            <a:endParaRPr lang="en-GB" sz="2800" dirty="0" smtClean="0">
               <a:solidFill>
-                <a:srgbClr val="E6A4C5"/>
+                <a:schemeClr val="tx1">
+                  <a:lumMod val="75000"/>
+                  <a:lumOff val="25000"/>
+                </a:schemeClr>
               </a:solidFill>
-              <a:latin typeface="Nunito" panose="00000500000000000000" pitchFamily="2" charset="0"/>
+              <a:latin typeface="Nunito ExtraBold" panose="00000900000000000000" pitchFamily="2" charset="0"/>
             </a:endParaRPr>
           </a:p>
           <a:p>
             <a:pPr lvl="1"/>
             <a:r>
-              <a:rPr lang="en-GB" sz="2800" b="1" dirty="0" smtClean="0">
+              <a:rPr lang="en-GB" sz="2800" dirty="0" smtClean="0">
                 <a:solidFill>
-                  <a:srgbClr val="E6A4C5"/>
+                  <a:schemeClr val="tx1">
+                    <a:lumMod val="75000"/>
+                    <a:lumOff val="25000"/>
+                  </a:schemeClr>
                 </a:solidFill>
-                <a:latin typeface="Nunito" panose="00000500000000000000" pitchFamily="2" charset="0"/>
+                <a:latin typeface="Nunito ExtraBold" panose="00000900000000000000" pitchFamily="2" charset="0"/>
               </a:rPr>
               <a:t>- Waiting too long for customers to choose their food</a:t>
             </a:r>
-            <a:endParaRPr lang="en-GB" sz="2800" b="1" dirty="0">
+            <a:endParaRPr lang="en-GB" sz="2800" dirty="0">
               <a:solidFill>
-                <a:srgbClr val="E6A4C5"/>
+                <a:schemeClr val="tx1">
+                  <a:lumMod val="75000"/>
+                  <a:lumOff val="25000"/>
+                </a:schemeClr>
               </a:solidFill>
-              <a:latin typeface="Nunito" panose="00000500000000000000" pitchFamily="2" charset="0"/>
+              <a:latin typeface="Nunito ExtraBold" panose="00000900000000000000" pitchFamily="2" charset="0"/>
             </a:endParaRPr>
           </a:p>
           <a:p>
             <a:pPr lvl="1"/>
-            <a:endParaRPr lang="en-GB" sz="2800" b="1" dirty="0">
+            <a:endParaRPr lang="en-GB" sz="2800" dirty="0">
               <a:solidFill>
-                <a:srgbClr val="E6A4C5"/>
+                <a:schemeClr val="tx1">
+                  <a:lumMod val="75000"/>
+                  <a:lumOff val="25000"/>
+                </a:schemeClr>
               </a:solidFill>
-              <a:latin typeface="Nunito" panose="00000500000000000000" pitchFamily="2" charset="0"/>
+              <a:latin typeface="Nunito ExtraBold" panose="00000900000000000000" pitchFamily="2" charset="0"/>
             </a:endParaRPr>
           </a:p>
           <a:p>
             <a:pPr lvl="1"/>
             <a:r>
-              <a:rPr lang="en-GB" sz="2800" b="1" dirty="0" smtClean="0">
+              <a:rPr lang="en-GB" sz="2800" dirty="0" smtClean="0">
                 <a:solidFill>
-                  <a:srgbClr val="E6A4C5"/>
+                  <a:schemeClr val="tx1">
+                    <a:lumMod val="75000"/>
+                    <a:lumOff val="25000"/>
+                  </a:schemeClr>
                 </a:solidFill>
-                <a:latin typeface="Nunito" panose="00000500000000000000" pitchFamily="2" charset="0"/>
+                <a:latin typeface="Nunito ExtraBold" panose="00000900000000000000" pitchFamily="2" charset="0"/>
               </a:rPr>
               <a:t>- </a:t>
             </a:r>
             <a:r>
-              <a:rPr lang="en-GB" sz="2800" b="1" dirty="0" smtClean="0">
+              <a:rPr lang="en-GB" sz="2800" dirty="0" smtClean="0">
                 <a:solidFill>
-                  <a:srgbClr val="E6A4C5"/>
+                  <a:schemeClr val="tx1">
+                    <a:lumMod val="75000"/>
+                    <a:lumOff val="25000"/>
+                  </a:schemeClr>
                 </a:solidFill>
-                <a:latin typeface="Nunito" panose="00000500000000000000" pitchFamily="2" charset="0"/>
+                <a:latin typeface="Nunito ExtraBold" panose="00000900000000000000" pitchFamily="2" charset="0"/>
               </a:rPr>
               <a:t>High turnover for waiters</a:t>
             </a:r>
@@ -3504,45 +3540,6 @@
           </a:ln>
         </p:spPr>
       </p:pic>
-      <p:pic>
-        <p:nvPicPr>
-          <p:cNvPr id="7" name="Picture 6"/>
-          <p:cNvPicPr>
-            <a:picLocks noChangeAspect="1"/>
-          </p:cNvPicPr>
-          <p:nvPr/>
-        </p:nvPicPr>
-        <p:blipFill>
-          <a:blip r:embed="rId3">
-            <a:extLst>
-              <a:ext uri="{BEBA8EAE-BF5A-486C-A8C5-ECC9F3942E4B}">
-                <a14:imgProps xmlns:a14="http://schemas.microsoft.com/office/drawing/2010/main">
-                  <a14:imgLayer r:embed="rId4">
-                    <a14:imgEffect>
-                      <a14:backgroundRemoval t="5508" b="99388" l="350" r="95280"/>
-                    </a14:imgEffect>
-                  </a14:imgLayer>
-                </a14:imgProps>
-              </a:ext>
-              <a:ext uri="{28A0092B-C50C-407E-A947-70E740481C1C}">
-                <a14:useLocalDpi xmlns:a14="http://schemas.microsoft.com/office/drawing/2010/main" val="0"/>
-              </a:ext>
-            </a:extLst>
-          </a:blip>
-          <a:stretch>
-            <a:fillRect/>
-          </a:stretch>
-        </p:blipFill>
-        <p:spPr>
-          <a:xfrm>
-            <a:off x="-114299" y="1967631"/>
-            <a:ext cx="6874330" cy="4909377"/>
-          </a:xfrm>
-          <a:prstGeom prst="rect">
-            <a:avLst/>
-          </a:prstGeom>
-        </p:spPr>
-      </p:pic>
       <p:grpSp>
         <p:nvGrpSpPr>
           <p:cNvPr id="14" name="Group 13"/>
@@ -3566,11 +3563,11 @@
             <p:nvPr/>
           </p:nvPicPr>
           <p:blipFill>
-            <a:blip r:embed="rId5" cstate="print">
+            <a:blip r:embed="rId3" cstate="print">
               <a:extLst>
                 <a:ext uri="{BEBA8EAE-BF5A-486C-A8C5-ECC9F3942E4B}">
                   <a14:imgProps xmlns:a14="http://schemas.microsoft.com/office/drawing/2010/main">
-                    <a14:imgLayer r:embed="rId6">
+                    <a14:imgLayer r:embed="rId4">
                       <a14:imgEffect>
                         <a14:colorTemperature colorTemp="11200"/>
                       </a14:imgEffect>
@@ -3605,7 +3602,7 @@
             <p:nvPr/>
           </p:nvPicPr>
           <p:blipFill>
-            <a:blip r:embed="rId7" cstate="print">
+            <a:blip r:embed="rId5" cstate="print">
               <a:extLst>
                 <a:ext uri="{28A0092B-C50C-407E-A947-70E740481C1C}">
                   <a14:useLocalDpi xmlns:a14="http://schemas.microsoft.com/office/drawing/2010/main" val="0"/>
@@ -3627,6 +3624,36 @@
           </p:spPr>
         </p:pic>
       </p:grpSp>
+      <p:pic>
+        <p:nvPicPr>
+          <p:cNvPr id="9" name="Picture 8"/>
+          <p:cNvPicPr>
+            <a:picLocks noChangeAspect="1"/>
+          </p:cNvPicPr>
+          <p:nvPr/>
+        </p:nvPicPr>
+        <p:blipFill>
+          <a:blip r:embed="rId6">
+            <a:extLst>
+              <a:ext uri="{28A0092B-C50C-407E-A947-70E740481C1C}">
+                <a14:useLocalDpi xmlns:a14="http://schemas.microsoft.com/office/drawing/2010/main" val="0"/>
+              </a:ext>
+            </a:extLst>
+          </a:blip>
+          <a:stretch>
+            <a:fillRect/>
+          </a:stretch>
+        </p:blipFill>
+        <p:spPr>
+          <a:xfrm>
+            <a:off x="-1377" y="1849869"/>
+            <a:ext cx="6994416" cy="4995138"/>
+          </a:xfrm>
+          <a:prstGeom prst="rect">
+            <a:avLst/>
+          </a:prstGeom>
+        </p:spPr>
+      </p:pic>
     </p:spTree>
     <p:extLst>
       <p:ext uri="{BB962C8B-B14F-4D97-AF65-F5344CB8AC3E}">
@@ -3823,7 +3850,10 @@
             <a:r>
               <a:rPr lang="en-GB" sz="2800" b="1" dirty="0" smtClean="0">
                 <a:solidFill>
-                  <a:srgbClr val="E6A4C5"/>
+                  <a:schemeClr val="tx1">
+                    <a:lumMod val="75000"/>
+                    <a:lumOff val="25000"/>
+                  </a:schemeClr>
                 </a:solidFill>
                 <a:latin typeface="Nunito" panose="00000500000000000000" pitchFamily="2" charset="0"/>
               </a:rPr>
@@ -3834,7 +3864,10 @@
             <a:pPr lvl="1"/>
             <a:endParaRPr lang="en-GB" sz="2800" b="1" dirty="0" smtClean="0">
               <a:solidFill>
-                <a:srgbClr val="E6A4C5"/>
+                <a:schemeClr val="tx1">
+                  <a:lumMod val="75000"/>
+                  <a:lumOff val="25000"/>
+                </a:schemeClr>
               </a:solidFill>
               <a:latin typeface="Nunito" panose="00000500000000000000" pitchFamily="2" charset="0"/>
             </a:endParaRPr>
@@ -3844,7 +3877,10 @@
             <a:r>
               <a:rPr lang="en-GB" sz="2800" b="1" dirty="0" smtClean="0">
                 <a:solidFill>
-                  <a:srgbClr val="E6A4C5"/>
+                  <a:schemeClr val="tx1">
+                    <a:lumMod val="75000"/>
+                    <a:lumOff val="25000"/>
+                  </a:schemeClr>
                 </a:solidFill>
                 <a:latin typeface="Nunito" panose="00000500000000000000" pitchFamily="2" charset="0"/>
               </a:rPr>
@@ -3852,7 +3888,10 @@
             </a:r>
             <a:endParaRPr lang="en-GB" sz="2800" b="1" dirty="0">
               <a:solidFill>
-                <a:srgbClr val="E6A4C5"/>
+                <a:schemeClr val="tx1">
+                  <a:lumMod val="75000"/>
+                  <a:lumOff val="25000"/>
+                </a:schemeClr>
               </a:solidFill>
               <a:latin typeface="Nunito" panose="00000500000000000000" pitchFamily="2" charset="0"/>
             </a:endParaRPr>
@@ -3861,7 +3900,10 @@
             <a:pPr lvl="1"/>
             <a:endParaRPr lang="en-GB" sz="2800" b="1" dirty="0">
               <a:solidFill>
-                <a:srgbClr val="E6A4C5"/>
+                <a:schemeClr val="tx1">
+                  <a:lumMod val="75000"/>
+                  <a:lumOff val="25000"/>
+                </a:schemeClr>
               </a:solidFill>
               <a:latin typeface="Nunito" panose="00000500000000000000" pitchFamily="2" charset="0"/>
             </a:endParaRPr>
@@ -3871,7 +3913,10 @@
             <a:r>
               <a:rPr lang="en-GB" sz="2800" b="1" dirty="0" smtClean="0">
                 <a:solidFill>
-                  <a:srgbClr val="E6A4C5"/>
+                  <a:schemeClr val="tx1">
+                    <a:lumMod val="75000"/>
+                    <a:lumOff val="25000"/>
+                  </a:schemeClr>
                 </a:solidFill>
                 <a:latin typeface="Nunito" panose="00000500000000000000" pitchFamily="2" charset="0"/>
               </a:rPr>
@@ -3885,7 +3930,10 @@
             </a:pPr>
             <a:endParaRPr lang="en-GB" sz="2800" b="1" dirty="0" smtClean="0">
               <a:solidFill>
-                <a:srgbClr val="E6A4C5"/>
+                <a:schemeClr val="tx1">
+                  <a:lumMod val="75000"/>
+                  <a:lumOff val="25000"/>
+                </a:schemeClr>
               </a:solidFill>
               <a:latin typeface="Nunito" panose="00000500000000000000" pitchFamily="2" charset="0"/>
             </a:endParaRPr>
@@ -3895,7 +3943,10 @@
             <a:r>
               <a:rPr lang="en-GB" sz="2800" b="1" dirty="0" smtClean="0">
                 <a:solidFill>
-                  <a:srgbClr val="E6A4C5"/>
+                  <a:schemeClr val="tx1">
+                    <a:lumMod val="75000"/>
+                    <a:lumOff val="25000"/>
+                  </a:schemeClr>
                 </a:solidFill>
                 <a:latin typeface="Nunito" panose="00000500000000000000" pitchFamily="2" charset="0"/>
               </a:rPr>
@@ -3903,7 +3954,10 @@
             </a:r>
             <a:endParaRPr lang="en-GB" sz="2800" b="1" dirty="0">
               <a:solidFill>
-                <a:srgbClr val="E6A4C5"/>
+                <a:schemeClr val="tx1">
+                  <a:lumMod val="75000"/>
+                  <a:lumOff val="25000"/>
+                </a:schemeClr>
               </a:solidFill>
               <a:latin typeface="Nunito" panose="00000500000000000000" pitchFamily="2" charset="0"/>
             </a:endParaRPr>
@@ -3932,7 +3986,7 @@
         </p:blipFill>
         <p:spPr>
           <a:xfrm flipH="1">
-            <a:off x="0" y="2946400"/>
+            <a:off x="38100" y="2908300"/>
             <a:ext cx="6622109" cy="3911600"/>
           </a:xfrm>
           <a:prstGeom prst="rect">
@@ -4245,6 +4299,9 @@
             <a:prstGeom prst="rect">
               <a:avLst/>
             </a:prstGeom>
+            <a:ln>
+              <a:noFill/>
+            </a:ln>
           </p:spPr>
         </p:pic>
         <p:pic>
@@ -4275,9 +4332,1085 @@
             <a:prstGeom prst="rect">
               <a:avLst/>
             </a:prstGeom>
+            <a:ln>
+              <a:noFill/>
+            </a:ln>
           </p:spPr>
         </p:pic>
       </p:grpSp>
+      <p:sp>
+        <p:nvSpPr>
+          <p:cNvPr id="7" name="Oval 6"/>
+          <p:cNvSpPr/>
+          <p:nvPr/>
+        </p:nvSpPr>
+        <p:spPr>
+          <a:xfrm>
+            <a:off x="1073205" y="2911557"/>
+            <a:ext cx="1613753" cy="1613753"/>
+          </a:xfrm>
+          <a:prstGeom prst="ellipse">
+            <a:avLst/>
+          </a:prstGeom>
+          <a:gradFill>
+            <a:gsLst>
+              <a:gs pos="100000">
+                <a:srgbClr val="EA6984"/>
+              </a:gs>
+              <a:gs pos="0">
+                <a:srgbClr val="D56AA0"/>
+              </a:gs>
+            </a:gsLst>
+            <a:lin ang="13500000" scaled="1"/>
+          </a:gradFill>
+          <a:ln w="69850">
+            <a:solidFill>
+              <a:srgbClr val="D56AA0">
+                <a:alpha val="40000"/>
+              </a:srgbClr>
+            </a:solidFill>
+          </a:ln>
+        </p:spPr>
+        <p:style>
+          <a:lnRef idx="2">
+            <a:schemeClr val="accent1">
+              <a:shade val="50000"/>
+            </a:schemeClr>
+          </a:lnRef>
+          <a:fillRef idx="1">
+            <a:schemeClr val="accent1"/>
+          </a:fillRef>
+          <a:effectRef idx="0">
+            <a:schemeClr val="accent1"/>
+          </a:effectRef>
+          <a:fontRef idx="minor">
+            <a:schemeClr val="lt1"/>
+          </a:fontRef>
+        </p:style>
+        <p:txBody>
+          <a:bodyPr rtlCol="0" anchor="ctr"/>
+          <a:lstStyle/>
+          <a:p>
+            <a:pPr algn="ctr"/>
+            <a:endParaRPr lang="en-GB"/>
+          </a:p>
+        </p:txBody>
+      </p:sp>
+      <p:sp>
+        <p:nvSpPr>
+          <p:cNvPr id="8" name="TextBox 7"/>
+          <p:cNvSpPr txBox="1"/>
+          <p:nvPr/>
+        </p:nvSpPr>
+        <p:spPr>
+          <a:xfrm>
+            <a:off x="1019175" y="3350020"/>
+            <a:ext cx="1009650" cy="688580"/>
+          </a:xfrm>
+          <a:prstGeom prst="rect">
+            <a:avLst/>
+          </a:prstGeom>
+          <a:noFill/>
+        </p:spPr>
+        <p:txBody>
+          <a:bodyPr wrap="square" rtlCol="0">
+            <a:spAutoFit/>
+          </a:bodyPr>
+          <a:lstStyle/>
+          <a:p>
+            <a:endParaRPr lang="en-GB" dirty="0"/>
+          </a:p>
+        </p:txBody>
+      </p:sp>
+      <p:pic>
+        <p:nvPicPr>
+          <p:cNvPr id="14" name="Picture 13"/>
+          <p:cNvPicPr>
+            <a:picLocks noChangeAspect="1"/>
+          </p:cNvPicPr>
+          <p:nvPr/>
+        </p:nvPicPr>
+        <p:blipFill>
+          <a:blip r:embed="rId6" cstate="print">
+            <a:extLst>
+              <a:ext uri="{28A0092B-C50C-407E-A947-70E740481C1C}">
+                <a14:useLocalDpi xmlns:a14="http://schemas.microsoft.com/office/drawing/2010/main" val="0"/>
+              </a:ext>
+            </a:extLst>
+          </a:blip>
+          <a:stretch>
+            <a:fillRect/>
+          </a:stretch>
+        </p:blipFill>
+        <p:spPr>
+          <a:xfrm>
+            <a:off x="1533007" y="3366562"/>
+            <a:ext cx="703412" cy="703742"/>
+          </a:xfrm>
+          <a:prstGeom prst="rect">
+            <a:avLst/>
+          </a:prstGeom>
+        </p:spPr>
+      </p:pic>
+      <p:sp>
+        <p:nvSpPr>
+          <p:cNvPr id="19" name="Oval 18"/>
+          <p:cNvSpPr/>
+          <p:nvPr/>
+        </p:nvSpPr>
+        <p:spPr>
+          <a:xfrm>
+            <a:off x="3949980" y="2896190"/>
+            <a:ext cx="1613753" cy="1613753"/>
+          </a:xfrm>
+          <a:prstGeom prst="ellipse">
+            <a:avLst/>
+          </a:prstGeom>
+          <a:gradFill>
+            <a:gsLst>
+              <a:gs pos="100000">
+                <a:srgbClr val="EA6984"/>
+              </a:gs>
+              <a:gs pos="0">
+                <a:srgbClr val="D56AA0"/>
+              </a:gs>
+            </a:gsLst>
+            <a:lin ang="13500000" scaled="1"/>
+          </a:gradFill>
+          <a:ln w="69850">
+            <a:solidFill>
+              <a:srgbClr val="D56AA0">
+                <a:alpha val="40000"/>
+              </a:srgbClr>
+            </a:solidFill>
+          </a:ln>
+        </p:spPr>
+        <p:style>
+          <a:lnRef idx="2">
+            <a:schemeClr val="accent1">
+              <a:shade val="50000"/>
+            </a:schemeClr>
+          </a:lnRef>
+          <a:fillRef idx="1">
+            <a:schemeClr val="accent1"/>
+          </a:fillRef>
+          <a:effectRef idx="0">
+            <a:schemeClr val="accent1"/>
+          </a:effectRef>
+          <a:fontRef idx="minor">
+            <a:schemeClr val="lt1"/>
+          </a:fontRef>
+        </p:style>
+        <p:txBody>
+          <a:bodyPr rtlCol="0" anchor="ctr"/>
+          <a:lstStyle/>
+          <a:p>
+            <a:pPr algn="ctr"/>
+            <a:endParaRPr lang="en-GB"/>
+          </a:p>
+        </p:txBody>
+      </p:sp>
+      <p:sp>
+        <p:nvSpPr>
+          <p:cNvPr id="21" name="Oval 20"/>
+          <p:cNvSpPr/>
+          <p:nvPr/>
+        </p:nvSpPr>
+        <p:spPr>
+          <a:xfrm>
+            <a:off x="6823669" y="2887434"/>
+            <a:ext cx="1613753" cy="1613753"/>
+          </a:xfrm>
+          <a:prstGeom prst="ellipse">
+            <a:avLst/>
+          </a:prstGeom>
+          <a:gradFill>
+            <a:gsLst>
+              <a:gs pos="100000">
+                <a:srgbClr val="EA6984"/>
+              </a:gs>
+              <a:gs pos="0">
+                <a:srgbClr val="D56AA0"/>
+              </a:gs>
+            </a:gsLst>
+            <a:lin ang="13500000" scaled="1"/>
+          </a:gradFill>
+          <a:ln w="69850">
+            <a:solidFill>
+              <a:srgbClr val="D56AA0">
+                <a:alpha val="40000"/>
+              </a:srgbClr>
+            </a:solidFill>
+          </a:ln>
+        </p:spPr>
+        <p:style>
+          <a:lnRef idx="2">
+            <a:schemeClr val="accent1">
+              <a:shade val="50000"/>
+            </a:schemeClr>
+          </a:lnRef>
+          <a:fillRef idx="1">
+            <a:schemeClr val="accent1"/>
+          </a:fillRef>
+          <a:effectRef idx="0">
+            <a:schemeClr val="accent1"/>
+          </a:effectRef>
+          <a:fontRef idx="minor">
+            <a:schemeClr val="lt1"/>
+          </a:fontRef>
+        </p:style>
+        <p:txBody>
+          <a:bodyPr rtlCol="0" anchor="ctr"/>
+          <a:lstStyle/>
+          <a:p>
+            <a:pPr algn="ctr"/>
+            <a:endParaRPr lang="en-GB"/>
+          </a:p>
+        </p:txBody>
+      </p:sp>
+      <p:pic>
+        <p:nvPicPr>
+          <p:cNvPr id="15" name="Picture 14"/>
+          <p:cNvPicPr>
+            <a:picLocks noChangeAspect="1"/>
+          </p:cNvPicPr>
+          <p:nvPr/>
+        </p:nvPicPr>
+        <p:blipFill>
+          <a:blip r:embed="rId7" cstate="print">
+            <a:extLst>
+              <a:ext uri="{28A0092B-C50C-407E-A947-70E740481C1C}">
+                <a14:useLocalDpi xmlns:a14="http://schemas.microsoft.com/office/drawing/2010/main" val="0"/>
+              </a:ext>
+            </a:extLst>
+          </a:blip>
+          <a:stretch>
+            <a:fillRect/>
+          </a:stretch>
+        </p:blipFill>
+        <p:spPr>
+          <a:xfrm>
+            <a:off x="4472708" y="3324320"/>
+            <a:ext cx="568295" cy="757491"/>
+          </a:xfrm>
+          <a:prstGeom prst="rect">
+            <a:avLst/>
+          </a:prstGeom>
+        </p:spPr>
+      </p:pic>
+      <p:pic>
+        <p:nvPicPr>
+          <p:cNvPr id="23" name="Picture 22"/>
+          <p:cNvPicPr>
+            <a:picLocks noChangeAspect="1"/>
+          </p:cNvPicPr>
+          <p:nvPr/>
+        </p:nvPicPr>
+        <p:blipFill>
+          <a:blip r:embed="rId8" cstate="print">
+            <a:extLst>
+              <a:ext uri="{28A0092B-C50C-407E-A947-70E740481C1C}">
+                <a14:useLocalDpi xmlns:a14="http://schemas.microsoft.com/office/drawing/2010/main" val="0"/>
+              </a:ext>
+            </a:extLst>
+          </a:blip>
+          <a:stretch>
+            <a:fillRect/>
+          </a:stretch>
+        </p:blipFill>
+        <p:spPr>
+          <a:xfrm>
+            <a:off x="7397479" y="3330043"/>
+            <a:ext cx="466539" cy="746043"/>
+          </a:xfrm>
+          <a:prstGeom prst="rect">
+            <a:avLst/>
+          </a:prstGeom>
+        </p:spPr>
+      </p:pic>
+      <p:grpSp>
+        <p:nvGrpSpPr>
+          <p:cNvPr id="32" name="Group 31"/>
+          <p:cNvGrpSpPr/>
+          <p:nvPr/>
+        </p:nvGrpSpPr>
+        <p:grpSpPr>
+          <a:xfrm>
+            <a:off x="9584598" y="2887433"/>
+            <a:ext cx="1613753" cy="1613753"/>
+            <a:chOff x="9556023" y="2887433"/>
+            <a:chExt cx="1613753" cy="1613753"/>
+          </a:xfrm>
+        </p:grpSpPr>
+        <p:sp>
+          <p:nvSpPr>
+            <p:cNvPr id="22" name="Oval 21"/>
+            <p:cNvSpPr/>
+            <p:nvPr/>
+          </p:nvSpPr>
+          <p:spPr>
+            <a:xfrm>
+              <a:off x="9556023" y="2887433"/>
+              <a:ext cx="1613753" cy="1613753"/>
+            </a:xfrm>
+            <a:prstGeom prst="ellipse">
+              <a:avLst/>
+            </a:prstGeom>
+            <a:gradFill>
+              <a:gsLst>
+                <a:gs pos="100000">
+                  <a:srgbClr val="EA6984"/>
+                </a:gs>
+                <a:gs pos="0">
+                  <a:srgbClr val="D56AA0"/>
+                </a:gs>
+              </a:gsLst>
+              <a:lin ang="13500000" scaled="1"/>
+            </a:gradFill>
+            <a:ln w="69850">
+              <a:solidFill>
+                <a:srgbClr val="D56AA0">
+                  <a:alpha val="40000"/>
+                </a:srgbClr>
+              </a:solidFill>
+            </a:ln>
+          </p:spPr>
+          <p:style>
+            <a:lnRef idx="2">
+              <a:schemeClr val="accent1">
+                <a:shade val="50000"/>
+              </a:schemeClr>
+            </a:lnRef>
+            <a:fillRef idx="1">
+              <a:schemeClr val="accent1"/>
+            </a:fillRef>
+            <a:effectRef idx="0">
+              <a:schemeClr val="accent1"/>
+            </a:effectRef>
+            <a:fontRef idx="minor">
+              <a:schemeClr val="lt1"/>
+            </a:fontRef>
+          </p:style>
+          <p:txBody>
+            <a:bodyPr rtlCol="0" anchor="ctr"/>
+            <a:lstStyle/>
+            <a:p>
+              <a:pPr algn="ctr"/>
+              <a:endParaRPr lang="en-GB"/>
+            </a:p>
+          </p:txBody>
+        </p:sp>
+        <p:pic>
+          <p:nvPicPr>
+            <p:cNvPr id="24" name="Picture 23"/>
+            <p:cNvPicPr>
+              <a:picLocks noChangeAspect="1"/>
+            </p:cNvPicPr>
+            <p:nvPr/>
+          </p:nvPicPr>
+          <p:blipFill>
+            <a:blip r:embed="rId9" cstate="print">
+              <a:extLst>
+                <a:ext uri="{28A0092B-C50C-407E-A947-70E740481C1C}">
+                  <a14:useLocalDpi xmlns:a14="http://schemas.microsoft.com/office/drawing/2010/main" val="0"/>
+                </a:ext>
+              </a:extLst>
+            </a:blip>
+            <a:stretch>
+              <a:fillRect/>
+            </a:stretch>
+          </p:blipFill>
+          <p:spPr>
+            <a:xfrm>
+              <a:off x="9945492" y="3305384"/>
+              <a:ext cx="747730" cy="747730"/>
+            </a:xfrm>
+            <a:prstGeom prst="rect">
+              <a:avLst/>
+            </a:prstGeom>
+          </p:spPr>
+        </p:pic>
+      </p:grpSp>
+      <p:cxnSp>
+        <p:nvCxnSpPr>
+          <p:cNvPr id="26" name="Straight Connector 25"/>
+          <p:cNvCxnSpPr>
+            <a:stCxn id="7" idx="6"/>
+            <a:endCxn id="19" idx="2"/>
+          </p:cNvCxnSpPr>
+          <p:nvPr/>
+        </p:nvCxnSpPr>
+        <p:spPr>
+          <a:xfrm flipV="1">
+            <a:off x="2686958" y="3703067"/>
+            <a:ext cx="1263022" cy="15367"/>
+          </a:xfrm>
+          <a:prstGeom prst="line">
+            <a:avLst/>
+          </a:prstGeom>
+          <a:ln w="38100">
+            <a:solidFill>
+              <a:srgbClr val="D56AA0">
+                <a:alpha val="40000"/>
+              </a:srgbClr>
+            </a:solidFill>
+          </a:ln>
+        </p:spPr>
+        <p:style>
+          <a:lnRef idx="1">
+            <a:schemeClr val="accent1"/>
+          </a:lnRef>
+          <a:fillRef idx="0">
+            <a:schemeClr val="accent1"/>
+          </a:fillRef>
+          <a:effectRef idx="0">
+            <a:schemeClr val="accent1"/>
+          </a:effectRef>
+          <a:fontRef idx="minor">
+            <a:schemeClr val="tx1"/>
+          </a:fontRef>
+        </p:style>
+      </p:cxnSp>
+      <p:cxnSp>
+        <p:nvCxnSpPr>
+          <p:cNvPr id="29" name="Straight Connector 28"/>
+          <p:cNvCxnSpPr>
+            <a:stCxn id="19" idx="6"/>
+            <a:endCxn id="21" idx="2"/>
+          </p:cNvCxnSpPr>
+          <p:nvPr/>
+        </p:nvCxnSpPr>
+        <p:spPr>
+          <a:xfrm flipV="1">
+            <a:off x="5563733" y="3694311"/>
+            <a:ext cx="1259936" cy="8756"/>
+          </a:xfrm>
+          <a:prstGeom prst="line">
+            <a:avLst/>
+          </a:prstGeom>
+          <a:ln w="38100">
+            <a:solidFill>
+              <a:srgbClr val="D56AA0">
+                <a:alpha val="40000"/>
+              </a:srgbClr>
+            </a:solidFill>
+          </a:ln>
+        </p:spPr>
+        <p:style>
+          <a:lnRef idx="1">
+            <a:schemeClr val="accent1"/>
+          </a:lnRef>
+          <a:fillRef idx="0">
+            <a:schemeClr val="accent1"/>
+          </a:fillRef>
+          <a:effectRef idx="0">
+            <a:schemeClr val="accent1"/>
+          </a:effectRef>
+          <a:fontRef idx="minor">
+            <a:schemeClr val="tx1"/>
+          </a:fontRef>
+        </p:style>
+      </p:cxnSp>
+      <p:cxnSp>
+        <p:nvCxnSpPr>
+          <p:cNvPr id="34" name="Straight Connector 33"/>
+          <p:cNvCxnSpPr>
+            <a:stCxn id="21" idx="6"/>
+            <a:endCxn id="22" idx="2"/>
+          </p:cNvCxnSpPr>
+          <p:nvPr/>
+        </p:nvCxnSpPr>
+        <p:spPr>
+          <a:xfrm flipV="1">
+            <a:off x="8437422" y="3694310"/>
+            <a:ext cx="1147176" cy="1"/>
+          </a:xfrm>
+          <a:prstGeom prst="line">
+            <a:avLst/>
+          </a:prstGeom>
+          <a:ln w="38100">
+            <a:solidFill>
+              <a:srgbClr val="D56AA0">
+                <a:alpha val="40000"/>
+              </a:srgbClr>
+            </a:solidFill>
+          </a:ln>
+        </p:spPr>
+        <p:style>
+          <a:lnRef idx="1">
+            <a:schemeClr val="accent1"/>
+          </a:lnRef>
+          <a:fillRef idx="0">
+            <a:schemeClr val="accent1"/>
+          </a:fillRef>
+          <a:effectRef idx="0">
+            <a:schemeClr val="accent1"/>
+          </a:effectRef>
+          <a:fontRef idx="minor">
+            <a:schemeClr val="tx1"/>
+          </a:fontRef>
+        </p:style>
+      </p:cxnSp>
+      <p:sp>
+        <p:nvSpPr>
+          <p:cNvPr id="36" name="Oval 35"/>
+          <p:cNvSpPr/>
+          <p:nvPr/>
+        </p:nvSpPr>
+        <p:spPr>
+          <a:xfrm>
+            <a:off x="3193897" y="3589687"/>
+            <a:ext cx="242125" cy="242125"/>
+          </a:xfrm>
+          <a:prstGeom prst="ellipse">
+            <a:avLst/>
+          </a:prstGeom>
+          <a:solidFill>
+            <a:srgbClr val="E6A4C5"/>
+          </a:solidFill>
+          <a:ln w="76200">
+            <a:solidFill>
+              <a:schemeClr val="bg1"/>
+            </a:solidFill>
+          </a:ln>
+        </p:spPr>
+        <p:style>
+          <a:lnRef idx="2">
+            <a:schemeClr val="accent1">
+              <a:shade val="50000"/>
+            </a:schemeClr>
+          </a:lnRef>
+          <a:fillRef idx="1">
+            <a:schemeClr val="accent1"/>
+          </a:fillRef>
+          <a:effectRef idx="0">
+            <a:schemeClr val="accent1"/>
+          </a:effectRef>
+          <a:fontRef idx="minor">
+            <a:schemeClr val="lt1"/>
+          </a:fontRef>
+        </p:style>
+        <p:txBody>
+          <a:bodyPr rtlCol="0" anchor="ctr"/>
+          <a:lstStyle/>
+          <a:p>
+            <a:pPr algn="ctr"/>
+            <a:endParaRPr lang="en-GB"/>
+          </a:p>
+        </p:txBody>
+      </p:sp>
+      <p:sp>
+        <p:nvSpPr>
+          <p:cNvPr id="37" name="Oval 36"/>
+          <p:cNvSpPr/>
+          <p:nvPr/>
+        </p:nvSpPr>
+        <p:spPr>
+          <a:xfrm>
+            <a:off x="6078012" y="3573246"/>
+            <a:ext cx="242125" cy="242125"/>
+          </a:xfrm>
+          <a:prstGeom prst="ellipse">
+            <a:avLst/>
+          </a:prstGeom>
+          <a:solidFill>
+            <a:srgbClr val="E6A4C5"/>
+          </a:solidFill>
+          <a:ln w="76200">
+            <a:solidFill>
+              <a:schemeClr val="bg1"/>
+            </a:solidFill>
+          </a:ln>
+        </p:spPr>
+        <p:style>
+          <a:lnRef idx="2">
+            <a:schemeClr val="accent1">
+              <a:shade val="50000"/>
+            </a:schemeClr>
+          </a:lnRef>
+          <a:fillRef idx="1">
+            <a:schemeClr val="accent1"/>
+          </a:fillRef>
+          <a:effectRef idx="0">
+            <a:schemeClr val="accent1"/>
+          </a:effectRef>
+          <a:fontRef idx="minor">
+            <a:schemeClr val="lt1"/>
+          </a:fontRef>
+        </p:style>
+        <p:txBody>
+          <a:bodyPr rtlCol="0" anchor="ctr"/>
+          <a:lstStyle/>
+          <a:p>
+            <a:pPr algn="ctr"/>
+            <a:endParaRPr lang="en-GB"/>
+          </a:p>
+        </p:txBody>
+      </p:sp>
+      <p:sp>
+        <p:nvSpPr>
+          <p:cNvPr id="38" name="Oval 37"/>
+          <p:cNvSpPr/>
+          <p:nvPr/>
+        </p:nvSpPr>
+        <p:spPr>
+          <a:xfrm>
+            <a:off x="8889947" y="3582001"/>
+            <a:ext cx="242125" cy="242125"/>
+          </a:xfrm>
+          <a:prstGeom prst="ellipse">
+            <a:avLst/>
+          </a:prstGeom>
+          <a:solidFill>
+            <a:srgbClr val="E6A4C5"/>
+          </a:solidFill>
+          <a:ln w="76200">
+            <a:solidFill>
+              <a:schemeClr val="bg1"/>
+            </a:solidFill>
+          </a:ln>
+        </p:spPr>
+        <p:style>
+          <a:lnRef idx="2">
+            <a:schemeClr val="accent1">
+              <a:shade val="50000"/>
+            </a:schemeClr>
+          </a:lnRef>
+          <a:fillRef idx="1">
+            <a:schemeClr val="accent1"/>
+          </a:fillRef>
+          <a:effectRef idx="0">
+            <a:schemeClr val="accent1"/>
+          </a:effectRef>
+          <a:fontRef idx="minor">
+            <a:schemeClr val="lt1"/>
+          </a:fontRef>
+        </p:style>
+        <p:txBody>
+          <a:bodyPr rtlCol="0" anchor="ctr"/>
+          <a:lstStyle/>
+          <a:p>
+            <a:pPr algn="ctr"/>
+            <a:endParaRPr lang="en-GB"/>
+          </a:p>
+        </p:txBody>
+      </p:sp>
+      <p:sp>
+        <p:nvSpPr>
+          <p:cNvPr id="39" name="TextBox 38"/>
+          <p:cNvSpPr txBox="1"/>
+          <p:nvPr/>
+        </p:nvSpPr>
+        <p:spPr>
+          <a:xfrm>
+            <a:off x="673926" y="2241102"/>
+            <a:ext cx="2207632" cy="646331"/>
+          </a:xfrm>
+          <a:prstGeom prst="rect">
+            <a:avLst/>
+          </a:prstGeom>
+          <a:noFill/>
+        </p:spPr>
+        <p:txBody>
+          <a:bodyPr wrap="square" rtlCol="0">
+            <a:spAutoFit/>
+          </a:bodyPr>
+          <a:lstStyle/>
+          <a:p>
+            <a:pPr algn="ctr"/>
+            <a:r>
+              <a:rPr lang="en-GB" sz="3600" b="1" dirty="0" smtClean="0">
+                <a:gradFill>
+                  <a:gsLst>
+                    <a:gs pos="100000">
+                      <a:srgbClr val="EA6984"/>
+                    </a:gs>
+                    <a:gs pos="0">
+                      <a:srgbClr val="D56AA0"/>
+                    </a:gs>
+                  </a:gsLst>
+                  <a:lin ang="13500000" scaled="1"/>
+                </a:gradFill>
+                <a:latin typeface="Nunito ExtraBold" panose="00000900000000000000" pitchFamily="2" charset="0"/>
+              </a:rPr>
+              <a:t>Q4 2018</a:t>
+            </a:r>
+            <a:endParaRPr lang="en-GB" sz="3600" b="1" dirty="0">
+              <a:gradFill>
+                <a:gsLst>
+                  <a:gs pos="100000">
+                    <a:srgbClr val="EA6984"/>
+                  </a:gs>
+                  <a:gs pos="0">
+                    <a:srgbClr val="D56AA0"/>
+                  </a:gs>
+                </a:gsLst>
+                <a:lin ang="13500000" scaled="1"/>
+              </a:gradFill>
+              <a:latin typeface="Nunito ExtraBold" panose="00000900000000000000" pitchFamily="2" charset="0"/>
+            </a:endParaRPr>
+          </a:p>
+        </p:txBody>
+      </p:sp>
+      <p:sp>
+        <p:nvSpPr>
+          <p:cNvPr id="40" name="TextBox 39"/>
+          <p:cNvSpPr txBox="1"/>
+          <p:nvPr/>
+        </p:nvSpPr>
+        <p:spPr>
+          <a:xfrm>
+            <a:off x="3582130" y="2226549"/>
+            <a:ext cx="2343621" cy="646331"/>
+          </a:xfrm>
+          <a:prstGeom prst="rect">
+            <a:avLst/>
+          </a:prstGeom>
+          <a:noFill/>
+        </p:spPr>
+        <p:txBody>
+          <a:bodyPr wrap="square" rtlCol="0">
+            <a:spAutoFit/>
+          </a:bodyPr>
+          <a:lstStyle/>
+          <a:p>
+            <a:pPr algn="ctr"/>
+            <a:r>
+              <a:rPr lang="en-GB" sz="3600" b="1" dirty="0" smtClean="0">
+                <a:gradFill>
+                  <a:gsLst>
+                    <a:gs pos="100000">
+                      <a:srgbClr val="EA6984"/>
+                    </a:gs>
+                    <a:gs pos="0">
+                      <a:srgbClr val="D56AA0"/>
+                    </a:gs>
+                  </a:gsLst>
+                  <a:lin ang="13500000" scaled="1"/>
+                </a:gradFill>
+                <a:latin typeface="Nunito ExtraBold" panose="00000900000000000000" pitchFamily="2" charset="0"/>
+              </a:rPr>
+              <a:t>Q1 2019</a:t>
+            </a:r>
+            <a:endParaRPr lang="en-GB" sz="3600" b="1" dirty="0">
+              <a:gradFill>
+                <a:gsLst>
+                  <a:gs pos="100000">
+                    <a:srgbClr val="EA6984"/>
+                  </a:gs>
+                  <a:gs pos="0">
+                    <a:srgbClr val="D56AA0"/>
+                  </a:gs>
+                </a:gsLst>
+                <a:lin ang="13500000" scaled="1"/>
+              </a:gradFill>
+              <a:latin typeface="Nunito ExtraBold" panose="00000900000000000000" pitchFamily="2" charset="0"/>
+            </a:endParaRPr>
+          </a:p>
+        </p:txBody>
+      </p:sp>
+      <p:sp>
+        <p:nvSpPr>
+          <p:cNvPr id="41" name="TextBox 40"/>
+          <p:cNvSpPr txBox="1"/>
+          <p:nvPr/>
+        </p:nvSpPr>
+        <p:spPr>
+          <a:xfrm>
+            <a:off x="6446733" y="2200001"/>
+            <a:ext cx="2365010" cy="646331"/>
+          </a:xfrm>
+          <a:prstGeom prst="rect">
+            <a:avLst/>
+          </a:prstGeom>
+          <a:noFill/>
+        </p:spPr>
+        <p:txBody>
+          <a:bodyPr wrap="square" rtlCol="0">
+            <a:spAutoFit/>
+          </a:bodyPr>
+          <a:lstStyle/>
+          <a:p>
+            <a:pPr algn="ctr"/>
+            <a:r>
+              <a:rPr lang="en-GB" sz="3600" b="1" dirty="0" smtClean="0">
+                <a:gradFill>
+                  <a:gsLst>
+                    <a:gs pos="100000">
+                      <a:srgbClr val="EA6984"/>
+                    </a:gs>
+                    <a:gs pos="0">
+                      <a:srgbClr val="D56AA0"/>
+                    </a:gs>
+                  </a:gsLst>
+                  <a:lin ang="13500000" scaled="1"/>
+                </a:gradFill>
+                <a:latin typeface="Nunito ExtraBold" panose="00000900000000000000" pitchFamily="2" charset="0"/>
+              </a:rPr>
+              <a:t>Q2 2019</a:t>
+            </a:r>
+            <a:endParaRPr lang="en-GB" sz="3600" b="1" dirty="0">
+              <a:gradFill>
+                <a:gsLst>
+                  <a:gs pos="100000">
+                    <a:srgbClr val="EA6984"/>
+                  </a:gs>
+                  <a:gs pos="0">
+                    <a:srgbClr val="D56AA0"/>
+                  </a:gs>
+                </a:gsLst>
+                <a:lin ang="13500000" scaled="1"/>
+              </a:gradFill>
+              <a:latin typeface="Nunito ExtraBold" panose="00000900000000000000" pitchFamily="2" charset="0"/>
+            </a:endParaRPr>
+          </a:p>
+        </p:txBody>
+      </p:sp>
+      <p:sp>
+        <p:nvSpPr>
+          <p:cNvPr id="42" name="TextBox 41"/>
+          <p:cNvSpPr txBox="1"/>
+          <p:nvPr/>
+        </p:nvSpPr>
+        <p:spPr>
+          <a:xfrm>
+            <a:off x="9255419" y="2175342"/>
+            <a:ext cx="2253762" cy="646331"/>
+          </a:xfrm>
+          <a:prstGeom prst="rect">
+            <a:avLst/>
+          </a:prstGeom>
+          <a:noFill/>
+        </p:spPr>
+        <p:txBody>
+          <a:bodyPr wrap="square" rtlCol="0">
+            <a:spAutoFit/>
+          </a:bodyPr>
+          <a:lstStyle/>
+          <a:p>
+            <a:pPr algn="ctr"/>
+            <a:r>
+              <a:rPr lang="en-GB" sz="3600" b="1" dirty="0" smtClean="0">
+                <a:gradFill>
+                  <a:gsLst>
+                    <a:gs pos="100000">
+                      <a:srgbClr val="EA6984"/>
+                    </a:gs>
+                    <a:gs pos="0">
+                      <a:srgbClr val="D56AA0"/>
+                    </a:gs>
+                  </a:gsLst>
+                  <a:lin ang="13500000" scaled="1"/>
+                </a:gradFill>
+                <a:latin typeface="Nunito ExtraBold" panose="00000900000000000000" pitchFamily="2" charset="0"/>
+              </a:rPr>
+              <a:t>Q3 2019</a:t>
+            </a:r>
+            <a:endParaRPr lang="en-GB" sz="3600" b="1" dirty="0">
+              <a:gradFill>
+                <a:gsLst>
+                  <a:gs pos="100000">
+                    <a:srgbClr val="EA6984"/>
+                  </a:gs>
+                  <a:gs pos="0">
+                    <a:srgbClr val="D56AA0"/>
+                  </a:gs>
+                </a:gsLst>
+                <a:lin ang="13500000" scaled="1"/>
+              </a:gradFill>
+              <a:latin typeface="Nunito ExtraBold" panose="00000900000000000000" pitchFamily="2" charset="0"/>
+            </a:endParaRPr>
+          </a:p>
+        </p:txBody>
+      </p:sp>
+      <p:sp>
+        <p:nvSpPr>
+          <p:cNvPr id="43" name="TextBox 42"/>
+          <p:cNvSpPr txBox="1"/>
+          <p:nvPr/>
+        </p:nvSpPr>
+        <p:spPr>
+          <a:xfrm>
+            <a:off x="639109" y="4761007"/>
+            <a:ext cx="2481943" cy="584775"/>
+          </a:xfrm>
+          <a:prstGeom prst="rect">
+            <a:avLst/>
+          </a:prstGeom>
+          <a:noFill/>
+        </p:spPr>
+        <p:txBody>
+          <a:bodyPr wrap="square" rtlCol="0">
+            <a:spAutoFit/>
+          </a:bodyPr>
+          <a:lstStyle/>
+          <a:p>
+            <a:pPr algn="ctr"/>
+            <a:r>
+              <a:rPr lang="en-GB" sz="3200" b="1" dirty="0" smtClean="0">
+                <a:solidFill>
+                  <a:schemeClr val="tx1">
+                    <a:lumMod val="75000"/>
+                    <a:lumOff val="25000"/>
+                  </a:schemeClr>
+                </a:solidFill>
+                <a:latin typeface="Nunito ExtraBold" panose="00000900000000000000" pitchFamily="2" charset="0"/>
+              </a:rPr>
+              <a:t>Research</a:t>
+            </a:r>
+            <a:endParaRPr lang="en-GB" sz="3200" b="1" dirty="0">
+              <a:solidFill>
+                <a:schemeClr val="tx1">
+                  <a:lumMod val="75000"/>
+                  <a:lumOff val="25000"/>
+                </a:schemeClr>
+              </a:solidFill>
+              <a:latin typeface="Nunito ExtraBold" panose="00000900000000000000" pitchFamily="2" charset="0"/>
+            </a:endParaRPr>
+          </a:p>
+        </p:txBody>
+      </p:sp>
+      <p:sp>
+        <p:nvSpPr>
+          <p:cNvPr id="44" name="TextBox 43"/>
+          <p:cNvSpPr txBox="1"/>
+          <p:nvPr/>
+        </p:nvSpPr>
+        <p:spPr>
+          <a:xfrm>
+            <a:off x="3512968" y="4740802"/>
+            <a:ext cx="2481943" cy="584775"/>
+          </a:xfrm>
+          <a:prstGeom prst="rect">
+            <a:avLst/>
+          </a:prstGeom>
+          <a:noFill/>
+        </p:spPr>
+        <p:txBody>
+          <a:bodyPr wrap="square" rtlCol="0">
+            <a:spAutoFit/>
+          </a:bodyPr>
+          <a:lstStyle/>
+          <a:p>
+            <a:pPr algn="ctr"/>
+            <a:r>
+              <a:rPr lang="en-GB" sz="3200" b="1" dirty="0" smtClean="0">
+                <a:solidFill>
+                  <a:schemeClr val="tx1">
+                    <a:lumMod val="75000"/>
+                    <a:lumOff val="25000"/>
+                  </a:schemeClr>
+                </a:solidFill>
+                <a:latin typeface="Nunito ExtraBold" panose="00000900000000000000" pitchFamily="2" charset="0"/>
+              </a:rPr>
+              <a:t>MVP</a:t>
+            </a:r>
+            <a:endParaRPr lang="en-GB" sz="3200" b="1" dirty="0">
+              <a:solidFill>
+                <a:schemeClr val="tx1">
+                  <a:lumMod val="75000"/>
+                  <a:lumOff val="25000"/>
+                </a:schemeClr>
+              </a:solidFill>
+              <a:latin typeface="Nunito ExtraBold" panose="00000900000000000000" pitchFamily="2" charset="0"/>
+            </a:endParaRPr>
+          </a:p>
+        </p:txBody>
+      </p:sp>
+      <p:sp>
+        <p:nvSpPr>
+          <p:cNvPr id="45" name="TextBox 44"/>
+          <p:cNvSpPr txBox="1"/>
+          <p:nvPr/>
+        </p:nvSpPr>
+        <p:spPr>
+          <a:xfrm>
+            <a:off x="6386827" y="4702352"/>
+            <a:ext cx="2481943" cy="584775"/>
+          </a:xfrm>
+          <a:prstGeom prst="rect">
+            <a:avLst/>
+          </a:prstGeom>
+          <a:noFill/>
+        </p:spPr>
+        <p:txBody>
+          <a:bodyPr wrap="square" rtlCol="0">
+            <a:spAutoFit/>
+          </a:bodyPr>
+          <a:lstStyle/>
+          <a:p>
+            <a:pPr algn="ctr"/>
+            <a:r>
+              <a:rPr lang="en-GB" sz="3200" b="1" dirty="0" smtClean="0">
+                <a:solidFill>
+                  <a:schemeClr val="tx1">
+                    <a:lumMod val="75000"/>
+                    <a:lumOff val="25000"/>
+                  </a:schemeClr>
+                </a:solidFill>
+                <a:latin typeface="Nunito ExtraBold" panose="00000900000000000000" pitchFamily="2" charset="0"/>
+              </a:rPr>
+              <a:t>Beta</a:t>
+            </a:r>
+            <a:endParaRPr lang="en-GB" sz="3200" b="1" dirty="0">
+              <a:solidFill>
+                <a:schemeClr val="tx1">
+                  <a:lumMod val="75000"/>
+                  <a:lumOff val="25000"/>
+                </a:schemeClr>
+              </a:solidFill>
+              <a:latin typeface="Nunito ExtraBold" panose="00000900000000000000" pitchFamily="2" charset="0"/>
+            </a:endParaRPr>
+          </a:p>
+        </p:txBody>
+      </p:sp>
+      <p:sp>
+        <p:nvSpPr>
+          <p:cNvPr id="46" name="TextBox 45"/>
+          <p:cNvSpPr txBox="1"/>
+          <p:nvPr/>
+        </p:nvSpPr>
+        <p:spPr>
+          <a:xfrm>
+            <a:off x="9150502" y="4708555"/>
+            <a:ext cx="2481943" cy="584775"/>
+          </a:xfrm>
+          <a:prstGeom prst="rect">
+            <a:avLst/>
+          </a:prstGeom>
+          <a:noFill/>
+        </p:spPr>
+        <p:txBody>
+          <a:bodyPr wrap="square" rtlCol="0">
+            <a:spAutoFit/>
+          </a:bodyPr>
+          <a:lstStyle/>
+          <a:p>
+            <a:pPr algn="ctr"/>
+            <a:r>
+              <a:rPr lang="en-GB" sz="3200" b="1" dirty="0" smtClean="0">
+                <a:solidFill>
+                  <a:schemeClr val="tx1">
+                    <a:lumMod val="75000"/>
+                    <a:lumOff val="25000"/>
+                  </a:schemeClr>
+                </a:solidFill>
+                <a:latin typeface="Nunito ExtraBold" panose="00000900000000000000" pitchFamily="2" charset="0"/>
+              </a:rPr>
+              <a:t>Pilot</a:t>
+            </a:r>
+            <a:endParaRPr lang="en-GB" sz="3200" b="1" dirty="0">
+              <a:solidFill>
+                <a:schemeClr val="tx1">
+                  <a:lumMod val="75000"/>
+                  <a:lumOff val="25000"/>
+                </a:schemeClr>
+              </a:solidFill>
+              <a:latin typeface="Nunito ExtraBold" panose="00000900000000000000" pitchFamily="2" charset="0"/>
+            </a:endParaRPr>
+          </a:p>
+        </p:txBody>
+      </p:sp>
     </p:spTree>
     <p:extLst>
       <p:ext uri="{BB962C8B-B14F-4D97-AF65-F5344CB8AC3E}">

--- a/presentation/softuniada/presentation.pptx
+++ b/presentation/softuniada/presentation.pptx
@@ -9,6 +9,7 @@
     <p:sldId id="257" r:id="rId3"/>
     <p:sldId id="258" r:id="rId4"/>
     <p:sldId id="259" r:id="rId5"/>
+    <p:sldId id="260" r:id="rId6"/>
   </p:sldIdLst>
   <p:sldSz cx="12192000" cy="6858000"/>
   <p:notesSz cx="6858000" cy="9144000"/>
@@ -3093,7 +3094,7 @@
                     <a:lumOff val="25000"/>
                   </a:schemeClr>
                 </a:solidFill>
-                <a:latin typeface="Nunito" panose="00000500000000000000" pitchFamily="2" charset="0"/>
+                <a:latin typeface="Nunito ExtraBold" panose="00000900000000000000" pitchFamily="2" charset="0"/>
               </a:rPr>
               <a:t>Placing orders has never been faster.</a:t>
             </a:r>
@@ -3104,7 +3105,7 @@
                   <a:lumOff val="25000"/>
                 </a:schemeClr>
               </a:solidFill>
-              <a:latin typeface="Nunito" panose="00000500000000000000" pitchFamily="2" charset="0"/>
+              <a:latin typeface="Nunito ExtraBold" panose="00000900000000000000" pitchFamily="2" charset="0"/>
             </a:endParaRPr>
           </a:p>
         </p:txBody>
@@ -3299,6 +3300,14 @@
   <p:clrMapOvr>
     <a:masterClrMapping/>
   </p:clrMapOvr>
+  <mc:AlternateContent xmlns:mc="http://schemas.openxmlformats.org/markup-compatibility/2006">
+    <mc:Choice xmlns:p14="http://schemas.microsoft.com/office/powerpoint/2010/main" Requires="p14">
+      <p:transition p14:dur="0"/>
+    </mc:Choice>
+    <mc:Fallback>
+      <p:transition/>
+    </mc:Fallback>
+  </mc:AlternateContent>
   <p:timing>
     <p:tnLst>
       <p:par>
@@ -3664,6 +3673,14 @@
   <p:clrMapOvr>
     <a:masterClrMapping/>
   </p:clrMapOvr>
+  <mc:AlternateContent xmlns:mc="http://schemas.openxmlformats.org/markup-compatibility/2006">
+    <mc:Choice xmlns:p14="http://schemas.microsoft.com/office/powerpoint/2010/main" Requires="p14">
+      <p:transition p14:dur="0"/>
+    </mc:Choice>
+    <mc:Fallback>
+      <p:transition/>
+    </mc:Fallback>
+  </mc:AlternateContent>
   <p:timing>
     <p:tnLst>
       <p:par>
@@ -3855,7 +3872,7 @@
                     <a:lumOff val="25000"/>
                   </a:schemeClr>
                 </a:solidFill>
-                <a:latin typeface="Nunito" panose="00000500000000000000" pitchFamily="2" charset="0"/>
+                <a:latin typeface="Nunito ExtraBold" panose="00000900000000000000" pitchFamily="2" charset="0"/>
               </a:rPr>
               <a:t>- Fast, responsive and beautiful web app</a:t>
             </a:r>
@@ -3869,7 +3886,7 @@
                   <a:lumOff val="25000"/>
                 </a:schemeClr>
               </a:solidFill>
-              <a:latin typeface="Nunito" panose="00000500000000000000" pitchFamily="2" charset="0"/>
+              <a:latin typeface="Nunito ExtraBold" panose="00000900000000000000" pitchFamily="2" charset="0"/>
             </a:endParaRPr>
           </a:p>
           <a:p>
@@ -3882,7 +3899,7 @@
                     <a:lumOff val="25000"/>
                   </a:schemeClr>
                 </a:solidFill>
-                <a:latin typeface="Nunito" panose="00000500000000000000" pitchFamily="2" charset="0"/>
+                <a:latin typeface="Nunito ExtraBold" panose="00000900000000000000" pitchFamily="2" charset="0"/>
               </a:rPr>
               <a:t>- Quickly order the food that you desire</a:t>
             </a:r>
@@ -3893,7 +3910,7 @@
                   <a:lumOff val="25000"/>
                 </a:schemeClr>
               </a:solidFill>
-              <a:latin typeface="Nunito" panose="00000500000000000000" pitchFamily="2" charset="0"/>
+              <a:latin typeface="Nunito ExtraBold" panose="00000900000000000000" pitchFamily="2" charset="0"/>
             </a:endParaRPr>
           </a:p>
           <a:p>
@@ -3905,7 +3922,7 @@
                   <a:lumOff val="25000"/>
                 </a:schemeClr>
               </a:solidFill>
-              <a:latin typeface="Nunito" panose="00000500000000000000" pitchFamily="2" charset="0"/>
+              <a:latin typeface="Nunito ExtraBold" panose="00000900000000000000" pitchFamily="2" charset="0"/>
             </a:endParaRPr>
           </a:p>
           <a:p>
@@ -3918,7 +3935,7 @@
                     <a:lumOff val="25000"/>
                   </a:schemeClr>
                 </a:solidFill>
-                <a:latin typeface="Nunito" panose="00000500000000000000" pitchFamily="2" charset="0"/>
+                <a:latin typeface="Nunito ExtraBold" panose="00000900000000000000" pitchFamily="2" charset="0"/>
               </a:rPr>
               <a:t>- No registrations required</a:t>
             </a:r>
@@ -3935,7 +3952,7 @@
                   <a:lumOff val="25000"/>
                 </a:schemeClr>
               </a:solidFill>
-              <a:latin typeface="Nunito" panose="00000500000000000000" pitchFamily="2" charset="0"/>
+              <a:latin typeface="Nunito ExtraBold" panose="00000900000000000000" pitchFamily="2" charset="0"/>
             </a:endParaRPr>
           </a:p>
           <a:p>
@@ -3948,7 +3965,7 @@
                     <a:lumOff val="25000"/>
                   </a:schemeClr>
                 </a:solidFill>
-                <a:latin typeface="Nunito" panose="00000500000000000000" pitchFamily="2" charset="0"/>
+                <a:latin typeface="Nunito ExtraBold" panose="00000900000000000000" pitchFamily="2" charset="0"/>
               </a:rPr>
               <a:t>- Use on any device</a:t>
             </a:r>
@@ -3959,7 +3976,7 @@
                   <a:lumOff val="25000"/>
                 </a:schemeClr>
               </a:solidFill>
-              <a:latin typeface="Nunito" panose="00000500000000000000" pitchFamily="2" charset="0"/>
+              <a:latin typeface="Nunito ExtraBold" panose="00000900000000000000" pitchFamily="2" charset="0"/>
             </a:endParaRPr>
           </a:p>
         </p:txBody>
@@ -4088,6 +4105,14 @@
   <p:clrMapOvr>
     <a:masterClrMapping/>
   </p:clrMapOvr>
+  <mc:AlternateContent xmlns:mc="http://schemas.openxmlformats.org/markup-compatibility/2006">
+    <mc:Choice xmlns:p14="http://schemas.microsoft.com/office/powerpoint/2010/main" Requires="p14">
+      <p:transition p14:dur="0"/>
+    </mc:Choice>
+    <mc:Fallback>
+      <p:transition/>
+    </mc:Fallback>
+  </mc:AlternateContent>
   <p:timing>
     <p:tnLst>
       <p:par>
@@ -5325,7 +5350,7 @@
         </p:nvSpPr>
         <p:spPr>
           <a:xfrm>
-            <a:off x="6386827" y="4702352"/>
+            <a:off x="6386827" y="4700774"/>
             <a:ext cx="2481943" cy="584775"/>
           </a:xfrm>
           <a:prstGeom prst="rect">
@@ -5372,7 +5397,7 @@
         </p:nvSpPr>
         <p:spPr>
           <a:xfrm>
-            <a:off x="9150502" y="4708555"/>
+            <a:off x="9150502" y="4712030"/>
             <a:ext cx="2481943" cy="584775"/>
           </a:xfrm>
           <a:prstGeom prst="rect">
@@ -5421,6 +5446,276 @@
   <p:clrMapOvr>
     <a:masterClrMapping/>
   </p:clrMapOvr>
+  <mc:AlternateContent xmlns:mc="http://schemas.openxmlformats.org/markup-compatibility/2006">
+    <mc:Choice xmlns:p14="http://schemas.microsoft.com/office/powerpoint/2010/main" Requires="p14">
+      <p:transition p14:dur="0"/>
+    </mc:Choice>
+    <mc:Fallback>
+      <p:transition/>
+    </mc:Fallback>
+  </mc:AlternateContent>
+  <p:timing>
+    <p:tnLst>
+      <p:par>
+        <p:cTn id="1" dur="indefinite" restart="never" nodeType="tmRoot"/>
+      </p:par>
+    </p:tnLst>
+  </p:timing>
+</p:sld>
+</file>
+
+<file path=ppt/slides/slide5.xml><?xml version="1.0" encoding="utf-8"?>
+<p:sld xmlns:a="http://schemas.openxmlformats.org/drawingml/2006/main" xmlns:r="http://schemas.openxmlformats.org/officeDocument/2006/relationships" xmlns:p="http://schemas.openxmlformats.org/presentationml/2006/main">
+  <p:cSld>
+    <p:bg>
+      <p:bgPr>
+        <a:solidFill>
+          <a:schemeClr val="bg1"/>
+        </a:solidFill>
+        <a:effectLst/>
+      </p:bgPr>
+    </p:bg>
+    <p:spTree>
+      <p:nvGrpSpPr>
+        <p:cNvPr id="1" name=""/>
+        <p:cNvGrpSpPr/>
+        <p:nvPr/>
+      </p:nvGrpSpPr>
+      <p:grpSpPr>
+        <a:xfrm>
+          <a:off x="0" y="0"/>
+          <a:ext cx="0" cy="0"/>
+          <a:chOff x="0" y="0"/>
+          <a:chExt cx="0" cy="0"/>
+        </a:xfrm>
+      </p:grpSpPr>
+      <p:sp>
+        <p:nvSpPr>
+          <p:cNvPr id="2" name="Title 1"/>
+          <p:cNvSpPr>
+            <a:spLocks noGrp="1"/>
+          </p:cNvSpPr>
+          <p:nvPr>
+            <p:ph type="ctrTitle"/>
+          </p:nvPr>
+        </p:nvSpPr>
+        <p:spPr>
+          <a:xfrm>
+            <a:off x="2318658" y="-653519"/>
+            <a:ext cx="9144000" cy="2387600"/>
+          </a:xfrm>
+        </p:spPr>
+        <p:txBody>
+          <a:bodyPr>
+            <a:normAutofit fontScale="90000"/>
+          </a:bodyPr>
+          <a:lstStyle/>
+          <a:p>
+            <a:pPr algn="r"/>
+            <a:r>
+              <a:rPr lang="en-GB" sz="8800" b="1" dirty="0" smtClean="0">
+                <a:gradFill flip="none" rotWithShape="1">
+                  <a:gsLst>
+                    <a:gs pos="100000">
+                      <a:srgbClr val="EA6984"/>
+                    </a:gs>
+                    <a:gs pos="0">
+                      <a:srgbClr val="D56AA0"/>
+                    </a:gs>
+                  </a:gsLst>
+                  <a:lin ang="13500000" scaled="1"/>
+                  <a:tileRect/>
+                </a:gradFill>
+                <a:latin typeface="Nunito ExtraBold" panose="00000900000000000000" pitchFamily="2" charset="0"/>
+              </a:rPr>
+              <a:t>How does it work?</a:t>
+            </a:r>
+            <a:endParaRPr lang="en-GB" sz="4000" b="1" dirty="0">
+              <a:gradFill flip="none" rotWithShape="1">
+                <a:gsLst>
+                  <a:gs pos="100000">
+                    <a:srgbClr val="EA6984"/>
+                  </a:gs>
+                  <a:gs pos="0">
+                    <a:srgbClr val="D56AA0"/>
+                  </a:gs>
+                </a:gsLst>
+                <a:lin ang="13500000" scaled="1"/>
+                <a:tileRect/>
+              </a:gradFill>
+              <a:latin typeface="Nunito ExtraBold" panose="00000900000000000000" pitchFamily="2" charset="0"/>
+            </a:endParaRPr>
+          </a:p>
+        </p:txBody>
+      </p:sp>
+      <p:pic>
+        <p:nvPicPr>
+          <p:cNvPr id="16" name="Picture 15"/>
+          <p:cNvPicPr>
+            <a:picLocks noChangeAspect="1"/>
+          </p:cNvPicPr>
+          <p:nvPr/>
+        </p:nvPicPr>
+        <p:blipFill>
+          <a:blip r:embed="rId2" cstate="print">
+            <a:extLst>
+              <a:ext uri="{28A0092B-C50C-407E-A947-70E740481C1C}">
+                <a14:useLocalDpi xmlns:a14="http://schemas.microsoft.com/office/drawing/2010/main" val="0"/>
+              </a:ext>
+            </a:extLst>
+          </a:blip>
+          <a:stretch>
+            <a:fillRect/>
+          </a:stretch>
+        </p:blipFill>
+        <p:spPr>
+          <a:xfrm rot="11346299">
+            <a:off x="8807491" y="2656255"/>
+            <a:ext cx="6769017" cy="6769017"/>
+          </a:xfrm>
+          <a:prstGeom prst="rect">
+            <a:avLst/>
+          </a:prstGeom>
+          <a:noFill/>
+          <a:ln>
+            <a:noFill/>
+          </a:ln>
+        </p:spPr>
+      </p:pic>
+      <p:grpSp>
+        <p:nvGrpSpPr>
+          <p:cNvPr id="10" name="Group 9"/>
+          <p:cNvGrpSpPr/>
+          <p:nvPr/>
+        </p:nvGrpSpPr>
+        <p:grpSpPr>
+          <a:xfrm>
+            <a:off x="-2982265" y="-4038029"/>
+            <a:ext cx="6769017" cy="6769017"/>
+            <a:chOff x="-2982265" y="-4038029"/>
+            <a:chExt cx="6769017" cy="6769017"/>
+          </a:xfrm>
+        </p:grpSpPr>
+        <p:pic>
+          <p:nvPicPr>
+            <p:cNvPr id="17" name="Picture 16"/>
+            <p:cNvPicPr>
+              <a:picLocks noChangeAspect="1"/>
+            </p:cNvPicPr>
+            <p:nvPr/>
+          </p:nvPicPr>
+          <p:blipFill>
+            <a:blip r:embed="rId3" cstate="print">
+              <a:extLst>
+                <a:ext uri="{BEBA8EAE-BF5A-486C-A8C5-ECC9F3942E4B}">
+                  <a14:imgProps xmlns:a14="http://schemas.microsoft.com/office/drawing/2010/main">
+                    <a14:imgLayer r:embed="rId4">
+                      <a14:imgEffect>
+                        <a14:colorTemperature colorTemp="11200"/>
+                      </a14:imgEffect>
+                    </a14:imgLayer>
+                  </a14:imgProps>
+                </a:ext>
+                <a:ext uri="{28A0092B-C50C-407E-A947-70E740481C1C}">
+                  <a14:useLocalDpi xmlns:a14="http://schemas.microsoft.com/office/drawing/2010/main" val="0"/>
+                </a:ext>
+              </a:extLst>
+            </a:blip>
+            <a:stretch>
+              <a:fillRect/>
+            </a:stretch>
+          </p:blipFill>
+          <p:spPr>
+            <a:xfrm rot="8119872">
+              <a:off x="-2982265" y="-4038029"/>
+              <a:ext cx="6769017" cy="6769017"/>
+            </a:xfrm>
+            <a:prstGeom prst="rect">
+              <a:avLst/>
+            </a:prstGeom>
+            <a:ln>
+              <a:noFill/>
+            </a:ln>
+          </p:spPr>
+        </p:pic>
+        <p:pic>
+          <p:nvPicPr>
+            <p:cNvPr id="18" name="Picture 17"/>
+            <p:cNvPicPr>
+              <a:picLocks noChangeAspect="1"/>
+            </p:cNvPicPr>
+            <p:nvPr/>
+          </p:nvPicPr>
+          <p:blipFill>
+            <a:blip r:embed="rId5" cstate="print">
+              <a:extLst>
+                <a:ext uri="{28A0092B-C50C-407E-A947-70E740481C1C}">
+                  <a14:useLocalDpi xmlns:a14="http://schemas.microsoft.com/office/drawing/2010/main" val="0"/>
+                </a:ext>
+              </a:extLst>
+            </a:blip>
+            <a:stretch>
+              <a:fillRect/>
+            </a:stretch>
+          </p:blipFill>
+          <p:spPr>
+            <a:xfrm>
+              <a:off x="-1377" y="178861"/>
+              <a:ext cx="1793583" cy="1793583"/>
+            </a:xfrm>
+            <a:prstGeom prst="rect">
+              <a:avLst/>
+            </a:prstGeom>
+            <a:ln>
+              <a:noFill/>
+            </a:ln>
+          </p:spPr>
+        </p:pic>
+      </p:grpSp>
+      <p:sp>
+        <p:nvSpPr>
+          <p:cNvPr id="8" name="TextBox 7"/>
+          <p:cNvSpPr txBox="1"/>
+          <p:nvPr/>
+        </p:nvSpPr>
+        <p:spPr>
+          <a:xfrm>
+            <a:off x="1019175" y="3350020"/>
+            <a:ext cx="1009650" cy="688580"/>
+          </a:xfrm>
+          <a:prstGeom prst="rect">
+            <a:avLst/>
+          </a:prstGeom>
+          <a:noFill/>
+        </p:spPr>
+        <p:txBody>
+          <a:bodyPr wrap="square" rtlCol="0">
+            <a:spAutoFit/>
+          </a:bodyPr>
+          <a:lstStyle/>
+          <a:p>
+            <a:endParaRPr lang="en-GB" dirty="0"/>
+          </a:p>
+        </p:txBody>
+      </p:sp>
+    </p:spTree>
+    <p:extLst>
+      <p:ext uri="{BB962C8B-B14F-4D97-AF65-F5344CB8AC3E}">
+        <p14:creationId xmlns:p14="http://schemas.microsoft.com/office/powerpoint/2010/main" val="3557431691"/>
+      </p:ext>
+    </p:extLst>
+  </p:cSld>
+  <p:clrMapOvr>
+    <a:masterClrMapping/>
+  </p:clrMapOvr>
+  <mc:AlternateContent xmlns:mc="http://schemas.openxmlformats.org/markup-compatibility/2006">
+    <mc:Choice xmlns:p14="http://schemas.microsoft.com/office/powerpoint/2010/main" Requires="p14">
+      <p:transition p14:dur="0"/>
+    </mc:Choice>
+    <mc:Fallback>
+      <p:transition/>
+    </mc:Fallback>
+  </mc:AlternateContent>
   <p:timing>
     <p:tnLst>
       <p:par>

--- a/presentation/softuniada/presentation.pptx
+++ b/presentation/softuniada/presentation.pptx
@@ -108,6 +108,11 @@
       </a:defRPr>
     </a:lvl9pPr>
   </p:defaultTextStyle>
+  <p:extLst>
+    <p:ext uri="{EFAFB233-063F-42B5-8137-9DF3F51BA10A}">
+      <p15:sldGuideLst xmlns:p15="http://schemas.microsoft.com/office/powerpoint/2012/main"/>
+    </p:ext>
+  </p:extLst>
 </p:presentation>
 </file>
 
@@ -242,7 +247,7 @@
           <a:p>
             <a:fld id="{3F05D807-3FBC-4F6F-9B3B-F8E209AEAD47}" type="datetimeFigureOut">
               <a:rPr lang="en-GB" smtClean="0"/>
-              <a:t>17/04/2019</a:t>
+              <a:t>18/04/2019</a:t>
             </a:fld>
             <a:endParaRPr lang="en-GB"/>
           </a:p>
@@ -412,7 +417,7 @@
           <a:p>
             <a:fld id="{3F05D807-3FBC-4F6F-9B3B-F8E209AEAD47}" type="datetimeFigureOut">
               <a:rPr lang="en-GB" smtClean="0"/>
-              <a:t>17/04/2019</a:t>
+              <a:t>18/04/2019</a:t>
             </a:fld>
             <a:endParaRPr lang="en-GB"/>
           </a:p>
@@ -592,7 +597,7 @@
           <a:p>
             <a:fld id="{3F05D807-3FBC-4F6F-9B3B-F8E209AEAD47}" type="datetimeFigureOut">
               <a:rPr lang="en-GB" smtClean="0"/>
-              <a:t>17/04/2019</a:t>
+              <a:t>18/04/2019</a:t>
             </a:fld>
             <a:endParaRPr lang="en-GB"/>
           </a:p>
@@ -762,7 +767,7 @@
           <a:p>
             <a:fld id="{3F05D807-3FBC-4F6F-9B3B-F8E209AEAD47}" type="datetimeFigureOut">
               <a:rPr lang="en-GB" smtClean="0"/>
-              <a:t>17/04/2019</a:t>
+              <a:t>18/04/2019</a:t>
             </a:fld>
             <a:endParaRPr lang="en-GB"/>
           </a:p>
@@ -1008,7 +1013,7 @@
           <a:p>
             <a:fld id="{3F05D807-3FBC-4F6F-9B3B-F8E209AEAD47}" type="datetimeFigureOut">
               <a:rPr lang="en-GB" smtClean="0"/>
-              <a:t>17/04/2019</a:t>
+              <a:t>18/04/2019</a:t>
             </a:fld>
             <a:endParaRPr lang="en-GB"/>
           </a:p>
@@ -1240,7 +1245,7 @@
           <a:p>
             <a:fld id="{3F05D807-3FBC-4F6F-9B3B-F8E209AEAD47}" type="datetimeFigureOut">
               <a:rPr lang="en-GB" smtClean="0"/>
-              <a:t>17/04/2019</a:t>
+              <a:t>18/04/2019</a:t>
             </a:fld>
             <a:endParaRPr lang="en-GB"/>
           </a:p>
@@ -1607,7 +1612,7 @@
           <a:p>
             <a:fld id="{3F05D807-3FBC-4F6F-9B3B-F8E209AEAD47}" type="datetimeFigureOut">
               <a:rPr lang="en-GB" smtClean="0"/>
-              <a:t>17/04/2019</a:t>
+              <a:t>18/04/2019</a:t>
             </a:fld>
             <a:endParaRPr lang="en-GB"/>
           </a:p>
@@ -1725,7 +1730,7 @@
           <a:p>
             <a:fld id="{3F05D807-3FBC-4F6F-9B3B-F8E209AEAD47}" type="datetimeFigureOut">
               <a:rPr lang="en-GB" smtClean="0"/>
-              <a:t>17/04/2019</a:t>
+              <a:t>18/04/2019</a:t>
             </a:fld>
             <a:endParaRPr lang="en-GB"/>
           </a:p>
@@ -1820,7 +1825,7 @@
           <a:p>
             <a:fld id="{3F05D807-3FBC-4F6F-9B3B-F8E209AEAD47}" type="datetimeFigureOut">
               <a:rPr lang="en-GB" smtClean="0"/>
-              <a:t>17/04/2019</a:t>
+              <a:t>18/04/2019</a:t>
             </a:fld>
             <a:endParaRPr lang="en-GB"/>
           </a:p>
@@ -2097,7 +2102,7 @@
           <a:p>
             <a:fld id="{3F05D807-3FBC-4F6F-9B3B-F8E209AEAD47}" type="datetimeFigureOut">
               <a:rPr lang="en-GB" smtClean="0"/>
-              <a:t>17/04/2019</a:t>
+              <a:t>18/04/2019</a:t>
             </a:fld>
             <a:endParaRPr lang="en-GB"/>
           </a:p>
@@ -2350,7 +2355,7 @@
           <a:p>
             <a:fld id="{3F05D807-3FBC-4F6F-9B3B-F8E209AEAD47}" type="datetimeFigureOut">
               <a:rPr lang="en-GB" smtClean="0"/>
-              <a:t>17/04/2019</a:t>
+              <a:t>18/04/2019</a:t>
             </a:fld>
             <a:endParaRPr lang="en-GB"/>
           </a:p>
@@ -2563,7 +2568,7 @@
           <a:p>
             <a:fld id="{3F05D807-3FBC-4F6F-9B3B-F8E209AEAD47}" type="datetimeFigureOut">
               <a:rPr lang="en-GB" smtClean="0"/>
-              <a:t>17/04/2019</a:t>
+              <a:t>18/04/2019</a:t>
             </a:fld>
             <a:endParaRPr lang="en-GB"/>
           </a:p>
@@ -3012,7 +3017,7 @@
                   </a:gsLst>
                   <a:lin ang="13500000" scaled="1"/>
                 </a:gradFill>
-                <a:latin typeface="Nunito ExtraBold" panose="00000900000000000000" pitchFamily="2" charset="0"/>
+                <a:latin typeface="Nunito" panose="00000500000000000000" pitchFamily="2" charset="0"/>
               </a:rPr>
               <a:t>LuncherBox</a:t>
             </a:r>
@@ -3028,7 +3033,7 @@
                 </a:gsLst>
                 <a:lin ang="13500000" scaled="1"/>
               </a:gradFill>
-              <a:latin typeface="Nunito ExtraBold" panose="00000900000000000000" pitchFamily="2" charset="0"/>
+              <a:latin typeface="Nunito" panose="00000500000000000000" pitchFamily="2" charset="0"/>
             </a:endParaRPr>
           </a:p>
         </p:txBody>
@@ -3094,7 +3099,7 @@
                     <a:lumOff val="25000"/>
                   </a:schemeClr>
                 </a:solidFill>
-                <a:latin typeface="Nunito ExtraBold" panose="00000900000000000000" pitchFamily="2" charset="0"/>
+                <a:latin typeface="Nunito" panose="00000500000000000000" pitchFamily="2" charset="0"/>
               </a:rPr>
               <a:t>Placing orders has never been faster.</a:t>
             </a:r>
@@ -3105,7 +3110,7 @@
                   <a:lumOff val="25000"/>
                 </a:schemeClr>
               </a:solidFill>
-              <a:latin typeface="Nunito ExtraBold" panose="00000900000000000000" pitchFamily="2" charset="0"/>
+              <a:latin typeface="Nunito" panose="00000500000000000000" pitchFamily="2" charset="0"/>
             </a:endParaRPr>
           </a:p>
         </p:txBody>
@@ -3300,11 +3305,11 @@
   <p:clrMapOvr>
     <a:masterClrMapping/>
   </p:clrMapOvr>
-  <mc:AlternateContent xmlns:mc="http://schemas.openxmlformats.org/markup-compatibility/2006">
-    <mc:Choice xmlns:p14="http://schemas.microsoft.com/office/powerpoint/2010/main" Requires="p14">
+  <mc:AlternateContent xmlns:mc="http://schemas.openxmlformats.org/markup-compatibility/2006" xmlns:p14="http://schemas.microsoft.com/office/powerpoint/2010/main">
+    <mc:Choice Requires="p14">
       <p:transition p14:dur="0"/>
     </mc:Choice>
-    <mc:Fallback>
+    <mc:Fallback xmlns="">
       <p:transition/>
     </mc:Fallback>
   </mc:AlternateContent>
@@ -3380,7 +3385,7 @@
                   <a:lin ang="13500000" scaled="1"/>
                   <a:tileRect/>
                 </a:gradFill>
-                <a:latin typeface="Nunito ExtraBold" panose="00000900000000000000" pitchFamily="2" charset="0"/>
+                <a:latin typeface="Nunito" panose="00000500000000000000" pitchFamily="2" charset="0"/>
               </a:rPr>
               <a:t>The problem</a:t>
             </a:r>
@@ -3397,7 +3402,7 @@
                 <a:lin ang="13500000" scaled="1"/>
                 <a:tileRect/>
               </a:gradFill>
-              <a:latin typeface="Nunito ExtraBold" panose="00000900000000000000" pitchFamily="2" charset="0"/>
+              <a:latin typeface="Nunito" panose="00000500000000000000" pitchFamily="2" charset="0"/>
             </a:endParaRPr>
           </a:p>
         </p:txBody>
@@ -3411,7 +3416,7 @@
         <p:spPr>
           <a:xfrm>
             <a:off x="6687460" y="1782237"/>
-            <a:ext cx="4702628" cy="4401205"/>
+            <a:ext cx="4702628" cy="3970318"/>
           </a:xfrm>
           <a:prstGeom prst="rect">
             <a:avLst/>
@@ -3426,91 +3431,79 @@
           <a:p>
             <a:pPr lvl="1"/>
             <a:r>
-              <a:rPr lang="en-GB" sz="2800" dirty="0" smtClean="0">
+              <a:rPr lang="en-GB" sz="2800" b="1" dirty="0" smtClean="0">
                 <a:solidFill>
                   <a:schemeClr val="tx1">
                     <a:lumMod val="75000"/>
                     <a:lumOff val="25000"/>
                   </a:schemeClr>
                 </a:solidFill>
-                <a:latin typeface="Nunito ExtraBold" panose="00000900000000000000" pitchFamily="2" charset="0"/>
+                <a:latin typeface="Nunito" panose="00000500000000000000" pitchFamily="2" charset="0"/>
               </a:rPr>
               <a:t>- Waiting too long just to have your order taken</a:t>
             </a:r>
           </a:p>
           <a:p>
             <a:pPr lvl="1"/>
-            <a:endParaRPr lang="en-GB" sz="2800" dirty="0" smtClean="0">
+            <a:endParaRPr lang="en-GB" sz="2800" b="1" dirty="0" smtClean="0">
               <a:solidFill>
                 <a:schemeClr val="tx1">
                   <a:lumMod val="75000"/>
                   <a:lumOff val="25000"/>
                 </a:schemeClr>
               </a:solidFill>
-              <a:latin typeface="Nunito ExtraBold" panose="00000900000000000000" pitchFamily="2" charset="0"/>
+              <a:latin typeface="Nunito" panose="00000500000000000000" pitchFamily="2" charset="0"/>
             </a:endParaRPr>
           </a:p>
           <a:p>
             <a:pPr lvl="1"/>
             <a:r>
-              <a:rPr lang="en-GB" sz="2800" dirty="0" smtClean="0">
+              <a:rPr lang="en-GB" sz="2800" b="1" dirty="0" smtClean="0">
                 <a:solidFill>
                   <a:schemeClr val="tx1">
                     <a:lumMod val="75000"/>
                     <a:lumOff val="25000"/>
                   </a:schemeClr>
                 </a:solidFill>
-                <a:latin typeface="Nunito ExtraBold" panose="00000900000000000000" pitchFamily="2" charset="0"/>
+                <a:latin typeface="Nunito" panose="00000500000000000000" pitchFamily="2" charset="0"/>
               </a:rPr>
               <a:t>- Waiting too long for customers to choose their food</a:t>
             </a:r>
-            <a:endParaRPr lang="en-GB" sz="2800" dirty="0">
+            <a:endParaRPr lang="en-GB" sz="2800" b="1" dirty="0">
               <a:solidFill>
                 <a:schemeClr val="tx1">
                   <a:lumMod val="75000"/>
                   <a:lumOff val="25000"/>
                 </a:schemeClr>
               </a:solidFill>
-              <a:latin typeface="Nunito ExtraBold" panose="00000900000000000000" pitchFamily="2" charset="0"/>
+              <a:latin typeface="Nunito" panose="00000500000000000000" pitchFamily="2" charset="0"/>
             </a:endParaRPr>
           </a:p>
           <a:p>
             <a:pPr lvl="1"/>
-            <a:endParaRPr lang="en-GB" sz="2800" dirty="0">
+            <a:endParaRPr lang="en-GB" sz="2800" b="1" dirty="0">
               <a:solidFill>
                 <a:schemeClr val="tx1">
                   <a:lumMod val="75000"/>
                   <a:lumOff val="25000"/>
                 </a:schemeClr>
               </a:solidFill>
-              <a:latin typeface="Nunito ExtraBold" panose="00000900000000000000" pitchFamily="2" charset="0"/>
+              <a:latin typeface="Nunito" panose="00000500000000000000" pitchFamily="2" charset="0"/>
             </a:endParaRPr>
           </a:p>
           <a:p>
             <a:pPr lvl="1"/>
             <a:r>
-              <a:rPr lang="en-GB" sz="2800" dirty="0" smtClean="0">
+              <a:rPr lang="en-GB" sz="2800" b="1" dirty="0" smtClean="0">
                 <a:solidFill>
                   <a:schemeClr val="tx1">
                     <a:lumMod val="75000"/>
                     <a:lumOff val="25000"/>
                   </a:schemeClr>
                 </a:solidFill>
-                <a:latin typeface="Nunito ExtraBold" panose="00000900000000000000" pitchFamily="2" charset="0"/>
+                <a:latin typeface="Nunito" panose="00000500000000000000" pitchFamily="2" charset="0"/>
               </a:rPr>
-              <a:t>- </a:t>
-            </a:r>
-            <a:r>
-              <a:rPr lang="en-GB" sz="2800" dirty="0" smtClean="0">
-                <a:solidFill>
-                  <a:schemeClr val="tx1">
-                    <a:lumMod val="75000"/>
-                    <a:lumOff val="25000"/>
-                  </a:schemeClr>
-                </a:solidFill>
-                <a:latin typeface="Nunito ExtraBold" panose="00000900000000000000" pitchFamily="2" charset="0"/>
-              </a:rPr>
-              <a:t>High turnover for waiters</a:t>
+              <a:t>- High turnover for waiters</a:t>
             </a:r>
           </a:p>
         </p:txBody>
@@ -3673,11 +3666,11 @@
   <p:clrMapOvr>
     <a:masterClrMapping/>
   </p:clrMapOvr>
-  <mc:AlternateContent xmlns:mc="http://schemas.openxmlformats.org/markup-compatibility/2006">
-    <mc:Choice xmlns:p14="http://schemas.microsoft.com/office/powerpoint/2010/main" Requires="p14">
+  <mc:AlternateContent xmlns:mc="http://schemas.openxmlformats.org/markup-compatibility/2006" xmlns:p14="http://schemas.microsoft.com/office/powerpoint/2010/main">
+    <mc:Choice Requires="p14">
       <p:transition p14:dur="0"/>
     </mc:Choice>
-    <mc:Fallback>
+    <mc:Fallback xmlns="">
       <p:transition/>
     </mc:Fallback>
   </mc:AlternateContent>
@@ -3753,7 +3746,7 @@
                   <a:lin ang="13500000" scaled="1"/>
                   <a:tileRect/>
                 </a:gradFill>
-                <a:latin typeface="Nunito ExtraBold" panose="00000900000000000000" pitchFamily="2" charset="0"/>
+                <a:latin typeface="Nunito" panose="00000500000000000000" pitchFamily="2" charset="0"/>
               </a:rPr>
               <a:t>The solution</a:t>
             </a:r>
@@ -3770,7 +3763,7 @@
                 <a:lin ang="13500000" scaled="1"/>
                 <a:tileRect/>
               </a:gradFill>
-              <a:latin typeface="Nunito ExtraBold" panose="00000900000000000000" pitchFamily="2" charset="0"/>
+              <a:latin typeface="Nunito" panose="00000500000000000000" pitchFamily="2" charset="0"/>
             </a:endParaRPr>
           </a:p>
         </p:txBody>
@@ -3872,7 +3865,7 @@
                     <a:lumOff val="25000"/>
                   </a:schemeClr>
                 </a:solidFill>
-                <a:latin typeface="Nunito ExtraBold" panose="00000900000000000000" pitchFamily="2" charset="0"/>
+                <a:latin typeface="Nunito" panose="00000500000000000000" pitchFamily="2" charset="0"/>
               </a:rPr>
               <a:t>- Fast, responsive and beautiful web app</a:t>
             </a:r>
@@ -3886,7 +3879,7 @@
                   <a:lumOff val="25000"/>
                 </a:schemeClr>
               </a:solidFill>
-              <a:latin typeface="Nunito ExtraBold" panose="00000900000000000000" pitchFamily="2" charset="0"/>
+              <a:latin typeface="Nunito" panose="00000500000000000000" pitchFamily="2" charset="0"/>
             </a:endParaRPr>
           </a:p>
           <a:p>
@@ -3899,7 +3892,7 @@
                     <a:lumOff val="25000"/>
                   </a:schemeClr>
                 </a:solidFill>
-                <a:latin typeface="Nunito ExtraBold" panose="00000900000000000000" pitchFamily="2" charset="0"/>
+                <a:latin typeface="Nunito" panose="00000500000000000000" pitchFamily="2" charset="0"/>
               </a:rPr>
               <a:t>- Quickly order the food that you desire</a:t>
             </a:r>
@@ -3910,7 +3903,7 @@
                   <a:lumOff val="25000"/>
                 </a:schemeClr>
               </a:solidFill>
-              <a:latin typeface="Nunito ExtraBold" panose="00000900000000000000" pitchFamily="2" charset="0"/>
+              <a:latin typeface="Nunito" panose="00000500000000000000" pitchFamily="2" charset="0"/>
             </a:endParaRPr>
           </a:p>
           <a:p>
@@ -3922,7 +3915,7 @@
                   <a:lumOff val="25000"/>
                 </a:schemeClr>
               </a:solidFill>
-              <a:latin typeface="Nunito ExtraBold" panose="00000900000000000000" pitchFamily="2" charset="0"/>
+              <a:latin typeface="Nunito" panose="00000500000000000000" pitchFamily="2" charset="0"/>
             </a:endParaRPr>
           </a:p>
           <a:p>
@@ -3935,7 +3928,7 @@
                     <a:lumOff val="25000"/>
                   </a:schemeClr>
                 </a:solidFill>
-                <a:latin typeface="Nunito ExtraBold" panose="00000900000000000000" pitchFamily="2" charset="0"/>
+                <a:latin typeface="Nunito" panose="00000500000000000000" pitchFamily="2" charset="0"/>
               </a:rPr>
               <a:t>- No registrations required</a:t>
             </a:r>
@@ -3952,7 +3945,7 @@
                   <a:lumOff val="25000"/>
                 </a:schemeClr>
               </a:solidFill>
-              <a:latin typeface="Nunito ExtraBold" panose="00000900000000000000" pitchFamily="2" charset="0"/>
+              <a:latin typeface="Nunito" panose="00000500000000000000" pitchFamily="2" charset="0"/>
             </a:endParaRPr>
           </a:p>
           <a:p>
@@ -3965,7 +3958,7 @@
                     <a:lumOff val="25000"/>
                   </a:schemeClr>
                 </a:solidFill>
-                <a:latin typeface="Nunito ExtraBold" panose="00000900000000000000" pitchFamily="2" charset="0"/>
+                <a:latin typeface="Nunito" panose="00000500000000000000" pitchFamily="2" charset="0"/>
               </a:rPr>
               <a:t>- Use on any device</a:t>
             </a:r>
@@ -3976,7 +3969,7 @@
                   <a:lumOff val="25000"/>
                 </a:schemeClr>
               </a:solidFill>
-              <a:latin typeface="Nunito ExtraBold" panose="00000900000000000000" pitchFamily="2" charset="0"/>
+              <a:latin typeface="Nunito" panose="00000500000000000000" pitchFamily="2" charset="0"/>
             </a:endParaRPr>
           </a:p>
         </p:txBody>
@@ -4105,11 +4098,11 @@
   <p:clrMapOvr>
     <a:masterClrMapping/>
   </p:clrMapOvr>
-  <mc:AlternateContent xmlns:mc="http://schemas.openxmlformats.org/markup-compatibility/2006">
-    <mc:Choice xmlns:p14="http://schemas.microsoft.com/office/powerpoint/2010/main" Requires="p14">
+  <mc:AlternateContent xmlns:mc="http://schemas.openxmlformats.org/markup-compatibility/2006" xmlns:p14="http://schemas.microsoft.com/office/powerpoint/2010/main">
+    <mc:Choice Requires="p14">
       <p:transition p14:dur="0"/>
     </mc:Choice>
-    <mc:Fallback>
+    <mc:Fallback xmlns="">
       <p:transition/>
     </mc:Fallback>
   </mc:AlternateContent>
@@ -4185,7 +4178,7 @@
                   <a:lin ang="13500000" scaled="1"/>
                   <a:tileRect/>
                 </a:gradFill>
-                <a:latin typeface="Nunito ExtraBold" panose="00000900000000000000" pitchFamily="2" charset="0"/>
+                <a:latin typeface="Nunito" panose="00000500000000000000" pitchFamily="2" charset="0"/>
               </a:rPr>
               <a:t>Roadmap</a:t>
             </a:r>
@@ -4202,7 +4195,7 @@
                 <a:lin ang="13500000" scaled="1"/>
                 <a:tileRect/>
               </a:gradFill>
-              <a:latin typeface="Nunito ExtraBold" panose="00000900000000000000" pitchFamily="2" charset="0"/>
+              <a:latin typeface="Nunito" panose="00000500000000000000" pitchFamily="2" charset="0"/>
             </a:endParaRPr>
           </a:p>
         </p:txBody>
@@ -5056,7 +5049,7 @@
                   </a:gsLst>
                   <a:lin ang="13500000" scaled="1"/>
                 </a:gradFill>
-                <a:latin typeface="Nunito ExtraBold" panose="00000900000000000000" pitchFamily="2" charset="0"/>
+                <a:latin typeface="Nunito" panose="00000500000000000000" pitchFamily="2" charset="0"/>
               </a:rPr>
               <a:t>Q4 2018</a:t>
             </a:r>
@@ -5072,7 +5065,7 @@
                 </a:gsLst>
                 <a:lin ang="13500000" scaled="1"/>
               </a:gradFill>
-              <a:latin typeface="Nunito ExtraBold" panose="00000900000000000000" pitchFamily="2" charset="0"/>
+              <a:latin typeface="Nunito" panose="00000500000000000000" pitchFamily="2" charset="0"/>
             </a:endParaRPr>
           </a:p>
         </p:txBody>
@@ -5113,7 +5106,7 @@
                   </a:gsLst>
                   <a:lin ang="13500000" scaled="1"/>
                 </a:gradFill>
-                <a:latin typeface="Nunito ExtraBold" panose="00000900000000000000" pitchFamily="2" charset="0"/>
+                <a:latin typeface="Nunito" panose="00000500000000000000" pitchFamily="2" charset="0"/>
               </a:rPr>
               <a:t>Q1 2019</a:t>
             </a:r>
@@ -5129,7 +5122,7 @@
                 </a:gsLst>
                 <a:lin ang="13500000" scaled="1"/>
               </a:gradFill>
-              <a:latin typeface="Nunito ExtraBold" panose="00000900000000000000" pitchFamily="2" charset="0"/>
+              <a:latin typeface="Nunito" panose="00000500000000000000" pitchFamily="2" charset="0"/>
             </a:endParaRPr>
           </a:p>
         </p:txBody>
@@ -5170,7 +5163,7 @@
                   </a:gsLst>
                   <a:lin ang="13500000" scaled="1"/>
                 </a:gradFill>
-                <a:latin typeface="Nunito ExtraBold" panose="00000900000000000000" pitchFamily="2" charset="0"/>
+                <a:latin typeface="Nunito" panose="00000500000000000000" pitchFamily="2" charset="0"/>
               </a:rPr>
               <a:t>Q2 2019</a:t>
             </a:r>
@@ -5186,7 +5179,7 @@
                 </a:gsLst>
                 <a:lin ang="13500000" scaled="1"/>
               </a:gradFill>
-              <a:latin typeface="Nunito ExtraBold" panose="00000900000000000000" pitchFamily="2" charset="0"/>
+              <a:latin typeface="Nunito" panose="00000500000000000000" pitchFamily="2" charset="0"/>
             </a:endParaRPr>
           </a:p>
         </p:txBody>
@@ -5227,7 +5220,7 @@
                   </a:gsLst>
                   <a:lin ang="13500000" scaled="1"/>
                 </a:gradFill>
-                <a:latin typeface="Nunito ExtraBold" panose="00000900000000000000" pitchFamily="2" charset="0"/>
+                <a:latin typeface="Nunito" panose="00000500000000000000" pitchFamily="2" charset="0"/>
               </a:rPr>
               <a:t>Q3 2019</a:t>
             </a:r>
@@ -5243,7 +5236,7 @@
                 </a:gsLst>
                 <a:lin ang="13500000" scaled="1"/>
               </a:gradFill>
-              <a:latin typeface="Nunito ExtraBold" panose="00000900000000000000" pitchFamily="2" charset="0"/>
+              <a:latin typeface="Nunito" panose="00000500000000000000" pitchFamily="2" charset="0"/>
             </a:endParaRPr>
           </a:p>
         </p:txBody>
@@ -5279,7 +5272,7 @@
                     <a:lumOff val="25000"/>
                   </a:schemeClr>
                 </a:solidFill>
-                <a:latin typeface="Nunito ExtraBold" panose="00000900000000000000" pitchFamily="2" charset="0"/>
+                <a:latin typeface="Nunito" panose="00000500000000000000" pitchFamily="2" charset="0"/>
               </a:rPr>
               <a:t>Research</a:t>
             </a:r>
@@ -5290,7 +5283,7 @@
                   <a:lumOff val="25000"/>
                 </a:schemeClr>
               </a:solidFill>
-              <a:latin typeface="Nunito ExtraBold" panose="00000900000000000000" pitchFamily="2" charset="0"/>
+              <a:latin typeface="Nunito" panose="00000500000000000000" pitchFamily="2" charset="0"/>
             </a:endParaRPr>
           </a:p>
         </p:txBody>
@@ -5326,7 +5319,7 @@
                     <a:lumOff val="25000"/>
                   </a:schemeClr>
                 </a:solidFill>
-                <a:latin typeface="Nunito ExtraBold" panose="00000900000000000000" pitchFamily="2" charset="0"/>
+                <a:latin typeface="Nunito" panose="00000500000000000000" pitchFamily="2" charset="0"/>
               </a:rPr>
               <a:t>MVP</a:t>
             </a:r>
@@ -5337,7 +5330,7 @@
                   <a:lumOff val="25000"/>
                 </a:schemeClr>
               </a:solidFill>
-              <a:latin typeface="Nunito ExtraBold" panose="00000900000000000000" pitchFamily="2" charset="0"/>
+              <a:latin typeface="Nunito" panose="00000500000000000000" pitchFamily="2" charset="0"/>
             </a:endParaRPr>
           </a:p>
         </p:txBody>
@@ -5373,7 +5366,7 @@
                     <a:lumOff val="25000"/>
                   </a:schemeClr>
                 </a:solidFill>
-                <a:latin typeface="Nunito ExtraBold" panose="00000900000000000000" pitchFamily="2" charset="0"/>
+                <a:latin typeface="Nunito" panose="00000500000000000000" pitchFamily="2" charset="0"/>
               </a:rPr>
               <a:t>Beta</a:t>
             </a:r>
@@ -5384,7 +5377,7 @@
                   <a:lumOff val="25000"/>
                 </a:schemeClr>
               </a:solidFill>
-              <a:latin typeface="Nunito ExtraBold" panose="00000900000000000000" pitchFamily="2" charset="0"/>
+              <a:latin typeface="Nunito" panose="00000500000000000000" pitchFamily="2" charset="0"/>
             </a:endParaRPr>
           </a:p>
         </p:txBody>
@@ -5420,7 +5413,7 @@
                     <a:lumOff val="25000"/>
                   </a:schemeClr>
                 </a:solidFill>
-                <a:latin typeface="Nunito ExtraBold" panose="00000900000000000000" pitchFamily="2" charset="0"/>
+                <a:latin typeface="Nunito" panose="00000500000000000000" pitchFamily="2" charset="0"/>
               </a:rPr>
               <a:t>Pilot</a:t>
             </a:r>
@@ -5431,7 +5424,7 @@
                   <a:lumOff val="25000"/>
                 </a:schemeClr>
               </a:solidFill>
-              <a:latin typeface="Nunito ExtraBold" panose="00000900000000000000" pitchFamily="2" charset="0"/>
+              <a:latin typeface="Nunito" panose="00000500000000000000" pitchFamily="2" charset="0"/>
             </a:endParaRPr>
           </a:p>
         </p:txBody>
@@ -5446,11 +5439,11 @@
   <p:clrMapOvr>
     <a:masterClrMapping/>
   </p:clrMapOvr>
-  <mc:AlternateContent xmlns:mc="http://schemas.openxmlformats.org/markup-compatibility/2006">
-    <mc:Choice xmlns:p14="http://schemas.microsoft.com/office/powerpoint/2010/main" Requires="p14">
+  <mc:AlternateContent xmlns:mc="http://schemas.openxmlformats.org/markup-compatibility/2006" xmlns:p14="http://schemas.microsoft.com/office/powerpoint/2010/main">
+    <mc:Choice Requires="p14">
       <p:transition p14:dur="0"/>
     </mc:Choice>
-    <mc:Fallback>
+    <mc:Fallback xmlns="">
       <p:transition/>
     </mc:Fallback>
   </mc:AlternateContent>
@@ -5526,7 +5519,7 @@
                   <a:lin ang="13500000" scaled="1"/>
                   <a:tileRect/>
                 </a:gradFill>
-                <a:latin typeface="Nunito ExtraBold" panose="00000900000000000000" pitchFamily="2" charset="0"/>
+                <a:latin typeface="Nunito" panose="00000500000000000000" pitchFamily="2" charset="0"/>
               </a:rPr>
               <a:t>How does it work?</a:t>
             </a:r>
@@ -5543,7 +5536,7 @@
                 <a:lin ang="13500000" scaled="1"/>
                 <a:tileRect/>
               </a:gradFill>
-              <a:latin typeface="Nunito ExtraBold" panose="00000900000000000000" pitchFamily="2" charset="0"/>
+              <a:latin typeface="Nunito" panose="00000500000000000000" pitchFamily="2" charset="0"/>
             </a:endParaRPr>
           </a:p>
         </p:txBody>
@@ -5708,11 +5701,11 @@
   <p:clrMapOvr>
     <a:masterClrMapping/>
   </p:clrMapOvr>
-  <mc:AlternateContent xmlns:mc="http://schemas.openxmlformats.org/markup-compatibility/2006">
-    <mc:Choice xmlns:p14="http://schemas.microsoft.com/office/powerpoint/2010/main" Requires="p14">
+  <mc:AlternateContent xmlns:mc="http://schemas.openxmlformats.org/markup-compatibility/2006" xmlns:p14="http://schemas.microsoft.com/office/powerpoint/2010/main">
+    <mc:Choice Requires="p14">
       <p:transition p14:dur="0"/>
     </mc:Choice>
-    <mc:Fallback>
+    <mc:Fallback xmlns="">
       <p:transition/>
     </mc:Fallback>
   </mc:AlternateContent>

--- a/presentation/softuniada/presentation.pptx
+++ b/presentation/softuniada/presentation.pptx
@@ -8,8 +8,8 @@
     <p:sldId id="256" r:id="rId2"/>
     <p:sldId id="257" r:id="rId3"/>
     <p:sldId id="258" r:id="rId4"/>
-    <p:sldId id="259" r:id="rId5"/>
-    <p:sldId id="260" r:id="rId6"/>
+    <p:sldId id="260" r:id="rId5"/>
+    <p:sldId id="259" r:id="rId6"/>
   </p:sldIdLst>
   <p:sldSz cx="12192000" cy="6858000"/>
   <p:notesSz cx="6858000" cy="9144000"/>
@@ -3858,6 +3858,33 @@
           <a:p>
             <a:pPr lvl="1"/>
             <a:r>
+              <a:rPr lang="en-GB" sz="2800" b="1" dirty="0">
+                <a:solidFill>
+                  <a:schemeClr val="tx1">
+                    <a:lumMod val="75000"/>
+                    <a:lumOff val="25000"/>
+                  </a:schemeClr>
+                </a:solidFill>
+                <a:latin typeface="Nunito" panose="00000500000000000000" pitchFamily="2" charset="0"/>
+              </a:rPr>
+              <a:t>- Subscription based platform</a:t>
+            </a:r>
+          </a:p>
+          <a:p>
+            <a:pPr lvl="1"/>
+            <a:endParaRPr lang="en-GB" sz="2800" b="1" dirty="0">
+              <a:solidFill>
+                <a:schemeClr val="tx1">
+                  <a:lumMod val="75000"/>
+                  <a:lumOff val="25000"/>
+                </a:schemeClr>
+              </a:solidFill>
+              <a:latin typeface="Nunito" panose="00000500000000000000" pitchFamily="2" charset="0"/>
+            </a:endParaRPr>
+          </a:p>
+          <a:p>
+            <a:pPr lvl="1"/>
+            <a:r>
               <a:rPr lang="en-GB" sz="2800" b="1" dirty="0" smtClean="0">
                 <a:solidFill>
                   <a:schemeClr val="tx1">
@@ -3867,8 +3894,68 @@
                 </a:solidFill>
                 <a:latin typeface="Nunito" panose="00000500000000000000" pitchFamily="2" charset="0"/>
               </a:rPr>
-              <a:t>- Fast, responsive and beautiful web app</a:t>
-            </a:r>
+              <a:t>- </a:t>
+            </a:r>
+            <a:r>
+              <a:rPr lang="en-GB" sz="2800" b="1" dirty="0" smtClean="0">
+                <a:solidFill>
+                  <a:schemeClr val="tx1">
+                    <a:lumMod val="75000"/>
+                    <a:lumOff val="25000"/>
+                  </a:schemeClr>
+                </a:solidFill>
+                <a:latin typeface="Nunito" panose="00000500000000000000" pitchFamily="2" charset="0"/>
+              </a:rPr>
+              <a:t>Fast, responsive and beautiful web app</a:t>
+            </a:r>
+          </a:p>
+          <a:p>
+            <a:pPr lvl="1"/>
+            <a:endParaRPr lang="en-GB" sz="2800" b="1" dirty="0">
+              <a:solidFill>
+                <a:schemeClr val="tx1">
+                  <a:lumMod val="75000"/>
+                  <a:lumOff val="25000"/>
+                </a:schemeClr>
+              </a:solidFill>
+              <a:latin typeface="Nunito" panose="00000500000000000000" pitchFamily="2" charset="0"/>
+            </a:endParaRPr>
+          </a:p>
+          <a:p>
+            <a:pPr lvl="1"/>
+            <a:r>
+              <a:rPr lang="en-GB" sz="2800" b="1" dirty="0" smtClean="0">
+                <a:solidFill>
+                  <a:schemeClr val="tx1">
+                    <a:lumMod val="75000"/>
+                    <a:lumOff val="25000"/>
+                  </a:schemeClr>
+                </a:solidFill>
+                <a:latin typeface="Nunito" panose="00000500000000000000" pitchFamily="2" charset="0"/>
+              </a:rPr>
+              <a:t>- No registrations </a:t>
+            </a:r>
+            <a:r>
+              <a:rPr lang="en-GB" sz="2800" b="1" dirty="0" smtClean="0">
+                <a:solidFill>
+                  <a:schemeClr val="tx1">
+                    <a:lumMod val="75000"/>
+                    <a:lumOff val="25000"/>
+                  </a:schemeClr>
+                </a:solidFill>
+                <a:latin typeface="Nunito" panose="00000500000000000000" pitchFamily="2" charset="0"/>
+              </a:rPr>
+              <a:t>required</a:t>
+            </a:r>
+            <a:endParaRPr lang="en-GB" sz="2800" b="1" dirty="0">
+              <a:solidFill>
+                <a:schemeClr val="tx1">
+                  <a:lumMod val="75000"/>
+                  <a:lumOff val="25000"/>
+                </a:schemeClr>
+              </a:solidFill>
+              <a:latin typeface="Nunito" panose="00000500000000000000" pitchFamily="2" charset="0"/>
+            </a:endParaRPr>
           </a:p>
           <a:p>
             <a:pPr lvl="1"/>
@@ -3894,7 +3981,7 @@
                 </a:solidFill>
                 <a:latin typeface="Nunito" panose="00000500000000000000" pitchFamily="2" charset="0"/>
               </a:rPr>
-              <a:t>- Quickly order the food that you desire</a:t>
+              <a:t>- Use on any device</a:t>
             </a:r>
             <a:endParaRPr lang="en-GB" sz="2800" b="1" dirty="0">
               <a:solidFill>
@@ -3906,104 +3993,8 @@
               <a:latin typeface="Nunito" panose="00000500000000000000" pitchFamily="2" charset="0"/>
             </a:endParaRPr>
           </a:p>
-          <a:p>
-            <a:pPr lvl="1"/>
-            <a:endParaRPr lang="en-GB" sz="2800" b="1" dirty="0">
-              <a:solidFill>
-                <a:schemeClr val="tx1">
-                  <a:lumMod val="75000"/>
-                  <a:lumOff val="25000"/>
-                </a:schemeClr>
-              </a:solidFill>
-              <a:latin typeface="Nunito" panose="00000500000000000000" pitchFamily="2" charset="0"/>
-            </a:endParaRPr>
-          </a:p>
-          <a:p>
-            <a:pPr lvl="1"/>
-            <a:r>
-              <a:rPr lang="en-GB" sz="2800" b="1" dirty="0" smtClean="0">
-                <a:solidFill>
-                  <a:schemeClr val="tx1">
-                    <a:lumMod val="75000"/>
-                    <a:lumOff val="25000"/>
-                  </a:schemeClr>
-                </a:solidFill>
-                <a:latin typeface="Nunito" panose="00000500000000000000" pitchFamily="2" charset="0"/>
-              </a:rPr>
-              <a:t>- No registrations required</a:t>
-            </a:r>
-          </a:p>
-          <a:p>
-            <a:pPr marL="914400" lvl="1" indent="-457200">
-              <a:buFontTx/>
-              <a:buChar char="-"/>
-            </a:pPr>
-            <a:endParaRPr lang="en-GB" sz="2800" b="1" dirty="0" smtClean="0">
-              <a:solidFill>
-                <a:schemeClr val="tx1">
-                  <a:lumMod val="75000"/>
-                  <a:lumOff val="25000"/>
-                </a:schemeClr>
-              </a:solidFill>
-              <a:latin typeface="Nunito" panose="00000500000000000000" pitchFamily="2" charset="0"/>
-            </a:endParaRPr>
-          </a:p>
-          <a:p>
-            <a:pPr lvl="1"/>
-            <a:r>
-              <a:rPr lang="en-GB" sz="2800" b="1" dirty="0" smtClean="0">
-                <a:solidFill>
-                  <a:schemeClr val="tx1">
-                    <a:lumMod val="75000"/>
-                    <a:lumOff val="25000"/>
-                  </a:schemeClr>
-                </a:solidFill>
-                <a:latin typeface="Nunito" panose="00000500000000000000" pitchFamily="2" charset="0"/>
-              </a:rPr>
-              <a:t>- Use on any device</a:t>
-            </a:r>
-            <a:endParaRPr lang="en-GB" sz="2800" b="1" dirty="0">
-              <a:solidFill>
-                <a:schemeClr val="tx1">
-                  <a:lumMod val="75000"/>
-                  <a:lumOff val="25000"/>
-                </a:schemeClr>
-              </a:solidFill>
-              <a:latin typeface="Nunito" panose="00000500000000000000" pitchFamily="2" charset="0"/>
-            </a:endParaRPr>
-          </a:p>
-        </p:txBody>
-      </p:sp>
-      <p:pic>
-        <p:nvPicPr>
-          <p:cNvPr id="6" name="Picture 5"/>
-          <p:cNvPicPr>
-            <a:picLocks noChangeAspect="1"/>
-          </p:cNvPicPr>
-          <p:nvPr/>
-        </p:nvPicPr>
-        <p:blipFill>
-          <a:blip r:embed="rId3" cstate="print">
-            <a:extLst>
-              <a:ext uri="{28A0092B-C50C-407E-A947-70E740481C1C}">
-                <a14:useLocalDpi xmlns:a14="http://schemas.microsoft.com/office/drawing/2010/main" val="0"/>
-              </a:ext>
-            </a:extLst>
-          </a:blip>
-          <a:stretch>
-            <a:fillRect/>
-          </a:stretch>
-        </p:blipFill>
-        <p:spPr>
-          <a:xfrm flipH="1">
-            <a:off x="38100" y="2908300"/>
-            <a:ext cx="6622109" cy="3911600"/>
-          </a:xfrm>
-          <a:prstGeom prst="rect">
-            <a:avLst/>
-          </a:prstGeom>
-        </p:spPr>
-      </p:pic>
+        </p:txBody>
+      </p:sp>
       <p:grpSp>
         <p:nvGrpSpPr>
           <p:cNvPr id="10" name="Group 9"/>
@@ -4027,11 +4018,11 @@
             <p:nvPr/>
           </p:nvPicPr>
           <p:blipFill>
-            <a:blip r:embed="rId4" cstate="print">
+            <a:blip r:embed="rId3" cstate="print">
               <a:extLst>
                 <a:ext uri="{BEBA8EAE-BF5A-486C-A8C5-ECC9F3942E4B}">
                   <a14:imgProps xmlns:a14="http://schemas.microsoft.com/office/drawing/2010/main">
-                    <a14:imgLayer r:embed="rId5">
+                    <a14:imgLayer r:embed="rId4">
                       <a14:imgEffect>
                         <a14:colorTemperature colorTemp="11200"/>
                       </a14:imgEffect>
@@ -4066,7 +4057,7 @@
             <p:nvPr/>
           </p:nvPicPr>
           <p:blipFill>
-            <a:blip r:embed="rId6" cstate="print">
+            <a:blip r:embed="rId5" cstate="print">
               <a:extLst>
                 <a:ext uri="{28A0092B-C50C-407E-A947-70E740481C1C}">
                   <a14:useLocalDpi xmlns:a14="http://schemas.microsoft.com/office/drawing/2010/main" val="0"/>
@@ -4088,6 +4079,96 @@
           </p:spPr>
         </p:pic>
       </p:grpSp>
+      <p:pic>
+        <p:nvPicPr>
+          <p:cNvPr id="11" name="Picture 10"/>
+          <p:cNvPicPr>
+            <a:picLocks noChangeAspect="1"/>
+          </p:cNvPicPr>
+          <p:nvPr/>
+        </p:nvPicPr>
+        <p:blipFill>
+          <a:blip r:embed="rId6" cstate="print">
+            <a:extLst>
+              <a:ext uri="{28A0092B-C50C-407E-A947-70E740481C1C}">
+                <a14:useLocalDpi xmlns:a14="http://schemas.microsoft.com/office/drawing/2010/main" val="0"/>
+              </a:ext>
+            </a:extLst>
+          </a:blip>
+          <a:stretch>
+            <a:fillRect/>
+          </a:stretch>
+        </p:blipFill>
+        <p:spPr>
+          <a:xfrm rot="14442226">
+            <a:off x="-566154" y="538434"/>
+            <a:ext cx="7715971" cy="7715971"/>
+          </a:xfrm>
+          <a:prstGeom prst="rect">
+            <a:avLst/>
+          </a:prstGeom>
+        </p:spPr>
+      </p:pic>
+      <p:pic>
+        <p:nvPicPr>
+          <p:cNvPr id="13" name="Picture 12"/>
+          <p:cNvPicPr>
+            <a:picLocks noChangeAspect="1"/>
+          </p:cNvPicPr>
+          <p:nvPr/>
+        </p:nvPicPr>
+        <p:blipFill>
+          <a:blip r:embed="rId7" cstate="print">
+            <a:extLst>
+              <a:ext uri="{28A0092B-C50C-407E-A947-70E740481C1C}">
+                <a14:useLocalDpi xmlns:a14="http://schemas.microsoft.com/office/drawing/2010/main" val="0"/>
+              </a:ext>
+            </a:extLst>
+          </a:blip>
+          <a:stretch>
+            <a:fillRect/>
+          </a:stretch>
+        </p:blipFill>
+        <p:spPr>
+          <a:xfrm rot="453932">
+            <a:off x="819448" y="2385404"/>
+            <a:ext cx="1986953" cy="3989929"/>
+          </a:xfrm>
+          <a:prstGeom prst="rect">
+            <a:avLst/>
+          </a:prstGeom>
+        </p:spPr>
+      </p:pic>
+      <p:pic>
+        <p:nvPicPr>
+          <p:cNvPr id="14" name="Picture 13"/>
+          <p:cNvPicPr>
+            <a:picLocks noChangeAspect="1"/>
+          </p:cNvPicPr>
+          <p:nvPr/>
+        </p:nvPicPr>
+        <p:blipFill>
+          <a:blip r:embed="rId8" cstate="print">
+            <a:extLst>
+              <a:ext uri="{28A0092B-C50C-407E-A947-70E740481C1C}">
+                <a14:useLocalDpi xmlns:a14="http://schemas.microsoft.com/office/drawing/2010/main" val="0"/>
+              </a:ext>
+            </a:extLst>
+          </a:blip>
+          <a:stretch>
+            <a:fillRect/>
+          </a:stretch>
+        </p:blipFill>
+        <p:spPr>
+          <a:xfrm rot="470453">
+            <a:off x="698667" y="1360432"/>
+            <a:ext cx="6831892" cy="5123919"/>
+          </a:xfrm>
+          <a:prstGeom prst="rect">
+            <a:avLst/>
+          </a:prstGeom>
+        </p:spPr>
+      </p:pic>
     </p:spTree>
     <p:extLst>
       <p:ext uri="{BB962C8B-B14F-4D97-AF65-F5344CB8AC3E}">
@@ -4117,6 +4198,434 @@
 </file>
 
 <file path=ppt/slides/slide4.xml><?xml version="1.0" encoding="utf-8"?>
+<p:sld xmlns:a="http://schemas.openxmlformats.org/drawingml/2006/main" xmlns:r="http://schemas.openxmlformats.org/officeDocument/2006/relationships" xmlns:p="http://schemas.openxmlformats.org/presentationml/2006/main">
+  <p:cSld>
+    <p:bg>
+      <p:bgPr>
+        <a:solidFill>
+          <a:schemeClr val="bg1"/>
+        </a:solidFill>
+        <a:effectLst/>
+      </p:bgPr>
+    </p:bg>
+    <p:spTree>
+      <p:nvGrpSpPr>
+        <p:cNvPr id="1" name=""/>
+        <p:cNvGrpSpPr/>
+        <p:nvPr/>
+      </p:nvGrpSpPr>
+      <p:grpSpPr>
+        <a:xfrm>
+          <a:off x="0" y="0"/>
+          <a:ext cx="0" cy="0"/>
+          <a:chOff x="0" y="0"/>
+          <a:chExt cx="0" cy="0"/>
+        </a:xfrm>
+      </p:grpSpPr>
+      <p:pic>
+        <p:nvPicPr>
+          <p:cNvPr id="20" name="Picture 19"/>
+          <p:cNvPicPr>
+            <a:picLocks noChangeAspect="1"/>
+          </p:cNvPicPr>
+          <p:nvPr/>
+        </p:nvPicPr>
+        <p:blipFill>
+          <a:blip r:embed="rId2" cstate="print">
+            <a:extLst>
+              <a:ext uri="{28A0092B-C50C-407E-A947-70E740481C1C}">
+                <a14:useLocalDpi xmlns:a14="http://schemas.microsoft.com/office/drawing/2010/main" val="0"/>
+              </a:ext>
+            </a:extLst>
+          </a:blip>
+          <a:stretch>
+            <a:fillRect/>
+          </a:stretch>
+        </p:blipFill>
+        <p:spPr>
+          <a:xfrm rot="11346299">
+            <a:off x="8807491" y="2656255"/>
+            <a:ext cx="6769017" cy="6769017"/>
+          </a:xfrm>
+          <a:prstGeom prst="rect">
+            <a:avLst/>
+          </a:prstGeom>
+          <a:noFill/>
+          <a:ln>
+            <a:noFill/>
+          </a:ln>
+        </p:spPr>
+      </p:pic>
+      <p:grpSp>
+        <p:nvGrpSpPr>
+          <p:cNvPr id="10" name="Group 9"/>
+          <p:cNvGrpSpPr/>
+          <p:nvPr/>
+        </p:nvGrpSpPr>
+        <p:grpSpPr>
+          <a:xfrm>
+            <a:off x="-2982265" y="-4038029"/>
+            <a:ext cx="6769017" cy="6769017"/>
+            <a:chOff x="-2982265" y="-4038029"/>
+            <a:chExt cx="6769017" cy="6769017"/>
+          </a:xfrm>
+        </p:grpSpPr>
+        <p:pic>
+          <p:nvPicPr>
+            <p:cNvPr id="17" name="Picture 16"/>
+            <p:cNvPicPr>
+              <a:picLocks noChangeAspect="1"/>
+            </p:cNvPicPr>
+            <p:nvPr/>
+          </p:nvPicPr>
+          <p:blipFill>
+            <a:blip r:embed="rId3" cstate="print">
+              <a:extLst>
+                <a:ext uri="{BEBA8EAE-BF5A-486C-A8C5-ECC9F3942E4B}">
+                  <a14:imgProps xmlns:a14="http://schemas.microsoft.com/office/drawing/2010/main">
+                    <a14:imgLayer r:embed="rId4">
+                      <a14:imgEffect>
+                        <a14:colorTemperature colorTemp="11200"/>
+                      </a14:imgEffect>
+                    </a14:imgLayer>
+                  </a14:imgProps>
+                </a:ext>
+                <a:ext uri="{28A0092B-C50C-407E-A947-70E740481C1C}">
+                  <a14:useLocalDpi xmlns:a14="http://schemas.microsoft.com/office/drawing/2010/main" val="0"/>
+                </a:ext>
+              </a:extLst>
+            </a:blip>
+            <a:stretch>
+              <a:fillRect/>
+            </a:stretch>
+          </p:blipFill>
+          <p:spPr>
+            <a:xfrm rot="8119872">
+              <a:off x="-2982265" y="-4038029"/>
+              <a:ext cx="6769017" cy="6769017"/>
+            </a:xfrm>
+            <a:prstGeom prst="rect">
+              <a:avLst/>
+            </a:prstGeom>
+            <a:ln>
+              <a:noFill/>
+            </a:ln>
+          </p:spPr>
+        </p:pic>
+        <p:pic>
+          <p:nvPicPr>
+            <p:cNvPr id="18" name="Picture 17"/>
+            <p:cNvPicPr>
+              <a:picLocks noChangeAspect="1"/>
+            </p:cNvPicPr>
+            <p:nvPr/>
+          </p:nvPicPr>
+          <p:blipFill>
+            <a:blip r:embed="rId5" cstate="print">
+              <a:extLst>
+                <a:ext uri="{28A0092B-C50C-407E-A947-70E740481C1C}">
+                  <a14:useLocalDpi xmlns:a14="http://schemas.microsoft.com/office/drawing/2010/main" val="0"/>
+                </a:ext>
+              </a:extLst>
+            </a:blip>
+            <a:stretch>
+              <a:fillRect/>
+            </a:stretch>
+          </p:blipFill>
+          <p:spPr>
+            <a:xfrm>
+              <a:off x="-1377" y="178861"/>
+              <a:ext cx="1793583" cy="1793583"/>
+            </a:xfrm>
+            <a:prstGeom prst="rect">
+              <a:avLst/>
+            </a:prstGeom>
+            <a:ln>
+              <a:noFill/>
+            </a:ln>
+          </p:spPr>
+        </p:pic>
+      </p:grpSp>
+      <p:sp>
+        <p:nvSpPr>
+          <p:cNvPr id="19" name="TextBox 18"/>
+          <p:cNvSpPr txBox="1"/>
+          <p:nvPr/>
+        </p:nvSpPr>
+        <p:spPr>
+          <a:xfrm>
+            <a:off x="6687460" y="1782237"/>
+            <a:ext cx="4702628" cy="3970318"/>
+          </a:xfrm>
+          <a:prstGeom prst="rect">
+            <a:avLst/>
+          </a:prstGeom>
+          <a:noFill/>
+        </p:spPr>
+        <p:txBody>
+          <a:bodyPr wrap="square" rtlCol="0">
+            <a:spAutoFit/>
+          </a:bodyPr>
+          <a:lstStyle/>
+          <a:p>
+            <a:pPr lvl="1"/>
+            <a:r>
+              <a:rPr lang="en-GB" sz="2800" b="1" dirty="0" smtClean="0">
+                <a:solidFill>
+                  <a:schemeClr val="tx1">
+                    <a:lumMod val="75000"/>
+                    <a:lumOff val="25000"/>
+                  </a:schemeClr>
+                </a:solidFill>
+                <a:latin typeface="Nunito" panose="00000500000000000000" pitchFamily="2" charset="0"/>
+              </a:rPr>
+              <a:t>- Owners will pay a monthly fee to use the service</a:t>
+            </a:r>
+            <a:endParaRPr lang="en-GB" sz="2800" b="1" dirty="0" smtClean="0">
+              <a:solidFill>
+                <a:schemeClr val="tx1">
+                  <a:lumMod val="75000"/>
+                  <a:lumOff val="25000"/>
+                </a:schemeClr>
+              </a:solidFill>
+              <a:latin typeface="Nunito" panose="00000500000000000000" pitchFamily="2" charset="0"/>
+            </a:endParaRPr>
+          </a:p>
+          <a:p>
+            <a:pPr lvl="1"/>
+            <a:endParaRPr lang="en-GB" sz="2800" b="1" dirty="0">
+              <a:solidFill>
+                <a:schemeClr val="tx1">
+                  <a:lumMod val="75000"/>
+                  <a:lumOff val="25000"/>
+                </a:schemeClr>
+              </a:solidFill>
+              <a:latin typeface="Nunito" panose="00000500000000000000" pitchFamily="2" charset="0"/>
+            </a:endParaRPr>
+          </a:p>
+          <a:p>
+            <a:pPr lvl="1"/>
+            <a:r>
+              <a:rPr lang="en-GB" sz="2800" b="1" dirty="0" smtClean="0">
+                <a:solidFill>
+                  <a:schemeClr val="tx1">
+                    <a:lumMod val="75000"/>
+                    <a:lumOff val="25000"/>
+                  </a:schemeClr>
+                </a:solidFill>
+                <a:latin typeface="Nunito" panose="00000500000000000000" pitchFamily="2" charset="0"/>
+              </a:rPr>
+              <a:t>- They will g</a:t>
+            </a:r>
+            <a:r>
+              <a:rPr lang="en-GB" sz="2800" b="1" dirty="0" smtClean="0">
+                <a:solidFill>
+                  <a:schemeClr val="tx1">
+                    <a:lumMod val="75000"/>
+                    <a:lumOff val="25000"/>
+                  </a:schemeClr>
+                </a:solidFill>
+                <a:latin typeface="Nunito" panose="00000500000000000000" pitchFamily="2" charset="0"/>
+              </a:rPr>
+              <a:t>et</a:t>
+            </a:r>
+            <a:r>
+              <a:rPr lang="en-GB" sz="2800" b="1" dirty="0" smtClean="0">
+                <a:solidFill>
+                  <a:schemeClr val="tx1">
+                    <a:lumMod val="75000"/>
+                    <a:lumOff val="25000"/>
+                  </a:schemeClr>
+                </a:solidFill>
+                <a:latin typeface="Nunito" panose="00000500000000000000" pitchFamily="2" charset="0"/>
+              </a:rPr>
+              <a:t> a fully customized restaurant menu and admin panel</a:t>
+            </a:r>
+            <a:endParaRPr lang="en-GB" sz="2800" b="1" dirty="0">
+              <a:solidFill>
+                <a:schemeClr val="tx1">
+                  <a:lumMod val="75000"/>
+                  <a:lumOff val="25000"/>
+                </a:schemeClr>
+              </a:solidFill>
+              <a:latin typeface="Nunito" panose="00000500000000000000" pitchFamily="2" charset="0"/>
+            </a:endParaRPr>
+          </a:p>
+          <a:p>
+            <a:pPr lvl="1"/>
+            <a:endParaRPr lang="en-GB" sz="2800" b="1" dirty="0">
+              <a:solidFill>
+                <a:schemeClr val="tx1">
+                  <a:lumMod val="75000"/>
+                  <a:lumOff val="25000"/>
+                </a:schemeClr>
+              </a:solidFill>
+              <a:latin typeface="Nunito" panose="00000500000000000000" pitchFamily="2" charset="0"/>
+            </a:endParaRPr>
+          </a:p>
+          <a:p>
+            <a:pPr lvl="1"/>
+            <a:r>
+              <a:rPr lang="en-GB" sz="2800" b="1" dirty="0" smtClean="0">
+                <a:solidFill>
+                  <a:schemeClr val="tx1">
+                    <a:lumMod val="75000"/>
+                    <a:lumOff val="25000"/>
+                  </a:schemeClr>
+                </a:solidFill>
+                <a:latin typeface="Nunito" panose="00000500000000000000" pitchFamily="2" charset="0"/>
+              </a:rPr>
+              <a:t>- No hardware required</a:t>
+            </a:r>
+            <a:endParaRPr lang="en-GB" sz="2800" b="1" dirty="0">
+              <a:solidFill>
+                <a:schemeClr val="tx1">
+                  <a:lumMod val="75000"/>
+                  <a:lumOff val="25000"/>
+                </a:schemeClr>
+              </a:solidFill>
+              <a:latin typeface="Nunito" panose="00000500000000000000" pitchFamily="2" charset="0"/>
+            </a:endParaRPr>
+          </a:p>
+        </p:txBody>
+      </p:sp>
+      <p:sp>
+        <p:nvSpPr>
+          <p:cNvPr id="21" name="Title 1"/>
+          <p:cNvSpPr txBox="1">
+            <a:spLocks/>
+          </p:cNvSpPr>
+          <p:nvPr/>
+        </p:nvSpPr>
+        <p:spPr>
+          <a:xfrm>
+            <a:off x="1524000" y="-844019"/>
+            <a:ext cx="9938658" cy="2387600"/>
+          </a:xfrm>
+          <a:prstGeom prst="rect">
+            <a:avLst/>
+          </a:prstGeom>
+        </p:spPr>
+        <p:txBody>
+          <a:bodyPr vert="horz" lIns="91440" tIns="45720" rIns="91440" bIns="45720" rtlCol="0" anchor="b">
+            <a:normAutofit/>
+          </a:bodyPr>
+          <a:lstStyle>
+            <a:lvl1pPr algn="ctr" defTabSz="914400" rtl="0" eaLnBrk="1" latinLnBrk="0" hangingPunct="1">
+              <a:lnSpc>
+                <a:spcPct val="90000"/>
+              </a:lnSpc>
+              <a:spcBef>
+                <a:spcPct val="0"/>
+              </a:spcBef>
+              <a:buNone/>
+              <a:defRPr sz="6000" kern="1200">
+                <a:solidFill>
+                  <a:schemeClr val="tx1"/>
+                </a:solidFill>
+                <a:latin typeface="+mj-lt"/>
+                <a:ea typeface="+mj-ea"/>
+                <a:cs typeface="+mj-cs"/>
+              </a:defRPr>
+            </a:lvl1pPr>
+          </a:lstStyle>
+          <a:p>
+            <a:pPr algn="r"/>
+            <a:r>
+              <a:rPr lang="en-GB" sz="8800" b="1" dirty="0" smtClean="0">
+                <a:gradFill flip="none" rotWithShape="1">
+                  <a:gsLst>
+                    <a:gs pos="100000">
+                      <a:srgbClr val="EA6984"/>
+                    </a:gs>
+                    <a:gs pos="0">
+                      <a:srgbClr val="D56AA0"/>
+                    </a:gs>
+                  </a:gsLst>
+                  <a:lin ang="13500000" scaled="1"/>
+                  <a:tileRect/>
+                </a:gradFill>
+                <a:latin typeface="Nunito" panose="00000500000000000000" pitchFamily="2" charset="0"/>
+              </a:rPr>
+              <a:t>Business model</a:t>
+            </a:r>
+            <a:endParaRPr lang="en-GB" sz="8800" b="1" dirty="0">
+              <a:gradFill flip="none" rotWithShape="1">
+                <a:gsLst>
+                  <a:gs pos="100000">
+                    <a:srgbClr val="EA6984"/>
+                  </a:gs>
+                  <a:gs pos="0">
+                    <a:srgbClr val="D56AA0"/>
+                  </a:gs>
+                </a:gsLst>
+                <a:lin ang="13500000" scaled="1"/>
+                <a:tileRect/>
+              </a:gradFill>
+              <a:latin typeface="Nunito" panose="00000500000000000000" pitchFamily="2" charset="0"/>
+            </a:endParaRPr>
+          </a:p>
+        </p:txBody>
+      </p:sp>
+      <p:pic>
+        <p:nvPicPr>
+          <p:cNvPr id="25" name="Picture 24"/>
+          <p:cNvPicPr>
+            <a:picLocks noChangeAspect="1"/>
+          </p:cNvPicPr>
+          <p:nvPr/>
+        </p:nvPicPr>
+        <p:blipFill>
+          <a:blip r:embed="rId6" cstate="print">
+            <a:extLst>
+              <a:ext uri="{28A0092B-C50C-407E-A947-70E740481C1C}">
+                <a14:useLocalDpi xmlns:a14="http://schemas.microsoft.com/office/drawing/2010/main" val="0"/>
+              </a:ext>
+            </a:extLst>
+          </a:blip>
+          <a:stretch>
+            <a:fillRect/>
+          </a:stretch>
+        </p:blipFill>
+        <p:spPr>
+          <a:xfrm>
+            <a:off x="604184" y="2260600"/>
+            <a:ext cx="5465147" cy="4357296"/>
+          </a:xfrm>
+          <a:prstGeom prst="rect">
+            <a:avLst/>
+          </a:prstGeom>
+        </p:spPr>
+      </p:pic>
+    </p:spTree>
+    <p:extLst>
+      <p:ext uri="{BB962C8B-B14F-4D97-AF65-F5344CB8AC3E}">
+        <p14:creationId xmlns:p14="http://schemas.microsoft.com/office/powerpoint/2010/main" val="3557431691"/>
+      </p:ext>
+    </p:extLst>
+  </p:cSld>
+  <p:clrMapOvr>
+    <a:masterClrMapping/>
+  </p:clrMapOvr>
+  <mc:AlternateContent xmlns:mc="http://schemas.openxmlformats.org/markup-compatibility/2006" xmlns:p14="http://schemas.microsoft.com/office/powerpoint/2010/main">
+    <mc:Choice Requires="p14">
+      <p:transition p14:dur="0"/>
+    </mc:Choice>
+    <mc:Fallback xmlns="">
+      <p:transition/>
+    </mc:Fallback>
+  </mc:AlternateContent>
+  <p:timing>
+    <p:tnLst>
+      <p:par>
+        <p:cTn id="1" dur="indefinite" restart="never" nodeType="tmRoot"/>
+      </p:par>
+    </p:tnLst>
+  </p:timing>
+</p:sld>
+</file>
+
+<file path=ppt/slides/slide5.xml><?xml version="1.0" encoding="utf-8"?>
 <p:sld xmlns:a="http://schemas.openxmlformats.org/drawingml/2006/main" xmlns:r="http://schemas.openxmlformats.org/officeDocument/2006/relationships" xmlns:p="http://schemas.openxmlformats.org/presentationml/2006/main">
   <p:cSld>
     <p:bg>
@@ -5433,268 +5942,6 @@
     <p:extLst>
       <p:ext uri="{BB962C8B-B14F-4D97-AF65-F5344CB8AC3E}">
         <p14:creationId xmlns:p14="http://schemas.microsoft.com/office/powerpoint/2010/main" val="4036910040"/>
-      </p:ext>
-    </p:extLst>
-  </p:cSld>
-  <p:clrMapOvr>
-    <a:masterClrMapping/>
-  </p:clrMapOvr>
-  <mc:AlternateContent xmlns:mc="http://schemas.openxmlformats.org/markup-compatibility/2006" xmlns:p14="http://schemas.microsoft.com/office/powerpoint/2010/main">
-    <mc:Choice Requires="p14">
-      <p:transition p14:dur="0"/>
-    </mc:Choice>
-    <mc:Fallback xmlns="">
-      <p:transition/>
-    </mc:Fallback>
-  </mc:AlternateContent>
-  <p:timing>
-    <p:tnLst>
-      <p:par>
-        <p:cTn id="1" dur="indefinite" restart="never" nodeType="tmRoot"/>
-      </p:par>
-    </p:tnLst>
-  </p:timing>
-</p:sld>
-</file>
-
-<file path=ppt/slides/slide5.xml><?xml version="1.0" encoding="utf-8"?>
-<p:sld xmlns:a="http://schemas.openxmlformats.org/drawingml/2006/main" xmlns:r="http://schemas.openxmlformats.org/officeDocument/2006/relationships" xmlns:p="http://schemas.openxmlformats.org/presentationml/2006/main">
-  <p:cSld>
-    <p:bg>
-      <p:bgPr>
-        <a:solidFill>
-          <a:schemeClr val="bg1"/>
-        </a:solidFill>
-        <a:effectLst/>
-      </p:bgPr>
-    </p:bg>
-    <p:spTree>
-      <p:nvGrpSpPr>
-        <p:cNvPr id="1" name=""/>
-        <p:cNvGrpSpPr/>
-        <p:nvPr/>
-      </p:nvGrpSpPr>
-      <p:grpSpPr>
-        <a:xfrm>
-          <a:off x="0" y="0"/>
-          <a:ext cx="0" cy="0"/>
-          <a:chOff x="0" y="0"/>
-          <a:chExt cx="0" cy="0"/>
-        </a:xfrm>
-      </p:grpSpPr>
-      <p:sp>
-        <p:nvSpPr>
-          <p:cNvPr id="2" name="Title 1"/>
-          <p:cNvSpPr>
-            <a:spLocks noGrp="1"/>
-          </p:cNvSpPr>
-          <p:nvPr>
-            <p:ph type="ctrTitle"/>
-          </p:nvPr>
-        </p:nvSpPr>
-        <p:spPr>
-          <a:xfrm>
-            <a:off x="2318658" y="-653519"/>
-            <a:ext cx="9144000" cy="2387600"/>
-          </a:xfrm>
-        </p:spPr>
-        <p:txBody>
-          <a:bodyPr>
-            <a:normAutofit fontScale="90000"/>
-          </a:bodyPr>
-          <a:lstStyle/>
-          <a:p>
-            <a:pPr algn="r"/>
-            <a:r>
-              <a:rPr lang="en-GB" sz="8800" b="1" dirty="0" smtClean="0">
-                <a:gradFill flip="none" rotWithShape="1">
-                  <a:gsLst>
-                    <a:gs pos="100000">
-                      <a:srgbClr val="EA6984"/>
-                    </a:gs>
-                    <a:gs pos="0">
-                      <a:srgbClr val="D56AA0"/>
-                    </a:gs>
-                  </a:gsLst>
-                  <a:lin ang="13500000" scaled="1"/>
-                  <a:tileRect/>
-                </a:gradFill>
-                <a:latin typeface="Nunito" panose="00000500000000000000" pitchFamily="2" charset="0"/>
-              </a:rPr>
-              <a:t>How does it work?</a:t>
-            </a:r>
-            <a:endParaRPr lang="en-GB" sz="4000" b="1" dirty="0">
-              <a:gradFill flip="none" rotWithShape="1">
-                <a:gsLst>
-                  <a:gs pos="100000">
-                    <a:srgbClr val="EA6984"/>
-                  </a:gs>
-                  <a:gs pos="0">
-                    <a:srgbClr val="D56AA0"/>
-                  </a:gs>
-                </a:gsLst>
-                <a:lin ang="13500000" scaled="1"/>
-                <a:tileRect/>
-              </a:gradFill>
-              <a:latin typeface="Nunito" panose="00000500000000000000" pitchFamily="2" charset="0"/>
-            </a:endParaRPr>
-          </a:p>
-        </p:txBody>
-      </p:sp>
-      <p:pic>
-        <p:nvPicPr>
-          <p:cNvPr id="16" name="Picture 15"/>
-          <p:cNvPicPr>
-            <a:picLocks noChangeAspect="1"/>
-          </p:cNvPicPr>
-          <p:nvPr/>
-        </p:nvPicPr>
-        <p:blipFill>
-          <a:blip r:embed="rId2" cstate="print">
-            <a:extLst>
-              <a:ext uri="{28A0092B-C50C-407E-A947-70E740481C1C}">
-                <a14:useLocalDpi xmlns:a14="http://schemas.microsoft.com/office/drawing/2010/main" val="0"/>
-              </a:ext>
-            </a:extLst>
-          </a:blip>
-          <a:stretch>
-            <a:fillRect/>
-          </a:stretch>
-        </p:blipFill>
-        <p:spPr>
-          <a:xfrm rot="11346299">
-            <a:off x="8807491" y="2656255"/>
-            <a:ext cx="6769017" cy="6769017"/>
-          </a:xfrm>
-          <a:prstGeom prst="rect">
-            <a:avLst/>
-          </a:prstGeom>
-          <a:noFill/>
-          <a:ln>
-            <a:noFill/>
-          </a:ln>
-        </p:spPr>
-      </p:pic>
-      <p:grpSp>
-        <p:nvGrpSpPr>
-          <p:cNvPr id="10" name="Group 9"/>
-          <p:cNvGrpSpPr/>
-          <p:nvPr/>
-        </p:nvGrpSpPr>
-        <p:grpSpPr>
-          <a:xfrm>
-            <a:off x="-2982265" y="-4038029"/>
-            <a:ext cx="6769017" cy="6769017"/>
-            <a:chOff x="-2982265" y="-4038029"/>
-            <a:chExt cx="6769017" cy="6769017"/>
-          </a:xfrm>
-        </p:grpSpPr>
-        <p:pic>
-          <p:nvPicPr>
-            <p:cNvPr id="17" name="Picture 16"/>
-            <p:cNvPicPr>
-              <a:picLocks noChangeAspect="1"/>
-            </p:cNvPicPr>
-            <p:nvPr/>
-          </p:nvPicPr>
-          <p:blipFill>
-            <a:blip r:embed="rId3" cstate="print">
-              <a:extLst>
-                <a:ext uri="{BEBA8EAE-BF5A-486C-A8C5-ECC9F3942E4B}">
-                  <a14:imgProps xmlns:a14="http://schemas.microsoft.com/office/drawing/2010/main">
-                    <a14:imgLayer r:embed="rId4">
-                      <a14:imgEffect>
-                        <a14:colorTemperature colorTemp="11200"/>
-                      </a14:imgEffect>
-                    </a14:imgLayer>
-                  </a14:imgProps>
-                </a:ext>
-                <a:ext uri="{28A0092B-C50C-407E-A947-70E740481C1C}">
-                  <a14:useLocalDpi xmlns:a14="http://schemas.microsoft.com/office/drawing/2010/main" val="0"/>
-                </a:ext>
-              </a:extLst>
-            </a:blip>
-            <a:stretch>
-              <a:fillRect/>
-            </a:stretch>
-          </p:blipFill>
-          <p:spPr>
-            <a:xfrm rot="8119872">
-              <a:off x="-2982265" y="-4038029"/>
-              <a:ext cx="6769017" cy="6769017"/>
-            </a:xfrm>
-            <a:prstGeom prst="rect">
-              <a:avLst/>
-            </a:prstGeom>
-            <a:ln>
-              <a:noFill/>
-            </a:ln>
-          </p:spPr>
-        </p:pic>
-        <p:pic>
-          <p:nvPicPr>
-            <p:cNvPr id="18" name="Picture 17"/>
-            <p:cNvPicPr>
-              <a:picLocks noChangeAspect="1"/>
-            </p:cNvPicPr>
-            <p:nvPr/>
-          </p:nvPicPr>
-          <p:blipFill>
-            <a:blip r:embed="rId5" cstate="print">
-              <a:extLst>
-                <a:ext uri="{28A0092B-C50C-407E-A947-70E740481C1C}">
-                  <a14:useLocalDpi xmlns:a14="http://schemas.microsoft.com/office/drawing/2010/main" val="0"/>
-                </a:ext>
-              </a:extLst>
-            </a:blip>
-            <a:stretch>
-              <a:fillRect/>
-            </a:stretch>
-          </p:blipFill>
-          <p:spPr>
-            <a:xfrm>
-              <a:off x="-1377" y="178861"/>
-              <a:ext cx="1793583" cy="1793583"/>
-            </a:xfrm>
-            <a:prstGeom prst="rect">
-              <a:avLst/>
-            </a:prstGeom>
-            <a:ln>
-              <a:noFill/>
-            </a:ln>
-          </p:spPr>
-        </p:pic>
-      </p:grpSp>
-      <p:sp>
-        <p:nvSpPr>
-          <p:cNvPr id="8" name="TextBox 7"/>
-          <p:cNvSpPr txBox="1"/>
-          <p:nvPr/>
-        </p:nvSpPr>
-        <p:spPr>
-          <a:xfrm>
-            <a:off x="1019175" y="3350020"/>
-            <a:ext cx="1009650" cy="688580"/>
-          </a:xfrm>
-          <a:prstGeom prst="rect">
-            <a:avLst/>
-          </a:prstGeom>
-          <a:noFill/>
-        </p:spPr>
-        <p:txBody>
-          <a:bodyPr wrap="square" rtlCol="0">
-            <a:spAutoFit/>
-          </a:bodyPr>
-          <a:lstStyle/>
-          <a:p>
-            <a:endParaRPr lang="en-GB" dirty="0"/>
-          </a:p>
-        </p:txBody>
-      </p:sp>
-    </p:spTree>
-    <p:extLst>
-      <p:ext uri="{BB962C8B-B14F-4D97-AF65-F5344CB8AC3E}">
-        <p14:creationId xmlns:p14="http://schemas.microsoft.com/office/powerpoint/2010/main" val="3557431691"/>
       </p:ext>
     </p:extLst>
   </p:cSld>

--- a/presentation/softuniada/presentation.pptx
+++ b/presentation/softuniada/presentation.pptx
@@ -8,8 +8,12 @@
     <p:sldId id="256" r:id="rId2"/>
     <p:sldId id="257" r:id="rId3"/>
     <p:sldId id="258" r:id="rId4"/>
-    <p:sldId id="260" r:id="rId5"/>
-    <p:sldId id="259" r:id="rId6"/>
+    <p:sldId id="262" r:id="rId5"/>
+    <p:sldId id="264" r:id="rId6"/>
+    <p:sldId id="263" r:id="rId7"/>
+    <p:sldId id="260" r:id="rId8"/>
+    <p:sldId id="261" r:id="rId9"/>
+    <p:sldId id="259" r:id="rId10"/>
   </p:sldIdLst>
   <p:sldSz cx="12192000" cy="6858000"/>
   <p:notesSz cx="6858000" cy="9144000"/>
@@ -3017,7 +3021,7 @@
                   </a:gsLst>
                   <a:lin ang="13500000" scaled="1"/>
                 </a:gradFill>
-                <a:latin typeface="Nunito" panose="00000500000000000000" pitchFamily="2" charset="0"/>
+                <a:latin typeface="Nunito Black" panose="00000A00000000000000" pitchFamily="2" charset="0"/>
               </a:rPr>
               <a:t>LuncherBox</a:t>
             </a:r>
@@ -3033,7 +3037,7 @@
                 </a:gsLst>
                 <a:lin ang="13500000" scaled="1"/>
               </a:gradFill>
-              <a:latin typeface="Nunito" panose="00000500000000000000" pitchFamily="2" charset="0"/>
+              <a:latin typeface="Nunito Black" panose="00000A00000000000000" pitchFamily="2" charset="0"/>
             </a:endParaRPr>
           </a:p>
         </p:txBody>
@@ -3099,7 +3103,7 @@
                     <a:lumOff val="25000"/>
                   </a:schemeClr>
                 </a:solidFill>
-                <a:latin typeface="Nunito" panose="00000500000000000000" pitchFamily="2" charset="0"/>
+                <a:latin typeface="Nunito Black" panose="00000A00000000000000" pitchFamily="2" charset="0"/>
               </a:rPr>
               <a:t>Placing orders has never been faster.</a:t>
             </a:r>
@@ -3110,7 +3114,7 @@
                   <a:lumOff val="25000"/>
                 </a:schemeClr>
               </a:solidFill>
-              <a:latin typeface="Nunito" panose="00000500000000000000" pitchFamily="2" charset="0"/>
+              <a:latin typeface="Nunito Black" panose="00000A00000000000000" pitchFamily="2" charset="0"/>
             </a:endParaRPr>
           </a:p>
         </p:txBody>
@@ -3385,7 +3389,7 @@
                   <a:lin ang="13500000" scaled="1"/>
                   <a:tileRect/>
                 </a:gradFill>
-                <a:latin typeface="Nunito" panose="00000500000000000000" pitchFamily="2" charset="0"/>
+                <a:latin typeface="Nunito Black" panose="00000A00000000000000" pitchFamily="2" charset="0"/>
               </a:rPr>
               <a:t>The problem</a:t>
             </a:r>
@@ -3402,7 +3406,7 @@
                 <a:lin ang="13500000" scaled="1"/>
                 <a:tileRect/>
               </a:gradFill>
-              <a:latin typeface="Nunito" panose="00000500000000000000" pitchFamily="2" charset="0"/>
+              <a:latin typeface="Nunito Black" panose="00000A00000000000000" pitchFamily="2" charset="0"/>
             </a:endParaRPr>
           </a:p>
         </p:txBody>
@@ -3416,7 +3420,7 @@
         <p:spPr>
           <a:xfrm>
             <a:off x="6687460" y="1782237"/>
-            <a:ext cx="4702628" cy="3970318"/>
+            <a:ext cx="4702628" cy="4401205"/>
           </a:xfrm>
           <a:prstGeom prst="rect">
             <a:avLst/>
@@ -3438,7 +3442,7 @@
                     <a:lumOff val="25000"/>
                   </a:schemeClr>
                 </a:solidFill>
-                <a:latin typeface="Nunito" panose="00000500000000000000" pitchFamily="2" charset="0"/>
+                <a:latin typeface="Nunito Black" panose="00000A00000000000000" pitchFamily="2" charset="0"/>
               </a:rPr>
               <a:t>- Waiting too long just to have your order taken</a:t>
             </a:r>
@@ -3452,7 +3456,7 @@
                   <a:lumOff val="25000"/>
                 </a:schemeClr>
               </a:solidFill>
-              <a:latin typeface="Nunito" panose="00000500000000000000" pitchFamily="2" charset="0"/>
+              <a:latin typeface="Nunito Black" panose="00000A00000000000000" pitchFamily="2" charset="0"/>
             </a:endParaRPr>
           </a:p>
           <a:p>
@@ -3465,7 +3469,7 @@
                     <a:lumOff val="25000"/>
                   </a:schemeClr>
                 </a:solidFill>
-                <a:latin typeface="Nunito" panose="00000500000000000000" pitchFamily="2" charset="0"/>
+                <a:latin typeface="Nunito Black" panose="00000A00000000000000" pitchFamily="2" charset="0"/>
               </a:rPr>
               <a:t>- Waiting too long for customers to choose their food</a:t>
             </a:r>
@@ -3476,7 +3480,7 @@
                   <a:lumOff val="25000"/>
                 </a:schemeClr>
               </a:solidFill>
-              <a:latin typeface="Nunito" panose="00000500000000000000" pitchFamily="2" charset="0"/>
+              <a:latin typeface="Nunito Black" panose="00000A00000000000000" pitchFamily="2" charset="0"/>
             </a:endParaRPr>
           </a:p>
           <a:p>
@@ -3488,7 +3492,7 @@
                   <a:lumOff val="25000"/>
                 </a:schemeClr>
               </a:solidFill>
-              <a:latin typeface="Nunito" panose="00000500000000000000" pitchFamily="2" charset="0"/>
+              <a:latin typeface="Nunito Black" panose="00000A00000000000000" pitchFamily="2" charset="0"/>
             </a:endParaRPr>
           </a:p>
           <a:p>
@@ -3501,7 +3505,7 @@
                     <a:lumOff val="25000"/>
                   </a:schemeClr>
                 </a:solidFill>
-                <a:latin typeface="Nunito" panose="00000500000000000000" pitchFamily="2" charset="0"/>
+                <a:latin typeface="Nunito Black" panose="00000A00000000000000" pitchFamily="2" charset="0"/>
               </a:rPr>
               <a:t>- High turnover for waiters</a:t>
             </a:r>
@@ -3746,7 +3750,7 @@
                   <a:lin ang="13500000" scaled="1"/>
                   <a:tileRect/>
                 </a:gradFill>
-                <a:latin typeface="Nunito" panose="00000500000000000000" pitchFamily="2" charset="0"/>
+                <a:latin typeface="Nunito Black" panose="00000A00000000000000" pitchFamily="2" charset="0"/>
               </a:rPr>
               <a:t>The solution</a:t>
             </a:r>
@@ -3763,7 +3767,7 @@
                 <a:lin ang="13500000" scaled="1"/>
                 <a:tileRect/>
               </a:gradFill>
-              <a:latin typeface="Nunito" panose="00000500000000000000" pitchFamily="2" charset="0"/>
+              <a:latin typeface="Nunito Black" panose="00000A00000000000000" pitchFamily="2" charset="0"/>
             </a:endParaRPr>
           </a:p>
         </p:txBody>
@@ -3865,7 +3869,7 @@
                     <a:lumOff val="25000"/>
                   </a:schemeClr>
                 </a:solidFill>
-                <a:latin typeface="Nunito" panose="00000500000000000000" pitchFamily="2" charset="0"/>
+                <a:latin typeface="Nunito Black" panose="00000A00000000000000" pitchFamily="2" charset="0"/>
               </a:rPr>
               <a:t>- Subscription based platform</a:t>
             </a:r>
@@ -3879,7 +3883,7 @@
                   <a:lumOff val="25000"/>
                 </a:schemeClr>
               </a:solidFill>
-              <a:latin typeface="Nunito" panose="00000500000000000000" pitchFamily="2" charset="0"/>
+              <a:latin typeface="Nunito Black" panose="00000A00000000000000" pitchFamily="2" charset="0"/>
             </a:endParaRPr>
           </a:p>
           <a:p>
@@ -3892,21 +3896,9 @@
                     <a:lumOff val="25000"/>
                   </a:schemeClr>
                 </a:solidFill>
-                <a:latin typeface="Nunito" panose="00000500000000000000" pitchFamily="2" charset="0"/>
+                <a:latin typeface="Nunito Black" panose="00000A00000000000000" pitchFamily="2" charset="0"/>
               </a:rPr>
-              <a:t>- </a:t>
-            </a:r>
-            <a:r>
-              <a:rPr lang="en-GB" sz="2800" b="1" dirty="0" smtClean="0">
-                <a:solidFill>
-                  <a:schemeClr val="tx1">
-                    <a:lumMod val="75000"/>
-                    <a:lumOff val="25000"/>
-                  </a:schemeClr>
-                </a:solidFill>
-                <a:latin typeface="Nunito" panose="00000500000000000000" pitchFamily="2" charset="0"/>
-              </a:rPr>
-              <a:t>Fast, responsive and beautiful web app</a:t>
+              <a:t>- Fast, responsive and beautiful web app</a:t>
             </a:r>
           </a:p>
           <a:p>
@@ -3918,7 +3910,7 @@
                   <a:lumOff val="25000"/>
                 </a:schemeClr>
               </a:solidFill>
-              <a:latin typeface="Nunito" panose="00000500000000000000" pitchFamily="2" charset="0"/>
+              <a:latin typeface="Nunito Black" panose="00000A00000000000000" pitchFamily="2" charset="0"/>
             </a:endParaRPr>
           </a:p>
           <a:p>
@@ -3931,21 +3923,9 @@
                     <a:lumOff val="25000"/>
                   </a:schemeClr>
                 </a:solidFill>
-                <a:latin typeface="Nunito" panose="00000500000000000000" pitchFamily="2" charset="0"/>
+                <a:latin typeface="Nunito Black" panose="00000A00000000000000" pitchFamily="2" charset="0"/>
               </a:rPr>
-              <a:t>- No registrations </a:t>
-            </a:r>
-            <a:r>
-              <a:rPr lang="en-GB" sz="2800" b="1" dirty="0" smtClean="0">
-                <a:solidFill>
-                  <a:schemeClr val="tx1">
-                    <a:lumMod val="75000"/>
-                    <a:lumOff val="25000"/>
-                  </a:schemeClr>
-                </a:solidFill>
-                <a:latin typeface="Nunito" panose="00000500000000000000" pitchFamily="2" charset="0"/>
-              </a:rPr>
-              <a:t>required</a:t>
+              <a:t>- No registrations required</a:t>
             </a:r>
             <a:endParaRPr lang="en-GB" sz="2800" b="1" dirty="0">
               <a:solidFill>
@@ -3954,7 +3934,7 @@
                   <a:lumOff val="25000"/>
                 </a:schemeClr>
               </a:solidFill>
-              <a:latin typeface="Nunito" panose="00000500000000000000" pitchFamily="2" charset="0"/>
+              <a:latin typeface="Nunito Black" panose="00000A00000000000000" pitchFamily="2" charset="0"/>
             </a:endParaRPr>
           </a:p>
           <a:p>
@@ -3966,7 +3946,7 @@
                   <a:lumOff val="25000"/>
                 </a:schemeClr>
               </a:solidFill>
-              <a:latin typeface="Nunito" panose="00000500000000000000" pitchFamily="2" charset="0"/>
+              <a:latin typeface="Nunito Black" panose="00000A00000000000000" pitchFamily="2" charset="0"/>
             </a:endParaRPr>
           </a:p>
           <a:p>
@@ -3979,7 +3959,7 @@
                     <a:lumOff val="25000"/>
                   </a:schemeClr>
                 </a:solidFill>
-                <a:latin typeface="Nunito" panose="00000500000000000000" pitchFamily="2" charset="0"/>
+                <a:latin typeface="Nunito Black" panose="00000A00000000000000" pitchFamily="2" charset="0"/>
               </a:rPr>
               <a:t>- Use on any device</a:t>
             </a:r>
@@ -3990,7 +3970,7 @@
                   <a:lumOff val="25000"/>
                 </a:schemeClr>
               </a:solidFill>
-              <a:latin typeface="Nunito" panose="00000500000000000000" pitchFamily="2" charset="0"/>
+              <a:latin typeface="Nunito Black" panose="00000A00000000000000" pitchFamily="2" charset="0"/>
             </a:endParaRPr>
           </a:p>
         </p:txBody>
@@ -4243,6 +4223,2109 @@
           </a:stretch>
         </p:blipFill>
         <p:spPr>
+          <a:xfrm rot="10455648">
+            <a:off x="2639376" y="706814"/>
+            <a:ext cx="6151315" cy="6151315"/>
+          </a:xfrm>
+          <a:prstGeom prst="rect">
+            <a:avLst/>
+          </a:prstGeom>
+        </p:spPr>
+      </p:pic>
+      <p:sp>
+        <p:nvSpPr>
+          <p:cNvPr id="2" name="Title 1"/>
+          <p:cNvSpPr>
+            <a:spLocks noGrp="1"/>
+          </p:cNvSpPr>
+          <p:nvPr>
+            <p:ph type="ctrTitle"/>
+          </p:nvPr>
+        </p:nvSpPr>
+        <p:spPr>
+          <a:xfrm>
+            <a:off x="2318658" y="-653519"/>
+            <a:ext cx="9144000" cy="2387600"/>
+          </a:xfrm>
+        </p:spPr>
+        <p:txBody>
+          <a:bodyPr>
+            <a:normAutofit/>
+          </a:bodyPr>
+          <a:lstStyle/>
+          <a:p>
+            <a:pPr algn="r"/>
+            <a:r>
+              <a:rPr lang="en-GB" sz="8800" b="1" dirty="0" smtClean="0">
+                <a:gradFill flip="none" rotWithShape="1">
+                  <a:gsLst>
+                    <a:gs pos="100000">
+                      <a:srgbClr val="EA6984"/>
+                    </a:gs>
+                    <a:gs pos="0">
+                      <a:srgbClr val="D56AA0"/>
+                    </a:gs>
+                  </a:gsLst>
+                  <a:lin ang="13500000" scaled="1"/>
+                  <a:tileRect/>
+                </a:gradFill>
+                <a:latin typeface="Nunito Black" panose="00000A00000000000000" pitchFamily="2" charset="0"/>
+              </a:rPr>
+              <a:t>Features</a:t>
+            </a:r>
+            <a:endParaRPr lang="en-GB" sz="4000" b="1" dirty="0">
+              <a:gradFill flip="none" rotWithShape="1">
+                <a:gsLst>
+                  <a:gs pos="100000">
+                    <a:srgbClr val="EA6984"/>
+                  </a:gs>
+                  <a:gs pos="0">
+                    <a:srgbClr val="D56AA0"/>
+                  </a:gs>
+                </a:gsLst>
+                <a:lin ang="13500000" scaled="1"/>
+                <a:tileRect/>
+              </a:gradFill>
+              <a:latin typeface="Nunito Black" panose="00000A00000000000000" pitchFamily="2" charset="0"/>
+            </a:endParaRPr>
+          </a:p>
+        </p:txBody>
+      </p:sp>
+      <p:pic>
+        <p:nvPicPr>
+          <p:cNvPr id="16" name="Picture 15"/>
+          <p:cNvPicPr>
+            <a:picLocks noChangeAspect="1"/>
+          </p:cNvPicPr>
+          <p:nvPr/>
+        </p:nvPicPr>
+        <p:blipFill>
+          <a:blip r:embed="rId3" cstate="print">
+            <a:extLst>
+              <a:ext uri="{28A0092B-C50C-407E-A947-70E740481C1C}">
+                <a14:useLocalDpi xmlns:a14="http://schemas.microsoft.com/office/drawing/2010/main" val="0"/>
+              </a:ext>
+            </a:extLst>
+          </a:blip>
+          <a:stretch>
+            <a:fillRect/>
+          </a:stretch>
+        </p:blipFill>
+        <p:spPr>
+          <a:xfrm rot="11346299">
+            <a:off x="8807491" y="2656255"/>
+            <a:ext cx="6769017" cy="6769017"/>
+          </a:xfrm>
+          <a:prstGeom prst="rect">
+            <a:avLst/>
+          </a:prstGeom>
+          <a:noFill/>
+          <a:ln>
+            <a:noFill/>
+          </a:ln>
+        </p:spPr>
+      </p:pic>
+      <p:grpSp>
+        <p:nvGrpSpPr>
+          <p:cNvPr id="10" name="Group 9"/>
+          <p:cNvGrpSpPr/>
+          <p:nvPr/>
+        </p:nvGrpSpPr>
+        <p:grpSpPr>
+          <a:xfrm>
+            <a:off x="-2982265" y="-4038029"/>
+            <a:ext cx="6769017" cy="6769017"/>
+            <a:chOff x="-2982265" y="-4038029"/>
+            <a:chExt cx="6769017" cy="6769017"/>
+          </a:xfrm>
+        </p:grpSpPr>
+        <p:pic>
+          <p:nvPicPr>
+            <p:cNvPr id="17" name="Picture 16"/>
+            <p:cNvPicPr>
+              <a:picLocks noChangeAspect="1"/>
+            </p:cNvPicPr>
+            <p:nvPr/>
+          </p:nvPicPr>
+          <p:blipFill>
+            <a:blip r:embed="rId4" cstate="print">
+              <a:extLst>
+                <a:ext uri="{BEBA8EAE-BF5A-486C-A8C5-ECC9F3942E4B}">
+                  <a14:imgProps xmlns:a14="http://schemas.microsoft.com/office/drawing/2010/main">
+                    <a14:imgLayer r:embed="rId5">
+                      <a14:imgEffect>
+                        <a14:colorTemperature colorTemp="11200"/>
+                      </a14:imgEffect>
+                    </a14:imgLayer>
+                  </a14:imgProps>
+                </a:ext>
+                <a:ext uri="{28A0092B-C50C-407E-A947-70E740481C1C}">
+                  <a14:useLocalDpi xmlns:a14="http://schemas.microsoft.com/office/drawing/2010/main" val="0"/>
+                </a:ext>
+              </a:extLst>
+            </a:blip>
+            <a:stretch>
+              <a:fillRect/>
+            </a:stretch>
+          </p:blipFill>
+          <p:spPr>
+            <a:xfrm rot="8119872">
+              <a:off x="-2982265" y="-4038029"/>
+              <a:ext cx="6769017" cy="6769017"/>
+            </a:xfrm>
+            <a:prstGeom prst="rect">
+              <a:avLst/>
+            </a:prstGeom>
+          </p:spPr>
+        </p:pic>
+        <p:pic>
+          <p:nvPicPr>
+            <p:cNvPr id="18" name="Picture 17"/>
+            <p:cNvPicPr>
+              <a:picLocks noChangeAspect="1"/>
+            </p:cNvPicPr>
+            <p:nvPr/>
+          </p:nvPicPr>
+          <p:blipFill>
+            <a:blip r:embed="rId6" cstate="print">
+              <a:extLst>
+                <a:ext uri="{28A0092B-C50C-407E-A947-70E740481C1C}">
+                  <a14:useLocalDpi xmlns:a14="http://schemas.microsoft.com/office/drawing/2010/main" val="0"/>
+                </a:ext>
+              </a:extLst>
+            </a:blip>
+            <a:stretch>
+              <a:fillRect/>
+            </a:stretch>
+          </p:blipFill>
+          <p:spPr>
+            <a:xfrm>
+              <a:off x="-1377" y="178861"/>
+              <a:ext cx="1793583" cy="1793583"/>
+            </a:xfrm>
+            <a:prstGeom prst="rect">
+              <a:avLst/>
+            </a:prstGeom>
+          </p:spPr>
+        </p:pic>
+      </p:grpSp>
+      <p:sp>
+        <p:nvSpPr>
+          <p:cNvPr id="19" name="Title 1"/>
+          <p:cNvSpPr txBox="1">
+            <a:spLocks/>
+          </p:cNvSpPr>
+          <p:nvPr/>
+        </p:nvSpPr>
+        <p:spPr>
+          <a:xfrm>
+            <a:off x="581048" y="2221658"/>
+            <a:ext cx="3237464" cy="1060105"/>
+          </a:xfrm>
+          <a:prstGeom prst="rect">
+            <a:avLst/>
+          </a:prstGeom>
+        </p:spPr>
+        <p:txBody>
+          <a:bodyPr vert="horz" lIns="91440" tIns="45720" rIns="91440" bIns="45720" rtlCol="0" anchor="b">
+            <a:normAutofit/>
+          </a:bodyPr>
+          <a:lstStyle>
+            <a:lvl1pPr algn="ctr" defTabSz="914400" rtl="0" eaLnBrk="1" latinLnBrk="0" hangingPunct="1">
+              <a:lnSpc>
+                <a:spcPct val="90000"/>
+              </a:lnSpc>
+              <a:spcBef>
+                <a:spcPct val="0"/>
+              </a:spcBef>
+              <a:buNone/>
+              <a:defRPr sz="6000" kern="1200">
+                <a:solidFill>
+                  <a:schemeClr val="tx1"/>
+                </a:solidFill>
+                <a:latin typeface="+mj-lt"/>
+                <a:ea typeface="+mj-ea"/>
+                <a:cs typeface="+mj-cs"/>
+              </a:defRPr>
+            </a:lvl1pPr>
+          </a:lstStyle>
+          <a:p>
+            <a:pPr algn="r"/>
+            <a:endParaRPr lang="en-GB" sz="4800" b="1" dirty="0">
+              <a:gradFill flip="none" rotWithShape="1">
+                <a:gsLst>
+                  <a:gs pos="100000">
+                    <a:srgbClr val="EA6984"/>
+                  </a:gs>
+                  <a:gs pos="0">
+                    <a:srgbClr val="D56AA0"/>
+                  </a:gs>
+                </a:gsLst>
+                <a:lin ang="13500000" scaled="1"/>
+                <a:tileRect/>
+              </a:gradFill>
+              <a:latin typeface="Nunito" panose="00000500000000000000" pitchFamily="2" charset="0"/>
+            </a:endParaRPr>
+          </a:p>
+        </p:txBody>
+      </p:sp>
+      <p:sp>
+        <p:nvSpPr>
+          <p:cNvPr id="7" name="TextBox 6"/>
+          <p:cNvSpPr txBox="1"/>
+          <p:nvPr/>
+        </p:nvSpPr>
+        <p:spPr>
+          <a:xfrm>
+            <a:off x="203200" y="2333285"/>
+            <a:ext cx="3949700" cy="707886"/>
+          </a:xfrm>
+          <a:prstGeom prst="rect">
+            <a:avLst/>
+          </a:prstGeom>
+          <a:noFill/>
+        </p:spPr>
+        <p:txBody>
+          <a:bodyPr wrap="square" rtlCol="0">
+            <a:spAutoFit/>
+          </a:bodyPr>
+          <a:lstStyle/>
+          <a:p>
+            <a:pPr algn="r"/>
+            <a:r>
+              <a:rPr lang="en-GB" sz="2000" b="1" dirty="0" smtClean="0">
+                <a:solidFill>
+                  <a:schemeClr val="tx1">
+                    <a:lumMod val="75000"/>
+                    <a:lumOff val="25000"/>
+                  </a:schemeClr>
+                </a:solidFill>
+                <a:latin typeface="Nunito Black" panose="00000A00000000000000" pitchFamily="2" charset="0"/>
+              </a:rPr>
+              <a:t>Easy to use interface </a:t>
+            </a:r>
+            <a:r>
+              <a:rPr lang="en-GB" sz="2400" b="1" dirty="0">
+                <a:solidFill>
+                  <a:schemeClr val="tx1">
+                    <a:lumMod val="75000"/>
+                    <a:lumOff val="25000"/>
+                  </a:schemeClr>
+                </a:solidFill>
+                <a:latin typeface="Nunito Black" panose="00000A00000000000000" pitchFamily="2" charset="0"/>
+              </a:rPr>
+              <a:t>📱</a:t>
+            </a:r>
+            <a:endParaRPr lang="en-GB" sz="2000" b="1" dirty="0" smtClean="0">
+              <a:solidFill>
+                <a:schemeClr val="tx1">
+                  <a:lumMod val="75000"/>
+                  <a:lumOff val="25000"/>
+                </a:schemeClr>
+              </a:solidFill>
+              <a:latin typeface="Nunito Black" panose="00000A00000000000000" pitchFamily="2" charset="0"/>
+            </a:endParaRPr>
+          </a:p>
+          <a:p>
+            <a:pPr algn="r"/>
+            <a:r>
+              <a:rPr lang="en-GB" sz="1600" dirty="0" smtClean="0">
+                <a:solidFill>
+                  <a:schemeClr val="tx1">
+                    <a:lumMod val="75000"/>
+                    <a:lumOff val="25000"/>
+                  </a:schemeClr>
+                </a:solidFill>
+                <a:latin typeface="Nunito" panose="00000500000000000000" pitchFamily="2" charset="0"/>
+              </a:rPr>
+              <a:t>Navigate through the menu with ease!</a:t>
+            </a:r>
+            <a:endParaRPr lang="en-GB" sz="1600" dirty="0">
+              <a:solidFill>
+                <a:schemeClr val="tx1">
+                  <a:lumMod val="75000"/>
+                  <a:lumOff val="25000"/>
+                </a:schemeClr>
+              </a:solidFill>
+              <a:latin typeface="Nunito" panose="00000500000000000000" pitchFamily="2" charset="0"/>
+            </a:endParaRPr>
+          </a:p>
+        </p:txBody>
+      </p:sp>
+      <p:sp>
+        <p:nvSpPr>
+          <p:cNvPr id="22" name="TextBox 21"/>
+          <p:cNvSpPr txBox="1"/>
+          <p:nvPr/>
+        </p:nvSpPr>
+        <p:spPr>
+          <a:xfrm>
+            <a:off x="203200" y="3336858"/>
+            <a:ext cx="3949700" cy="954107"/>
+          </a:xfrm>
+          <a:prstGeom prst="rect">
+            <a:avLst/>
+          </a:prstGeom>
+          <a:noFill/>
+        </p:spPr>
+        <p:txBody>
+          <a:bodyPr wrap="square" rtlCol="0">
+            <a:spAutoFit/>
+          </a:bodyPr>
+          <a:lstStyle/>
+          <a:p>
+            <a:pPr algn="r"/>
+            <a:r>
+              <a:rPr lang="en-GB" sz="2000" b="1" dirty="0" smtClean="0">
+                <a:solidFill>
+                  <a:schemeClr val="tx1">
+                    <a:lumMod val="75000"/>
+                    <a:lumOff val="25000"/>
+                  </a:schemeClr>
+                </a:solidFill>
+                <a:latin typeface="Nunito Black" panose="00000A00000000000000" pitchFamily="2" charset="0"/>
+              </a:rPr>
+              <a:t>Admin panel </a:t>
+            </a:r>
+            <a:r>
+              <a:rPr lang="en-GB" sz="2400" dirty="0">
+                <a:solidFill>
+                  <a:schemeClr val="tx1">
+                    <a:lumMod val="75000"/>
+                    <a:lumOff val="25000"/>
+                  </a:schemeClr>
+                </a:solidFill>
+                <a:latin typeface="Nunito Black" panose="00000A00000000000000" pitchFamily="2" charset="0"/>
+              </a:rPr>
+              <a:t>🔧</a:t>
+            </a:r>
+            <a:endParaRPr lang="en-GB" sz="2400" b="1" dirty="0" smtClean="0">
+              <a:solidFill>
+                <a:schemeClr val="tx1">
+                  <a:lumMod val="75000"/>
+                  <a:lumOff val="25000"/>
+                </a:schemeClr>
+              </a:solidFill>
+              <a:latin typeface="Nunito Black" panose="00000A00000000000000" pitchFamily="2" charset="0"/>
+            </a:endParaRPr>
+          </a:p>
+          <a:p>
+            <a:pPr algn="r"/>
+            <a:r>
+              <a:rPr lang="en-GB" sz="1600" dirty="0" smtClean="0">
+                <a:solidFill>
+                  <a:schemeClr val="tx1">
+                    <a:lumMod val="75000"/>
+                    <a:lumOff val="25000"/>
+                  </a:schemeClr>
+                </a:solidFill>
+                <a:latin typeface="Nunito" panose="00000500000000000000" pitchFamily="2" charset="0"/>
+              </a:rPr>
+              <a:t>Easily create, edit and delete products, ditch the paper menu!</a:t>
+            </a:r>
+            <a:endParaRPr lang="en-GB" sz="1600" dirty="0">
+              <a:solidFill>
+                <a:schemeClr val="tx1">
+                  <a:lumMod val="75000"/>
+                  <a:lumOff val="25000"/>
+                </a:schemeClr>
+              </a:solidFill>
+              <a:latin typeface="Nunito" panose="00000500000000000000" pitchFamily="2" charset="0"/>
+            </a:endParaRPr>
+          </a:p>
+        </p:txBody>
+      </p:sp>
+      <p:sp>
+        <p:nvSpPr>
+          <p:cNvPr id="23" name="TextBox 22"/>
+          <p:cNvSpPr txBox="1"/>
+          <p:nvPr/>
+        </p:nvSpPr>
+        <p:spPr>
+          <a:xfrm>
+            <a:off x="190500" y="4490060"/>
+            <a:ext cx="3949700" cy="769441"/>
+          </a:xfrm>
+          <a:prstGeom prst="rect">
+            <a:avLst/>
+          </a:prstGeom>
+          <a:noFill/>
+        </p:spPr>
+        <p:txBody>
+          <a:bodyPr wrap="square" rtlCol="0">
+            <a:spAutoFit/>
+          </a:bodyPr>
+          <a:lstStyle/>
+          <a:p>
+            <a:pPr algn="r"/>
+            <a:r>
+              <a:rPr lang="en-GB" sz="2000" b="1" dirty="0" smtClean="0">
+                <a:solidFill>
+                  <a:schemeClr val="tx1">
+                    <a:lumMod val="75000"/>
+                    <a:lumOff val="25000"/>
+                  </a:schemeClr>
+                </a:solidFill>
+                <a:latin typeface="Nunito Black" panose="00000A00000000000000" pitchFamily="2" charset="0"/>
+              </a:rPr>
+              <a:t>Order status </a:t>
+            </a:r>
+            <a:r>
+              <a:rPr lang="en-GB" sz="2800" b="1" dirty="0" smtClean="0">
+                <a:solidFill>
+                  <a:schemeClr val="tx1">
+                    <a:lumMod val="75000"/>
+                    <a:lumOff val="25000"/>
+                  </a:schemeClr>
+                </a:solidFill>
+                <a:latin typeface="Nunito Black" panose="00000A00000000000000" pitchFamily="2" charset="0"/>
+              </a:rPr>
+              <a:t>⌛</a:t>
+            </a:r>
+            <a:r>
+              <a:rPr lang="en-GB" sz="1600" b="1" dirty="0" smtClean="0">
+                <a:solidFill>
+                  <a:schemeClr val="tx1">
+                    <a:lumMod val="75000"/>
+                    <a:lumOff val="25000"/>
+                  </a:schemeClr>
+                </a:solidFill>
+                <a:latin typeface="Nunito Black" panose="00000A00000000000000" pitchFamily="2" charset="0"/>
+              </a:rPr>
+              <a:t> </a:t>
+            </a:r>
+            <a:endParaRPr lang="en-GB" sz="2000" b="1" dirty="0" smtClean="0">
+              <a:solidFill>
+                <a:schemeClr val="tx1">
+                  <a:lumMod val="75000"/>
+                  <a:lumOff val="25000"/>
+                </a:schemeClr>
+              </a:solidFill>
+              <a:latin typeface="Nunito Black" panose="00000A00000000000000" pitchFamily="2" charset="0"/>
+            </a:endParaRPr>
+          </a:p>
+          <a:p>
+            <a:pPr algn="r"/>
+            <a:r>
+              <a:rPr lang="en-GB" sz="1600" dirty="0" smtClean="0">
+                <a:solidFill>
+                  <a:schemeClr val="tx1">
+                    <a:lumMod val="75000"/>
+                    <a:lumOff val="25000"/>
+                  </a:schemeClr>
+                </a:solidFill>
+                <a:latin typeface="Nunito" panose="00000500000000000000" pitchFamily="2" charset="0"/>
+              </a:rPr>
+              <a:t>Check your order status in real time!</a:t>
+            </a:r>
+            <a:endParaRPr lang="en-GB" sz="1600" dirty="0">
+              <a:solidFill>
+                <a:schemeClr val="tx1">
+                  <a:lumMod val="75000"/>
+                  <a:lumOff val="25000"/>
+                </a:schemeClr>
+              </a:solidFill>
+              <a:latin typeface="Nunito" panose="00000500000000000000" pitchFamily="2" charset="0"/>
+            </a:endParaRPr>
+          </a:p>
+        </p:txBody>
+      </p:sp>
+      <p:sp>
+        <p:nvSpPr>
+          <p:cNvPr id="24" name="TextBox 23"/>
+          <p:cNvSpPr txBox="1"/>
+          <p:nvPr/>
+        </p:nvSpPr>
+        <p:spPr>
+          <a:xfrm>
+            <a:off x="7167136" y="2221658"/>
+            <a:ext cx="4295522" cy="954107"/>
+          </a:xfrm>
+          <a:prstGeom prst="rect">
+            <a:avLst/>
+          </a:prstGeom>
+          <a:noFill/>
+        </p:spPr>
+        <p:txBody>
+          <a:bodyPr wrap="square" rtlCol="0">
+            <a:spAutoFit/>
+          </a:bodyPr>
+          <a:lstStyle/>
+          <a:p>
+            <a:r>
+              <a:rPr lang="en-GB" sz="2400" b="1" dirty="0" smtClean="0">
+                <a:solidFill>
+                  <a:schemeClr val="tx1">
+                    <a:lumMod val="75000"/>
+                    <a:lumOff val="25000"/>
+                  </a:schemeClr>
+                </a:solidFill>
+                <a:latin typeface="Nunito Black" panose="00000A00000000000000" pitchFamily="2" charset="0"/>
+              </a:rPr>
+              <a:t>📶</a:t>
+            </a:r>
+            <a:r>
+              <a:rPr lang="en-GB" sz="2000" b="1" dirty="0" smtClean="0">
+                <a:solidFill>
+                  <a:schemeClr val="tx1">
+                    <a:lumMod val="75000"/>
+                    <a:lumOff val="25000"/>
+                  </a:schemeClr>
+                </a:solidFill>
+                <a:latin typeface="Nunito Black" panose="00000A00000000000000" pitchFamily="2" charset="0"/>
+              </a:rPr>
+              <a:t> Fully web based</a:t>
+            </a:r>
+          </a:p>
+          <a:p>
+            <a:r>
+              <a:rPr lang="en-GB" sz="1600" dirty="0" smtClean="0">
+                <a:solidFill>
+                  <a:schemeClr val="tx1">
+                    <a:lumMod val="75000"/>
+                    <a:lumOff val="25000"/>
+                  </a:schemeClr>
+                </a:solidFill>
+                <a:latin typeface="Nunito" panose="00000500000000000000" pitchFamily="2" charset="0"/>
+              </a:rPr>
+              <a:t>No need to download, just open in your browser and use it on any device! </a:t>
+            </a:r>
+          </a:p>
+        </p:txBody>
+      </p:sp>
+      <p:sp>
+        <p:nvSpPr>
+          <p:cNvPr id="25" name="TextBox 24"/>
+          <p:cNvSpPr txBox="1"/>
+          <p:nvPr/>
+        </p:nvSpPr>
+        <p:spPr>
+          <a:xfrm>
+            <a:off x="7167136" y="3340755"/>
+            <a:ext cx="4295522" cy="954107"/>
+          </a:xfrm>
+          <a:prstGeom prst="rect">
+            <a:avLst/>
+          </a:prstGeom>
+          <a:noFill/>
+        </p:spPr>
+        <p:txBody>
+          <a:bodyPr wrap="square" rtlCol="0">
+            <a:spAutoFit/>
+          </a:bodyPr>
+          <a:lstStyle/>
+          <a:p>
+            <a:r>
+              <a:rPr lang="en-GB" sz="2400" b="1" dirty="0">
+                <a:solidFill>
+                  <a:schemeClr val="tx1">
+                    <a:lumMod val="75000"/>
+                    <a:lumOff val="25000"/>
+                  </a:schemeClr>
+                </a:solidFill>
+                <a:latin typeface="Nunito Black" panose="00000A00000000000000" pitchFamily="2" charset="0"/>
+              </a:rPr>
+              <a:t>🍴</a:t>
+            </a:r>
+            <a:r>
+              <a:rPr lang="en-GB" sz="2400" b="1" dirty="0" smtClean="0">
+                <a:solidFill>
+                  <a:schemeClr val="tx1">
+                    <a:lumMod val="75000"/>
+                    <a:lumOff val="25000"/>
+                  </a:schemeClr>
+                </a:solidFill>
+                <a:latin typeface="Nunito Black" panose="00000A00000000000000" pitchFamily="2" charset="0"/>
+              </a:rPr>
+              <a:t> Instruct the chefs</a:t>
+            </a:r>
+          </a:p>
+          <a:p>
+            <a:r>
+              <a:rPr lang="en-GB" sz="1600" dirty="0" smtClean="0">
+                <a:solidFill>
+                  <a:schemeClr val="tx1">
+                    <a:lumMod val="75000"/>
+                    <a:lumOff val="25000"/>
+                  </a:schemeClr>
+                </a:solidFill>
+                <a:latin typeface="Nunito" panose="00000500000000000000" pitchFamily="2" charset="0"/>
+              </a:rPr>
+              <a:t>Provide special instructions to the chefs about your order!</a:t>
+            </a:r>
+          </a:p>
+        </p:txBody>
+      </p:sp>
+      <p:sp>
+        <p:nvSpPr>
+          <p:cNvPr id="26" name="TextBox 25"/>
+          <p:cNvSpPr txBox="1"/>
+          <p:nvPr/>
+        </p:nvSpPr>
+        <p:spPr>
+          <a:xfrm>
+            <a:off x="7179836" y="4490060"/>
+            <a:ext cx="4295522" cy="1200329"/>
+          </a:xfrm>
+          <a:prstGeom prst="rect">
+            <a:avLst/>
+          </a:prstGeom>
+          <a:noFill/>
+        </p:spPr>
+        <p:txBody>
+          <a:bodyPr wrap="square" rtlCol="0">
+            <a:spAutoFit/>
+          </a:bodyPr>
+          <a:lstStyle/>
+          <a:p>
+            <a:r>
+              <a:rPr lang="en-GB" sz="2400" b="1" dirty="0" smtClean="0">
+                <a:solidFill>
+                  <a:schemeClr val="tx1">
+                    <a:lumMod val="75000"/>
+                    <a:lumOff val="25000"/>
+                  </a:schemeClr>
+                </a:solidFill>
+                <a:latin typeface="Nunito Black" panose="00000A00000000000000" pitchFamily="2" charset="0"/>
+              </a:rPr>
+              <a:t>🏃 PWA</a:t>
+            </a:r>
+          </a:p>
+          <a:p>
+            <a:r>
+              <a:rPr lang="en-GB" sz="1600" dirty="0" smtClean="0">
+                <a:solidFill>
+                  <a:schemeClr val="tx1">
+                    <a:lumMod val="75000"/>
+                    <a:lumOff val="25000"/>
+                  </a:schemeClr>
+                </a:solidFill>
+                <a:latin typeface="Nunito" panose="00000500000000000000" pitchFamily="2" charset="0"/>
+              </a:rPr>
+              <a:t>Built with the latest and greatest technologies, providing you with a blazing fast experience!</a:t>
+            </a:r>
+          </a:p>
+        </p:txBody>
+      </p:sp>
+      <p:pic>
+        <p:nvPicPr>
+          <p:cNvPr id="1026" name="Picture 2" descr="https://mockuphone.com/upload/3fb43432c4b604055687ae0853ab49f0/iphone7jetblack/iphone7jetblack_portrait.png"/>
+          <p:cNvPicPr>
+            <a:picLocks noChangeAspect="1" noChangeArrowheads="1"/>
+          </p:cNvPicPr>
+          <p:nvPr/>
+        </p:nvPicPr>
+        <p:blipFill>
+          <a:blip r:embed="rId7" cstate="print">
+            <a:extLst>
+              <a:ext uri="{28A0092B-C50C-407E-A947-70E740481C1C}">
+                <a14:useLocalDpi xmlns:a14="http://schemas.microsoft.com/office/drawing/2010/main" val="0"/>
+              </a:ext>
+            </a:extLst>
+          </a:blip>
+          <a:srcRect/>
+          <a:stretch>
+            <a:fillRect/>
+          </a:stretch>
+        </p:blipFill>
+        <p:spPr bwMode="auto">
+          <a:xfrm>
+            <a:off x="3016564" y="1075652"/>
+            <a:ext cx="5261508" cy="5261508"/>
+          </a:xfrm>
+          <a:prstGeom prst="rect">
+            <a:avLst/>
+          </a:prstGeom>
+          <a:noFill/>
+          <a:extLst>
+            <a:ext uri="{909E8E84-426E-40DD-AFC4-6F175D3DCCD1}">
+              <a14:hiddenFill xmlns:a14="http://schemas.microsoft.com/office/drawing/2010/main">
+                <a:solidFill>
+                  <a:srgbClr val="FFFFFF"/>
+                </a:solidFill>
+              </a14:hiddenFill>
+            </a:ext>
+          </a:extLst>
+        </p:spPr>
+      </p:pic>
+    </p:spTree>
+    <p:extLst>
+      <p:ext uri="{BB962C8B-B14F-4D97-AF65-F5344CB8AC3E}">
+        <p14:creationId xmlns:p14="http://schemas.microsoft.com/office/powerpoint/2010/main" val="3117312878"/>
+      </p:ext>
+    </p:extLst>
+  </p:cSld>
+  <p:clrMapOvr>
+    <a:masterClrMapping/>
+  </p:clrMapOvr>
+  <mc:AlternateContent xmlns:mc="http://schemas.openxmlformats.org/markup-compatibility/2006" xmlns:p14="http://schemas.microsoft.com/office/powerpoint/2010/main">
+    <mc:Choice Requires="p14">
+      <p:transition p14:dur="0"/>
+    </mc:Choice>
+    <mc:Fallback xmlns="">
+      <p:transition/>
+    </mc:Fallback>
+  </mc:AlternateContent>
+  <p:timing>
+    <p:tnLst>
+      <p:par>
+        <p:cTn id="1" dur="indefinite" restart="never" nodeType="tmRoot"/>
+      </p:par>
+    </p:tnLst>
+  </p:timing>
+</p:sld>
+</file>
+
+<file path=ppt/slides/slide5.xml><?xml version="1.0" encoding="utf-8"?>
+<p:sld xmlns:a="http://schemas.openxmlformats.org/drawingml/2006/main" xmlns:r="http://schemas.openxmlformats.org/officeDocument/2006/relationships" xmlns:p="http://schemas.openxmlformats.org/presentationml/2006/main">
+  <p:cSld>
+    <p:bg>
+      <p:bgPr>
+        <a:solidFill>
+          <a:schemeClr val="bg1"/>
+        </a:solidFill>
+        <a:effectLst/>
+      </p:bgPr>
+    </p:bg>
+    <p:spTree>
+      <p:nvGrpSpPr>
+        <p:cNvPr id="1" name=""/>
+        <p:cNvGrpSpPr/>
+        <p:nvPr/>
+      </p:nvGrpSpPr>
+      <p:grpSpPr>
+        <a:xfrm>
+          <a:off x="0" y="0"/>
+          <a:ext cx="0" cy="0"/>
+          <a:chOff x="0" y="0"/>
+          <a:chExt cx="0" cy="0"/>
+        </a:xfrm>
+      </p:grpSpPr>
+      <p:sp>
+        <p:nvSpPr>
+          <p:cNvPr id="2" name="Title 1"/>
+          <p:cNvSpPr>
+            <a:spLocks noGrp="1"/>
+          </p:cNvSpPr>
+          <p:nvPr>
+            <p:ph type="ctrTitle"/>
+          </p:nvPr>
+        </p:nvSpPr>
+        <p:spPr>
+          <a:xfrm>
+            <a:off x="2318658" y="-653519"/>
+            <a:ext cx="9144000" cy="2387600"/>
+          </a:xfrm>
+        </p:spPr>
+        <p:txBody>
+          <a:bodyPr>
+            <a:normAutofit fontScale="90000"/>
+          </a:bodyPr>
+          <a:lstStyle/>
+          <a:p>
+            <a:pPr algn="r"/>
+            <a:r>
+              <a:rPr lang="en-GB" sz="8800" b="1" dirty="0" smtClean="0">
+                <a:gradFill flip="none" rotWithShape="1">
+                  <a:gsLst>
+                    <a:gs pos="100000">
+                      <a:srgbClr val="EA6984"/>
+                    </a:gs>
+                    <a:gs pos="0">
+                      <a:srgbClr val="D56AA0"/>
+                    </a:gs>
+                  </a:gsLst>
+                  <a:lin ang="13500000" scaled="1"/>
+                  <a:tileRect/>
+                </a:gradFill>
+                <a:latin typeface="Nunito Black" panose="00000A00000000000000" pitchFamily="2" charset="0"/>
+              </a:rPr>
+              <a:t>Technology Stack</a:t>
+            </a:r>
+            <a:endParaRPr lang="en-GB" sz="4000" b="1" dirty="0">
+              <a:gradFill flip="none" rotWithShape="1">
+                <a:gsLst>
+                  <a:gs pos="100000">
+                    <a:srgbClr val="EA6984"/>
+                  </a:gs>
+                  <a:gs pos="0">
+                    <a:srgbClr val="D56AA0"/>
+                  </a:gs>
+                </a:gsLst>
+                <a:lin ang="13500000" scaled="1"/>
+                <a:tileRect/>
+              </a:gradFill>
+              <a:latin typeface="Nunito Black" panose="00000A00000000000000" pitchFamily="2" charset="0"/>
+            </a:endParaRPr>
+          </a:p>
+        </p:txBody>
+      </p:sp>
+      <p:pic>
+        <p:nvPicPr>
+          <p:cNvPr id="16" name="Picture 15"/>
+          <p:cNvPicPr>
+            <a:picLocks noChangeAspect="1"/>
+          </p:cNvPicPr>
+          <p:nvPr/>
+        </p:nvPicPr>
+        <p:blipFill>
+          <a:blip r:embed="rId2" cstate="print">
+            <a:extLst>
+              <a:ext uri="{28A0092B-C50C-407E-A947-70E740481C1C}">
+                <a14:useLocalDpi xmlns:a14="http://schemas.microsoft.com/office/drawing/2010/main" val="0"/>
+              </a:ext>
+            </a:extLst>
+          </a:blip>
+          <a:stretch>
+            <a:fillRect/>
+          </a:stretch>
+        </p:blipFill>
+        <p:spPr>
+          <a:xfrm rot="11346299">
+            <a:off x="8807491" y="2656255"/>
+            <a:ext cx="6769017" cy="6769017"/>
+          </a:xfrm>
+          <a:prstGeom prst="rect">
+            <a:avLst/>
+          </a:prstGeom>
+          <a:noFill/>
+          <a:ln>
+            <a:noFill/>
+          </a:ln>
+        </p:spPr>
+      </p:pic>
+      <p:grpSp>
+        <p:nvGrpSpPr>
+          <p:cNvPr id="10" name="Group 9"/>
+          <p:cNvGrpSpPr/>
+          <p:nvPr/>
+        </p:nvGrpSpPr>
+        <p:grpSpPr>
+          <a:xfrm>
+            <a:off x="-2982265" y="-4038029"/>
+            <a:ext cx="6769017" cy="6769017"/>
+            <a:chOff x="-2982265" y="-4038029"/>
+            <a:chExt cx="6769017" cy="6769017"/>
+          </a:xfrm>
+        </p:grpSpPr>
+        <p:pic>
+          <p:nvPicPr>
+            <p:cNvPr id="17" name="Picture 16"/>
+            <p:cNvPicPr>
+              <a:picLocks noChangeAspect="1"/>
+            </p:cNvPicPr>
+            <p:nvPr/>
+          </p:nvPicPr>
+          <p:blipFill>
+            <a:blip r:embed="rId3" cstate="print">
+              <a:extLst>
+                <a:ext uri="{BEBA8EAE-BF5A-486C-A8C5-ECC9F3942E4B}">
+                  <a14:imgProps xmlns:a14="http://schemas.microsoft.com/office/drawing/2010/main">
+                    <a14:imgLayer r:embed="rId4">
+                      <a14:imgEffect>
+                        <a14:colorTemperature colorTemp="11200"/>
+                      </a14:imgEffect>
+                    </a14:imgLayer>
+                  </a14:imgProps>
+                </a:ext>
+                <a:ext uri="{28A0092B-C50C-407E-A947-70E740481C1C}">
+                  <a14:useLocalDpi xmlns:a14="http://schemas.microsoft.com/office/drawing/2010/main" val="0"/>
+                </a:ext>
+              </a:extLst>
+            </a:blip>
+            <a:stretch>
+              <a:fillRect/>
+            </a:stretch>
+          </p:blipFill>
+          <p:spPr>
+            <a:xfrm rot="8119872">
+              <a:off x="-2982265" y="-4038029"/>
+              <a:ext cx="6769017" cy="6769017"/>
+            </a:xfrm>
+            <a:prstGeom prst="rect">
+              <a:avLst/>
+            </a:prstGeom>
+          </p:spPr>
+        </p:pic>
+        <p:pic>
+          <p:nvPicPr>
+            <p:cNvPr id="18" name="Picture 17"/>
+            <p:cNvPicPr>
+              <a:picLocks noChangeAspect="1"/>
+            </p:cNvPicPr>
+            <p:nvPr/>
+          </p:nvPicPr>
+          <p:blipFill>
+            <a:blip r:embed="rId5" cstate="print">
+              <a:extLst>
+                <a:ext uri="{28A0092B-C50C-407E-A947-70E740481C1C}">
+                  <a14:useLocalDpi xmlns:a14="http://schemas.microsoft.com/office/drawing/2010/main" val="0"/>
+                </a:ext>
+              </a:extLst>
+            </a:blip>
+            <a:stretch>
+              <a:fillRect/>
+            </a:stretch>
+          </p:blipFill>
+          <p:spPr>
+            <a:xfrm>
+              <a:off x="-1377" y="178861"/>
+              <a:ext cx="1793583" cy="1793583"/>
+            </a:xfrm>
+            <a:prstGeom prst="rect">
+              <a:avLst/>
+            </a:prstGeom>
+          </p:spPr>
+        </p:pic>
+      </p:grpSp>
+      <p:sp>
+        <p:nvSpPr>
+          <p:cNvPr id="19" name="Title 1"/>
+          <p:cNvSpPr txBox="1">
+            <a:spLocks/>
+          </p:cNvSpPr>
+          <p:nvPr/>
+        </p:nvSpPr>
+        <p:spPr>
+          <a:xfrm>
+            <a:off x="581048" y="2221658"/>
+            <a:ext cx="3237464" cy="1060105"/>
+          </a:xfrm>
+          <a:prstGeom prst="rect">
+            <a:avLst/>
+          </a:prstGeom>
+        </p:spPr>
+        <p:txBody>
+          <a:bodyPr vert="horz" lIns="91440" tIns="45720" rIns="91440" bIns="45720" rtlCol="0" anchor="b">
+            <a:normAutofit/>
+          </a:bodyPr>
+          <a:lstStyle>
+            <a:lvl1pPr algn="ctr" defTabSz="914400" rtl="0" eaLnBrk="1" latinLnBrk="0" hangingPunct="1">
+              <a:lnSpc>
+                <a:spcPct val="90000"/>
+              </a:lnSpc>
+              <a:spcBef>
+                <a:spcPct val="0"/>
+              </a:spcBef>
+              <a:buNone/>
+              <a:defRPr sz="6000" kern="1200">
+                <a:solidFill>
+                  <a:schemeClr val="tx1"/>
+                </a:solidFill>
+                <a:latin typeface="+mj-lt"/>
+                <a:ea typeface="+mj-ea"/>
+                <a:cs typeface="+mj-cs"/>
+              </a:defRPr>
+            </a:lvl1pPr>
+          </a:lstStyle>
+          <a:p>
+            <a:pPr algn="r"/>
+            <a:endParaRPr lang="en-GB" sz="4800" b="1" dirty="0">
+              <a:gradFill flip="none" rotWithShape="1">
+                <a:gsLst>
+                  <a:gs pos="100000">
+                    <a:srgbClr val="EA6984"/>
+                  </a:gs>
+                  <a:gs pos="0">
+                    <a:srgbClr val="D56AA0"/>
+                  </a:gs>
+                </a:gsLst>
+                <a:lin ang="13500000" scaled="1"/>
+                <a:tileRect/>
+              </a:gradFill>
+              <a:latin typeface="Nunito" panose="00000500000000000000" pitchFamily="2" charset="0"/>
+            </a:endParaRPr>
+          </a:p>
+        </p:txBody>
+      </p:sp>
+      <p:pic>
+        <p:nvPicPr>
+          <p:cNvPr id="2052" name="Picture 4" descr="Image result for react"/>
+          <p:cNvPicPr>
+            <a:picLocks noChangeAspect="1" noChangeArrowheads="1"/>
+          </p:cNvPicPr>
+          <p:nvPr/>
+        </p:nvPicPr>
+        <p:blipFill>
+          <a:blip r:embed="rId6" cstate="print">
+            <a:extLst>
+              <a:ext uri="{28A0092B-C50C-407E-A947-70E740481C1C}">
+                <a14:useLocalDpi xmlns:a14="http://schemas.microsoft.com/office/drawing/2010/main" val="0"/>
+              </a:ext>
+            </a:extLst>
+          </a:blip>
+          <a:srcRect/>
+          <a:stretch>
+            <a:fillRect/>
+          </a:stretch>
+        </p:blipFill>
+        <p:spPr bwMode="auto">
+          <a:xfrm rot="20450451">
+            <a:off x="-371775" y="2417030"/>
+            <a:ext cx="3076170" cy="2173827"/>
+          </a:xfrm>
+          <a:prstGeom prst="rect">
+            <a:avLst/>
+          </a:prstGeom>
+          <a:noFill/>
+          <a:extLst>
+            <a:ext uri="{909E8E84-426E-40DD-AFC4-6F175D3DCCD1}">
+              <a14:hiddenFill xmlns:a14="http://schemas.microsoft.com/office/drawing/2010/main">
+                <a:solidFill>
+                  <a:srgbClr val="FFFFFF"/>
+                </a:solidFill>
+              </a14:hiddenFill>
+            </a:ext>
+          </a:extLst>
+        </p:spPr>
+      </p:pic>
+      <p:pic>
+        <p:nvPicPr>
+          <p:cNvPr id="2054" name="Picture 6" descr="https://fr3fou.me/sql.791c4516.png"/>
+          <p:cNvPicPr>
+            <a:picLocks noChangeAspect="1" noChangeArrowheads="1"/>
+          </p:cNvPicPr>
+          <p:nvPr/>
+        </p:nvPicPr>
+        <p:blipFill>
+          <a:blip r:embed="rId7" cstate="print">
+            <a:extLst>
+              <a:ext uri="{28A0092B-C50C-407E-A947-70E740481C1C}">
+                <a14:useLocalDpi xmlns:a14="http://schemas.microsoft.com/office/drawing/2010/main" val="0"/>
+              </a:ext>
+            </a:extLst>
+          </a:blip>
+          <a:srcRect/>
+          <a:stretch>
+            <a:fillRect/>
+          </a:stretch>
+        </p:blipFill>
+        <p:spPr bwMode="auto">
+          <a:xfrm rot="1196916">
+            <a:off x="3364316" y="5372210"/>
+            <a:ext cx="1303284" cy="1303284"/>
+          </a:xfrm>
+          <a:prstGeom prst="rect">
+            <a:avLst/>
+          </a:prstGeom>
+          <a:noFill/>
+          <a:extLst>
+            <a:ext uri="{909E8E84-426E-40DD-AFC4-6F175D3DCCD1}">
+              <a14:hiddenFill xmlns:a14="http://schemas.microsoft.com/office/drawing/2010/main">
+                <a:solidFill>
+                  <a:srgbClr val="FFFFFF"/>
+                </a:solidFill>
+              </a14:hiddenFill>
+            </a:ext>
+          </a:extLst>
+        </p:spPr>
+      </p:pic>
+      <p:pic>
+        <p:nvPicPr>
+          <p:cNvPr id="2056" name="Picture 8" descr="https://fr3fou.me/ts.84b20c6a.png"/>
+          <p:cNvPicPr>
+            <a:picLocks noChangeAspect="1" noChangeArrowheads="1"/>
+          </p:cNvPicPr>
+          <p:nvPr/>
+        </p:nvPicPr>
+        <p:blipFill>
+          <a:blip r:embed="rId8" cstate="print">
+            <a:extLst>
+              <a:ext uri="{28A0092B-C50C-407E-A947-70E740481C1C}">
+                <a14:useLocalDpi xmlns:a14="http://schemas.microsoft.com/office/drawing/2010/main" val="0"/>
+              </a:ext>
+            </a:extLst>
+          </a:blip>
+          <a:srcRect/>
+          <a:stretch>
+            <a:fillRect/>
+          </a:stretch>
+        </p:blipFill>
+        <p:spPr bwMode="auto">
+          <a:xfrm rot="821097">
+            <a:off x="5838434" y="5104802"/>
+            <a:ext cx="1307561" cy="1307561"/>
+          </a:xfrm>
+          <a:prstGeom prst="rect">
+            <a:avLst/>
+          </a:prstGeom>
+          <a:noFill/>
+          <a:extLst>
+            <a:ext uri="{909E8E84-426E-40DD-AFC4-6F175D3DCCD1}">
+              <a14:hiddenFill xmlns:a14="http://schemas.microsoft.com/office/drawing/2010/main">
+                <a:solidFill>
+                  <a:srgbClr val="FFFFFF"/>
+                </a:solidFill>
+              </a14:hiddenFill>
+            </a:ext>
+          </a:extLst>
+        </p:spPr>
+      </p:pic>
+      <p:pic>
+        <p:nvPicPr>
+          <p:cNvPr id="2058" name="Picture 10" descr="Image result for redis"/>
+          <p:cNvPicPr>
+            <a:picLocks noChangeAspect="1" noChangeArrowheads="1"/>
+          </p:cNvPicPr>
+          <p:nvPr/>
+        </p:nvPicPr>
+        <p:blipFill>
+          <a:blip r:embed="rId9" cstate="print">
+            <a:extLst>
+              <a:ext uri="{28A0092B-C50C-407E-A947-70E740481C1C}">
+                <a14:useLocalDpi xmlns:a14="http://schemas.microsoft.com/office/drawing/2010/main" val="0"/>
+              </a:ext>
+            </a:extLst>
+          </a:blip>
+          <a:srcRect/>
+          <a:stretch>
+            <a:fillRect/>
+          </a:stretch>
+        </p:blipFill>
+        <p:spPr bwMode="auto">
+          <a:xfrm rot="19342459">
+            <a:off x="8361232" y="4930487"/>
+            <a:ext cx="1526921" cy="1360091"/>
+          </a:xfrm>
+          <a:prstGeom prst="rect">
+            <a:avLst/>
+          </a:prstGeom>
+          <a:noFill/>
+          <a:extLst>
+            <a:ext uri="{909E8E84-426E-40DD-AFC4-6F175D3DCCD1}">
+              <a14:hiddenFill xmlns:a14="http://schemas.microsoft.com/office/drawing/2010/main">
+                <a:solidFill>
+                  <a:srgbClr val="FFFFFF"/>
+                </a:solidFill>
+              </a14:hiddenFill>
+            </a:ext>
+          </a:extLst>
+        </p:spPr>
+      </p:pic>
+      <p:pic>
+        <p:nvPicPr>
+          <p:cNvPr id="2062" name="Picture 14" descr="Related image"/>
+          <p:cNvPicPr>
+            <a:picLocks noChangeAspect="1" noChangeArrowheads="1"/>
+          </p:cNvPicPr>
+          <p:nvPr/>
+        </p:nvPicPr>
+        <p:blipFill>
+          <a:blip r:embed="rId10" cstate="print">
+            <a:extLst>
+              <a:ext uri="{28A0092B-C50C-407E-A947-70E740481C1C}">
+                <a14:useLocalDpi xmlns:a14="http://schemas.microsoft.com/office/drawing/2010/main" val="0"/>
+              </a:ext>
+            </a:extLst>
+          </a:blip>
+          <a:srcRect/>
+          <a:stretch>
+            <a:fillRect/>
+          </a:stretch>
+        </p:blipFill>
+        <p:spPr bwMode="auto">
+          <a:xfrm rot="20423972">
+            <a:off x="2761248" y="2050490"/>
+            <a:ext cx="1735313" cy="1735313"/>
+          </a:xfrm>
+          <a:prstGeom prst="rect">
+            <a:avLst/>
+          </a:prstGeom>
+          <a:noFill/>
+          <a:extLst>
+            <a:ext uri="{909E8E84-426E-40DD-AFC4-6F175D3DCCD1}">
+              <a14:hiddenFill xmlns:a14="http://schemas.microsoft.com/office/drawing/2010/main">
+                <a:solidFill>
+                  <a:srgbClr val="FFFFFF"/>
+                </a:solidFill>
+              </a14:hiddenFill>
+            </a:ext>
+          </a:extLst>
+        </p:spPr>
+      </p:pic>
+      <p:pic>
+        <p:nvPicPr>
+          <p:cNvPr id="2064" name="Picture 16" descr="Image result for styled components"/>
+          <p:cNvPicPr>
+            <a:picLocks noChangeAspect="1" noChangeArrowheads="1"/>
+          </p:cNvPicPr>
+          <p:nvPr/>
+        </p:nvPicPr>
+        <p:blipFill>
+          <a:blip r:embed="rId11" cstate="print">
+            <a:extLst>
+              <a:ext uri="{28A0092B-C50C-407E-A947-70E740481C1C}">
+                <a14:useLocalDpi xmlns:a14="http://schemas.microsoft.com/office/drawing/2010/main" val="0"/>
+              </a:ext>
+            </a:extLst>
+          </a:blip>
+          <a:srcRect/>
+          <a:stretch>
+            <a:fillRect/>
+          </a:stretch>
+        </p:blipFill>
+        <p:spPr bwMode="auto">
+          <a:xfrm rot="20008034">
+            <a:off x="7691187" y="3128727"/>
+            <a:ext cx="1246742" cy="1246742"/>
+          </a:xfrm>
+          <a:prstGeom prst="rect">
+            <a:avLst/>
+          </a:prstGeom>
+          <a:noFill/>
+          <a:extLst>
+            <a:ext uri="{909E8E84-426E-40DD-AFC4-6F175D3DCCD1}">
+              <a14:hiddenFill xmlns:a14="http://schemas.microsoft.com/office/drawing/2010/main">
+                <a:solidFill>
+                  <a:srgbClr val="FFFFFF"/>
+                </a:solidFill>
+              </a14:hiddenFill>
+            </a:ext>
+          </a:extLst>
+        </p:spPr>
+      </p:pic>
+      <p:pic>
+        <p:nvPicPr>
+          <p:cNvPr id="2066" name="Picture 18" descr="Related image"/>
+          <p:cNvPicPr>
+            <a:picLocks noChangeAspect="1" noChangeArrowheads="1"/>
+          </p:cNvPicPr>
+          <p:nvPr/>
+        </p:nvPicPr>
+        <p:blipFill>
+          <a:blip r:embed="rId12" cstate="print">
+            <a:extLst>
+              <a:ext uri="{28A0092B-C50C-407E-A947-70E740481C1C}">
+                <a14:useLocalDpi xmlns:a14="http://schemas.microsoft.com/office/drawing/2010/main" val="0"/>
+              </a:ext>
+            </a:extLst>
+          </a:blip>
+          <a:srcRect/>
+          <a:stretch>
+            <a:fillRect/>
+          </a:stretch>
+        </p:blipFill>
+        <p:spPr bwMode="auto">
+          <a:xfrm rot="1567586">
+            <a:off x="9942219" y="1822107"/>
+            <a:ext cx="1279482" cy="1391253"/>
+          </a:xfrm>
+          <a:prstGeom prst="rect">
+            <a:avLst/>
+          </a:prstGeom>
+          <a:noFill/>
+          <a:extLst>
+            <a:ext uri="{909E8E84-426E-40DD-AFC4-6F175D3DCCD1}">
+              <a14:hiddenFill xmlns:a14="http://schemas.microsoft.com/office/drawing/2010/main">
+                <a:solidFill>
+                  <a:srgbClr val="FFFFFF"/>
+                </a:solidFill>
+              </a14:hiddenFill>
+            </a:ext>
+          </a:extLst>
+        </p:spPr>
+      </p:pic>
+      <p:pic>
+        <p:nvPicPr>
+          <p:cNvPr id="2074" name="Picture 26" descr="Related image"/>
+          <p:cNvPicPr>
+            <a:picLocks noChangeAspect="1" noChangeArrowheads="1"/>
+          </p:cNvPicPr>
+          <p:nvPr/>
+        </p:nvPicPr>
+        <p:blipFill>
+          <a:blip r:embed="rId13" cstate="print">
+            <a:extLst>
+              <a:ext uri="{28A0092B-C50C-407E-A947-70E740481C1C}">
+                <a14:useLocalDpi xmlns:a14="http://schemas.microsoft.com/office/drawing/2010/main" val="0"/>
+              </a:ext>
+            </a:extLst>
+          </a:blip>
+          <a:srcRect/>
+          <a:stretch>
+            <a:fillRect/>
+          </a:stretch>
+        </p:blipFill>
+        <p:spPr bwMode="auto">
+          <a:xfrm rot="952502">
+            <a:off x="421118" y="5058277"/>
+            <a:ext cx="1685665" cy="1264249"/>
+          </a:xfrm>
+          <a:prstGeom prst="rect">
+            <a:avLst/>
+          </a:prstGeom>
+          <a:noFill/>
+          <a:extLst>
+            <a:ext uri="{909E8E84-426E-40DD-AFC4-6F175D3DCCD1}">
+              <a14:hiddenFill xmlns:a14="http://schemas.microsoft.com/office/drawing/2010/main">
+                <a:solidFill>
+                  <a:srgbClr val="FFFFFF"/>
+                </a:solidFill>
+              </a14:hiddenFill>
+            </a:ext>
+          </a:extLst>
+        </p:spPr>
+      </p:pic>
+      <p:pic>
+        <p:nvPicPr>
+          <p:cNvPr id="2076" name="Picture 28" descr="Related image"/>
+          <p:cNvPicPr>
+            <a:picLocks noChangeAspect="1" noChangeArrowheads="1"/>
+          </p:cNvPicPr>
+          <p:nvPr/>
+        </p:nvPicPr>
+        <p:blipFill>
+          <a:blip r:embed="rId14" cstate="print">
+            <a:extLst>
+              <a:ext uri="{28A0092B-C50C-407E-A947-70E740481C1C}">
+                <a14:useLocalDpi xmlns:a14="http://schemas.microsoft.com/office/drawing/2010/main" val="0"/>
+              </a:ext>
+            </a:extLst>
+          </a:blip>
+          <a:srcRect/>
+          <a:stretch>
+            <a:fillRect/>
+          </a:stretch>
+        </p:blipFill>
+        <p:spPr bwMode="auto">
+          <a:xfrm rot="1858604">
+            <a:off x="3074037" y="3190781"/>
+            <a:ext cx="3285859" cy="2262188"/>
+          </a:xfrm>
+          <a:prstGeom prst="rect">
+            <a:avLst/>
+          </a:prstGeom>
+          <a:noFill/>
+          <a:extLst>
+            <a:ext uri="{909E8E84-426E-40DD-AFC4-6F175D3DCCD1}">
+              <a14:hiddenFill xmlns:a14="http://schemas.microsoft.com/office/drawing/2010/main">
+                <a:solidFill>
+                  <a:srgbClr val="FFFFFF"/>
+                </a:solidFill>
+              </a14:hiddenFill>
+            </a:ext>
+          </a:extLst>
+        </p:spPr>
+      </p:pic>
+      <p:pic>
+        <p:nvPicPr>
+          <p:cNvPr id="2078" name="Picture 30" descr="Image result for k8s"/>
+          <p:cNvPicPr>
+            <a:picLocks noChangeAspect="1" noChangeArrowheads="1"/>
+          </p:cNvPicPr>
+          <p:nvPr/>
+        </p:nvPicPr>
+        <p:blipFill>
+          <a:blip r:embed="rId15" cstate="print">
+            <a:extLst>
+              <a:ext uri="{28A0092B-C50C-407E-A947-70E740481C1C}">
+                <a14:useLocalDpi xmlns:a14="http://schemas.microsoft.com/office/drawing/2010/main" val="0"/>
+              </a:ext>
+            </a:extLst>
+          </a:blip>
+          <a:srcRect/>
+          <a:stretch>
+            <a:fillRect/>
+          </a:stretch>
+        </p:blipFill>
+        <p:spPr bwMode="auto">
+          <a:xfrm rot="19180690">
+            <a:off x="5766071" y="2168770"/>
+            <a:ext cx="1540504" cy="1494289"/>
+          </a:xfrm>
+          <a:prstGeom prst="rect">
+            <a:avLst/>
+          </a:prstGeom>
+          <a:noFill/>
+          <a:extLst>
+            <a:ext uri="{909E8E84-426E-40DD-AFC4-6F175D3DCCD1}">
+              <a14:hiddenFill xmlns:a14="http://schemas.microsoft.com/office/drawing/2010/main">
+                <a:solidFill>
+                  <a:srgbClr val="FFFFFF"/>
+                </a:solidFill>
+              </a14:hiddenFill>
+            </a:ext>
+          </a:extLst>
+        </p:spPr>
+      </p:pic>
+      <p:pic>
+        <p:nvPicPr>
+          <p:cNvPr id="2080" name="Picture 32" descr="Image result for nginx"/>
+          <p:cNvPicPr>
+            <a:picLocks noChangeAspect="1" noChangeArrowheads="1"/>
+          </p:cNvPicPr>
+          <p:nvPr/>
+        </p:nvPicPr>
+        <p:blipFill>
+          <a:blip r:embed="rId16" cstate="print">
+            <a:extLst>
+              <a:ext uri="{28A0092B-C50C-407E-A947-70E740481C1C}">
+                <a14:useLocalDpi xmlns:a14="http://schemas.microsoft.com/office/drawing/2010/main" val="0"/>
+              </a:ext>
+            </a:extLst>
+          </a:blip>
+          <a:srcRect/>
+          <a:stretch>
+            <a:fillRect/>
+          </a:stretch>
+        </p:blipFill>
+        <p:spPr bwMode="auto">
+          <a:xfrm rot="19168276">
+            <a:off x="10034560" y="4084071"/>
+            <a:ext cx="1126269" cy="1126269"/>
+          </a:xfrm>
+          <a:prstGeom prst="rect">
+            <a:avLst/>
+          </a:prstGeom>
+          <a:noFill/>
+          <a:extLst>
+            <a:ext uri="{909E8E84-426E-40DD-AFC4-6F175D3DCCD1}">
+              <a14:hiddenFill xmlns:a14="http://schemas.microsoft.com/office/drawing/2010/main">
+                <a:solidFill>
+                  <a:srgbClr val="FFFFFF"/>
+                </a:solidFill>
+              </a14:hiddenFill>
+            </a:ext>
+          </a:extLst>
+        </p:spPr>
+      </p:pic>
+      <p:pic>
+        <p:nvPicPr>
+          <p:cNvPr id="2082" name="Picture 34" descr="Image result for passport.js"/>
+          <p:cNvPicPr>
+            <a:picLocks noChangeAspect="1" noChangeArrowheads="1"/>
+          </p:cNvPicPr>
+          <p:nvPr/>
+        </p:nvPicPr>
+        <p:blipFill>
+          <a:blip r:embed="rId17" cstate="print">
+            <a:extLst>
+              <a:ext uri="{28A0092B-C50C-407E-A947-70E740481C1C}">
+                <a14:useLocalDpi xmlns:a14="http://schemas.microsoft.com/office/drawing/2010/main" val="0"/>
+              </a:ext>
+            </a:extLst>
+          </a:blip>
+          <a:srcRect/>
+          <a:stretch>
+            <a:fillRect/>
+          </a:stretch>
+        </p:blipFill>
+        <p:spPr bwMode="auto">
+          <a:xfrm rot="20273716">
+            <a:off x="2096178" y="4289626"/>
+            <a:ext cx="1198868" cy="1198868"/>
+          </a:xfrm>
+          <a:prstGeom prst="rect">
+            <a:avLst/>
+          </a:prstGeom>
+          <a:noFill/>
+          <a:extLst>
+            <a:ext uri="{909E8E84-426E-40DD-AFC4-6F175D3DCCD1}">
+              <a14:hiddenFill xmlns:a14="http://schemas.microsoft.com/office/drawing/2010/main">
+                <a:solidFill>
+                  <a:srgbClr val="FFFFFF"/>
+                </a:solidFill>
+              </a14:hiddenFill>
+            </a:ext>
+          </a:extLst>
+        </p:spPr>
+      </p:pic>
+    </p:spTree>
+    <p:extLst>
+      <p:ext uri="{BB962C8B-B14F-4D97-AF65-F5344CB8AC3E}">
+        <p14:creationId xmlns:p14="http://schemas.microsoft.com/office/powerpoint/2010/main" val="233902372"/>
+      </p:ext>
+    </p:extLst>
+  </p:cSld>
+  <p:clrMapOvr>
+    <a:masterClrMapping/>
+  </p:clrMapOvr>
+  <mc:AlternateContent xmlns:mc="http://schemas.openxmlformats.org/markup-compatibility/2006" xmlns:p14="http://schemas.microsoft.com/office/powerpoint/2010/main">
+    <mc:Choice Requires="p14">
+      <p:transition p14:dur="0"/>
+    </mc:Choice>
+    <mc:Fallback xmlns="">
+      <p:transition/>
+    </mc:Fallback>
+  </mc:AlternateContent>
+  <p:timing>
+    <p:tnLst>
+      <p:par>
+        <p:cTn id="1" dur="indefinite" restart="never" nodeType="tmRoot"/>
+      </p:par>
+    </p:tnLst>
+  </p:timing>
+</p:sld>
+</file>
+
+<file path=ppt/slides/slide6.xml><?xml version="1.0" encoding="utf-8"?>
+<p:sld xmlns:a="http://schemas.openxmlformats.org/drawingml/2006/main" xmlns:r="http://schemas.openxmlformats.org/officeDocument/2006/relationships" xmlns:p="http://schemas.openxmlformats.org/presentationml/2006/main">
+  <p:cSld>
+    <p:bg>
+      <p:bgPr>
+        <a:solidFill>
+          <a:schemeClr val="bg1"/>
+        </a:solidFill>
+        <a:effectLst/>
+      </p:bgPr>
+    </p:bg>
+    <p:spTree>
+      <p:nvGrpSpPr>
+        <p:cNvPr id="1" name=""/>
+        <p:cNvGrpSpPr/>
+        <p:nvPr/>
+      </p:nvGrpSpPr>
+      <p:grpSpPr>
+        <a:xfrm>
+          <a:off x="0" y="0"/>
+          <a:ext cx="0" cy="0"/>
+          <a:chOff x="0" y="0"/>
+          <a:chExt cx="0" cy="0"/>
+        </a:xfrm>
+      </p:grpSpPr>
+      <p:sp>
+        <p:nvSpPr>
+          <p:cNvPr id="2" name="Title 1"/>
+          <p:cNvSpPr>
+            <a:spLocks noGrp="1"/>
+          </p:cNvSpPr>
+          <p:nvPr>
+            <p:ph type="ctrTitle"/>
+          </p:nvPr>
+        </p:nvSpPr>
+        <p:spPr>
+          <a:xfrm>
+            <a:off x="2318658" y="-653519"/>
+            <a:ext cx="9144000" cy="2387600"/>
+          </a:xfrm>
+        </p:spPr>
+        <p:txBody>
+          <a:bodyPr>
+            <a:normAutofit/>
+          </a:bodyPr>
+          <a:lstStyle/>
+          <a:p>
+            <a:pPr algn="r"/>
+            <a:r>
+              <a:rPr lang="en-GB" sz="8800" b="1" dirty="0" smtClean="0">
+                <a:gradFill flip="none" rotWithShape="1">
+                  <a:gsLst>
+                    <a:gs pos="100000">
+                      <a:srgbClr val="EA6984"/>
+                    </a:gs>
+                    <a:gs pos="0">
+                      <a:srgbClr val="D56AA0"/>
+                    </a:gs>
+                  </a:gsLst>
+                  <a:lin ang="13500000" scaled="1"/>
+                  <a:tileRect/>
+                </a:gradFill>
+                <a:latin typeface="Nunito Black" panose="00000A00000000000000" pitchFamily="2" charset="0"/>
+              </a:rPr>
+              <a:t>Architecture</a:t>
+            </a:r>
+            <a:endParaRPr lang="en-GB" sz="4000" b="1" dirty="0">
+              <a:gradFill flip="none" rotWithShape="1">
+                <a:gsLst>
+                  <a:gs pos="100000">
+                    <a:srgbClr val="EA6984"/>
+                  </a:gs>
+                  <a:gs pos="0">
+                    <a:srgbClr val="D56AA0"/>
+                  </a:gs>
+                </a:gsLst>
+                <a:lin ang="13500000" scaled="1"/>
+                <a:tileRect/>
+              </a:gradFill>
+              <a:latin typeface="Nunito Black" panose="00000A00000000000000" pitchFamily="2" charset="0"/>
+            </a:endParaRPr>
+          </a:p>
+        </p:txBody>
+      </p:sp>
+      <p:pic>
+        <p:nvPicPr>
+          <p:cNvPr id="16" name="Picture 15"/>
+          <p:cNvPicPr>
+            <a:picLocks noChangeAspect="1"/>
+          </p:cNvPicPr>
+          <p:nvPr/>
+        </p:nvPicPr>
+        <p:blipFill>
+          <a:blip r:embed="rId2" cstate="print">
+            <a:extLst>
+              <a:ext uri="{28A0092B-C50C-407E-A947-70E740481C1C}">
+                <a14:useLocalDpi xmlns:a14="http://schemas.microsoft.com/office/drawing/2010/main" val="0"/>
+              </a:ext>
+            </a:extLst>
+          </a:blip>
+          <a:stretch>
+            <a:fillRect/>
+          </a:stretch>
+        </p:blipFill>
+        <p:spPr>
+          <a:xfrm rot="11346299">
+            <a:off x="8807491" y="2656255"/>
+            <a:ext cx="6769017" cy="6769017"/>
+          </a:xfrm>
+          <a:prstGeom prst="rect">
+            <a:avLst/>
+          </a:prstGeom>
+          <a:noFill/>
+          <a:ln>
+            <a:noFill/>
+          </a:ln>
+        </p:spPr>
+      </p:pic>
+      <p:grpSp>
+        <p:nvGrpSpPr>
+          <p:cNvPr id="10" name="Group 9"/>
+          <p:cNvGrpSpPr/>
+          <p:nvPr/>
+        </p:nvGrpSpPr>
+        <p:grpSpPr>
+          <a:xfrm>
+            <a:off x="-2982265" y="-4038029"/>
+            <a:ext cx="6769017" cy="6769017"/>
+            <a:chOff x="-2982265" y="-4038029"/>
+            <a:chExt cx="6769017" cy="6769017"/>
+          </a:xfrm>
+        </p:grpSpPr>
+        <p:pic>
+          <p:nvPicPr>
+            <p:cNvPr id="17" name="Picture 16"/>
+            <p:cNvPicPr>
+              <a:picLocks noChangeAspect="1"/>
+            </p:cNvPicPr>
+            <p:nvPr/>
+          </p:nvPicPr>
+          <p:blipFill>
+            <a:blip r:embed="rId3" cstate="print">
+              <a:extLst>
+                <a:ext uri="{BEBA8EAE-BF5A-486C-A8C5-ECC9F3942E4B}">
+                  <a14:imgProps xmlns:a14="http://schemas.microsoft.com/office/drawing/2010/main">
+                    <a14:imgLayer r:embed="rId4">
+                      <a14:imgEffect>
+                        <a14:colorTemperature colorTemp="11200"/>
+                      </a14:imgEffect>
+                    </a14:imgLayer>
+                  </a14:imgProps>
+                </a:ext>
+                <a:ext uri="{28A0092B-C50C-407E-A947-70E740481C1C}">
+                  <a14:useLocalDpi xmlns:a14="http://schemas.microsoft.com/office/drawing/2010/main" val="0"/>
+                </a:ext>
+              </a:extLst>
+            </a:blip>
+            <a:stretch>
+              <a:fillRect/>
+            </a:stretch>
+          </p:blipFill>
+          <p:spPr>
+            <a:xfrm rot="8119872">
+              <a:off x="-2982265" y="-4038029"/>
+              <a:ext cx="6769017" cy="6769017"/>
+            </a:xfrm>
+            <a:prstGeom prst="rect">
+              <a:avLst/>
+            </a:prstGeom>
+          </p:spPr>
+        </p:pic>
+        <p:pic>
+          <p:nvPicPr>
+            <p:cNvPr id="18" name="Picture 17"/>
+            <p:cNvPicPr>
+              <a:picLocks noChangeAspect="1"/>
+            </p:cNvPicPr>
+            <p:nvPr/>
+          </p:nvPicPr>
+          <p:blipFill>
+            <a:blip r:embed="rId5" cstate="print">
+              <a:extLst>
+                <a:ext uri="{28A0092B-C50C-407E-A947-70E740481C1C}">
+                  <a14:useLocalDpi xmlns:a14="http://schemas.microsoft.com/office/drawing/2010/main" val="0"/>
+                </a:ext>
+              </a:extLst>
+            </a:blip>
+            <a:stretch>
+              <a:fillRect/>
+            </a:stretch>
+          </p:blipFill>
+          <p:spPr>
+            <a:xfrm>
+              <a:off x="-1377" y="178861"/>
+              <a:ext cx="1793583" cy="1793583"/>
+            </a:xfrm>
+            <a:prstGeom prst="rect">
+              <a:avLst/>
+            </a:prstGeom>
+          </p:spPr>
+        </p:pic>
+      </p:grpSp>
+      <p:sp>
+        <p:nvSpPr>
+          <p:cNvPr id="19" name="Title 1"/>
+          <p:cNvSpPr txBox="1">
+            <a:spLocks/>
+          </p:cNvSpPr>
+          <p:nvPr/>
+        </p:nvSpPr>
+        <p:spPr>
+          <a:xfrm>
+            <a:off x="581048" y="2221658"/>
+            <a:ext cx="3237464" cy="1060105"/>
+          </a:xfrm>
+          <a:prstGeom prst="rect">
+            <a:avLst/>
+          </a:prstGeom>
+        </p:spPr>
+        <p:txBody>
+          <a:bodyPr vert="horz" lIns="91440" tIns="45720" rIns="91440" bIns="45720" rtlCol="0" anchor="b">
+            <a:normAutofit/>
+          </a:bodyPr>
+          <a:lstStyle>
+            <a:lvl1pPr algn="ctr" defTabSz="914400" rtl="0" eaLnBrk="1" latinLnBrk="0" hangingPunct="1">
+              <a:lnSpc>
+                <a:spcPct val="90000"/>
+              </a:lnSpc>
+              <a:spcBef>
+                <a:spcPct val="0"/>
+              </a:spcBef>
+              <a:buNone/>
+              <a:defRPr sz="6000" kern="1200">
+                <a:solidFill>
+                  <a:schemeClr val="tx1"/>
+                </a:solidFill>
+                <a:latin typeface="+mj-lt"/>
+                <a:ea typeface="+mj-ea"/>
+                <a:cs typeface="+mj-cs"/>
+              </a:defRPr>
+            </a:lvl1pPr>
+          </a:lstStyle>
+          <a:p>
+            <a:pPr algn="r"/>
+            <a:endParaRPr lang="en-GB" sz="4800" b="1" dirty="0">
+              <a:gradFill flip="none" rotWithShape="1">
+                <a:gsLst>
+                  <a:gs pos="100000">
+                    <a:srgbClr val="EA6984"/>
+                  </a:gs>
+                  <a:gs pos="0">
+                    <a:srgbClr val="D56AA0"/>
+                  </a:gs>
+                </a:gsLst>
+                <a:lin ang="13500000" scaled="1"/>
+                <a:tileRect/>
+              </a:gradFill>
+              <a:latin typeface="Nunito" panose="00000500000000000000" pitchFamily="2" charset="0"/>
+            </a:endParaRPr>
+          </a:p>
+        </p:txBody>
+      </p:sp>
+      <p:sp>
+        <p:nvSpPr>
+          <p:cNvPr id="3" name="Rounded Rectangle 2"/>
+          <p:cNvSpPr/>
+          <p:nvPr/>
+        </p:nvSpPr>
+        <p:spPr>
+          <a:xfrm>
+            <a:off x="4438650" y="4901171"/>
+            <a:ext cx="3429000" cy="1619250"/>
+          </a:xfrm>
+          <a:prstGeom prst="roundRect">
+            <a:avLst/>
+          </a:prstGeom>
+          <a:gradFill>
+            <a:gsLst>
+              <a:gs pos="100000">
+                <a:srgbClr val="EA6984"/>
+              </a:gs>
+              <a:gs pos="0">
+                <a:srgbClr val="D56AA0"/>
+              </a:gs>
+            </a:gsLst>
+            <a:lin ang="13500000" scaled="1"/>
+          </a:gradFill>
+          <a:ln w="57150">
+            <a:solidFill>
+              <a:srgbClr val="EA6984">
+                <a:alpha val="55000"/>
+              </a:srgbClr>
+            </a:solidFill>
+          </a:ln>
+        </p:spPr>
+        <p:style>
+          <a:lnRef idx="2">
+            <a:schemeClr val="accent1">
+              <a:shade val="50000"/>
+            </a:schemeClr>
+          </a:lnRef>
+          <a:fillRef idx="1">
+            <a:schemeClr val="accent1"/>
+          </a:fillRef>
+          <a:effectRef idx="0">
+            <a:schemeClr val="accent1"/>
+          </a:effectRef>
+          <a:fontRef idx="minor">
+            <a:schemeClr val="lt1"/>
+          </a:fontRef>
+        </p:style>
+        <p:txBody>
+          <a:bodyPr rtlCol="0" anchor="ctr"/>
+          <a:lstStyle/>
+          <a:p>
+            <a:pPr algn="ctr"/>
+            <a:endParaRPr lang="en-GB"/>
+          </a:p>
+        </p:txBody>
+      </p:sp>
+      <p:sp>
+        <p:nvSpPr>
+          <p:cNvPr id="21" name="Rounded Rectangle 20"/>
+          <p:cNvSpPr/>
+          <p:nvPr/>
+        </p:nvSpPr>
+        <p:spPr>
+          <a:xfrm>
+            <a:off x="952005" y="2364492"/>
+            <a:ext cx="2495550" cy="1619250"/>
+          </a:xfrm>
+          <a:prstGeom prst="roundRect">
+            <a:avLst/>
+          </a:prstGeom>
+          <a:gradFill>
+            <a:gsLst>
+              <a:gs pos="100000">
+                <a:srgbClr val="EA6984"/>
+              </a:gs>
+              <a:gs pos="0">
+                <a:srgbClr val="D56AA0"/>
+              </a:gs>
+            </a:gsLst>
+            <a:lin ang="13500000" scaled="1"/>
+          </a:gradFill>
+          <a:ln w="57150">
+            <a:solidFill>
+              <a:srgbClr val="EA6984">
+                <a:alpha val="55000"/>
+              </a:srgbClr>
+            </a:solidFill>
+          </a:ln>
+        </p:spPr>
+        <p:style>
+          <a:lnRef idx="2">
+            <a:schemeClr val="accent1">
+              <a:shade val="50000"/>
+            </a:schemeClr>
+          </a:lnRef>
+          <a:fillRef idx="1">
+            <a:schemeClr val="accent1"/>
+          </a:fillRef>
+          <a:effectRef idx="0">
+            <a:schemeClr val="accent1"/>
+          </a:effectRef>
+          <a:fontRef idx="minor">
+            <a:schemeClr val="lt1"/>
+          </a:fontRef>
+        </p:style>
+        <p:txBody>
+          <a:bodyPr rtlCol="0" anchor="ctr"/>
+          <a:lstStyle/>
+          <a:p>
+            <a:pPr algn="ctr"/>
+            <a:endParaRPr lang="en-GB"/>
+          </a:p>
+        </p:txBody>
+      </p:sp>
+      <p:sp>
+        <p:nvSpPr>
+          <p:cNvPr id="29" name="Rounded Rectangle 28"/>
+          <p:cNvSpPr/>
+          <p:nvPr/>
+        </p:nvSpPr>
+        <p:spPr>
+          <a:xfrm>
+            <a:off x="4905375" y="2364492"/>
+            <a:ext cx="2495550" cy="1619250"/>
+          </a:xfrm>
+          <a:prstGeom prst="roundRect">
+            <a:avLst/>
+          </a:prstGeom>
+          <a:gradFill>
+            <a:gsLst>
+              <a:gs pos="100000">
+                <a:srgbClr val="EA6984"/>
+              </a:gs>
+              <a:gs pos="0">
+                <a:srgbClr val="D56AA0"/>
+              </a:gs>
+            </a:gsLst>
+            <a:lin ang="13500000" scaled="1"/>
+          </a:gradFill>
+          <a:ln w="57150">
+            <a:solidFill>
+              <a:srgbClr val="EA6984">
+                <a:alpha val="55000"/>
+              </a:srgbClr>
+            </a:solidFill>
+          </a:ln>
+        </p:spPr>
+        <p:style>
+          <a:lnRef idx="2">
+            <a:schemeClr val="accent1">
+              <a:shade val="50000"/>
+            </a:schemeClr>
+          </a:lnRef>
+          <a:fillRef idx="1">
+            <a:schemeClr val="accent1"/>
+          </a:fillRef>
+          <a:effectRef idx="0">
+            <a:schemeClr val="accent1"/>
+          </a:effectRef>
+          <a:fontRef idx="minor">
+            <a:schemeClr val="lt1"/>
+          </a:fontRef>
+        </p:style>
+        <p:txBody>
+          <a:bodyPr rtlCol="0" anchor="ctr"/>
+          <a:lstStyle/>
+          <a:p>
+            <a:pPr algn="ctr"/>
+            <a:endParaRPr lang="en-GB"/>
+          </a:p>
+        </p:txBody>
+      </p:sp>
+      <p:sp>
+        <p:nvSpPr>
+          <p:cNvPr id="30" name="Rounded Rectangle 29"/>
+          <p:cNvSpPr/>
+          <p:nvPr/>
+        </p:nvSpPr>
+        <p:spPr>
+          <a:xfrm>
+            <a:off x="8783655" y="2364492"/>
+            <a:ext cx="2495550" cy="1619250"/>
+          </a:xfrm>
+          <a:prstGeom prst="roundRect">
+            <a:avLst/>
+          </a:prstGeom>
+          <a:gradFill>
+            <a:gsLst>
+              <a:gs pos="100000">
+                <a:srgbClr val="EA6984"/>
+              </a:gs>
+              <a:gs pos="0">
+                <a:srgbClr val="D56AA0"/>
+              </a:gs>
+            </a:gsLst>
+            <a:lin ang="13500000" scaled="1"/>
+          </a:gradFill>
+          <a:ln w="57150">
+            <a:solidFill>
+              <a:srgbClr val="EA6984">
+                <a:alpha val="55000"/>
+              </a:srgbClr>
+            </a:solidFill>
+          </a:ln>
+        </p:spPr>
+        <p:style>
+          <a:lnRef idx="2">
+            <a:schemeClr val="accent1">
+              <a:shade val="50000"/>
+            </a:schemeClr>
+          </a:lnRef>
+          <a:fillRef idx="1">
+            <a:schemeClr val="accent1"/>
+          </a:fillRef>
+          <a:effectRef idx="0">
+            <a:schemeClr val="accent1"/>
+          </a:effectRef>
+          <a:fontRef idx="minor">
+            <a:schemeClr val="lt1"/>
+          </a:fontRef>
+        </p:style>
+        <p:txBody>
+          <a:bodyPr rtlCol="0" anchor="ctr"/>
+          <a:lstStyle/>
+          <a:p>
+            <a:pPr algn="ctr"/>
+            <a:endParaRPr lang="en-GB"/>
+          </a:p>
+        </p:txBody>
+      </p:sp>
+    </p:spTree>
+    <p:extLst>
+      <p:ext uri="{BB962C8B-B14F-4D97-AF65-F5344CB8AC3E}">
+        <p14:creationId xmlns:p14="http://schemas.microsoft.com/office/powerpoint/2010/main" val="165036139"/>
+      </p:ext>
+    </p:extLst>
+  </p:cSld>
+  <p:clrMapOvr>
+    <a:masterClrMapping/>
+  </p:clrMapOvr>
+  <mc:AlternateContent xmlns:mc="http://schemas.openxmlformats.org/markup-compatibility/2006" xmlns:p14="http://schemas.microsoft.com/office/powerpoint/2010/main">
+    <mc:Choice Requires="p14">
+      <p:transition p14:dur="0"/>
+    </mc:Choice>
+    <mc:Fallback xmlns="">
+      <p:transition/>
+    </mc:Fallback>
+  </mc:AlternateContent>
+  <p:timing>
+    <p:tnLst>
+      <p:par>
+        <p:cTn id="1" dur="indefinite" restart="never" nodeType="tmRoot"/>
+      </p:par>
+    </p:tnLst>
+  </p:timing>
+</p:sld>
+</file>
+
+<file path=ppt/slides/slide7.xml><?xml version="1.0" encoding="utf-8"?>
+<p:sld xmlns:a="http://schemas.openxmlformats.org/drawingml/2006/main" xmlns:r="http://schemas.openxmlformats.org/officeDocument/2006/relationships" xmlns:p="http://schemas.openxmlformats.org/presentationml/2006/main">
+  <p:cSld>
+    <p:bg>
+      <p:bgPr>
+        <a:solidFill>
+          <a:schemeClr val="bg1"/>
+        </a:solidFill>
+        <a:effectLst/>
+      </p:bgPr>
+    </p:bg>
+    <p:spTree>
+      <p:nvGrpSpPr>
+        <p:cNvPr id="1" name=""/>
+        <p:cNvGrpSpPr/>
+        <p:nvPr/>
+      </p:nvGrpSpPr>
+      <p:grpSpPr>
+        <a:xfrm>
+          <a:off x="0" y="0"/>
+          <a:ext cx="0" cy="0"/>
+          <a:chOff x="0" y="0"/>
+          <a:chExt cx="0" cy="0"/>
+        </a:xfrm>
+      </p:grpSpPr>
+      <p:pic>
+        <p:nvPicPr>
+          <p:cNvPr id="20" name="Picture 19"/>
+          <p:cNvPicPr>
+            <a:picLocks noChangeAspect="1"/>
+          </p:cNvPicPr>
+          <p:nvPr/>
+        </p:nvPicPr>
+        <p:blipFill>
+          <a:blip r:embed="rId2" cstate="print">
+            <a:extLst>
+              <a:ext uri="{28A0092B-C50C-407E-A947-70E740481C1C}">
+                <a14:useLocalDpi xmlns:a14="http://schemas.microsoft.com/office/drawing/2010/main" val="0"/>
+              </a:ext>
+            </a:extLst>
+          </a:blip>
+          <a:stretch>
+            <a:fillRect/>
+          </a:stretch>
+        </p:blipFill>
+        <p:spPr>
           <a:xfrm rot="11346299">
             <a:off x="8807491" y="2656255"/>
             <a:ext cx="6769017" cy="6769017"/>
@@ -4355,7 +6438,7 @@
         <p:spPr>
           <a:xfrm>
             <a:off x="6687460" y="1782237"/>
-            <a:ext cx="4702628" cy="3970318"/>
+            <a:ext cx="4702628" cy="4401205"/>
           </a:xfrm>
           <a:prstGeom prst="rect">
             <a:avLst/>
@@ -4377,19 +6460,10 @@
                     <a:lumOff val="25000"/>
                   </a:schemeClr>
                 </a:solidFill>
-                <a:latin typeface="Nunito" panose="00000500000000000000" pitchFamily="2" charset="0"/>
+                <a:latin typeface="Nunito Black" panose="00000A00000000000000" pitchFamily="2" charset="0"/>
               </a:rPr>
               <a:t>- Owners will pay a monthly fee to use the service</a:t>
             </a:r>
-            <a:endParaRPr lang="en-GB" sz="2800" b="1" dirty="0" smtClean="0">
-              <a:solidFill>
-                <a:schemeClr val="tx1">
-                  <a:lumMod val="75000"/>
-                  <a:lumOff val="25000"/>
-                </a:schemeClr>
-              </a:solidFill>
-              <a:latin typeface="Nunito" panose="00000500000000000000" pitchFamily="2" charset="0"/>
-            </a:endParaRPr>
           </a:p>
           <a:p>
             <a:pPr lvl="1"/>
@@ -4400,7 +6474,7 @@
                   <a:lumOff val="25000"/>
                 </a:schemeClr>
               </a:solidFill>
-              <a:latin typeface="Nunito" panose="00000500000000000000" pitchFamily="2" charset="0"/>
+              <a:latin typeface="Nunito Black" panose="00000A00000000000000" pitchFamily="2" charset="0"/>
             </a:endParaRPr>
           </a:p>
           <a:p>
@@ -4413,33 +6487,9 @@
                     <a:lumOff val="25000"/>
                   </a:schemeClr>
                 </a:solidFill>
-                <a:latin typeface="Nunito" panose="00000500000000000000" pitchFamily="2" charset="0"/>
+                <a:latin typeface="Nunito Black" panose="00000A00000000000000" pitchFamily="2" charset="0"/>
               </a:rPr>
-              <a:t>- They will g</a:t>
-            </a:r>
-            <a:r>
-              <a:rPr lang="en-GB" sz="2800" b="1" dirty="0" smtClean="0">
-                <a:solidFill>
-                  <a:schemeClr val="tx1">
-                    <a:lumMod val="75000"/>
-                    <a:lumOff val="25000"/>
-                  </a:schemeClr>
-                </a:solidFill>
-                <a:latin typeface="Nunito" panose="00000500000000000000" pitchFamily="2" charset="0"/>
-              </a:rPr>
-              <a:t>et</a:t>
-            </a:r>
-            <a:r>
-              <a:rPr lang="en-GB" sz="2800" b="1" dirty="0" smtClean="0">
-                <a:solidFill>
-                  <a:schemeClr val="tx1">
-                    <a:lumMod val="75000"/>
-                    <a:lumOff val="25000"/>
-                  </a:schemeClr>
-                </a:solidFill>
-                <a:latin typeface="Nunito" panose="00000500000000000000" pitchFamily="2" charset="0"/>
-              </a:rPr>
-              <a:t> a fully customized restaurant menu and admin panel</a:t>
+              <a:t>- They will get a fully customized restaurant menu and admin panel</a:t>
             </a:r>
             <a:endParaRPr lang="en-GB" sz="2800" b="1" dirty="0">
               <a:solidFill>
@@ -4448,7 +6498,7 @@
                   <a:lumOff val="25000"/>
                 </a:schemeClr>
               </a:solidFill>
-              <a:latin typeface="Nunito" panose="00000500000000000000" pitchFamily="2" charset="0"/>
+              <a:latin typeface="Nunito Black" panose="00000A00000000000000" pitchFamily="2" charset="0"/>
             </a:endParaRPr>
           </a:p>
           <a:p>
@@ -4460,7 +6510,7 @@
                   <a:lumOff val="25000"/>
                 </a:schemeClr>
               </a:solidFill>
-              <a:latin typeface="Nunito" panose="00000500000000000000" pitchFamily="2" charset="0"/>
+              <a:latin typeface="Nunito Black" panose="00000A00000000000000" pitchFamily="2" charset="0"/>
             </a:endParaRPr>
           </a:p>
           <a:p>
@@ -4473,10 +6523,37 @@
                     <a:lumOff val="25000"/>
                   </a:schemeClr>
                 </a:solidFill>
-                <a:latin typeface="Nunito" panose="00000500000000000000" pitchFamily="2" charset="0"/>
+                <a:latin typeface="Nunito Black" panose="00000A00000000000000" pitchFamily="2" charset="0"/>
               </a:rPr>
-              <a:t>- No hardware required</a:t>
-            </a:r>
+              <a:t>- No </a:t>
+            </a:r>
+            <a:r>
+              <a:rPr lang="en-GB" sz="2800" b="1" dirty="0" smtClean="0">
+                <a:solidFill>
+                  <a:schemeClr val="tx1">
+                    <a:lumMod val="75000"/>
+                    <a:lumOff val="25000"/>
+                  </a:schemeClr>
+                </a:solidFill>
+                <a:latin typeface="Nunito Black" panose="00000A00000000000000" pitchFamily="2" charset="0"/>
+              </a:rPr>
+              <a:t>hardware </a:t>
+            </a:r>
+            <a:r>
+              <a:rPr lang="en-GB" sz="2800" b="1" dirty="0" smtClean="0">
+                <a:solidFill>
+                  <a:schemeClr val="tx1">
+                    <a:lumMod val="75000"/>
+                    <a:lumOff val="25000"/>
+                  </a:schemeClr>
+                </a:solidFill>
+                <a:latin typeface="Nunito Black" panose="00000A00000000000000" pitchFamily="2" charset="0"/>
+              </a:rPr>
+              <a:t>required</a:t>
+            </a:r>
+          </a:p>
+          <a:p>
+            <a:pPr lvl="1"/>
             <a:endParaRPr lang="en-GB" sz="2800" b="1" dirty="0">
               <a:solidFill>
                 <a:schemeClr val="tx1">
@@ -4484,7 +6561,7 @@
                   <a:lumOff val="25000"/>
                 </a:schemeClr>
               </a:solidFill>
-              <a:latin typeface="Nunito" panose="00000500000000000000" pitchFamily="2" charset="0"/>
+              <a:latin typeface="Nunito Black" panose="00000A00000000000000" pitchFamily="2" charset="0"/>
             </a:endParaRPr>
           </a:p>
         </p:txBody>
@@ -4532,7 +6609,7 @@
           <a:p>
             <a:pPr algn="r"/>
             <a:r>
-              <a:rPr lang="en-GB" sz="8800" b="1" dirty="0" smtClean="0">
+              <a:rPr lang="en-GB" sz="7000" b="1" dirty="0" smtClean="0">
                 <a:gradFill flip="none" rotWithShape="1">
                   <a:gsLst>
                     <a:gs pos="100000">
@@ -4545,11 +6622,29 @@
                   <a:lin ang="13500000" scaled="1"/>
                   <a:tileRect/>
                 </a:gradFill>
-                <a:latin typeface="Nunito" panose="00000500000000000000" pitchFamily="2" charset="0"/>
+                <a:latin typeface="Nunito Black" panose="00000A00000000000000" pitchFamily="2" charset="0"/>
               </a:rPr>
-              <a:t>Business model</a:t>
-            </a:r>
-            <a:endParaRPr lang="en-GB" sz="8800" b="1" dirty="0">
+              <a:t>Business </a:t>
+            </a:r>
+            <a:r>
+              <a:rPr lang="en-GB" sz="7000" b="1" dirty="0" smtClean="0">
+                <a:gradFill flip="none" rotWithShape="1">
+                  <a:gsLst>
+                    <a:gs pos="100000">
+                      <a:srgbClr val="EA6984"/>
+                    </a:gs>
+                    <a:gs pos="0">
+                      <a:srgbClr val="D56AA0"/>
+                    </a:gs>
+                  </a:gsLst>
+                  <a:lin ang="13500000" scaled="1"/>
+                  <a:tileRect/>
+                </a:gradFill>
+                <a:latin typeface="Nunito Black" panose="00000A00000000000000" pitchFamily="2" charset="0"/>
+              </a:rPr>
+              <a:t>model - B2B</a:t>
+            </a:r>
+            <a:endParaRPr lang="en-GB" sz="7000" b="1" dirty="0">
               <a:gradFill flip="none" rotWithShape="1">
                 <a:gsLst>
                   <a:gs pos="100000">
@@ -4562,7 +6657,7 @@
                 <a:lin ang="13500000" scaled="1"/>
                 <a:tileRect/>
               </a:gradFill>
-              <a:latin typeface="Nunito" panose="00000500000000000000" pitchFamily="2" charset="0"/>
+              <a:latin typeface="Nunito Black" panose="00000A00000000000000" pitchFamily="2" charset="0"/>
             </a:endParaRPr>
           </a:p>
         </p:txBody>
@@ -4625,7 +6720,7 @@
 </p:sld>
 </file>
 
-<file path=ppt/slides/slide5.xml><?xml version="1.0" encoding="utf-8"?>
+<file path=ppt/slides/slide8.xml><?xml version="1.0" encoding="utf-8"?>
 <p:sld xmlns:a="http://schemas.openxmlformats.org/drawingml/2006/main" xmlns:r="http://schemas.openxmlformats.org/officeDocument/2006/relationships" xmlns:p="http://schemas.openxmlformats.org/presentationml/2006/main">
   <p:cSld>
     <p:bg>
@@ -4650,6 +6745,261 @@
           <a:chExt cx="0" cy="0"/>
         </a:xfrm>
       </p:grpSpPr>
+      <p:pic>
+        <p:nvPicPr>
+          <p:cNvPr id="20" name="Picture 19"/>
+          <p:cNvPicPr>
+            <a:picLocks noChangeAspect="1"/>
+          </p:cNvPicPr>
+          <p:nvPr/>
+        </p:nvPicPr>
+        <p:blipFill>
+          <a:blip r:embed="rId2" cstate="print">
+            <a:extLst>
+              <a:ext uri="{28A0092B-C50C-407E-A947-70E740481C1C}">
+                <a14:useLocalDpi xmlns:a14="http://schemas.microsoft.com/office/drawing/2010/main" val="0"/>
+              </a:ext>
+            </a:extLst>
+          </a:blip>
+          <a:stretch>
+            <a:fillRect/>
+          </a:stretch>
+        </p:blipFill>
+        <p:spPr>
+          <a:xfrm rot="11346299">
+            <a:off x="8807491" y="2656255"/>
+            <a:ext cx="6769017" cy="6769017"/>
+          </a:xfrm>
+          <a:prstGeom prst="rect">
+            <a:avLst/>
+          </a:prstGeom>
+          <a:noFill/>
+          <a:ln>
+            <a:noFill/>
+          </a:ln>
+        </p:spPr>
+      </p:pic>
+      <p:grpSp>
+        <p:nvGrpSpPr>
+          <p:cNvPr id="10" name="Group 9"/>
+          <p:cNvGrpSpPr/>
+          <p:nvPr/>
+        </p:nvGrpSpPr>
+        <p:grpSpPr>
+          <a:xfrm>
+            <a:off x="-2982265" y="-4038029"/>
+            <a:ext cx="6769017" cy="6769017"/>
+            <a:chOff x="-2982265" y="-4038029"/>
+            <a:chExt cx="6769017" cy="6769017"/>
+          </a:xfrm>
+        </p:grpSpPr>
+        <p:pic>
+          <p:nvPicPr>
+            <p:cNvPr id="17" name="Picture 16"/>
+            <p:cNvPicPr>
+              <a:picLocks noChangeAspect="1"/>
+            </p:cNvPicPr>
+            <p:nvPr/>
+          </p:nvPicPr>
+          <p:blipFill>
+            <a:blip r:embed="rId3" cstate="print">
+              <a:extLst>
+                <a:ext uri="{BEBA8EAE-BF5A-486C-A8C5-ECC9F3942E4B}">
+                  <a14:imgProps xmlns:a14="http://schemas.microsoft.com/office/drawing/2010/main">
+                    <a14:imgLayer r:embed="rId4">
+                      <a14:imgEffect>
+                        <a14:colorTemperature colorTemp="11200"/>
+                      </a14:imgEffect>
+                    </a14:imgLayer>
+                  </a14:imgProps>
+                </a:ext>
+                <a:ext uri="{28A0092B-C50C-407E-A947-70E740481C1C}">
+                  <a14:useLocalDpi xmlns:a14="http://schemas.microsoft.com/office/drawing/2010/main" val="0"/>
+                </a:ext>
+              </a:extLst>
+            </a:blip>
+            <a:stretch>
+              <a:fillRect/>
+            </a:stretch>
+          </p:blipFill>
+          <p:spPr>
+            <a:xfrm rot="8119872">
+              <a:off x="-2982265" y="-4038029"/>
+              <a:ext cx="6769017" cy="6769017"/>
+            </a:xfrm>
+            <a:prstGeom prst="rect">
+              <a:avLst/>
+            </a:prstGeom>
+            <a:ln>
+              <a:noFill/>
+            </a:ln>
+          </p:spPr>
+        </p:pic>
+        <p:pic>
+          <p:nvPicPr>
+            <p:cNvPr id="18" name="Picture 17"/>
+            <p:cNvPicPr>
+              <a:picLocks noChangeAspect="1"/>
+            </p:cNvPicPr>
+            <p:nvPr/>
+          </p:nvPicPr>
+          <p:blipFill>
+            <a:blip r:embed="rId5" cstate="print">
+              <a:extLst>
+                <a:ext uri="{28A0092B-C50C-407E-A947-70E740481C1C}">
+                  <a14:useLocalDpi xmlns:a14="http://schemas.microsoft.com/office/drawing/2010/main" val="0"/>
+                </a:ext>
+              </a:extLst>
+            </a:blip>
+            <a:stretch>
+              <a:fillRect/>
+            </a:stretch>
+          </p:blipFill>
+          <p:spPr>
+            <a:xfrm>
+              <a:off x="-1377" y="178861"/>
+              <a:ext cx="1793583" cy="1793583"/>
+            </a:xfrm>
+            <a:prstGeom prst="rect">
+              <a:avLst/>
+            </a:prstGeom>
+            <a:ln>
+              <a:noFill/>
+            </a:ln>
+          </p:spPr>
+        </p:pic>
+      </p:grpSp>
+      <p:sp>
+        <p:nvSpPr>
+          <p:cNvPr id="21" name="Title 1"/>
+          <p:cNvSpPr txBox="1">
+            <a:spLocks/>
+          </p:cNvSpPr>
+          <p:nvPr/>
+        </p:nvSpPr>
+        <p:spPr>
+          <a:xfrm>
+            <a:off x="1524000" y="-844019"/>
+            <a:ext cx="9938658" cy="2387600"/>
+          </a:xfrm>
+          <a:prstGeom prst="rect">
+            <a:avLst/>
+          </a:prstGeom>
+        </p:spPr>
+        <p:txBody>
+          <a:bodyPr vert="horz" lIns="91440" tIns="45720" rIns="91440" bIns="45720" rtlCol="0" anchor="b">
+            <a:normAutofit/>
+          </a:bodyPr>
+          <a:lstStyle>
+            <a:lvl1pPr algn="ctr" defTabSz="914400" rtl="0" eaLnBrk="1" latinLnBrk="0" hangingPunct="1">
+              <a:lnSpc>
+                <a:spcPct val="90000"/>
+              </a:lnSpc>
+              <a:spcBef>
+                <a:spcPct val="0"/>
+              </a:spcBef>
+              <a:buNone/>
+              <a:defRPr sz="6000" kern="1200">
+                <a:solidFill>
+                  <a:schemeClr val="tx1"/>
+                </a:solidFill>
+                <a:latin typeface="+mj-lt"/>
+                <a:ea typeface="+mj-ea"/>
+                <a:cs typeface="+mj-cs"/>
+              </a:defRPr>
+            </a:lvl1pPr>
+          </a:lstStyle>
+          <a:p>
+            <a:pPr algn="r"/>
+            <a:r>
+              <a:rPr lang="en-GB" sz="7200" b="1" dirty="0" smtClean="0">
+                <a:gradFill flip="none" rotWithShape="1">
+                  <a:gsLst>
+                    <a:gs pos="100000">
+                      <a:srgbClr val="EA6984"/>
+                    </a:gs>
+                    <a:gs pos="0">
+                      <a:srgbClr val="D56AA0"/>
+                    </a:gs>
+                  </a:gsLst>
+                  <a:lin ang="13500000" scaled="1"/>
+                  <a:tileRect/>
+                </a:gradFill>
+                <a:latin typeface="Nunito Black" panose="00000A00000000000000" pitchFamily="2" charset="0"/>
+              </a:rPr>
+              <a:t>Pricing plans</a:t>
+            </a:r>
+            <a:endParaRPr lang="en-GB" sz="7200" b="1" dirty="0">
+              <a:gradFill flip="none" rotWithShape="1">
+                <a:gsLst>
+                  <a:gs pos="100000">
+                    <a:srgbClr val="EA6984"/>
+                  </a:gs>
+                  <a:gs pos="0">
+                    <a:srgbClr val="D56AA0"/>
+                  </a:gs>
+                </a:gsLst>
+                <a:lin ang="13500000" scaled="1"/>
+                <a:tileRect/>
+              </a:gradFill>
+              <a:latin typeface="Nunito Black" panose="00000A00000000000000" pitchFamily="2" charset="0"/>
+            </a:endParaRPr>
+          </a:p>
+        </p:txBody>
+      </p:sp>
+    </p:spTree>
+    <p:extLst>
+      <p:ext uri="{BB962C8B-B14F-4D97-AF65-F5344CB8AC3E}">
+        <p14:creationId xmlns:p14="http://schemas.microsoft.com/office/powerpoint/2010/main" val="1632504060"/>
+      </p:ext>
+    </p:extLst>
+  </p:cSld>
+  <p:clrMapOvr>
+    <a:masterClrMapping/>
+  </p:clrMapOvr>
+  <mc:AlternateContent xmlns:mc="http://schemas.openxmlformats.org/markup-compatibility/2006" xmlns:p14="http://schemas.microsoft.com/office/powerpoint/2010/main">
+    <mc:Choice Requires="p14">
+      <p:transition p14:dur="0"/>
+    </mc:Choice>
+    <mc:Fallback xmlns="">
+      <p:transition/>
+    </mc:Fallback>
+  </mc:AlternateContent>
+  <p:timing>
+    <p:tnLst>
+      <p:par>
+        <p:cTn id="1" dur="indefinite" restart="never" nodeType="tmRoot"/>
+      </p:par>
+    </p:tnLst>
+  </p:timing>
+</p:sld>
+</file>
+
+<file path=ppt/slides/slide9.xml><?xml version="1.0" encoding="utf-8"?>
+<p:sld xmlns:a="http://schemas.openxmlformats.org/drawingml/2006/main" xmlns:r="http://schemas.openxmlformats.org/officeDocument/2006/relationships" xmlns:p="http://schemas.openxmlformats.org/presentationml/2006/main">
+  <p:cSld>
+    <p:bg>
+      <p:bgPr>
+        <a:solidFill>
+          <a:schemeClr val="bg1"/>
+        </a:solidFill>
+        <a:effectLst/>
+      </p:bgPr>
+    </p:bg>
+    <p:spTree>
+      <p:nvGrpSpPr>
+        <p:cNvPr id="1" name=""/>
+        <p:cNvGrpSpPr/>
+        <p:nvPr/>
+      </p:nvGrpSpPr>
+      <p:grpSpPr>
+        <a:xfrm>
+          <a:off x="0" y="0"/>
+          <a:ext cx="0" cy="0"/>
+          <a:chOff x="0" y="0"/>
+          <a:chExt cx="0" cy="0"/>
+        </a:xfrm>
+      </p:grpSpPr>
       <p:sp>
         <p:nvSpPr>
           <p:cNvPr id="2" name="Title 1"/>
@@ -4687,7 +7037,7 @@
                   <a:lin ang="13500000" scaled="1"/>
                   <a:tileRect/>
                 </a:gradFill>
-                <a:latin typeface="Nunito" panose="00000500000000000000" pitchFamily="2" charset="0"/>
+                <a:latin typeface="Nunito Black" panose="00000A00000000000000" pitchFamily="2" charset="0"/>
               </a:rPr>
               <a:t>Roadmap</a:t>
             </a:r>
@@ -4704,7 +7054,7 @@
                 <a:lin ang="13500000" scaled="1"/>
                 <a:tileRect/>
               </a:gradFill>
-              <a:latin typeface="Nunito" panose="00000500000000000000" pitchFamily="2" charset="0"/>
+              <a:latin typeface="Nunito Black" panose="00000A00000000000000" pitchFamily="2" charset="0"/>
             </a:endParaRPr>
           </a:p>
         </p:txBody>

--- a/presentation/softuniada/presentation.pptx
+++ b/presentation/softuniada/presentation.pptx
@@ -5001,6 +5001,36 @@
           <a:chExt cx="0" cy="0"/>
         </a:xfrm>
       </p:grpSpPr>
+      <p:pic>
+        <p:nvPicPr>
+          <p:cNvPr id="23" name="Picture 22"/>
+          <p:cNvPicPr>
+            <a:picLocks noChangeAspect="1"/>
+          </p:cNvPicPr>
+          <p:nvPr/>
+        </p:nvPicPr>
+        <p:blipFill>
+          <a:blip r:embed="rId2" cstate="print">
+            <a:extLst>
+              <a:ext uri="{28A0092B-C50C-407E-A947-70E740481C1C}">
+                <a14:useLocalDpi xmlns:a14="http://schemas.microsoft.com/office/drawing/2010/main" val="0"/>
+              </a:ext>
+            </a:extLst>
+          </a:blip>
+          <a:stretch>
+            <a:fillRect/>
+          </a:stretch>
+        </p:blipFill>
+        <p:spPr>
+          <a:xfrm rot="8094596">
+            <a:off x="372053" y="3576851"/>
+            <a:ext cx="3128101" cy="3128101"/>
+          </a:xfrm>
+          <a:prstGeom prst="rect">
+            <a:avLst/>
+          </a:prstGeom>
+        </p:spPr>
+      </p:pic>
       <p:sp>
         <p:nvSpPr>
           <p:cNvPr id="2" name="Title 1"/>
@@ -5041,6 +5071,911 @@
                 <a:latin typeface="Nunito Black" panose="00000A00000000000000" pitchFamily="2" charset="0"/>
               </a:rPr>
               <a:t>Technology Stack</a:t>
+            </a:r>
+            <a:endParaRPr lang="en-GB" sz="4000" b="1" dirty="0">
+              <a:gradFill flip="none" rotWithShape="1">
+                <a:gsLst>
+                  <a:gs pos="100000">
+                    <a:srgbClr val="EA6984"/>
+                  </a:gs>
+                  <a:gs pos="0">
+                    <a:srgbClr val="D56AA0"/>
+                  </a:gs>
+                </a:gsLst>
+                <a:lin ang="13500000" scaled="1"/>
+                <a:tileRect/>
+              </a:gradFill>
+              <a:latin typeface="Nunito Black" panose="00000A00000000000000" pitchFamily="2" charset="0"/>
+            </a:endParaRPr>
+          </a:p>
+        </p:txBody>
+      </p:sp>
+      <p:pic>
+        <p:nvPicPr>
+          <p:cNvPr id="16" name="Picture 15"/>
+          <p:cNvPicPr>
+            <a:picLocks noChangeAspect="1"/>
+          </p:cNvPicPr>
+          <p:nvPr/>
+        </p:nvPicPr>
+        <p:blipFill>
+          <a:blip r:embed="rId3" cstate="print">
+            <a:extLst>
+              <a:ext uri="{28A0092B-C50C-407E-A947-70E740481C1C}">
+                <a14:useLocalDpi xmlns:a14="http://schemas.microsoft.com/office/drawing/2010/main" val="0"/>
+              </a:ext>
+            </a:extLst>
+          </a:blip>
+          <a:stretch>
+            <a:fillRect/>
+          </a:stretch>
+        </p:blipFill>
+        <p:spPr>
+          <a:xfrm rot="11346299">
+            <a:off x="8807491" y="2656255"/>
+            <a:ext cx="6769017" cy="6769017"/>
+          </a:xfrm>
+          <a:prstGeom prst="rect">
+            <a:avLst/>
+          </a:prstGeom>
+          <a:noFill/>
+          <a:ln>
+            <a:noFill/>
+          </a:ln>
+        </p:spPr>
+      </p:pic>
+      <p:grpSp>
+        <p:nvGrpSpPr>
+          <p:cNvPr id="10" name="Group 9"/>
+          <p:cNvGrpSpPr/>
+          <p:nvPr/>
+        </p:nvGrpSpPr>
+        <p:grpSpPr>
+          <a:xfrm>
+            <a:off x="-2982265" y="-4038029"/>
+            <a:ext cx="6769017" cy="6769017"/>
+            <a:chOff x="-2982265" y="-4038029"/>
+            <a:chExt cx="6769017" cy="6769017"/>
+          </a:xfrm>
+        </p:grpSpPr>
+        <p:pic>
+          <p:nvPicPr>
+            <p:cNvPr id="17" name="Picture 16"/>
+            <p:cNvPicPr>
+              <a:picLocks noChangeAspect="1"/>
+            </p:cNvPicPr>
+            <p:nvPr/>
+          </p:nvPicPr>
+          <p:blipFill>
+            <a:blip r:embed="rId4" cstate="print">
+              <a:extLst>
+                <a:ext uri="{BEBA8EAE-BF5A-486C-A8C5-ECC9F3942E4B}">
+                  <a14:imgProps xmlns:a14="http://schemas.microsoft.com/office/drawing/2010/main">
+                    <a14:imgLayer r:embed="rId5">
+                      <a14:imgEffect>
+                        <a14:colorTemperature colorTemp="11200"/>
+                      </a14:imgEffect>
+                    </a14:imgLayer>
+                  </a14:imgProps>
+                </a:ext>
+                <a:ext uri="{28A0092B-C50C-407E-A947-70E740481C1C}">
+                  <a14:useLocalDpi xmlns:a14="http://schemas.microsoft.com/office/drawing/2010/main" val="0"/>
+                </a:ext>
+              </a:extLst>
+            </a:blip>
+            <a:stretch>
+              <a:fillRect/>
+            </a:stretch>
+          </p:blipFill>
+          <p:spPr>
+            <a:xfrm rot="8119872">
+              <a:off x="-2982265" y="-4038029"/>
+              <a:ext cx="6769017" cy="6769017"/>
+            </a:xfrm>
+            <a:prstGeom prst="rect">
+              <a:avLst/>
+            </a:prstGeom>
+          </p:spPr>
+        </p:pic>
+        <p:pic>
+          <p:nvPicPr>
+            <p:cNvPr id="18" name="Picture 17"/>
+            <p:cNvPicPr>
+              <a:picLocks noChangeAspect="1"/>
+            </p:cNvPicPr>
+            <p:nvPr/>
+          </p:nvPicPr>
+          <p:blipFill>
+            <a:blip r:embed="rId6" cstate="print">
+              <a:extLst>
+                <a:ext uri="{28A0092B-C50C-407E-A947-70E740481C1C}">
+                  <a14:useLocalDpi xmlns:a14="http://schemas.microsoft.com/office/drawing/2010/main" val="0"/>
+                </a:ext>
+              </a:extLst>
+            </a:blip>
+            <a:stretch>
+              <a:fillRect/>
+            </a:stretch>
+          </p:blipFill>
+          <p:spPr>
+            <a:xfrm>
+              <a:off x="-1377" y="178861"/>
+              <a:ext cx="1793583" cy="1793583"/>
+            </a:xfrm>
+            <a:prstGeom prst="rect">
+              <a:avLst/>
+            </a:prstGeom>
+          </p:spPr>
+        </p:pic>
+      </p:grpSp>
+      <p:sp>
+        <p:nvSpPr>
+          <p:cNvPr id="19" name="Title 1"/>
+          <p:cNvSpPr txBox="1">
+            <a:spLocks/>
+          </p:cNvSpPr>
+          <p:nvPr/>
+        </p:nvSpPr>
+        <p:spPr>
+          <a:xfrm>
+            <a:off x="581048" y="2221658"/>
+            <a:ext cx="3237464" cy="1060105"/>
+          </a:xfrm>
+          <a:prstGeom prst="rect">
+            <a:avLst/>
+          </a:prstGeom>
+        </p:spPr>
+        <p:txBody>
+          <a:bodyPr vert="horz" lIns="91440" tIns="45720" rIns="91440" bIns="45720" rtlCol="0" anchor="b">
+            <a:normAutofit/>
+          </a:bodyPr>
+          <a:lstStyle>
+            <a:lvl1pPr algn="ctr" defTabSz="914400" rtl="0" eaLnBrk="1" latinLnBrk="0" hangingPunct="1">
+              <a:lnSpc>
+                <a:spcPct val="90000"/>
+              </a:lnSpc>
+              <a:spcBef>
+                <a:spcPct val="0"/>
+              </a:spcBef>
+              <a:buNone/>
+              <a:defRPr sz="6000" kern="1200">
+                <a:solidFill>
+                  <a:schemeClr val="tx1"/>
+                </a:solidFill>
+                <a:latin typeface="+mj-lt"/>
+                <a:ea typeface="+mj-ea"/>
+                <a:cs typeface="+mj-cs"/>
+              </a:defRPr>
+            </a:lvl1pPr>
+          </a:lstStyle>
+          <a:p>
+            <a:pPr algn="r"/>
+            <a:endParaRPr lang="en-GB" sz="4800" b="1" dirty="0">
+              <a:gradFill flip="none" rotWithShape="1">
+                <a:gsLst>
+                  <a:gs pos="100000">
+                    <a:srgbClr val="EA6984"/>
+                  </a:gs>
+                  <a:gs pos="0">
+                    <a:srgbClr val="D56AA0"/>
+                  </a:gs>
+                </a:gsLst>
+                <a:lin ang="13500000" scaled="1"/>
+                <a:tileRect/>
+              </a:gradFill>
+              <a:latin typeface="Nunito" panose="00000500000000000000" pitchFamily="2" charset="0"/>
+            </a:endParaRPr>
+          </a:p>
+        </p:txBody>
+      </p:sp>
+      <p:pic>
+        <p:nvPicPr>
+          <p:cNvPr id="2052" name="Picture 4" descr="Image result for react"/>
+          <p:cNvPicPr>
+            <a:picLocks noChangeAspect="1" noChangeArrowheads="1"/>
+          </p:cNvPicPr>
+          <p:nvPr/>
+        </p:nvPicPr>
+        <p:blipFill>
+          <a:blip r:embed="rId7" cstate="print">
+            <a:extLst>
+              <a:ext uri="{28A0092B-C50C-407E-A947-70E740481C1C}">
+                <a14:useLocalDpi xmlns:a14="http://schemas.microsoft.com/office/drawing/2010/main" val="0"/>
+              </a:ext>
+            </a:extLst>
+          </a:blip>
+          <a:srcRect/>
+          <a:stretch>
+            <a:fillRect/>
+          </a:stretch>
+        </p:blipFill>
+        <p:spPr bwMode="auto">
+          <a:xfrm rot="20450451">
+            <a:off x="-371775" y="2417030"/>
+            <a:ext cx="3076170" cy="2173827"/>
+          </a:xfrm>
+          <a:prstGeom prst="rect">
+            <a:avLst/>
+          </a:prstGeom>
+          <a:noFill/>
+          <a:extLst>
+            <a:ext uri="{909E8E84-426E-40DD-AFC4-6F175D3DCCD1}">
+              <a14:hiddenFill xmlns:a14="http://schemas.microsoft.com/office/drawing/2010/main">
+                <a:solidFill>
+                  <a:srgbClr val="FFFFFF"/>
+                </a:solidFill>
+              </a14:hiddenFill>
+            </a:ext>
+          </a:extLst>
+        </p:spPr>
+      </p:pic>
+      <p:pic>
+        <p:nvPicPr>
+          <p:cNvPr id="2054" name="Picture 6" descr="https://fr3fou.me/sql.791c4516.png"/>
+          <p:cNvPicPr>
+            <a:picLocks noChangeAspect="1" noChangeArrowheads="1"/>
+          </p:cNvPicPr>
+          <p:nvPr/>
+        </p:nvPicPr>
+        <p:blipFill>
+          <a:blip r:embed="rId8" cstate="print">
+            <a:extLst>
+              <a:ext uri="{28A0092B-C50C-407E-A947-70E740481C1C}">
+                <a14:useLocalDpi xmlns:a14="http://schemas.microsoft.com/office/drawing/2010/main" val="0"/>
+              </a:ext>
+            </a:extLst>
+          </a:blip>
+          <a:srcRect/>
+          <a:stretch>
+            <a:fillRect/>
+          </a:stretch>
+        </p:blipFill>
+        <p:spPr bwMode="auto">
+          <a:xfrm rot="1196916">
+            <a:off x="3364316" y="5372210"/>
+            <a:ext cx="1303284" cy="1303284"/>
+          </a:xfrm>
+          <a:prstGeom prst="rect">
+            <a:avLst/>
+          </a:prstGeom>
+          <a:noFill/>
+          <a:extLst>
+            <a:ext uri="{909E8E84-426E-40DD-AFC4-6F175D3DCCD1}">
+              <a14:hiddenFill xmlns:a14="http://schemas.microsoft.com/office/drawing/2010/main">
+                <a:solidFill>
+                  <a:srgbClr val="FFFFFF"/>
+                </a:solidFill>
+              </a14:hiddenFill>
+            </a:ext>
+          </a:extLst>
+        </p:spPr>
+      </p:pic>
+      <p:pic>
+        <p:nvPicPr>
+          <p:cNvPr id="2056" name="Picture 8" descr="https://fr3fou.me/ts.84b20c6a.png"/>
+          <p:cNvPicPr>
+            <a:picLocks noChangeAspect="1" noChangeArrowheads="1"/>
+          </p:cNvPicPr>
+          <p:nvPr/>
+        </p:nvPicPr>
+        <p:blipFill>
+          <a:blip r:embed="rId9" cstate="print">
+            <a:extLst>
+              <a:ext uri="{28A0092B-C50C-407E-A947-70E740481C1C}">
+                <a14:useLocalDpi xmlns:a14="http://schemas.microsoft.com/office/drawing/2010/main" val="0"/>
+              </a:ext>
+            </a:extLst>
+          </a:blip>
+          <a:srcRect/>
+          <a:stretch>
+            <a:fillRect/>
+          </a:stretch>
+        </p:blipFill>
+        <p:spPr bwMode="auto">
+          <a:xfrm rot="821097">
+            <a:off x="5247748" y="5441372"/>
+            <a:ext cx="1063187" cy="1063187"/>
+          </a:xfrm>
+          <a:prstGeom prst="rect">
+            <a:avLst/>
+          </a:prstGeom>
+          <a:noFill/>
+          <a:extLst>
+            <a:ext uri="{909E8E84-426E-40DD-AFC4-6F175D3DCCD1}">
+              <a14:hiddenFill xmlns:a14="http://schemas.microsoft.com/office/drawing/2010/main">
+                <a:solidFill>
+                  <a:srgbClr val="FFFFFF"/>
+                </a:solidFill>
+              </a14:hiddenFill>
+            </a:ext>
+          </a:extLst>
+        </p:spPr>
+      </p:pic>
+      <p:pic>
+        <p:nvPicPr>
+          <p:cNvPr id="2058" name="Picture 10" descr="Image result for redis"/>
+          <p:cNvPicPr>
+            <a:picLocks noChangeAspect="1" noChangeArrowheads="1"/>
+          </p:cNvPicPr>
+          <p:nvPr/>
+        </p:nvPicPr>
+        <p:blipFill>
+          <a:blip r:embed="rId10" cstate="print">
+            <a:extLst>
+              <a:ext uri="{28A0092B-C50C-407E-A947-70E740481C1C}">
+                <a14:useLocalDpi xmlns:a14="http://schemas.microsoft.com/office/drawing/2010/main" val="0"/>
+              </a:ext>
+            </a:extLst>
+          </a:blip>
+          <a:srcRect/>
+          <a:stretch>
+            <a:fillRect/>
+          </a:stretch>
+        </p:blipFill>
+        <p:spPr bwMode="auto">
+          <a:xfrm rot="19342459">
+            <a:off x="8361232" y="4930487"/>
+            <a:ext cx="1526921" cy="1360091"/>
+          </a:xfrm>
+          <a:prstGeom prst="rect">
+            <a:avLst/>
+          </a:prstGeom>
+          <a:noFill/>
+          <a:extLst>
+            <a:ext uri="{909E8E84-426E-40DD-AFC4-6F175D3DCCD1}">
+              <a14:hiddenFill xmlns:a14="http://schemas.microsoft.com/office/drawing/2010/main">
+                <a:solidFill>
+                  <a:srgbClr val="FFFFFF"/>
+                </a:solidFill>
+              </a14:hiddenFill>
+            </a:ext>
+          </a:extLst>
+        </p:spPr>
+      </p:pic>
+      <p:pic>
+        <p:nvPicPr>
+          <p:cNvPr id="2062" name="Picture 14" descr="Related image"/>
+          <p:cNvPicPr>
+            <a:picLocks noChangeAspect="1" noChangeArrowheads="1"/>
+          </p:cNvPicPr>
+          <p:nvPr/>
+        </p:nvPicPr>
+        <p:blipFill>
+          <a:blip r:embed="rId11" cstate="print">
+            <a:extLst>
+              <a:ext uri="{28A0092B-C50C-407E-A947-70E740481C1C}">
+                <a14:useLocalDpi xmlns:a14="http://schemas.microsoft.com/office/drawing/2010/main" val="0"/>
+              </a:ext>
+            </a:extLst>
+          </a:blip>
+          <a:srcRect/>
+          <a:stretch>
+            <a:fillRect/>
+          </a:stretch>
+        </p:blipFill>
+        <p:spPr bwMode="auto">
+          <a:xfrm rot="20423972">
+            <a:off x="2206765" y="2132019"/>
+            <a:ext cx="1735313" cy="1735313"/>
+          </a:xfrm>
+          <a:prstGeom prst="rect">
+            <a:avLst/>
+          </a:prstGeom>
+          <a:noFill/>
+          <a:extLst>
+            <a:ext uri="{909E8E84-426E-40DD-AFC4-6F175D3DCCD1}">
+              <a14:hiddenFill xmlns:a14="http://schemas.microsoft.com/office/drawing/2010/main">
+                <a:solidFill>
+                  <a:srgbClr val="FFFFFF"/>
+                </a:solidFill>
+              </a14:hiddenFill>
+            </a:ext>
+          </a:extLst>
+        </p:spPr>
+      </p:pic>
+      <p:pic>
+        <p:nvPicPr>
+          <p:cNvPr id="2064" name="Picture 16" descr="Image result for styled components"/>
+          <p:cNvPicPr>
+            <a:picLocks noChangeAspect="1" noChangeArrowheads="1"/>
+          </p:cNvPicPr>
+          <p:nvPr/>
+        </p:nvPicPr>
+        <p:blipFill>
+          <a:blip r:embed="rId12" cstate="print">
+            <a:extLst>
+              <a:ext uri="{28A0092B-C50C-407E-A947-70E740481C1C}">
+                <a14:useLocalDpi xmlns:a14="http://schemas.microsoft.com/office/drawing/2010/main" val="0"/>
+              </a:ext>
+            </a:extLst>
+          </a:blip>
+          <a:srcRect/>
+          <a:stretch>
+            <a:fillRect/>
+          </a:stretch>
+        </p:blipFill>
+        <p:spPr bwMode="auto">
+          <a:xfrm rot="20008034">
+            <a:off x="8304578" y="2610034"/>
+            <a:ext cx="1246742" cy="1246742"/>
+          </a:xfrm>
+          <a:prstGeom prst="rect">
+            <a:avLst/>
+          </a:prstGeom>
+          <a:noFill/>
+          <a:extLst>
+            <a:ext uri="{909E8E84-426E-40DD-AFC4-6F175D3DCCD1}">
+              <a14:hiddenFill xmlns:a14="http://schemas.microsoft.com/office/drawing/2010/main">
+                <a:solidFill>
+                  <a:srgbClr val="FFFFFF"/>
+                </a:solidFill>
+              </a14:hiddenFill>
+            </a:ext>
+          </a:extLst>
+        </p:spPr>
+      </p:pic>
+      <p:pic>
+        <p:nvPicPr>
+          <p:cNvPr id="2066" name="Picture 18" descr="Related image"/>
+          <p:cNvPicPr>
+            <a:picLocks noChangeAspect="1" noChangeArrowheads="1"/>
+          </p:cNvPicPr>
+          <p:nvPr/>
+        </p:nvPicPr>
+        <p:blipFill>
+          <a:blip r:embed="rId13" cstate="print">
+            <a:extLst>
+              <a:ext uri="{28A0092B-C50C-407E-A947-70E740481C1C}">
+                <a14:useLocalDpi xmlns:a14="http://schemas.microsoft.com/office/drawing/2010/main" val="0"/>
+              </a:ext>
+            </a:extLst>
+          </a:blip>
+          <a:srcRect/>
+          <a:stretch>
+            <a:fillRect/>
+          </a:stretch>
+        </p:blipFill>
+        <p:spPr bwMode="auto">
+          <a:xfrm rot="1567586">
+            <a:off x="9942219" y="1822107"/>
+            <a:ext cx="1279482" cy="1391253"/>
+          </a:xfrm>
+          <a:prstGeom prst="rect">
+            <a:avLst/>
+          </a:prstGeom>
+          <a:noFill/>
+          <a:extLst>
+            <a:ext uri="{909E8E84-426E-40DD-AFC4-6F175D3DCCD1}">
+              <a14:hiddenFill xmlns:a14="http://schemas.microsoft.com/office/drawing/2010/main">
+                <a:solidFill>
+                  <a:srgbClr val="FFFFFF"/>
+                </a:solidFill>
+              </a14:hiddenFill>
+            </a:ext>
+          </a:extLst>
+        </p:spPr>
+      </p:pic>
+      <p:pic>
+        <p:nvPicPr>
+          <p:cNvPr id="2074" name="Picture 26" descr="Related image"/>
+          <p:cNvPicPr>
+            <a:picLocks noChangeAspect="1" noChangeArrowheads="1"/>
+          </p:cNvPicPr>
+          <p:nvPr/>
+        </p:nvPicPr>
+        <p:blipFill>
+          <a:blip r:embed="rId14" cstate="print">
+            <a:extLst>
+              <a:ext uri="{28A0092B-C50C-407E-A947-70E740481C1C}">
+                <a14:useLocalDpi xmlns:a14="http://schemas.microsoft.com/office/drawing/2010/main" val="0"/>
+              </a:ext>
+            </a:extLst>
+          </a:blip>
+          <a:srcRect/>
+          <a:stretch>
+            <a:fillRect/>
+          </a:stretch>
+        </p:blipFill>
+        <p:spPr bwMode="auto">
+          <a:xfrm rot="952502">
+            <a:off x="276543" y="5229673"/>
+            <a:ext cx="1685665" cy="1264249"/>
+          </a:xfrm>
+          <a:prstGeom prst="rect">
+            <a:avLst/>
+          </a:prstGeom>
+          <a:noFill/>
+          <a:extLst>
+            <a:ext uri="{909E8E84-426E-40DD-AFC4-6F175D3DCCD1}">
+              <a14:hiddenFill xmlns:a14="http://schemas.microsoft.com/office/drawing/2010/main">
+                <a:solidFill>
+                  <a:srgbClr val="FFFFFF"/>
+                </a:solidFill>
+              </a14:hiddenFill>
+            </a:ext>
+          </a:extLst>
+        </p:spPr>
+      </p:pic>
+      <p:pic>
+        <p:nvPicPr>
+          <p:cNvPr id="2076" name="Picture 28" descr="Related image"/>
+          <p:cNvPicPr>
+            <a:picLocks noChangeAspect="1" noChangeArrowheads="1"/>
+          </p:cNvPicPr>
+          <p:nvPr/>
+        </p:nvPicPr>
+        <p:blipFill>
+          <a:blip r:embed="rId15" cstate="print">
+            <a:extLst>
+              <a:ext uri="{28A0092B-C50C-407E-A947-70E740481C1C}">
+                <a14:useLocalDpi xmlns:a14="http://schemas.microsoft.com/office/drawing/2010/main" val="0"/>
+              </a:ext>
+            </a:extLst>
+          </a:blip>
+          <a:srcRect/>
+          <a:stretch>
+            <a:fillRect/>
+          </a:stretch>
+        </p:blipFill>
+        <p:spPr bwMode="auto">
+          <a:xfrm rot="1858604">
+            <a:off x="3074037" y="3190781"/>
+            <a:ext cx="3285859" cy="2262188"/>
+          </a:xfrm>
+          <a:prstGeom prst="rect">
+            <a:avLst/>
+          </a:prstGeom>
+          <a:noFill/>
+          <a:extLst>
+            <a:ext uri="{909E8E84-426E-40DD-AFC4-6F175D3DCCD1}">
+              <a14:hiddenFill xmlns:a14="http://schemas.microsoft.com/office/drawing/2010/main">
+                <a:solidFill>
+                  <a:srgbClr val="FFFFFF"/>
+                </a:solidFill>
+              </a14:hiddenFill>
+            </a:ext>
+          </a:extLst>
+        </p:spPr>
+      </p:pic>
+      <p:pic>
+        <p:nvPicPr>
+          <p:cNvPr id="2078" name="Picture 30" descr="Image result for k8s"/>
+          <p:cNvPicPr>
+            <a:picLocks noChangeAspect="1" noChangeArrowheads="1"/>
+          </p:cNvPicPr>
+          <p:nvPr/>
+        </p:nvPicPr>
+        <p:blipFill>
+          <a:blip r:embed="rId16" cstate="print">
+            <a:extLst>
+              <a:ext uri="{28A0092B-C50C-407E-A947-70E740481C1C}">
+                <a14:useLocalDpi xmlns:a14="http://schemas.microsoft.com/office/drawing/2010/main" val="0"/>
+              </a:ext>
+            </a:extLst>
+          </a:blip>
+          <a:srcRect/>
+          <a:stretch>
+            <a:fillRect/>
+          </a:stretch>
+        </p:blipFill>
+        <p:spPr bwMode="auto">
+          <a:xfrm rot="19180690">
+            <a:off x="6155726" y="1892039"/>
+            <a:ext cx="1540504" cy="1494289"/>
+          </a:xfrm>
+          <a:prstGeom prst="rect">
+            <a:avLst/>
+          </a:prstGeom>
+          <a:noFill/>
+          <a:extLst>
+            <a:ext uri="{909E8E84-426E-40DD-AFC4-6F175D3DCCD1}">
+              <a14:hiddenFill xmlns:a14="http://schemas.microsoft.com/office/drawing/2010/main">
+                <a:solidFill>
+                  <a:srgbClr val="FFFFFF"/>
+                </a:solidFill>
+              </a14:hiddenFill>
+            </a:ext>
+          </a:extLst>
+        </p:spPr>
+      </p:pic>
+      <p:pic>
+        <p:nvPicPr>
+          <p:cNvPr id="2080" name="Picture 32" descr="Image result for nginx"/>
+          <p:cNvPicPr>
+            <a:picLocks noChangeAspect="1" noChangeArrowheads="1"/>
+          </p:cNvPicPr>
+          <p:nvPr/>
+        </p:nvPicPr>
+        <p:blipFill>
+          <a:blip r:embed="rId17" cstate="print">
+            <a:extLst>
+              <a:ext uri="{28A0092B-C50C-407E-A947-70E740481C1C}">
+                <a14:useLocalDpi xmlns:a14="http://schemas.microsoft.com/office/drawing/2010/main" val="0"/>
+              </a:ext>
+            </a:extLst>
+          </a:blip>
+          <a:srcRect/>
+          <a:stretch>
+            <a:fillRect/>
+          </a:stretch>
+        </p:blipFill>
+        <p:spPr bwMode="auto">
+          <a:xfrm rot="19168276">
+            <a:off x="10061771" y="3864797"/>
+            <a:ext cx="1126269" cy="1126269"/>
+          </a:xfrm>
+          <a:prstGeom prst="rect">
+            <a:avLst/>
+          </a:prstGeom>
+          <a:noFill/>
+          <a:extLst>
+            <a:ext uri="{909E8E84-426E-40DD-AFC4-6F175D3DCCD1}">
+              <a14:hiddenFill xmlns:a14="http://schemas.microsoft.com/office/drawing/2010/main">
+                <a:solidFill>
+                  <a:srgbClr val="FFFFFF"/>
+                </a:solidFill>
+              </a14:hiddenFill>
+            </a:ext>
+          </a:extLst>
+        </p:spPr>
+      </p:pic>
+      <p:pic>
+        <p:nvPicPr>
+          <p:cNvPr id="2082" name="Picture 34" descr="Image result for passport.js"/>
+          <p:cNvPicPr>
+            <a:picLocks noChangeAspect="1" noChangeArrowheads="1"/>
+          </p:cNvPicPr>
+          <p:nvPr/>
+        </p:nvPicPr>
+        <p:blipFill>
+          <a:blip r:embed="rId18" cstate="print">
+            <a:extLst>
+              <a:ext uri="{28A0092B-C50C-407E-A947-70E740481C1C}">
+                <a14:useLocalDpi xmlns:a14="http://schemas.microsoft.com/office/drawing/2010/main" val="0"/>
+              </a:ext>
+            </a:extLst>
+          </a:blip>
+          <a:srcRect/>
+          <a:stretch>
+            <a:fillRect/>
+          </a:stretch>
+        </p:blipFill>
+        <p:spPr bwMode="auto">
+          <a:xfrm rot="20273716">
+            <a:off x="2096178" y="4289626"/>
+            <a:ext cx="1198868" cy="1198868"/>
+          </a:xfrm>
+          <a:prstGeom prst="rect">
+            <a:avLst/>
+          </a:prstGeom>
+          <a:noFill/>
+          <a:extLst>
+            <a:ext uri="{909E8E84-426E-40DD-AFC4-6F175D3DCCD1}">
+              <a14:hiddenFill xmlns:a14="http://schemas.microsoft.com/office/drawing/2010/main">
+                <a:solidFill>
+                  <a:srgbClr val="FFFFFF"/>
+                </a:solidFill>
+              </a14:hiddenFill>
+            </a:ext>
+          </a:extLst>
+        </p:spPr>
+      </p:pic>
+      <p:pic>
+        <p:nvPicPr>
+          <p:cNvPr id="1026" name="Picture 2" descr="Image result for JEST"/>
+          <p:cNvPicPr>
+            <a:picLocks noChangeAspect="1" noChangeArrowheads="1"/>
+          </p:cNvPicPr>
+          <p:nvPr/>
+        </p:nvPicPr>
+        <p:blipFill>
+          <a:blip r:embed="rId19" cstate="print">
+            <a:extLst>
+              <a:ext uri="{28A0092B-C50C-407E-A947-70E740481C1C}">
+                <a14:useLocalDpi xmlns:a14="http://schemas.microsoft.com/office/drawing/2010/main" val="0"/>
+              </a:ext>
+            </a:extLst>
+          </a:blip>
+          <a:srcRect/>
+          <a:stretch>
+            <a:fillRect/>
+          </a:stretch>
+        </p:blipFill>
+        <p:spPr bwMode="auto">
+          <a:xfrm rot="19760663">
+            <a:off x="6432986" y="3887046"/>
+            <a:ext cx="1024089" cy="1024089"/>
+          </a:xfrm>
+          <a:prstGeom prst="rect">
+            <a:avLst/>
+          </a:prstGeom>
+          <a:noFill/>
+          <a:extLst>
+            <a:ext uri="{909E8E84-426E-40DD-AFC4-6F175D3DCCD1}">
+              <a14:hiddenFill xmlns:a14="http://schemas.microsoft.com/office/drawing/2010/main">
+                <a:solidFill>
+                  <a:srgbClr val="FFFFFF"/>
+                </a:solidFill>
+              </a14:hiddenFill>
+            </a:ext>
+          </a:extLst>
+        </p:spPr>
+      </p:pic>
+      <p:pic>
+        <p:nvPicPr>
+          <p:cNvPr id="1028" name="Picture 4" descr="Related image"/>
+          <p:cNvPicPr>
+            <a:picLocks noChangeAspect="1" noChangeArrowheads="1"/>
+          </p:cNvPicPr>
+          <p:nvPr/>
+        </p:nvPicPr>
+        <p:blipFill>
+          <a:blip r:embed="rId20" cstate="print">
+            <a:extLst>
+              <a:ext uri="{28A0092B-C50C-407E-A947-70E740481C1C}">
+                <a14:useLocalDpi xmlns:a14="http://schemas.microsoft.com/office/drawing/2010/main" val="0"/>
+              </a:ext>
+            </a:extLst>
+          </a:blip>
+          <a:srcRect/>
+          <a:stretch>
+            <a:fillRect/>
+          </a:stretch>
+        </p:blipFill>
+        <p:spPr bwMode="auto">
+          <a:xfrm rot="20588820">
+            <a:off x="6757731" y="5193422"/>
+            <a:ext cx="1279343" cy="1279343"/>
+          </a:xfrm>
+          <a:prstGeom prst="rect">
+            <a:avLst/>
+          </a:prstGeom>
+          <a:noFill/>
+          <a:extLst>
+            <a:ext uri="{909E8E84-426E-40DD-AFC4-6F175D3DCCD1}">
+              <a14:hiddenFill xmlns:a14="http://schemas.microsoft.com/office/drawing/2010/main">
+                <a:solidFill>
+                  <a:srgbClr val="FFFFFF"/>
+                </a:solidFill>
+              </a14:hiddenFill>
+            </a:ext>
+          </a:extLst>
+        </p:spPr>
+      </p:pic>
+      <p:pic>
+        <p:nvPicPr>
+          <p:cNvPr id="1030" name="Picture 6" descr="Image result for babel js"/>
+          <p:cNvPicPr>
+            <a:picLocks noChangeAspect="1" noChangeArrowheads="1"/>
+          </p:cNvPicPr>
+          <p:nvPr/>
+        </p:nvPicPr>
+        <p:blipFill>
+          <a:blip r:embed="rId21" cstate="print">
+            <a:extLst>
+              <a:ext uri="{28A0092B-C50C-407E-A947-70E740481C1C}">
+                <a14:useLocalDpi xmlns:a14="http://schemas.microsoft.com/office/drawing/2010/main" val="0"/>
+              </a:ext>
+            </a:extLst>
+          </a:blip>
+          <a:srcRect/>
+          <a:stretch>
+            <a:fillRect/>
+          </a:stretch>
+        </p:blipFill>
+        <p:spPr bwMode="auto">
+          <a:xfrm rot="2406612">
+            <a:off x="3689755" y="2182801"/>
+            <a:ext cx="2505283" cy="1137816"/>
+          </a:xfrm>
+          <a:prstGeom prst="rect">
+            <a:avLst/>
+          </a:prstGeom>
+          <a:noFill/>
+          <a:extLst>
+            <a:ext uri="{909E8E84-426E-40DD-AFC4-6F175D3DCCD1}">
+              <a14:hiddenFill xmlns:a14="http://schemas.microsoft.com/office/drawing/2010/main">
+                <a:solidFill>
+                  <a:srgbClr val="FFFFFF"/>
+                </a:solidFill>
+              </a14:hiddenFill>
+            </a:ext>
+          </a:extLst>
+        </p:spPr>
+      </p:pic>
+    </p:spTree>
+    <p:extLst>
+      <p:ext uri="{BB962C8B-B14F-4D97-AF65-F5344CB8AC3E}">
+        <p14:creationId xmlns:p14="http://schemas.microsoft.com/office/powerpoint/2010/main" val="233902372"/>
+      </p:ext>
+    </p:extLst>
+  </p:cSld>
+  <p:clrMapOvr>
+    <a:masterClrMapping/>
+  </p:clrMapOvr>
+  <mc:AlternateContent xmlns:mc="http://schemas.openxmlformats.org/markup-compatibility/2006" xmlns:p14="http://schemas.microsoft.com/office/powerpoint/2010/main">
+    <mc:Choice Requires="p14">
+      <p:transition p14:dur="0"/>
+    </mc:Choice>
+    <mc:Fallback xmlns="">
+      <p:transition/>
+    </mc:Fallback>
+  </mc:AlternateContent>
+  <p:timing>
+    <p:tnLst>
+      <p:par>
+        <p:cTn id="1" dur="indefinite" restart="never" nodeType="tmRoot"/>
+      </p:par>
+    </p:tnLst>
+  </p:timing>
+</p:sld>
+</file>
+
+<file path=ppt/slides/slide6.xml><?xml version="1.0" encoding="utf-8"?>
+<p:sld xmlns:a="http://schemas.openxmlformats.org/drawingml/2006/main" xmlns:r="http://schemas.openxmlformats.org/officeDocument/2006/relationships" xmlns:p="http://schemas.openxmlformats.org/presentationml/2006/main">
+  <p:cSld>
+    <p:bg>
+      <p:bgPr>
+        <a:solidFill>
+          <a:schemeClr val="bg1"/>
+        </a:solidFill>
+        <a:effectLst/>
+      </p:bgPr>
+    </p:bg>
+    <p:spTree>
+      <p:nvGrpSpPr>
+        <p:cNvPr id="1" name=""/>
+        <p:cNvGrpSpPr/>
+        <p:nvPr/>
+      </p:nvGrpSpPr>
+      <p:grpSpPr>
+        <a:xfrm>
+          <a:off x="0" y="0"/>
+          <a:ext cx="0" cy="0"/>
+          <a:chOff x="0" y="0"/>
+          <a:chExt cx="0" cy="0"/>
+        </a:xfrm>
+      </p:grpSpPr>
+      <p:sp>
+        <p:nvSpPr>
+          <p:cNvPr id="2" name="Title 1"/>
+          <p:cNvSpPr>
+            <a:spLocks noGrp="1"/>
+          </p:cNvSpPr>
+          <p:nvPr>
+            <p:ph type="ctrTitle"/>
+          </p:nvPr>
+        </p:nvSpPr>
+        <p:spPr>
+          <a:xfrm>
+            <a:off x="2318658" y="-653519"/>
+            <a:ext cx="9144000" cy="2387600"/>
+          </a:xfrm>
+        </p:spPr>
+        <p:txBody>
+          <a:bodyPr>
+            <a:normAutofit/>
+          </a:bodyPr>
+          <a:lstStyle/>
+          <a:p>
+            <a:pPr algn="r"/>
+            <a:r>
+              <a:rPr lang="en-GB" sz="8800" b="1" dirty="0" smtClean="0">
+                <a:gradFill flip="none" rotWithShape="1">
+                  <a:gsLst>
+                    <a:gs pos="100000">
+                      <a:srgbClr val="EA6984"/>
+                    </a:gs>
+                    <a:gs pos="0">
+                      <a:srgbClr val="D56AA0"/>
+                    </a:gs>
+                  </a:gsLst>
+                  <a:lin ang="13500000" scaled="1"/>
+                  <a:tileRect/>
+                </a:gradFill>
+                <a:latin typeface="Nunito Black" panose="00000A00000000000000" pitchFamily="2" charset="0"/>
+              </a:rPr>
+              <a:t>Architecture</a:t>
             </a:r>
             <a:endParaRPr lang="en-GB" sz="4000" b="1" dirty="0">
               <a:gradFill flip="none" rotWithShape="1">
@@ -5238,788 +6173,6 @@
           </a:p>
         </p:txBody>
       </p:sp>
-      <p:pic>
-        <p:nvPicPr>
-          <p:cNvPr id="2052" name="Picture 4" descr="Image result for react"/>
-          <p:cNvPicPr>
-            <a:picLocks noChangeAspect="1" noChangeArrowheads="1"/>
-          </p:cNvPicPr>
-          <p:nvPr/>
-        </p:nvPicPr>
-        <p:blipFill>
-          <a:blip r:embed="rId6" cstate="print">
-            <a:extLst>
-              <a:ext uri="{28A0092B-C50C-407E-A947-70E740481C1C}">
-                <a14:useLocalDpi xmlns:a14="http://schemas.microsoft.com/office/drawing/2010/main" val="0"/>
-              </a:ext>
-            </a:extLst>
-          </a:blip>
-          <a:srcRect/>
-          <a:stretch>
-            <a:fillRect/>
-          </a:stretch>
-        </p:blipFill>
-        <p:spPr bwMode="auto">
-          <a:xfrm rot="20450451">
-            <a:off x="-371775" y="2417030"/>
-            <a:ext cx="3076170" cy="2173827"/>
-          </a:xfrm>
-          <a:prstGeom prst="rect">
-            <a:avLst/>
-          </a:prstGeom>
-          <a:noFill/>
-          <a:extLst>
-            <a:ext uri="{909E8E84-426E-40DD-AFC4-6F175D3DCCD1}">
-              <a14:hiddenFill xmlns:a14="http://schemas.microsoft.com/office/drawing/2010/main">
-                <a:solidFill>
-                  <a:srgbClr val="FFFFFF"/>
-                </a:solidFill>
-              </a14:hiddenFill>
-            </a:ext>
-          </a:extLst>
-        </p:spPr>
-      </p:pic>
-      <p:pic>
-        <p:nvPicPr>
-          <p:cNvPr id="2054" name="Picture 6" descr="https://fr3fou.me/sql.791c4516.png"/>
-          <p:cNvPicPr>
-            <a:picLocks noChangeAspect="1" noChangeArrowheads="1"/>
-          </p:cNvPicPr>
-          <p:nvPr/>
-        </p:nvPicPr>
-        <p:blipFill>
-          <a:blip r:embed="rId7" cstate="print">
-            <a:extLst>
-              <a:ext uri="{28A0092B-C50C-407E-A947-70E740481C1C}">
-                <a14:useLocalDpi xmlns:a14="http://schemas.microsoft.com/office/drawing/2010/main" val="0"/>
-              </a:ext>
-            </a:extLst>
-          </a:blip>
-          <a:srcRect/>
-          <a:stretch>
-            <a:fillRect/>
-          </a:stretch>
-        </p:blipFill>
-        <p:spPr bwMode="auto">
-          <a:xfrm rot="1196916">
-            <a:off x="3364316" y="5372210"/>
-            <a:ext cx="1303284" cy="1303284"/>
-          </a:xfrm>
-          <a:prstGeom prst="rect">
-            <a:avLst/>
-          </a:prstGeom>
-          <a:noFill/>
-          <a:extLst>
-            <a:ext uri="{909E8E84-426E-40DD-AFC4-6F175D3DCCD1}">
-              <a14:hiddenFill xmlns:a14="http://schemas.microsoft.com/office/drawing/2010/main">
-                <a:solidFill>
-                  <a:srgbClr val="FFFFFF"/>
-                </a:solidFill>
-              </a14:hiddenFill>
-            </a:ext>
-          </a:extLst>
-        </p:spPr>
-      </p:pic>
-      <p:pic>
-        <p:nvPicPr>
-          <p:cNvPr id="2056" name="Picture 8" descr="https://fr3fou.me/ts.84b20c6a.png"/>
-          <p:cNvPicPr>
-            <a:picLocks noChangeAspect="1" noChangeArrowheads="1"/>
-          </p:cNvPicPr>
-          <p:nvPr/>
-        </p:nvPicPr>
-        <p:blipFill>
-          <a:blip r:embed="rId8" cstate="print">
-            <a:extLst>
-              <a:ext uri="{28A0092B-C50C-407E-A947-70E740481C1C}">
-                <a14:useLocalDpi xmlns:a14="http://schemas.microsoft.com/office/drawing/2010/main" val="0"/>
-              </a:ext>
-            </a:extLst>
-          </a:blip>
-          <a:srcRect/>
-          <a:stretch>
-            <a:fillRect/>
-          </a:stretch>
-        </p:blipFill>
-        <p:spPr bwMode="auto">
-          <a:xfrm rot="821097">
-            <a:off x="5838434" y="5104802"/>
-            <a:ext cx="1307561" cy="1307561"/>
-          </a:xfrm>
-          <a:prstGeom prst="rect">
-            <a:avLst/>
-          </a:prstGeom>
-          <a:noFill/>
-          <a:extLst>
-            <a:ext uri="{909E8E84-426E-40DD-AFC4-6F175D3DCCD1}">
-              <a14:hiddenFill xmlns:a14="http://schemas.microsoft.com/office/drawing/2010/main">
-                <a:solidFill>
-                  <a:srgbClr val="FFFFFF"/>
-                </a:solidFill>
-              </a14:hiddenFill>
-            </a:ext>
-          </a:extLst>
-        </p:spPr>
-      </p:pic>
-      <p:pic>
-        <p:nvPicPr>
-          <p:cNvPr id="2058" name="Picture 10" descr="Image result for redis"/>
-          <p:cNvPicPr>
-            <a:picLocks noChangeAspect="1" noChangeArrowheads="1"/>
-          </p:cNvPicPr>
-          <p:nvPr/>
-        </p:nvPicPr>
-        <p:blipFill>
-          <a:blip r:embed="rId9" cstate="print">
-            <a:extLst>
-              <a:ext uri="{28A0092B-C50C-407E-A947-70E740481C1C}">
-                <a14:useLocalDpi xmlns:a14="http://schemas.microsoft.com/office/drawing/2010/main" val="0"/>
-              </a:ext>
-            </a:extLst>
-          </a:blip>
-          <a:srcRect/>
-          <a:stretch>
-            <a:fillRect/>
-          </a:stretch>
-        </p:blipFill>
-        <p:spPr bwMode="auto">
-          <a:xfrm rot="19342459">
-            <a:off x="8361232" y="4930487"/>
-            <a:ext cx="1526921" cy="1360091"/>
-          </a:xfrm>
-          <a:prstGeom prst="rect">
-            <a:avLst/>
-          </a:prstGeom>
-          <a:noFill/>
-          <a:extLst>
-            <a:ext uri="{909E8E84-426E-40DD-AFC4-6F175D3DCCD1}">
-              <a14:hiddenFill xmlns:a14="http://schemas.microsoft.com/office/drawing/2010/main">
-                <a:solidFill>
-                  <a:srgbClr val="FFFFFF"/>
-                </a:solidFill>
-              </a14:hiddenFill>
-            </a:ext>
-          </a:extLst>
-        </p:spPr>
-      </p:pic>
-      <p:pic>
-        <p:nvPicPr>
-          <p:cNvPr id="2062" name="Picture 14" descr="Related image"/>
-          <p:cNvPicPr>
-            <a:picLocks noChangeAspect="1" noChangeArrowheads="1"/>
-          </p:cNvPicPr>
-          <p:nvPr/>
-        </p:nvPicPr>
-        <p:blipFill>
-          <a:blip r:embed="rId10" cstate="print">
-            <a:extLst>
-              <a:ext uri="{28A0092B-C50C-407E-A947-70E740481C1C}">
-                <a14:useLocalDpi xmlns:a14="http://schemas.microsoft.com/office/drawing/2010/main" val="0"/>
-              </a:ext>
-            </a:extLst>
-          </a:blip>
-          <a:srcRect/>
-          <a:stretch>
-            <a:fillRect/>
-          </a:stretch>
-        </p:blipFill>
-        <p:spPr bwMode="auto">
-          <a:xfrm rot="20423972">
-            <a:off x="2761248" y="2050490"/>
-            <a:ext cx="1735313" cy="1735313"/>
-          </a:xfrm>
-          <a:prstGeom prst="rect">
-            <a:avLst/>
-          </a:prstGeom>
-          <a:noFill/>
-          <a:extLst>
-            <a:ext uri="{909E8E84-426E-40DD-AFC4-6F175D3DCCD1}">
-              <a14:hiddenFill xmlns:a14="http://schemas.microsoft.com/office/drawing/2010/main">
-                <a:solidFill>
-                  <a:srgbClr val="FFFFFF"/>
-                </a:solidFill>
-              </a14:hiddenFill>
-            </a:ext>
-          </a:extLst>
-        </p:spPr>
-      </p:pic>
-      <p:pic>
-        <p:nvPicPr>
-          <p:cNvPr id="2064" name="Picture 16" descr="Image result for styled components"/>
-          <p:cNvPicPr>
-            <a:picLocks noChangeAspect="1" noChangeArrowheads="1"/>
-          </p:cNvPicPr>
-          <p:nvPr/>
-        </p:nvPicPr>
-        <p:blipFill>
-          <a:blip r:embed="rId11" cstate="print">
-            <a:extLst>
-              <a:ext uri="{28A0092B-C50C-407E-A947-70E740481C1C}">
-                <a14:useLocalDpi xmlns:a14="http://schemas.microsoft.com/office/drawing/2010/main" val="0"/>
-              </a:ext>
-            </a:extLst>
-          </a:blip>
-          <a:srcRect/>
-          <a:stretch>
-            <a:fillRect/>
-          </a:stretch>
-        </p:blipFill>
-        <p:spPr bwMode="auto">
-          <a:xfrm rot="20008034">
-            <a:off x="7691187" y="3128727"/>
-            <a:ext cx="1246742" cy="1246742"/>
-          </a:xfrm>
-          <a:prstGeom prst="rect">
-            <a:avLst/>
-          </a:prstGeom>
-          <a:noFill/>
-          <a:extLst>
-            <a:ext uri="{909E8E84-426E-40DD-AFC4-6F175D3DCCD1}">
-              <a14:hiddenFill xmlns:a14="http://schemas.microsoft.com/office/drawing/2010/main">
-                <a:solidFill>
-                  <a:srgbClr val="FFFFFF"/>
-                </a:solidFill>
-              </a14:hiddenFill>
-            </a:ext>
-          </a:extLst>
-        </p:spPr>
-      </p:pic>
-      <p:pic>
-        <p:nvPicPr>
-          <p:cNvPr id="2066" name="Picture 18" descr="Related image"/>
-          <p:cNvPicPr>
-            <a:picLocks noChangeAspect="1" noChangeArrowheads="1"/>
-          </p:cNvPicPr>
-          <p:nvPr/>
-        </p:nvPicPr>
-        <p:blipFill>
-          <a:blip r:embed="rId12" cstate="print">
-            <a:extLst>
-              <a:ext uri="{28A0092B-C50C-407E-A947-70E740481C1C}">
-                <a14:useLocalDpi xmlns:a14="http://schemas.microsoft.com/office/drawing/2010/main" val="0"/>
-              </a:ext>
-            </a:extLst>
-          </a:blip>
-          <a:srcRect/>
-          <a:stretch>
-            <a:fillRect/>
-          </a:stretch>
-        </p:blipFill>
-        <p:spPr bwMode="auto">
-          <a:xfrm rot="1567586">
-            <a:off x="9942219" y="1822107"/>
-            <a:ext cx="1279482" cy="1391253"/>
-          </a:xfrm>
-          <a:prstGeom prst="rect">
-            <a:avLst/>
-          </a:prstGeom>
-          <a:noFill/>
-          <a:extLst>
-            <a:ext uri="{909E8E84-426E-40DD-AFC4-6F175D3DCCD1}">
-              <a14:hiddenFill xmlns:a14="http://schemas.microsoft.com/office/drawing/2010/main">
-                <a:solidFill>
-                  <a:srgbClr val="FFFFFF"/>
-                </a:solidFill>
-              </a14:hiddenFill>
-            </a:ext>
-          </a:extLst>
-        </p:spPr>
-      </p:pic>
-      <p:pic>
-        <p:nvPicPr>
-          <p:cNvPr id="2074" name="Picture 26" descr="Related image"/>
-          <p:cNvPicPr>
-            <a:picLocks noChangeAspect="1" noChangeArrowheads="1"/>
-          </p:cNvPicPr>
-          <p:nvPr/>
-        </p:nvPicPr>
-        <p:blipFill>
-          <a:blip r:embed="rId13" cstate="print">
-            <a:extLst>
-              <a:ext uri="{28A0092B-C50C-407E-A947-70E740481C1C}">
-                <a14:useLocalDpi xmlns:a14="http://schemas.microsoft.com/office/drawing/2010/main" val="0"/>
-              </a:ext>
-            </a:extLst>
-          </a:blip>
-          <a:srcRect/>
-          <a:stretch>
-            <a:fillRect/>
-          </a:stretch>
-        </p:blipFill>
-        <p:spPr bwMode="auto">
-          <a:xfrm rot="952502">
-            <a:off x="421118" y="5058277"/>
-            <a:ext cx="1685665" cy="1264249"/>
-          </a:xfrm>
-          <a:prstGeom prst="rect">
-            <a:avLst/>
-          </a:prstGeom>
-          <a:noFill/>
-          <a:extLst>
-            <a:ext uri="{909E8E84-426E-40DD-AFC4-6F175D3DCCD1}">
-              <a14:hiddenFill xmlns:a14="http://schemas.microsoft.com/office/drawing/2010/main">
-                <a:solidFill>
-                  <a:srgbClr val="FFFFFF"/>
-                </a:solidFill>
-              </a14:hiddenFill>
-            </a:ext>
-          </a:extLst>
-        </p:spPr>
-      </p:pic>
-      <p:pic>
-        <p:nvPicPr>
-          <p:cNvPr id="2076" name="Picture 28" descr="Related image"/>
-          <p:cNvPicPr>
-            <a:picLocks noChangeAspect="1" noChangeArrowheads="1"/>
-          </p:cNvPicPr>
-          <p:nvPr/>
-        </p:nvPicPr>
-        <p:blipFill>
-          <a:blip r:embed="rId14" cstate="print">
-            <a:extLst>
-              <a:ext uri="{28A0092B-C50C-407E-A947-70E740481C1C}">
-                <a14:useLocalDpi xmlns:a14="http://schemas.microsoft.com/office/drawing/2010/main" val="0"/>
-              </a:ext>
-            </a:extLst>
-          </a:blip>
-          <a:srcRect/>
-          <a:stretch>
-            <a:fillRect/>
-          </a:stretch>
-        </p:blipFill>
-        <p:spPr bwMode="auto">
-          <a:xfrm rot="1858604">
-            <a:off x="3074037" y="3190781"/>
-            <a:ext cx="3285859" cy="2262188"/>
-          </a:xfrm>
-          <a:prstGeom prst="rect">
-            <a:avLst/>
-          </a:prstGeom>
-          <a:noFill/>
-          <a:extLst>
-            <a:ext uri="{909E8E84-426E-40DD-AFC4-6F175D3DCCD1}">
-              <a14:hiddenFill xmlns:a14="http://schemas.microsoft.com/office/drawing/2010/main">
-                <a:solidFill>
-                  <a:srgbClr val="FFFFFF"/>
-                </a:solidFill>
-              </a14:hiddenFill>
-            </a:ext>
-          </a:extLst>
-        </p:spPr>
-      </p:pic>
-      <p:pic>
-        <p:nvPicPr>
-          <p:cNvPr id="2078" name="Picture 30" descr="Image result for k8s"/>
-          <p:cNvPicPr>
-            <a:picLocks noChangeAspect="1" noChangeArrowheads="1"/>
-          </p:cNvPicPr>
-          <p:nvPr/>
-        </p:nvPicPr>
-        <p:blipFill>
-          <a:blip r:embed="rId15" cstate="print">
-            <a:extLst>
-              <a:ext uri="{28A0092B-C50C-407E-A947-70E740481C1C}">
-                <a14:useLocalDpi xmlns:a14="http://schemas.microsoft.com/office/drawing/2010/main" val="0"/>
-              </a:ext>
-            </a:extLst>
-          </a:blip>
-          <a:srcRect/>
-          <a:stretch>
-            <a:fillRect/>
-          </a:stretch>
-        </p:blipFill>
-        <p:spPr bwMode="auto">
-          <a:xfrm rot="19180690">
-            <a:off x="5766071" y="2168770"/>
-            <a:ext cx="1540504" cy="1494289"/>
-          </a:xfrm>
-          <a:prstGeom prst="rect">
-            <a:avLst/>
-          </a:prstGeom>
-          <a:noFill/>
-          <a:extLst>
-            <a:ext uri="{909E8E84-426E-40DD-AFC4-6F175D3DCCD1}">
-              <a14:hiddenFill xmlns:a14="http://schemas.microsoft.com/office/drawing/2010/main">
-                <a:solidFill>
-                  <a:srgbClr val="FFFFFF"/>
-                </a:solidFill>
-              </a14:hiddenFill>
-            </a:ext>
-          </a:extLst>
-        </p:spPr>
-      </p:pic>
-      <p:pic>
-        <p:nvPicPr>
-          <p:cNvPr id="2080" name="Picture 32" descr="Image result for nginx"/>
-          <p:cNvPicPr>
-            <a:picLocks noChangeAspect="1" noChangeArrowheads="1"/>
-          </p:cNvPicPr>
-          <p:nvPr/>
-        </p:nvPicPr>
-        <p:blipFill>
-          <a:blip r:embed="rId16" cstate="print">
-            <a:extLst>
-              <a:ext uri="{28A0092B-C50C-407E-A947-70E740481C1C}">
-                <a14:useLocalDpi xmlns:a14="http://schemas.microsoft.com/office/drawing/2010/main" val="0"/>
-              </a:ext>
-            </a:extLst>
-          </a:blip>
-          <a:srcRect/>
-          <a:stretch>
-            <a:fillRect/>
-          </a:stretch>
-        </p:blipFill>
-        <p:spPr bwMode="auto">
-          <a:xfrm rot="19168276">
-            <a:off x="10034560" y="4084071"/>
-            <a:ext cx="1126269" cy="1126269"/>
-          </a:xfrm>
-          <a:prstGeom prst="rect">
-            <a:avLst/>
-          </a:prstGeom>
-          <a:noFill/>
-          <a:extLst>
-            <a:ext uri="{909E8E84-426E-40DD-AFC4-6F175D3DCCD1}">
-              <a14:hiddenFill xmlns:a14="http://schemas.microsoft.com/office/drawing/2010/main">
-                <a:solidFill>
-                  <a:srgbClr val="FFFFFF"/>
-                </a:solidFill>
-              </a14:hiddenFill>
-            </a:ext>
-          </a:extLst>
-        </p:spPr>
-      </p:pic>
-      <p:pic>
-        <p:nvPicPr>
-          <p:cNvPr id="2082" name="Picture 34" descr="Image result for passport.js"/>
-          <p:cNvPicPr>
-            <a:picLocks noChangeAspect="1" noChangeArrowheads="1"/>
-          </p:cNvPicPr>
-          <p:nvPr/>
-        </p:nvPicPr>
-        <p:blipFill>
-          <a:blip r:embed="rId17" cstate="print">
-            <a:extLst>
-              <a:ext uri="{28A0092B-C50C-407E-A947-70E740481C1C}">
-                <a14:useLocalDpi xmlns:a14="http://schemas.microsoft.com/office/drawing/2010/main" val="0"/>
-              </a:ext>
-            </a:extLst>
-          </a:blip>
-          <a:srcRect/>
-          <a:stretch>
-            <a:fillRect/>
-          </a:stretch>
-        </p:blipFill>
-        <p:spPr bwMode="auto">
-          <a:xfrm rot="20273716">
-            <a:off x="2096178" y="4289626"/>
-            <a:ext cx="1198868" cy="1198868"/>
-          </a:xfrm>
-          <a:prstGeom prst="rect">
-            <a:avLst/>
-          </a:prstGeom>
-          <a:noFill/>
-          <a:extLst>
-            <a:ext uri="{909E8E84-426E-40DD-AFC4-6F175D3DCCD1}">
-              <a14:hiddenFill xmlns:a14="http://schemas.microsoft.com/office/drawing/2010/main">
-                <a:solidFill>
-                  <a:srgbClr val="FFFFFF"/>
-                </a:solidFill>
-              </a14:hiddenFill>
-            </a:ext>
-          </a:extLst>
-        </p:spPr>
-      </p:pic>
-    </p:spTree>
-    <p:extLst>
-      <p:ext uri="{BB962C8B-B14F-4D97-AF65-F5344CB8AC3E}">
-        <p14:creationId xmlns:p14="http://schemas.microsoft.com/office/powerpoint/2010/main" val="233902372"/>
-      </p:ext>
-    </p:extLst>
-  </p:cSld>
-  <p:clrMapOvr>
-    <a:masterClrMapping/>
-  </p:clrMapOvr>
-  <mc:AlternateContent xmlns:mc="http://schemas.openxmlformats.org/markup-compatibility/2006" xmlns:p14="http://schemas.microsoft.com/office/powerpoint/2010/main">
-    <mc:Choice Requires="p14">
-      <p:transition p14:dur="0"/>
-    </mc:Choice>
-    <mc:Fallback xmlns="">
-      <p:transition/>
-    </mc:Fallback>
-  </mc:AlternateContent>
-  <p:timing>
-    <p:tnLst>
-      <p:par>
-        <p:cTn id="1" dur="indefinite" restart="never" nodeType="tmRoot"/>
-      </p:par>
-    </p:tnLst>
-  </p:timing>
-</p:sld>
-</file>
-
-<file path=ppt/slides/slide6.xml><?xml version="1.0" encoding="utf-8"?>
-<p:sld xmlns:a="http://schemas.openxmlformats.org/drawingml/2006/main" xmlns:r="http://schemas.openxmlformats.org/officeDocument/2006/relationships" xmlns:p="http://schemas.openxmlformats.org/presentationml/2006/main">
-  <p:cSld>
-    <p:bg>
-      <p:bgPr>
-        <a:solidFill>
-          <a:schemeClr val="bg1"/>
-        </a:solidFill>
-        <a:effectLst/>
-      </p:bgPr>
-    </p:bg>
-    <p:spTree>
-      <p:nvGrpSpPr>
-        <p:cNvPr id="1" name=""/>
-        <p:cNvGrpSpPr/>
-        <p:nvPr/>
-      </p:nvGrpSpPr>
-      <p:grpSpPr>
-        <a:xfrm>
-          <a:off x="0" y="0"/>
-          <a:ext cx="0" cy="0"/>
-          <a:chOff x="0" y="0"/>
-          <a:chExt cx="0" cy="0"/>
-        </a:xfrm>
-      </p:grpSpPr>
-      <p:sp>
-        <p:nvSpPr>
-          <p:cNvPr id="2" name="Title 1"/>
-          <p:cNvSpPr>
-            <a:spLocks noGrp="1"/>
-          </p:cNvSpPr>
-          <p:nvPr>
-            <p:ph type="ctrTitle"/>
-          </p:nvPr>
-        </p:nvSpPr>
-        <p:spPr>
-          <a:xfrm>
-            <a:off x="2318658" y="-653519"/>
-            <a:ext cx="9144000" cy="2387600"/>
-          </a:xfrm>
-        </p:spPr>
-        <p:txBody>
-          <a:bodyPr>
-            <a:normAutofit/>
-          </a:bodyPr>
-          <a:lstStyle/>
-          <a:p>
-            <a:pPr algn="r"/>
-            <a:r>
-              <a:rPr lang="en-GB" sz="8800" b="1" dirty="0" smtClean="0">
-                <a:gradFill flip="none" rotWithShape="1">
-                  <a:gsLst>
-                    <a:gs pos="100000">
-                      <a:srgbClr val="EA6984"/>
-                    </a:gs>
-                    <a:gs pos="0">
-                      <a:srgbClr val="D56AA0"/>
-                    </a:gs>
-                  </a:gsLst>
-                  <a:lin ang="13500000" scaled="1"/>
-                  <a:tileRect/>
-                </a:gradFill>
-                <a:latin typeface="Nunito Black" panose="00000A00000000000000" pitchFamily="2" charset="0"/>
-              </a:rPr>
-              <a:t>Architecture</a:t>
-            </a:r>
-            <a:endParaRPr lang="en-GB" sz="4000" b="1" dirty="0">
-              <a:gradFill flip="none" rotWithShape="1">
-                <a:gsLst>
-                  <a:gs pos="100000">
-                    <a:srgbClr val="EA6984"/>
-                  </a:gs>
-                  <a:gs pos="0">
-                    <a:srgbClr val="D56AA0"/>
-                  </a:gs>
-                </a:gsLst>
-                <a:lin ang="13500000" scaled="1"/>
-                <a:tileRect/>
-              </a:gradFill>
-              <a:latin typeface="Nunito Black" panose="00000A00000000000000" pitchFamily="2" charset="0"/>
-            </a:endParaRPr>
-          </a:p>
-        </p:txBody>
-      </p:sp>
-      <p:pic>
-        <p:nvPicPr>
-          <p:cNvPr id="16" name="Picture 15"/>
-          <p:cNvPicPr>
-            <a:picLocks noChangeAspect="1"/>
-          </p:cNvPicPr>
-          <p:nvPr/>
-        </p:nvPicPr>
-        <p:blipFill>
-          <a:blip r:embed="rId2" cstate="print">
-            <a:extLst>
-              <a:ext uri="{28A0092B-C50C-407E-A947-70E740481C1C}">
-                <a14:useLocalDpi xmlns:a14="http://schemas.microsoft.com/office/drawing/2010/main" val="0"/>
-              </a:ext>
-            </a:extLst>
-          </a:blip>
-          <a:stretch>
-            <a:fillRect/>
-          </a:stretch>
-        </p:blipFill>
-        <p:spPr>
-          <a:xfrm rot="11346299">
-            <a:off x="8807491" y="2656255"/>
-            <a:ext cx="6769017" cy="6769017"/>
-          </a:xfrm>
-          <a:prstGeom prst="rect">
-            <a:avLst/>
-          </a:prstGeom>
-          <a:noFill/>
-          <a:ln>
-            <a:noFill/>
-          </a:ln>
-        </p:spPr>
-      </p:pic>
-      <p:grpSp>
-        <p:nvGrpSpPr>
-          <p:cNvPr id="10" name="Group 9"/>
-          <p:cNvGrpSpPr/>
-          <p:nvPr/>
-        </p:nvGrpSpPr>
-        <p:grpSpPr>
-          <a:xfrm>
-            <a:off x="-2982265" y="-4038029"/>
-            <a:ext cx="6769017" cy="6769017"/>
-            <a:chOff x="-2982265" y="-4038029"/>
-            <a:chExt cx="6769017" cy="6769017"/>
-          </a:xfrm>
-        </p:grpSpPr>
-        <p:pic>
-          <p:nvPicPr>
-            <p:cNvPr id="17" name="Picture 16"/>
-            <p:cNvPicPr>
-              <a:picLocks noChangeAspect="1"/>
-            </p:cNvPicPr>
-            <p:nvPr/>
-          </p:nvPicPr>
-          <p:blipFill>
-            <a:blip r:embed="rId3" cstate="print">
-              <a:extLst>
-                <a:ext uri="{BEBA8EAE-BF5A-486C-A8C5-ECC9F3942E4B}">
-                  <a14:imgProps xmlns:a14="http://schemas.microsoft.com/office/drawing/2010/main">
-                    <a14:imgLayer r:embed="rId4">
-                      <a14:imgEffect>
-                        <a14:colorTemperature colorTemp="11200"/>
-                      </a14:imgEffect>
-                    </a14:imgLayer>
-                  </a14:imgProps>
-                </a:ext>
-                <a:ext uri="{28A0092B-C50C-407E-A947-70E740481C1C}">
-                  <a14:useLocalDpi xmlns:a14="http://schemas.microsoft.com/office/drawing/2010/main" val="0"/>
-                </a:ext>
-              </a:extLst>
-            </a:blip>
-            <a:stretch>
-              <a:fillRect/>
-            </a:stretch>
-          </p:blipFill>
-          <p:spPr>
-            <a:xfrm rot="8119872">
-              <a:off x="-2982265" y="-4038029"/>
-              <a:ext cx="6769017" cy="6769017"/>
-            </a:xfrm>
-            <a:prstGeom prst="rect">
-              <a:avLst/>
-            </a:prstGeom>
-          </p:spPr>
-        </p:pic>
-        <p:pic>
-          <p:nvPicPr>
-            <p:cNvPr id="18" name="Picture 17"/>
-            <p:cNvPicPr>
-              <a:picLocks noChangeAspect="1"/>
-            </p:cNvPicPr>
-            <p:nvPr/>
-          </p:nvPicPr>
-          <p:blipFill>
-            <a:blip r:embed="rId5" cstate="print">
-              <a:extLst>
-                <a:ext uri="{28A0092B-C50C-407E-A947-70E740481C1C}">
-                  <a14:useLocalDpi xmlns:a14="http://schemas.microsoft.com/office/drawing/2010/main" val="0"/>
-                </a:ext>
-              </a:extLst>
-            </a:blip>
-            <a:stretch>
-              <a:fillRect/>
-            </a:stretch>
-          </p:blipFill>
-          <p:spPr>
-            <a:xfrm>
-              <a:off x="-1377" y="178861"/>
-              <a:ext cx="1793583" cy="1793583"/>
-            </a:xfrm>
-            <a:prstGeom prst="rect">
-              <a:avLst/>
-            </a:prstGeom>
-          </p:spPr>
-        </p:pic>
-      </p:grpSp>
-      <p:sp>
-        <p:nvSpPr>
-          <p:cNvPr id="19" name="Title 1"/>
-          <p:cNvSpPr txBox="1">
-            <a:spLocks/>
-          </p:cNvSpPr>
-          <p:nvPr/>
-        </p:nvSpPr>
-        <p:spPr>
-          <a:xfrm>
-            <a:off x="581048" y="2221658"/>
-            <a:ext cx="3237464" cy="1060105"/>
-          </a:xfrm>
-          <a:prstGeom prst="rect">
-            <a:avLst/>
-          </a:prstGeom>
-        </p:spPr>
-        <p:txBody>
-          <a:bodyPr vert="horz" lIns="91440" tIns="45720" rIns="91440" bIns="45720" rtlCol="0" anchor="b">
-            <a:normAutofit/>
-          </a:bodyPr>
-          <a:lstStyle>
-            <a:lvl1pPr algn="ctr" defTabSz="914400" rtl="0" eaLnBrk="1" latinLnBrk="0" hangingPunct="1">
-              <a:lnSpc>
-                <a:spcPct val="90000"/>
-              </a:lnSpc>
-              <a:spcBef>
-                <a:spcPct val="0"/>
-              </a:spcBef>
-              <a:buNone/>
-              <a:defRPr sz="6000" kern="1200">
-                <a:solidFill>
-                  <a:schemeClr val="tx1"/>
-                </a:solidFill>
-                <a:latin typeface="+mj-lt"/>
-                <a:ea typeface="+mj-ea"/>
-                <a:cs typeface="+mj-cs"/>
-              </a:defRPr>
-            </a:lvl1pPr>
-          </a:lstStyle>
-          <a:p>
-            <a:pPr algn="r"/>
-            <a:endParaRPr lang="en-GB" sz="4800" b="1" dirty="0">
-              <a:gradFill flip="none" rotWithShape="1">
-                <a:gsLst>
-                  <a:gs pos="100000">
-                    <a:srgbClr val="EA6984"/>
-                  </a:gs>
-                  <a:gs pos="0">
-                    <a:srgbClr val="D56AA0"/>
-                  </a:gs>
-                </a:gsLst>
-                <a:lin ang="13500000" scaled="1"/>
-                <a:tileRect/>
-              </a:gradFill>
-              <a:latin typeface="Nunito" panose="00000500000000000000" pitchFamily="2" charset="0"/>
-            </a:endParaRPr>
-          </a:p>
-        </p:txBody>
-      </p:sp>
       <p:sp>
         <p:nvSpPr>
           <p:cNvPr id="3" name="Rounded Rectangle 2"/>
@@ -6252,6 +6405,2137 @@
           </a:p>
         </p:txBody>
       </p:sp>
+      <p:cxnSp>
+        <p:nvCxnSpPr>
+          <p:cNvPr id="12" name="Straight Connector 11"/>
+          <p:cNvCxnSpPr/>
+          <p:nvPr/>
+        </p:nvCxnSpPr>
+        <p:spPr>
+          <a:xfrm>
+            <a:off x="3408824" y="3882103"/>
+            <a:ext cx="1029826" cy="1067936"/>
+          </a:xfrm>
+          <a:prstGeom prst="line">
+            <a:avLst/>
+          </a:prstGeom>
+          <a:ln w="38100">
+            <a:solidFill>
+              <a:srgbClr val="D56AA0">
+                <a:alpha val="40000"/>
+              </a:srgbClr>
+            </a:solidFill>
+          </a:ln>
+        </p:spPr>
+        <p:style>
+          <a:lnRef idx="1">
+            <a:schemeClr val="accent1"/>
+          </a:lnRef>
+          <a:fillRef idx="0">
+            <a:schemeClr val="accent1"/>
+          </a:fillRef>
+          <a:effectRef idx="0">
+            <a:schemeClr val="accent1"/>
+          </a:effectRef>
+          <a:fontRef idx="minor">
+            <a:schemeClr val="tx1"/>
+          </a:fontRef>
+        </p:style>
+      </p:cxnSp>
+      <p:sp>
+        <p:nvSpPr>
+          <p:cNvPr id="13" name="Oval 12"/>
+          <p:cNvSpPr/>
+          <p:nvPr/>
+        </p:nvSpPr>
+        <p:spPr>
+          <a:xfrm>
+            <a:off x="3800448" y="4287396"/>
+            <a:ext cx="242125" cy="242125"/>
+          </a:xfrm>
+          <a:prstGeom prst="ellipse">
+            <a:avLst/>
+          </a:prstGeom>
+          <a:solidFill>
+            <a:srgbClr val="E6A4C5"/>
+          </a:solidFill>
+          <a:ln w="76200">
+            <a:solidFill>
+              <a:schemeClr val="bg1"/>
+            </a:solidFill>
+          </a:ln>
+        </p:spPr>
+        <p:style>
+          <a:lnRef idx="2">
+            <a:schemeClr val="accent1">
+              <a:shade val="50000"/>
+            </a:schemeClr>
+          </a:lnRef>
+          <a:fillRef idx="1">
+            <a:schemeClr val="accent1"/>
+          </a:fillRef>
+          <a:effectRef idx="0">
+            <a:schemeClr val="accent1"/>
+          </a:effectRef>
+          <a:fontRef idx="minor">
+            <a:schemeClr val="lt1"/>
+          </a:fontRef>
+        </p:style>
+        <p:txBody>
+          <a:bodyPr rtlCol="0" anchor="ctr"/>
+          <a:lstStyle/>
+          <a:p>
+            <a:pPr algn="ctr"/>
+            <a:endParaRPr lang="en-GB"/>
+          </a:p>
+        </p:txBody>
+      </p:sp>
+      <p:cxnSp>
+        <p:nvCxnSpPr>
+          <p:cNvPr id="20" name="Straight Connector 19"/>
+          <p:cNvCxnSpPr>
+            <a:stCxn id="29" idx="2"/>
+            <a:endCxn id="3" idx="0"/>
+          </p:cNvCxnSpPr>
+          <p:nvPr/>
+        </p:nvCxnSpPr>
+        <p:spPr>
+          <a:xfrm>
+            <a:off x="6153150" y="3983742"/>
+            <a:ext cx="0" cy="917429"/>
+          </a:xfrm>
+          <a:prstGeom prst="line">
+            <a:avLst/>
+          </a:prstGeom>
+          <a:ln w="38100">
+            <a:solidFill>
+              <a:srgbClr val="D56AA0">
+                <a:alpha val="40000"/>
+              </a:srgbClr>
+            </a:solidFill>
+          </a:ln>
+        </p:spPr>
+        <p:style>
+          <a:lnRef idx="1">
+            <a:schemeClr val="accent1"/>
+          </a:lnRef>
+          <a:fillRef idx="0">
+            <a:schemeClr val="accent1"/>
+          </a:fillRef>
+          <a:effectRef idx="0">
+            <a:schemeClr val="accent1"/>
+          </a:effectRef>
+          <a:fontRef idx="minor">
+            <a:schemeClr val="tx1"/>
+          </a:fontRef>
+        </p:style>
+      </p:cxnSp>
+      <p:sp>
+        <p:nvSpPr>
+          <p:cNvPr id="22" name="Oval 21"/>
+          <p:cNvSpPr/>
+          <p:nvPr/>
+        </p:nvSpPr>
+        <p:spPr>
+          <a:xfrm>
+            <a:off x="6032087" y="4321394"/>
+            <a:ext cx="242125" cy="242125"/>
+          </a:xfrm>
+          <a:prstGeom prst="ellipse">
+            <a:avLst/>
+          </a:prstGeom>
+          <a:solidFill>
+            <a:srgbClr val="E6A4C5"/>
+          </a:solidFill>
+          <a:ln w="76200">
+            <a:solidFill>
+              <a:schemeClr val="bg1"/>
+            </a:solidFill>
+          </a:ln>
+        </p:spPr>
+        <p:style>
+          <a:lnRef idx="2">
+            <a:schemeClr val="accent1">
+              <a:shade val="50000"/>
+            </a:schemeClr>
+          </a:lnRef>
+          <a:fillRef idx="1">
+            <a:schemeClr val="accent1"/>
+          </a:fillRef>
+          <a:effectRef idx="0">
+            <a:schemeClr val="accent1"/>
+          </a:effectRef>
+          <a:fontRef idx="minor">
+            <a:schemeClr val="lt1"/>
+          </a:fontRef>
+        </p:style>
+        <p:txBody>
+          <a:bodyPr rtlCol="0" anchor="ctr"/>
+          <a:lstStyle/>
+          <a:p>
+            <a:pPr algn="ctr"/>
+            <a:endParaRPr lang="en-GB"/>
+          </a:p>
+        </p:txBody>
+      </p:sp>
+      <p:cxnSp>
+        <p:nvCxnSpPr>
+          <p:cNvPr id="31" name="Straight Connector 30"/>
+          <p:cNvCxnSpPr/>
+          <p:nvPr/>
+        </p:nvCxnSpPr>
+        <p:spPr>
+          <a:xfrm flipH="1">
+            <a:off x="7828919" y="3921073"/>
+            <a:ext cx="1068557" cy="1082727"/>
+          </a:xfrm>
+          <a:prstGeom prst="line">
+            <a:avLst/>
+          </a:prstGeom>
+          <a:ln w="38100">
+            <a:solidFill>
+              <a:srgbClr val="D56AA0">
+                <a:alpha val="40000"/>
+              </a:srgbClr>
+            </a:solidFill>
+          </a:ln>
+        </p:spPr>
+        <p:style>
+          <a:lnRef idx="1">
+            <a:schemeClr val="accent1"/>
+          </a:lnRef>
+          <a:fillRef idx="0">
+            <a:schemeClr val="accent1"/>
+          </a:fillRef>
+          <a:effectRef idx="0">
+            <a:schemeClr val="accent1"/>
+          </a:effectRef>
+          <a:fontRef idx="minor">
+            <a:schemeClr val="tx1"/>
+          </a:fontRef>
+        </p:style>
+      </p:cxnSp>
+      <p:sp>
+        <p:nvSpPr>
+          <p:cNvPr id="32" name="Oval 31"/>
+          <p:cNvSpPr/>
+          <p:nvPr/>
+        </p:nvSpPr>
+        <p:spPr>
+          <a:xfrm flipH="1">
+            <a:off x="8249438" y="4311210"/>
+            <a:ext cx="242125" cy="242125"/>
+          </a:xfrm>
+          <a:prstGeom prst="ellipse">
+            <a:avLst/>
+          </a:prstGeom>
+          <a:solidFill>
+            <a:srgbClr val="E6A4C5"/>
+          </a:solidFill>
+          <a:ln w="76200">
+            <a:solidFill>
+              <a:schemeClr val="bg1"/>
+            </a:solidFill>
+          </a:ln>
+        </p:spPr>
+        <p:style>
+          <a:lnRef idx="2">
+            <a:schemeClr val="accent1">
+              <a:shade val="50000"/>
+            </a:schemeClr>
+          </a:lnRef>
+          <a:fillRef idx="1">
+            <a:schemeClr val="accent1"/>
+          </a:fillRef>
+          <a:effectRef idx="0">
+            <a:schemeClr val="accent1"/>
+          </a:effectRef>
+          <a:fontRef idx="minor">
+            <a:schemeClr val="lt1"/>
+          </a:fontRef>
+        </p:style>
+        <p:txBody>
+          <a:bodyPr rtlCol="0" anchor="ctr"/>
+          <a:lstStyle/>
+          <a:p>
+            <a:pPr algn="ctr"/>
+            <a:endParaRPr lang="en-GB"/>
+          </a:p>
+        </p:txBody>
+      </p:sp>
+      <p:pic>
+        <p:nvPicPr>
+          <p:cNvPr id="44" name="Picture 30" descr="Image result for k8s"/>
+          <p:cNvPicPr>
+            <a:picLocks noChangeAspect="1" noChangeArrowheads="1"/>
+          </p:cNvPicPr>
+          <p:nvPr/>
+        </p:nvPicPr>
+        <p:blipFill>
+          <a:blip r:embed="rId6" cstate="print">
+            <a:extLst>
+              <a:ext uri="{28A0092B-C50C-407E-A947-70E740481C1C}">
+                <a14:useLocalDpi xmlns:a14="http://schemas.microsoft.com/office/drawing/2010/main" val="0"/>
+              </a:ext>
+            </a:extLst>
+          </a:blip>
+          <a:srcRect/>
+          <a:stretch>
+            <a:fillRect/>
+          </a:stretch>
+        </p:blipFill>
+        <p:spPr bwMode="auto">
+          <a:xfrm>
+            <a:off x="5532657" y="5093557"/>
+            <a:ext cx="1240985" cy="1203756"/>
+          </a:xfrm>
+          <a:prstGeom prst="rect">
+            <a:avLst/>
+          </a:prstGeom>
+          <a:noFill/>
+          <a:extLst>
+            <a:ext uri="{909E8E84-426E-40DD-AFC4-6F175D3DCCD1}">
+              <a14:hiddenFill xmlns:a14="http://schemas.microsoft.com/office/drawing/2010/main">
+                <a:solidFill>
+                  <a:srgbClr val="FFFFFF"/>
+                </a:solidFill>
+              </a14:hiddenFill>
+            </a:ext>
+          </a:extLst>
+        </p:spPr>
+      </p:pic>
+      <p:grpSp>
+        <p:nvGrpSpPr>
+          <p:cNvPr id="106" name="Group 105"/>
+          <p:cNvGrpSpPr/>
+          <p:nvPr/>
+        </p:nvGrpSpPr>
+        <p:grpSpPr>
+          <a:xfrm>
+            <a:off x="829486" y="2572784"/>
+            <a:ext cx="2578544" cy="1154335"/>
+            <a:chOff x="-371775" y="2132019"/>
+            <a:chExt cx="10149178" cy="4543475"/>
+          </a:xfrm>
+        </p:grpSpPr>
+        <p:pic>
+          <p:nvPicPr>
+            <p:cNvPr id="92" name="Picture 4" descr="Image result for react"/>
+            <p:cNvPicPr>
+              <a:picLocks noChangeAspect="1" noChangeArrowheads="1"/>
+            </p:cNvPicPr>
+            <p:nvPr/>
+          </p:nvPicPr>
+          <p:blipFill>
+            <a:blip r:embed="rId7" cstate="print">
+              <a:extLst>
+                <a:ext uri="{28A0092B-C50C-407E-A947-70E740481C1C}">
+                  <a14:useLocalDpi xmlns:a14="http://schemas.microsoft.com/office/drawing/2010/main" val="0"/>
+                </a:ext>
+              </a:extLst>
+            </a:blip>
+            <a:srcRect/>
+            <a:stretch>
+              <a:fillRect/>
+            </a:stretch>
+          </p:blipFill>
+          <p:spPr bwMode="auto">
+            <a:xfrm rot="20450451">
+              <a:off x="-371775" y="2417030"/>
+              <a:ext cx="3076170" cy="2173827"/>
+            </a:xfrm>
+            <a:prstGeom prst="rect">
+              <a:avLst/>
+            </a:prstGeom>
+            <a:noFill/>
+            <a:extLst>
+              <a:ext uri="{909E8E84-426E-40DD-AFC4-6F175D3DCCD1}">
+                <a14:hiddenFill xmlns:a14="http://schemas.microsoft.com/office/drawing/2010/main">
+                  <a:solidFill>
+                    <a:srgbClr val="FFFFFF"/>
+                  </a:solidFill>
+                </a14:hiddenFill>
+              </a:ext>
+            </a:extLst>
+          </p:spPr>
+        </p:pic>
+        <p:pic>
+          <p:nvPicPr>
+            <p:cNvPr id="93" name="Picture 6" descr="https://fr3fou.me/sql.791c4516.png"/>
+            <p:cNvPicPr>
+              <a:picLocks noChangeAspect="1" noChangeArrowheads="1"/>
+            </p:cNvPicPr>
+            <p:nvPr/>
+          </p:nvPicPr>
+          <p:blipFill>
+            <a:blip r:embed="rId8" cstate="print">
+              <a:extLst>
+                <a:ext uri="{28A0092B-C50C-407E-A947-70E740481C1C}">
+                  <a14:useLocalDpi xmlns:a14="http://schemas.microsoft.com/office/drawing/2010/main" val="0"/>
+                </a:ext>
+              </a:extLst>
+            </a:blip>
+            <a:srcRect/>
+            <a:stretch>
+              <a:fillRect/>
+            </a:stretch>
+          </p:blipFill>
+          <p:spPr bwMode="auto">
+            <a:xfrm rot="1196916">
+              <a:off x="3364316" y="5372210"/>
+              <a:ext cx="1303284" cy="1303284"/>
+            </a:xfrm>
+            <a:prstGeom prst="rect">
+              <a:avLst/>
+            </a:prstGeom>
+            <a:noFill/>
+            <a:extLst>
+              <a:ext uri="{909E8E84-426E-40DD-AFC4-6F175D3DCCD1}">
+                <a14:hiddenFill xmlns:a14="http://schemas.microsoft.com/office/drawing/2010/main">
+                  <a:solidFill>
+                    <a:srgbClr val="FFFFFF"/>
+                  </a:solidFill>
+                </a14:hiddenFill>
+              </a:ext>
+            </a:extLst>
+          </p:spPr>
+        </p:pic>
+        <p:pic>
+          <p:nvPicPr>
+            <p:cNvPr id="94" name="Picture 8" descr="https://fr3fou.me/ts.84b20c6a.png"/>
+            <p:cNvPicPr>
+              <a:picLocks noChangeAspect="1" noChangeArrowheads="1"/>
+            </p:cNvPicPr>
+            <p:nvPr/>
+          </p:nvPicPr>
+          <p:blipFill>
+            <a:blip r:embed="rId9" cstate="print">
+              <a:extLst>
+                <a:ext uri="{28A0092B-C50C-407E-A947-70E740481C1C}">
+                  <a14:useLocalDpi xmlns:a14="http://schemas.microsoft.com/office/drawing/2010/main" val="0"/>
+                </a:ext>
+              </a:extLst>
+            </a:blip>
+            <a:srcRect/>
+            <a:stretch>
+              <a:fillRect/>
+            </a:stretch>
+          </p:blipFill>
+          <p:spPr bwMode="auto">
+            <a:xfrm rot="821097">
+              <a:off x="3650976" y="3990422"/>
+              <a:ext cx="1063187" cy="1063187"/>
+            </a:xfrm>
+            <a:prstGeom prst="rect">
+              <a:avLst/>
+            </a:prstGeom>
+            <a:noFill/>
+            <a:extLst>
+              <a:ext uri="{909E8E84-426E-40DD-AFC4-6F175D3DCCD1}">
+                <a14:hiddenFill xmlns:a14="http://schemas.microsoft.com/office/drawing/2010/main">
+                  <a:solidFill>
+                    <a:srgbClr val="FFFFFF"/>
+                  </a:solidFill>
+                </a14:hiddenFill>
+              </a:ext>
+            </a:extLst>
+          </p:spPr>
+        </p:pic>
+        <p:pic>
+          <p:nvPicPr>
+            <p:cNvPr id="95" name="Picture 10" descr="Image result for redis"/>
+            <p:cNvPicPr>
+              <a:picLocks noChangeAspect="1" noChangeArrowheads="1"/>
+            </p:cNvPicPr>
+            <p:nvPr/>
+          </p:nvPicPr>
+          <p:blipFill>
+            <a:blip r:embed="rId10" cstate="print">
+              <a:extLst>
+                <a:ext uri="{28A0092B-C50C-407E-A947-70E740481C1C}">
+                  <a14:useLocalDpi xmlns:a14="http://schemas.microsoft.com/office/drawing/2010/main" val="0"/>
+                </a:ext>
+              </a:extLst>
+            </a:blip>
+            <a:srcRect/>
+            <a:stretch>
+              <a:fillRect/>
+            </a:stretch>
+          </p:blipFill>
+          <p:spPr bwMode="auto">
+            <a:xfrm rot="19342459">
+              <a:off x="7313198" y="5213714"/>
+              <a:ext cx="1526921" cy="1360091"/>
+            </a:xfrm>
+            <a:prstGeom prst="rect">
+              <a:avLst/>
+            </a:prstGeom>
+            <a:noFill/>
+            <a:extLst>
+              <a:ext uri="{909E8E84-426E-40DD-AFC4-6F175D3DCCD1}">
+                <a14:hiddenFill xmlns:a14="http://schemas.microsoft.com/office/drawing/2010/main">
+                  <a:solidFill>
+                    <a:srgbClr val="FFFFFF"/>
+                  </a:solidFill>
+                </a14:hiddenFill>
+              </a:ext>
+            </a:extLst>
+          </p:spPr>
+        </p:pic>
+        <p:pic>
+          <p:nvPicPr>
+            <p:cNvPr id="96" name="Picture 14" descr="Related image"/>
+            <p:cNvPicPr>
+              <a:picLocks noChangeAspect="1" noChangeArrowheads="1"/>
+            </p:cNvPicPr>
+            <p:nvPr/>
+          </p:nvPicPr>
+          <p:blipFill>
+            <a:blip r:embed="rId11" cstate="print">
+              <a:extLst>
+                <a:ext uri="{28A0092B-C50C-407E-A947-70E740481C1C}">
+                  <a14:useLocalDpi xmlns:a14="http://schemas.microsoft.com/office/drawing/2010/main" val="0"/>
+                </a:ext>
+              </a:extLst>
+            </a:blip>
+            <a:srcRect/>
+            <a:stretch>
+              <a:fillRect/>
+            </a:stretch>
+          </p:blipFill>
+          <p:spPr bwMode="auto">
+            <a:xfrm rot="20423972">
+              <a:off x="2206765" y="2132019"/>
+              <a:ext cx="1735313" cy="1735313"/>
+            </a:xfrm>
+            <a:prstGeom prst="rect">
+              <a:avLst/>
+            </a:prstGeom>
+            <a:noFill/>
+            <a:extLst>
+              <a:ext uri="{909E8E84-426E-40DD-AFC4-6F175D3DCCD1}">
+                <a14:hiddenFill xmlns:a14="http://schemas.microsoft.com/office/drawing/2010/main">
+                  <a:solidFill>
+                    <a:srgbClr val="FFFFFF"/>
+                  </a:solidFill>
+                </a14:hiddenFill>
+              </a:ext>
+            </a:extLst>
+          </p:spPr>
+        </p:pic>
+        <p:pic>
+          <p:nvPicPr>
+            <p:cNvPr id="97" name="Picture 16" descr="Image result for styled components"/>
+            <p:cNvPicPr>
+              <a:picLocks noChangeAspect="1" noChangeArrowheads="1"/>
+            </p:cNvPicPr>
+            <p:nvPr/>
+          </p:nvPicPr>
+          <p:blipFill>
+            <a:blip r:embed="rId12" cstate="print">
+              <a:extLst>
+                <a:ext uri="{28A0092B-C50C-407E-A947-70E740481C1C}">
+                  <a14:useLocalDpi xmlns:a14="http://schemas.microsoft.com/office/drawing/2010/main" val="0"/>
+                </a:ext>
+              </a:extLst>
+            </a:blip>
+            <a:srcRect/>
+            <a:stretch>
+              <a:fillRect/>
+            </a:stretch>
+          </p:blipFill>
+          <p:spPr bwMode="auto">
+            <a:xfrm rot="20008034">
+              <a:off x="6574971" y="3729428"/>
+              <a:ext cx="1246742" cy="1246742"/>
+            </a:xfrm>
+            <a:prstGeom prst="rect">
+              <a:avLst/>
+            </a:prstGeom>
+            <a:noFill/>
+            <a:extLst>
+              <a:ext uri="{909E8E84-426E-40DD-AFC4-6F175D3DCCD1}">
+                <a14:hiddenFill xmlns:a14="http://schemas.microsoft.com/office/drawing/2010/main">
+                  <a:solidFill>
+                    <a:srgbClr val="FFFFFF"/>
+                  </a:solidFill>
+                </a14:hiddenFill>
+              </a:ext>
+            </a:extLst>
+          </p:spPr>
+        </p:pic>
+        <p:pic>
+          <p:nvPicPr>
+            <p:cNvPr id="98" name="Picture 18" descr="Related image"/>
+            <p:cNvPicPr>
+              <a:picLocks noChangeAspect="1" noChangeArrowheads="1"/>
+            </p:cNvPicPr>
+            <p:nvPr/>
+          </p:nvPicPr>
+          <p:blipFill>
+            <a:blip r:embed="rId13" cstate="print">
+              <a:extLst>
+                <a:ext uri="{28A0092B-C50C-407E-A947-70E740481C1C}">
+                  <a14:useLocalDpi xmlns:a14="http://schemas.microsoft.com/office/drawing/2010/main" val="0"/>
+                </a:ext>
+              </a:extLst>
+            </a:blip>
+            <a:srcRect/>
+            <a:stretch>
+              <a:fillRect/>
+            </a:stretch>
+          </p:blipFill>
+          <p:spPr bwMode="auto">
+            <a:xfrm rot="1567586">
+              <a:off x="7482730" y="2168333"/>
+              <a:ext cx="1279482" cy="1391253"/>
+            </a:xfrm>
+            <a:prstGeom prst="rect">
+              <a:avLst/>
+            </a:prstGeom>
+            <a:noFill/>
+            <a:extLst>
+              <a:ext uri="{909E8E84-426E-40DD-AFC4-6F175D3DCCD1}">
+                <a14:hiddenFill xmlns:a14="http://schemas.microsoft.com/office/drawing/2010/main">
+                  <a:solidFill>
+                    <a:srgbClr val="FFFFFF"/>
+                  </a:solidFill>
+                </a14:hiddenFill>
+              </a:ext>
+            </a:extLst>
+          </p:spPr>
+        </p:pic>
+        <p:pic>
+          <p:nvPicPr>
+            <p:cNvPr id="99" name="Picture 26" descr="Related image"/>
+            <p:cNvPicPr>
+              <a:picLocks noChangeAspect="1" noChangeArrowheads="1"/>
+            </p:cNvPicPr>
+            <p:nvPr/>
+          </p:nvPicPr>
+          <p:blipFill>
+            <a:blip r:embed="rId14" cstate="print">
+              <a:extLst>
+                <a:ext uri="{28A0092B-C50C-407E-A947-70E740481C1C}">
+                  <a14:useLocalDpi xmlns:a14="http://schemas.microsoft.com/office/drawing/2010/main" val="0"/>
+                </a:ext>
+              </a:extLst>
+            </a:blip>
+            <a:srcRect/>
+            <a:stretch>
+              <a:fillRect/>
+            </a:stretch>
+          </p:blipFill>
+          <p:spPr bwMode="auto">
+            <a:xfrm rot="952502">
+              <a:off x="276543" y="5229673"/>
+              <a:ext cx="1685665" cy="1264249"/>
+            </a:xfrm>
+            <a:prstGeom prst="rect">
+              <a:avLst/>
+            </a:prstGeom>
+            <a:noFill/>
+            <a:extLst>
+              <a:ext uri="{909E8E84-426E-40DD-AFC4-6F175D3DCCD1}">
+                <a14:hiddenFill xmlns:a14="http://schemas.microsoft.com/office/drawing/2010/main">
+                  <a:solidFill>
+                    <a:srgbClr val="FFFFFF"/>
+                  </a:solidFill>
+                </a14:hiddenFill>
+              </a:ext>
+            </a:extLst>
+          </p:spPr>
+        </p:pic>
+        <p:pic>
+          <p:nvPicPr>
+            <p:cNvPr id="100" name="Picture 32" descr="Image result for nginx"/>
+            <p:cNvPicPr>
+              <a:picLocks noChangeAspect="1" noChangeArrowheads="1"/>
+            </p:cNvPicPr>
+            <p:nvPr/>
+          </p:nvPicPr>
+          <p:blipFill>
+            <a:blip r:embed="rId15" cstate="print">
+              <a:extLst>
+                <a:ext uri="{28A0092B-C50C-407E-A947-70E740481C1C}">
+                  <a14:useLocalDpi xmlns:a14="http://schemas.microsoft.com/office/drawing/2010/main" val="0"/>
+                </a:ext>
+              </a:extLst>
+            </a:blip>
+            <a:srcRect/>
+            <a:stretch>
+              <a:fillRect/>
+            </a:stretch>
+          </p:blipFill>
+          <p:spPr bwMode="auto">
+            <a:xfrm rot="19168276">
+              <a:off x="8651134" y="3922993"/>
+              <a:ext cx="1126269" cy="1126269"/>
+            </a:xfrm>
+            <a:prstGeom prst="rect">
+              <a:avLst/>
+            </a:prstGeom>
+            <a:noFill/>
+            <a:extLst>
+              <a:ext uri="{909E8E84-426E-40DD-AFC4-6F175D3DCCD1}">
+                <a14:hiddenFill xmlns:a14="http://schemas.microsoft.com/office/drawing/2010/main">
+                  <a:solidFill>
+                    <a:srgbClr val="FFFFFF"/>
+                  </a:solidFill>
+                </a14:hiddenFill>
+              </a:ext>
+            </a:extLst>
+          </p:spPr>
+        </p:pic>
+        <p:pic>
+          <p:nvPicPr>
+            <p:cNvPr id="101" name="Picture 34" descr="Image result for passport.js"/>
+            <p:cNvPicPr>
+              <a:picLocks noChangeAspect="1" noChangeArrowheads="1"/>
+            </p:cNvPicPr>
+            <p:nvPr/>
+          </p:nvPicPr>
+          <p:blipFill>
+            <a:blip r:embed="rId16" cstate="print">
+              <a:extLst>
+                <a:ext uri="{28A0092B-C50C-407E-A947-70E740481C1C}">
+                  <a14:useLocalDpi xmlns:a14="http://schemas.microsoft.com/office/drawing/2010/main" val="0"/>
+                </a:ext>
+              </a:extLst>
+            </a:blip>
+            <a:srcRect/>
+            <a:stretch>
+              <a:fillRect/>
+            </a:stretch>
+          </p:blipFill>
+          <p:spPr bwMode="auto">
+            <a:xfrm rot="20273716">
+              <a:off x="2096178" y="4289626"/>
+              <a:ext cx="1198868" cy="1198868"/>
+            </a:xfrm>
+            <a:prstGeom prst="rect">
+              <a:avLst/>
+            </a:prstGeom>
+            <a:noFill/>
+            <a:extLst>
+              <a:ext uri="{909E8E84-426E-40DD-AFC4-6F175D3DCCD1}">
+                <a14:hiddenFill xmlns:a14="http://schemas.microsoft.com/office/drawing/2010/main">
+                  <a:solidFill>
+                    <a:srgbClr val="FFFFFF"/>
+                  </a:solidFill>
+                </a14:hiddenFill>
+              </a:ext>
+            </a:extLst>
+          </p:spPr>
+        </p:pic>
+        <p:pic>
+          <p:nvPicPr>
+            <p:cNvPr id="102" name="Picture 2" descr="Image result for JEST"/>
+            <p:cNvPicPr>
+              <a:picLocks noChangeAspect="1" noChangeArrowheads="1"/>
+            </p:cNvPicPr>
+            <p:nvPr/>
+          </p:nvPicPr>
+          <p:blipFill>
+            <a:blip r:embed="rId17" cstate="print">
+              <a:extLst>
+                <a:ext uri="{28A0092B-C50C-407E-A947-70E740481C1C}">
+                  <a14:useLocalDpi xmlns:a14="http://schemas.microsoft.com/office/drawing/2010/main" val="0"/>
+                </a:ext>
+              </a:extLst>
+            </a:blip>
+            <a:srcRect/>
+            <a:stretch>
+              <a:fillRect/>
+            </a:stretch>
+          </p:blipFill>
+          <p:spPr bwMode="auto">
+            <a:xfrm rot="19760663">
+              <a:off x="5898188" y="2649071"/>
+              <a:ext cx="1024089" cy="1024089"/>
+            </a:xfrm>
+            <a:prstGeom prst="rect">
+              <a:avLst/>
+            </a:prstGeom>
+            <a:noFill/>
+            <a:extLst>
+              <a:ext uri="{909E8E84-426E-40DD-AFC4-6F175D3DCCD1}">
+                <a14:hiddenFill xmlns:a14="http://schemas.microsoft.com/office/drawing/2010/main">
+                  <a:solidFill>
+                    <a:srgbClr val="FFFFFF"/>
+                  </a:solidFill>
+                </a14:hiddenFill>
+              </a:ext>
+            </a:extLst>
+          </p:spPr>
+        </p:pic>
+        <p:pic>
+          <p:nvPicPr>
+            <p:cNvPr id="103" name="Picture 4" descr="Related image"/>
+            <p:cNvPicPr>
+              <a:picLocks noChangeAspect="1" noChangeArrowheads="1"/>
+            </p:cNvPicPr>
+            <p:nvPr/>
+          </p:nvPicPr>
+          <p:blipFill>
+            <a:blip r:embed="rId18" cstate="print">
+              <a:extLst>
+                <a:ext uri="{28A0092B-C50C-407E-A947-70E740481C1C}">
+                  <a14:useLocalDpi xmlns:a14="http://schemas.microsoft.com/office/drawing/2010/main" val="0"/>
+                </a:ext>
+              </a:extLst>
+            </a:blip>
+            <a:srcRect/>
+            <a:stretch>
+              <a:fillRect/>
+            </a:stretch>
+          </p:blipFill>
+          <p:spPr bwMode="auto">
+            <a:xfrm rot="20588820">
+              <a:off x="5157101" y="4719615"/>
+              <a:ext cx="1279343" cy="1279343"/>
+            </a:xfrm>
+            <a:prstGeom prst="rect">
+              <a:avLst/>
+            </a:prstGeom>
+            <a:noFill/>
+            <a:extLst>
+              <a:ext uri="{909E8E84-426E-40DD-AFC4-6F175D3DCCD1}">
+                <a14:hiddenFill xmlns:a14="http://schemas.microsoft.com/office/drawing/2010/main">
+                  <a:solidFill>
+                    <a:srgbClr val="FFFFFF"/>
+                  </a:solidFill>
+                </a14:hiddenFill>
+              </a:ext>
+            </a:extLst>
+          </p:spPr>
+        </p:pic>
+        <p:pic>
+          <p:nvPicPr>
+            <p:cNvPr id="104" name="Picture 6" descr="Image result for babel js"/>
+            <p:cNvPicPr>
+              <a:picLocks noChangeAspect="1" noChangeArrowheads="1"/>
+            </p:cNvPicPr>
+            <p:nvPr/>
+          </p:nvPicPr>
+          <p:blipFill>
+            <a:blip r:embed="rId19" cstate="print">
+              <a:extLst>
+                <a:ext uri="{28A0092B-C50C-407E-A947-70E740481C1C}">
+                  <a14:useLocalDpi xmlns:a14="http://schemas.microsoft.com/office/drawing/2010/main" val="0"/>
+                </a:ext>
+              </a:extLst>
+            </a:blip>
+            <a:srcRect/>
+            <a:stretch>
+              <a:fillRect/>
+            </a:stretch>
+          </p:blipFill>
+          <p:spPr bwMode="auto">
+            <a:xfrm rot="2406612">
+              <a:off x="3689755" y="2182801"/>
+              <a:ext cx="2505283" cy="1137816"/>
+            </a:xfrm>
+            <a:prstGeom prst="rect">
+              <a:avLst/>
+            </a:prstGeom>
+            <a:noFill/>
+            <a:extLst>
+              <a:ext uri="{909E8E84-426E-40DD-AFC4-6F175D3DCCD1}">
+                <a14:hiddenFill xmlns:a14="http://schemas.microsoft.com/office/drawing/2010/main">
+                  <a:solidFill>
+                    <a:srgbClr val="FFFFFF"/>
+                  </a:solidFill>
+                </a14:hiddenFill>
+              </a:ext>
+            </a:extLst>
+          </p:spPr>
+        </p:pic>
+      </p:grpSp>
+      <p:grpSp>
+        <p:nvGrpSpPr>
+          <p:cNvPr id="107" name="Group 106"/>
+          <p:cNvGrpSpPr/>
+          <p:nvPr/>
+        </p:nvGrpSpPr>
+        <p:grpSpPr>
+          <a:xfrm>
+            <a:off x="4799009" y="2593711"/>
+            <a:ext cx="2578544" cy="1154335"/>
+            <a:chOff x="-371775" y="2132019"/>
+            <a:chExt cx="10149178" cy="4543475"/>
+          </a:xfrm>
+        </p:grpSpPr>
+        <p:pic>
+          <p:nvPicPr>
+            <p:cNvPr id="108" name="Picture 4" descr="Image result for react"/>
+            <p:cNvPicPr>
+              <a:picLocks noChangeAspect="1" noChangeArrowheads="1"/>
+            </p:cNvPicPr>
+            <p:nvPr/>
+          </p:nvPicPr>
+          <p:blipFill>
+            <a:blip r:embed="rId7" cstate="print">
+              <a:extLst>
+                <a:ext uri="{28A0092B-C50C-407E-A947-70E740481C1C}">
+                  <a14:useLocalDpi xmlns:a14="http://schemas.microsoft.com/office/drawing/2010/main" val="0"/>
+                </a:ext>
+              </a:extLst>
+            </a:blip>
+            <a:srcRect/>
+            <a:stretch>
+              <a:fillRect/>
+            </a:stretch>
+          </p:blipFill>
+          <p:spPr bwMode="auto">
+            <a:xfrm rot="20450451">
+              <a:off x="-371775" y="2417030"/>
+              <a:ext cx="3076170" cy="2173827"/>
+            </a:xfrm>
+            <a:prstGeom prst="rect">
+              <a:avLst/>
+            </a:prstGeom>
+            <a:noFill/>
+            <a:extLst>
+              <a:ext uri="{909E8E84-426E-40DD-AFC4-6F175D3DCCD1}">
+                <a14:hiddenFill xmlns:a14="http://schemas.microsoft.com/office/drawing/2010/main">
+                  <a:solidFill>
+                    <a:srgbClr val="FFFFFF"/>
+                  </a:solidFill>
+                </a14:hiddenFill>
+              </a:ext>
+            </a:extLst>
+          </p:spPr>
+        </p:pic>
+        <p:pic>
+          <p:nvPicPr>
+            <p:cNvPr id="109" name="Picture 6" descr="https://fr3fou.me/sql.791c4516.png"/>
+            <p:cNvPicPr>
+              <a:picLocks noChangeAspect="1" noChangeArrowheads="1"/>
+            </p:cNvPicPr>
+            <p:nvPr/>
+          </p:nvPicPr>
+          <p:blipFill>
+            <a:blip r:embed="rId8" cstate="print">
+              <a:extLst>
+                <a:ext uri="{28A0092B-C50C-407E-A947-70E740481C1C}">
+                  <a14:useLocalDpi xmlns:a14="http://schemas.microsoft.com/office/drawing/2010/main" val="0"/>
+                </a:ext>
+              </a:extLst>
+            </a:blip>
+            <a:srcRect/>
+            <a:stretch>
+              <a:fillRect/>
+            </a:stretch>
+          </p:blipFill>
+          <p:spPr bwMode="auto">
+            <a:xfrm rot="1196916">
+              <a:off x="3364316" y="5372210"/>
+              <a:ext cx="1303284" cy="1303284"/>
+            </a:xfrm>
+            <a:prstGeom prst="rect">
+              <a:avLst/>
+            </a:prstGeom>
+            <a:noFill/>
+            <a:extLst>
+              <a:ext uri="{909E8E84-426E-40DD-AFC4-6F175D3DCCD1}">
+                <a14:hiddenFill xmlns:a14="http://schemas.microsoft.com/office/drawing/2010/main">
+                  <a:solidFill>
+                    <a:srgbClr val="FFFFFF"/>
+                  </a:solidFill>
+                </a14:hiddenFill>
+              </a:ext>
+            </a:extLst>
+          </p:spPr>
+        </p:pic>
+        <p:pic>
+          <p:nvPicPr>
+            <p:cNvPr id="110" name="Picture 8" descr="https://fr3fou.me/ts.84b20c6a.png"/>
+            <p:cNvPicPr>
+              <a:picLocks noChangeAspect="1" noChangeArrowheads="1"/>
+            </p:cNvPicPr>
+            <p:nvPr/>
+          </p:nvPicPr>
+          <p:blipFill>
+            <a:blip r:embed="rId9" cstate="print">
+              <a:extLst>
+                <a:ext uri="{28A0092B-C50C-407E-A947-70E740481C1C}">
+                  <a14:useLocalDpi xmlns:a14="http://schemas.microsoft.com/office/drawing/2010/main" val="0"/>
+                </a:ext>
+              </a:extLst>
+            </a:blip>
+            <a:srcRect/>
+            <a:stretch>
+              <a:fillRect/>
+            </a:stretch>
+          </p:blipFill>
+          <p:spPr bwMode="auto">
+            <a:xfrm rot="821097">
+              <a:off x="3650976" y="3990422"/>
+              <a:ext cx="1063187" cy="1063187"/>
+            </a:xfrm>
+            <a:prstGeom prst="rect">
+              <a:avLst/>
+            </a:prstGeom>
+            <a:noFill/>
+            <a:extLst>
+              <a:ext uri="{909E8E84-426E-40DD-AFC4-6F175D3DCCD1}">
+                <a14:hiddenFill xmlns:a14="http://schemas.microsoft.com/office/drawing/2010/main">
+                  <a:solidFill>
+                    <a:srgbClr val="FFFFFF"/>
+                  </a:solidFill>
+                </a14:hiddenFill>
+              </a:ext>
+            </a:extLst>
+          </p:spPr>
+        </p:pic>
+        <p:pic>
+          <p:nvPicPr>
+            <p:cNvPr id="111" name="Picture 10" descr="Image result for redis"/>
+            <p:cNvPicPr>
+              <a:picLocks noChangeAspect="1" noChangeArrowheads="1"/>
+            </p:cNvPicPr>
+            <p:nvPr/>
+          </p:nvPicPr>
+          <p:blipFill>
+            <a:blip r:embed="rId10" cstate="print">
+              <a:extLst>
+                <a:ext uri="{28A0092B-C50C-407E-A947-70E740481C1C}">
+                  <a14:useLocalDpi xmlns:a14="http://schemas.microsoft.com/office/drawing/2010/main" val="0"/>
+                </a:ext>
+              </a:extLst>
+            </a:blip>
+            <a:srcRect/>
+            <a:stretch>
+              <a:fillRect/>
+            </a:stretch>
+          </p:blipFill>
+          <p:spPr bwMode="auto">
+            <a:xfrm rot="19342459">
+              <a:off x="7313198" y="5213714"/>
+              <a:ext cx="1526921" cy="1360091"/>
+            </a:xfrm>
+            <a:prstGeom prst="rect">
+              <a:avLst/>
+            </a:prstGeom>
+            <a:noFill/>
+            <a:extLst>
+              <a:ext uri="{909E8E84-426E-40DD-AFC4-6F175D3DCCD1}">
+                <a14:hiddenFill xmlns:a14="http://schemas.microsoft.com/office/drawing/2010/main">
+                  <a:solidFill>
+                    <a:srgbClr val="FFFFFF"/>
+                  </a:solidFill>
+                </a14:hiddenFill>
+              </a:ext>
+            </a:extLst>
+          </p:spPr>
+        </p:pic>
+        <p:pic>
+          <p:nvPicPr>
+            <p:cNvPr id="112" name="Picture 14" descr="Related image"/>
+            <p:cNvPicPr>
+              <a:picLocks noChangeAspect="1" noChangeArrowheads="1"/>
+            </p:cNvPicPr>
+            <p:nvPr/>
+          </p:nvPicPr>
+          <p:blipFill>
+            <a:blip r:embed="rId11" cstate="print">
+              <a:extLst>
+                <a:ext uri="{28A0092B-C50C-407E-A947-70E740481C1C}">
+                  <a14:useLocalDpi xmlns:a14="http://schemas.microsoft.com/office/drawing/2010/main" val="0"/>
+                </a:ext>
+              </a:extLst>
+            </a:blip>
+            <a:srcRect/>
+            <a:stretch>
+              <a:fillRect/>
+            </a:stretch>
+          </p:blipFill>
+          <p:spPr bwMode="auto">
+            <a:xfrm rot="20423972">
+              <a:off x="2206765" y="2132019"/>
+              <a:ext cx="1735313" cy="1735313"/>
+            </a:xfrm>
+            <a:prstGeom prst="rect">
+              <a:avLst/>
+            </a:prstGeom>
+            <a:noFill/>
+            <a:extLst>
+              <a:ext uri="{909E8E84-426E-40DD-AFC4-6F175D3DCCD1}">
+                <a14:hiddenFill xmlns:a14="http://schemas.microsoft.com/office/drawing/2010/main">
+                  <a:solidFill>
+                    <a:srgbClr val="FFFFFF"/>
+                  </a:solidFill>
+                </a14:hiddenFill>
+              </a:ext>
+            </a:extLst>
+          </p:spPr>
+        </p:pic>
+        <p:pic>
+          <p:nvPicPr>
+            <p:cNvPr id="113" name="Picture 16" descr="Image result for styled components"/>
+            <p:cNvPicPr>
+              <a:picLocks noChangeAspect="1" noChangeArrowheads="1"/>
+            </p:cNvPicPr>
+            <p:nvPr/>
+          </p:nvPicPr>
+          <p:blipFill>
+            <a:blip r:embed="rId12" cstate="print">
+              <a:extLst>
+                <a:ext uri="{28A0092B-C50C-407E-A947-70E740481C1C}">
+                  <a14:useLocalDpi xmlns:a14="http://schemas.microsoft.com/office/drawing/2010/main" val="0"/>
+                </a:ext>
+              </a:extLst>
+            </a:blip>
+            <a:srcRect/>
+            <a:stretch>
+              <a:fillRect/>
+            </a:stretch>
+          </p:blipFill>
+          <p:spPr bwMode="auto">
+            <a:xfrm rot="20008034">
+              <a:off x="6574971" y="3729428"/>
+              <a:ext cx="1246742" cy="1246742"/>
+            </a:xfrm>
+            <a:prstGeom prst="rect">
+              <a:avLst/>
+            </a:prstGeom>
+            <a:noFill/>
+            <a:extLst>
+              <a:ext uri="{909E8E84-426E-40DD-AFC4-6F175D3DCCD1}">
+                <a14:hiddenFill xmlns:a14="http://schemas.microsoft.com/office/drawing/2010/main">
+                  <a:solidFill>
+                    <a:srgbClr val="FFFFFF"/>
+                  </a:solidFill>
+                </a14:hiddenFill>
+              </a:ext>
+            </a:extLst>
+          </p:spPr>
+        </p:pic>
+        <p:pic>
+          <p:nvPicPr>
+            <p:cNvPr id="114" name="Picture 18" descr="Related image"/>
+            <p:cNvPicPr>
+              <a:picLocks noChangeAspect="1" noChangeArrowheads="1"/>
+            </p:cNvPicPr>
+            <p:nvPr/>
+          </p:nvPicPr>
+          <p:blipFill>
+            <a:blip r:embed="rId13" cstate="print">
+              <a:extLst>
+                <a:ext uri="{28A0092B-C50C-407E-A947-70E740481C1C}">
+                  <a14:useLocalDpi xmlns:a14="http://schemas.microsoft.com/office/drawing/2010/main" val="0"/>
+                </a:ext>
+              </a:extLst>
+            </a:blip>
+            <a:srcRect/>
+            <a:stretch>
+              <a:fillRect/>
+            </a:stretch>
+          </p:blipFill>
+          <p:spPr bwMode="auto">
+            <a:xfrm rot="1567586">
+              <a:off x="7482730" y="2168333"/>
+              <a:ext cx="1279482" cy="1391253"/>
+            </a:xfrm>
+            <a:prstGeom prst="rect">
+              <a:avLst/>
+            </a:prstGeom>
+            <a:noFill/>
+            <a:extLst>
+              <a:ext uri="{909E8E84-426E-40DD-AFC4-6F175D3DCCD1}">
+                <a14:hiddenFill xmlns:a14="http://schemas.microsoft.com/office/drawing/2010/main">
+                  <a:solidFill>
+                    <a:srgbClr val="FFFFFF"/>
+                  </a:solidFill>
+                </a14:hiddenFill>
+              </a:ext>
+            </a:extLst>
+          </p:spPr>
+        </p:pic>
+        <p:pic>
+          <p:nvPicPr>
+            <p:cNvPr id="115" name="Picture 26" descr="Related image"/>
+            <p:cNvPicPr>
+              <a:picLocks noChangeAspect="1" noChangeArrowheads="1"/>
+            </p:cNvPicPr>
+            <p:nvPr/>
+          </p:nvPicPr>
+          <p:blipFill>
+            <a:blip r:embed="rId14" cstate="print">
+              <a:extLst>
+                <a:ext uri="{28A0092B-C50C-407E-A947-70E740481C1C}">
+                  <a14:useLocalDpi xmlns:a14="http://schemas.microsoft.com/office/drawing/2010/main" val="0"/>
+                </a:ext>
+              </a:extLst>
+            </a:blip>
+            <a:srcRect/>
+            <a:stretch>
+              <a:fillRect/>
+            </a:stretch>
+          </p:blipFill>
+          <p:spPr bwMode="auto">
+            <a:xfrm rot="952502">
+              <a:off x="276543" y="5229673"/>
+              <a:ext cx="1685665" cy="1264249"/>
+            </a:xfrm>
+            <a:prstGeom prst="rect">
+              <a:avLst/>
+            </a:prstGeom>
+            <a:noFill/>
+            <a:extLst>
+              <a:ext uri="{909E8E84-426E-40DD-AFC4-6F175D3DCCD1}">
+                <a14:hiddenFill xmlns:a14="http://schemas.microsoft.com/office/drawing/2010/main">
+                  <a:solidFill>
+                    <a:srgbClr val="FFFFFF"/>
+                  </a:solidFill>
+                </a14:hiddenFill>
+              </a:ext>
+            </a:extLst>
+          </p:spPr>
+        </p:pic>
+        <p:pic>
+          <p:nvPicPr>
+            <p:cNvPr id="116" name="Picture 32" descr="Image result for nginx"/>
+            <p:cNvPicPr>
+              <a:picLocks noChangeAspect="1" noChangeArrowheads="1"/>
+            </p:cNvPicPr>
+            <p:nvPr/>
+          </p:nvPicPr>
+          <p:blipFill>
+            <a:blip r:embed="rId15" cstate="print">
+              <a:extLst>
+                <a:ext uri="{28A0092B-C50C-407E-A947-70E740481C1C}">
+                  <a14:useLocalDpi xmlns:a14="http://schemas.microsoft.com/office/drawing/2010/main" val="0"/>
+                </a:ext>
+              </a:extLst>
+            </a:blip>
+            <a:srcRect/>
+            <a:stretch>
+              <a:fillRect/>
+            </a:stretch>
+          </p:blipFill>
+          <p:spPr bwMode="auto">
+            <a:xfrm rot="19168276">
+              <a:off x="8651134" y="3922993"/>
+              <a:ext cx="1126269" cy="1126269"/>
+            </a:xfrm>
+            <a:prstGeom prst="rect">
+              <a:avLst/>
+            </a:prstGeom>
+            <a:noFill/>
+            <a:extLst>
+              <a:ext uri="{909E8E84-426E-40DD-AFC4-6F175D3DCCD1}">
+                <a14:hiddenFill xmlns:a14="http://schemas.microsoft.com/office/drawing/2010/main">
+                  <a:solidFill>
+                    <a:srgbClr val="FFFFFF"/>
+                  </a:solidFill>
+                </a14:hiddenFill>
+              </a:ext>
+            </a:extLst>
+          </p:spPr>
+        </p:pic>
+        <p:pic>
+          <p:nvPicPr>
+            <p:cNvPr id="117" name="Picture 34" descr="Image result for passport.js"/>
+            <p:cNvPicPr>
+              <a:picLocks noChangeAspect="1" noChangeArrowheads="1"/>
+            </p:cNvPicPr>
+            <p:nvPr/>
+          </p:nvPicPr>
+          <p:blipFill>
+            <a:blip r:embed="rId16" cstate="print">
+              <a:extLst>
+                <a:ext uri="{28A0092B-C50C-407E-A947-70E740481C1C}">
+                  <a14:useLocalDpi xmlns:a14="http://schemas.microsoft.com/office/drawing/2010/main" val="0"/>
+                </a:ext>
+              </a:extLst>
+            </a:blip>
+            <a:srcRect/>
+            <a:stretch>
+              <a:fillRect/>
+            </a:stretch>
+          </p:blipFill>
+          <p:spPr bwMode="auto">
+            <a:xfrm rot="20273716">
+              <a:off x="2096178" y="4289626"/>
+              <a:ext cx="1198868" cy="1198868"/>
+            </a:xfrm>
+            <a:prstGeom prst="rect">
+              <a:avLst/>
+            </a:prstGeom>
+            <a:noFill/>
+            <a:extLst>
+              <a:ext uri="{909E8E84-426E-40DD-AFC4-6F175D3DCCD1}">
+                <a14:hiddenFill xmlns:a14="http://schemas.microsoft.com/office/drawing/2010/main">
+                  <a:solidFill>
+                    <a:srgbClr val="FFFFFF"/>
+                  </a:solidFill>
+                </a14:hiddenFill>
+              </a:ext>
+            </a:extLst>
+          </p:spPr>
+        </p:pic>
+        <p:pic>
+          <p:nvPicPr>
+            <p:cNvPr id="118" name="Picture 2" descr="Image result for JEST"/>
+            <p:cNvPicPr>
+              <a:picLocks noChangeAspect="1" noChangeArrowheads="1"/>
+            </p:cNvPicPr>
+            <p:nvPr/>
+          </p:nvPicPr>
+          <p:blipFill>
+            <a:blip r:embed="rId17" cstate="print">
+              <a:extLst>
+                <a:ext uri="{28A0092B-C50C-407E-A947-70E740481C1C}">
+                  <a14:useLocalDpi xmlns:a14="http://schemas.microsoft.com/office/drawing/2010/main" val="0"/>
+                </a:ext>
+              </a:extLst>
+            </a:blip>
+            <a:srcRect/>
+            <a:stretch>
+              <a:fillRect/>
+            </a:stretch>
+          </p:blipFill>
+          <p:spPr bwMode="auto">
+            <a:xfrm rot="19760663">
+              <a:off x="5898188" y="2649071"/>
+              <a:ext cx="1024089" cy="1024089"/>
+            </a:xfrm>
+            <a:prstGeom prst="rect">
+              <a:avLst/>
+            </a:prstGeom>
+            <a:noFill/>
+            <a:extLst>
+              <a:ext uri="{909E8E84-426E-40DD-AFC4-6F175D3DCCD1}">
+                <a14:hiddenFill xmlns:a14="http://schemas.microsoft.com/office/drawing/2010/main">
+                  <a:solidFill>
+                    <a:srgbClr val="FFFFFF"/>
+                  </a:solidFill>
+                </a14:hiddenFill>
+              </a:ext>
+            </a:extLst>
+          </p:spPr>
+        </p:pic>
+        <p:pic>
+          <p:nvPicPr>
+            <p:cNvPr id="119" name="Picture 4" descr="Related image"/>
+            <p:cNvPicPr>
+              <a:picLocks noChangeAspect="1" noChangeArrowheads="1"/>
+            </p:cNvPicPr>
+            <p:nvPr/>
+          </p:nvPicPr>
+          <p:blipFill>
+            <a:blip r:embed="rId18" cstate="print">
+              <a:extLst>
+                <a:ext uri="{28A0092B-C50C-407E-A947-70E740481C1C}">
+                  <a14:useLocalDpi xmlns:a14="http://schemas.microsoft.com/office/drawing/2010/main" val="0"/>
+                </a:ext>
+              </a:extLst>
+            </a:blip>
+            <a:srcRect/>
+            <a:stretch>
+              <a:fillRect/>
+            </a:stretch>
+          </p:blipFill>
+          <p:spPr bwMode="auto">
+            <a:xfrm rot="20588820">
+              <a:off x="5157101" y="4719615"/>
+              <a:ext cx="1279343" cy="1279343"/>
+            </a:xfrm>
+            <a:prstGeom prst="rect">
+              <a:avLst/>
+            </a:prstGeom>
+            <a:noFill/>
+            <a:extLst>
+              <a:ext uri="{909E8E84-426E-40DD-AFC4-6F175D3DCCD1}">
+                <a14:hiddenFill xmlns:a14="http://schemas.microsoft.com/office/drawing/2010/main">
+                  <a:solidFill>
+                    <a:srgbClr val="FFFFFF"/>
+                  </a:solidFill>
+                </a14:hiddenFill>
+              </a:ext>
+            </a:extLst>
+          </p:spPr>
+        </p:pic>
+        <p:pic>
+          <p:nvPicPr>
+            <p:cNvPr id="120" name="Picture 6" descr="Image result for babel js"/>
+            <p:cNvPicPr>
+              <a:picLocks noChangeAspect="1" noChangeArrowheads="1"/>
+            </p:cNvPicPr>
+            <p:nvPr/>
+          </p:nvPicPr>
+          <p:blipFill>
+            <a:blip r:embed="rId19" cstate="print">
+              <a:extLst>
+                <a:ext uri="{28A0092B-C50C-407E-A947-70E740481C1C}">
+                  <a14:useLocalDpi xmlns:a14="http://schemas.microsoft.com/office/drawing/2010/main" val="0"/>
+                </a:ext>
+              </a:extLst>
+            </a:blip>
+            <a:srcRect/>
+            <a:stretch>
+              <a:fillRect/>
+            </a:stretch>
+          </p:blipFill>
+          <p:spPr bwMode="auto">
+            <a:xfrm rot="2406612">
+              <a:off x="3689755" y="2182801"/>
+              <a:ext cx="2505283" cy="1137816"/>
+            </a:xfrm>
+            <a:prstGeom prst="rect">
+              <a:avLst/>
+            </a:prstGeom>
+            <a:noFill/>
+            <a:extLst>
+              <a:ext uri="{909E8E84-426E-40DD-AFC4-6F175D3DCCD1}">
+                <a14:hiddenFill xmlns:a14="http://schemas.microsoft.com/office/drawing/2010/main">
+                  <a:solidFill>
+                    <a:srgbClr val="FFFFFF"/>
+                  </a:solidFill>
+                </a14:hiddenFill>
+              </a:ext>
+            </a:extLst>
+          </p:spPr>
+        </p:pic>
+      </p:grpSp>
+      <p:grpSp>
+        <p:nvGrpSpPr>
+          <p:cNvPr id="125" name="Group 124"/>
+          <p:cNvGrpSpPr/>
+          <p:nvPr/>
+        </p:nvGrpSpPr>
+        <p:grpSpPr>
+          <a:xfrm>
+            <a:off x="8808060" y="2596972"/>
+            <a:ext cx="2407313" cy="1077680"/>
+            <a:chOff x="-371775" y="2132019"/>
+            <a:chExt cx="10149178" cy="4543475"/>
+          </a:xfrm>
+        </p:grpSpPr>
+        <p:pic>
+          <p:nvPicPr>
+            <p:cNvPr id="126" name="Picture 4" descr="Image result for react"/>
+            <p:cNvPicPr>
+              <a:picLocks noChangeAspect="1" noChangeArrowheads="1"/>
+            </p:cNvPicPr>
+            <p:nvPr/>
+          </p:nvPicPr>
+          <p:blipFill>
+            <a:blip r:embed="rId20" cstate="print">
+              <a:extLst>
+                <a:ext uri="{28A0092B-C50C-407E-A947-70E740481C1C}">
+                  <a14:useLocalDpi xmlns:a14="http://schemas.microsoft.com/office/drawing/2010/main" val="0"/>
+                </a:ext>
+              </a:extLst>
+            </a:blip>
+            <a:srcRect/>
+            <a:stretch>
+              <a:fillRect/>
+            </a:stretch>
+          </p:blipFill>
+          <p:spPr bwMode="auto">
+            <a:xfrm rot="20450451">
+              <a:off x="-371775" y="2417030"/>
+              <a:ext cx="3076170" cy="2173827"/>
+            </a:xfrm>
+            <a:prstGeom prst="rect">
+              <a:avLst/>
+            </a:prstGeom>
+            <a:noFill/>
+            <a:extLst>
+              <a:ext uri="{909E8E84-426E-40DD-AFC4-6F175D3DCCD1}">
+                <a14:hiddenFill xmlns:a14="http://schemas.microsoft.com/office/drawing/2010/main">
+                  <a:solidFill>
+                    <a:srgbClr val="FFFFFF"/>
+                  </a:solidFill>
+                </a14:hiddenFill>
+              </a:ext>
+            </a:extLst>
+          </p:spPr>
+        </p:pic>
+        <p:pic>
+          <p:nvPicPr>
+            <p:cNvPr id="127" name="Picture 6" descr="https://fr3fou.me/sql.791c4516.png"/>
+            <p:cNvPicPr>
+              <a:picLocks noChangeAspect="1" noChangeArrowheads="1"/>
+            </p:cNvPicPr>
+            <p:nvPr/>
+          </p:nvPicPr>
+          <p:blipFill>
+            <a:blip r:embed="rId8" cstate="print">
+              <a:extLst>
+                <a:ext uri="{28A0092B-C50C-407E-A947-70E740481C1C}">
+                  <a14:useLocalDpi xmlns:a14="http://schemas.microsoft.com/office/drawing/2010/main" val="0"/>
+                </a:ext>
+              </a:extLst>
+            </a:blip>
+            <a:srcRect/>
+            <a:stretch>
+              <a:fillRect/>
+            </a:stretch>
+          </p:blipFill>
+          <p:spPr bwMode="auto">
+            <a:xfrm rot="1196916">
+              <a:off x="3364316" y="5372210"/>
+              <a:ext cx="1303284" cy="1303284"/>
+            </a:xfrm>
+            <a:prstGeom prst="rect">
+              <a:avLst/>
+            </a:prstGeom>
+            <a:noFill/>
+            <a:extLst>
+              <a:ext uri="{909E8E84-426E-40DD-AFC4-6F175D3DCCD1}">
+                <a14:hiddenFill xmlns:a14="http://schemas.microsoft.com/office/drawing/2010/main">
+                  <a:solidFill>
+                    <a:srgbClr val="FFFFFF"/>
+                  </a:solidFill>
+                </a14:hiddenFill>
+              </a:ext>
+            </a:extLst>
+          </p:spPr>
+        </p:pic>
+        <p:pic>
+          <p:nvPicPr>
+            <p:cNvPr id="128" name="Picture 8" descr="https://fr3fou.me/ts.84b20c6a.png"/>
+            <p:cNvPicPr>
+              <a:picLocks noChangeAspect="1" noChangeArrowheads="1"/>
+            </p:cNvPicPr>
+            <p:nvPr/>
+          </p:nvPicPr>
+          <p:blipFill>
+            <a:blip r:embed="rId9" cstate="print">
+              <a:extLst>
+                <a:ext uri="{28A0092B-C50C-407E-A947-70E740481C1C}">
+                  <a14:useLocalDpi xmlns:a14="http://schemas.microsoft.com/office/drawing/2010/main" val="0"/>
+                </a:ext>
+              </a:extLst>
+            </a:blip>
+            <a:srcRect/>
+            <a:stretch>
+              <a:fillRect/>
+            </a:stretch>
+          </p:blipFill>
+          <p:spPr bwMode="auto">
+            <a:xfrm rot="821097">
+              <a:off x="3650976" y="3990422"/>
+              <a:ext cx="1063187" cy="1063187"/>
+            </a:xfrm>
+            <a:prstGeom prst="rect">
+              <a:avLst/>
+            </a:prstGeom>
+            <a:noFill/>
+            <a:extLst>
+              <a:ext uri="{909E8E84-426E-40DD-AFC4-6F175D3DCCD1}">
+                <a14:hiddenFill xmlns:a14="http://schemas.microsoft.com/office/drawing/2010/main">
+                  <a:solidFill>
+                    <a:srgbClr val="FFFFFF"/>
+                  </a:solidFill>
+                </a14:hiddenFill>
+              </a:ext>
+            </a:extLst>
+          </p:spPr>
+        </p:pic>
+        <p:pic>
+          <p:nvPicPr>
+            <p:cNvPr id="129" name="Picture 10" descr="Image result for redis"/>
+            <p:cNvPicPr>
+              <a:picLocks noChangeAspect="1" noChangeArrowheads="1"/>
+            </p:cNvPicPr>
+            <p:nvPr/>
+          </p:nvPicPr>
+          <p:blipFill>
+            <a:blip r:embed="rId10" cstate="print">
+              <a:extLst>
+                <a:ext uri="{28A0092B-C50C-407E-A947-70E740481C1C}">
+                  <a14:useLocalDpi xmlns:a14="http://schemas.microsoft.com/office/drawing/2010/main" val="0"/>
+                </a:ext>
+              </a:extLst>
+            </a:blip>
+            <a:srcRect/>
+            <a:stretch>
+              <a:fillRect/>
+            </a:stretch>
+          </p:blipFill>
+          <p:spPr bwMode="auto">
+            <a:xfrm rot="19342459">
+              <a:off x="7313198" y="5213714"/>
+              <a:ext cx="1526921" cy="1360091"/>
+            </a:xfrm>
+            <a:prstGeom prst="rect">
+              <a:avLst/>
+            </a:prstGeom>
+            <a:noFill/>
+            <a:extLst>
+              <a:ext uri="{909E8E84-426E-40DD-AFC4-6F175D3DCCD1}">
+                <a14:hiddenFill xmlns:a14="http://schemas.microsoft.com/office/drawing/2010/main">
+                  <a:solidFill>
+                    <a:srgbClr val="FFFFFF"/>
+                  </a:solidFill>
+                </a14:hiddenFill>
+              </a:ext>
+            </a:extLst>
+          </p:spPr>
+        </p:pic>
+        <p:pic>
+          <p:nvPicPr>
+            <p:cNvPr id="130" name="Picture 14" descr="Related image"/>
+            <p:cNvPicPr>
+              <a:picLocks noChangeAspect="1" noChangeArrowheads="1"/>
+            </p:cNvPicPr>
+            <p:nvPr/>
+          </p:nvPicPr>
+          <p:blipFill>
+            <a:blip r:embed="rId11" cstate="print">
+              <a:extLst>
+                <a:ext uri="{28A0092B-C50C-407E-A947-70E740481C1C}">
+                  <a14:useLocalDpi xmlns:a14="http://schemas.microsoft.com/office/drawing/2010/main" val="0"/>
+                </a:ext>
+              </a:extLst>
+            </a:blip>
+            <a:srcRect/>
+            <a:stretch>
+              <a:fillRect/>
+            </a:stretch>
+          </p:blipFill>
+          <p:spPr bwMode="auto">
+            <a:xfrm rot="20423972">
+              <a:off x="2206765" y="2132019"/>
+              <a:ext cx="1735313" cy="1735313"/>
+            </a:xfrm>
+            <a:prstGeom prst="rect">
+              <a:avLst/>
+            </a:prstGeom>
+            <a:noFill/>
+            <a:extLst>
+              <a:ext uri="{909E8E84-426E-40DD-AFC4-6F175D3DCCD1}">
+                <a14:hiddenFill xmlns:a14="http://schemas.microsoft.com/office/drawing/2010/main">
+                  <a:solidFill>
+                    <a:srgbClr val="FFFFFF"/>
+                  </a:solidFill>
+                </a14:hiddenFill>
+              </a:ext>
+            </a:extLst>
+          </p:spPr>
+        </p:pic>
+        <p:pic>
+          <p:nvPicPr>
+            <p:cNvPr id="131" name="Picture 16" descr="Image result for styled components"/>
+            <p:cNvPicPr>
+              <a:picLocks noChangeAspect="1" noChangeArrowheads="1"/>
+            </p:cNvPicPr>
+            <p:nvPr/>
+          </p:nvPicPr>
+          <p:blipFill>
+            <a:blip r:embed="rId21" cstate="print">
+              <a:extLst>
+                <a:ext uri="{28A0092B-C50C-407E-A947-70E740481C1C}">
+                  <a14:useLocalDpi xmlns:a14="http://schemas.microsoft.com/office/drawing/2010/main" val="0"/>
+                </a:ext>
+              </a:extLst>
+            </a:blip>
+            <a:srcRect/>
+            <a:stretch>
+              <a:fillRect/>
+            </a:stretch>
+          </p:blipFill>
+          <p:spPr bwMode="auto">
+            <a:xfrm rot="20008034">
+              <a:off x="6574971" y="3729428"/>
+              <a:ext cx="1246742" cy="1246742"/>
+            </a:xfrm>
+            <a:prstGeom prst="rect">
+              <a:avLst/>
+            </a:prstGeom>
+            <a:noFill/>
+            <a:extLst>
+              <a:ext uri="{909E8E84-426E-40DD-AFC4-6F175D3DCCD1}">
+                <a14:hiddenFill xmlns:a14="http://schemas.microsoft.com/office/drawing/2010/main">
+                  <a:solidFill>
+                    <a:srgbClr val="FFFFFF"/>
+                  </a:solidFill>
+                </a14:hiddenFill>
+              </a:ext>
+            </a:extLst>
+          </p:spPr>
+        </p:pic>
+        <p:pic>
+          <p:nvPicPr>
+            <p:cNvPr id="132" name="Picture 18" descr="Related image"/>
+            <p:cNvPicPr>
+              <a:picLocks noChangeAspect="1" noChangeArrowheads="1"/>
+            </p:cNvPicPr>
+            <p:nvPr/>
+          </p:nvPicPr>
+          <p:blipFill>
+            <a:blip r:embed="rId22" cstate="print">
+              <a:extLst>
+                <a:ext uri="{28A0092B-C50C-407E-A947-70E740481C1C}">
+                  <a14:useLocalDpi xmlns:a14="http://schemas.microsoft.com/office/drawing/2010/main" val="0"/>
+                </a:ext>
+              </a:extLst>
+            </a:blip>
+            <a:srcRect/>
+            <a:stretch>
+              <a:fillRect/>
+            </a:stretch>
+          </p:blipFill>
+          <p:spPr bwMode="auto">
+            <a:xfrm rot="1567586">
+              <a:off x="7482730" y="2168333"/>
+              <a:ext cx="1279482" cy="1391253"/>
+            </a:xfrm>
+            <a:prstGeom prst="rect">
+              <a:avLst/>
+            </a:prstGeom>
+            <a:noFill/>
+            <a:extLst>
+              <a:ext uri="{909E8E84-426E-40DD-AFC4-6F175D3DCCD1}">
+                <a14:hiddenFill xmlns:a14="http://schemas.microsoft.com/office/drawing/2010/main">
+                  <a:solidFill>
+                    <a:srgbClr val="FFFFFF"/>
+                  </a:solidFill>
+                </a14:hiddenFill>
+              </a:ext>
+            </a:extLst>
+          </p:spPr>
+        </p:pic>
+        <p:pic>
+          <p:nvPicPr>
+            <p:cNvPr id="133" name="Picture 26" descr="Related image"/>
+            <p:cNvPicPr>
+              <a:picLocks noChangeAspect="1" noChangeArrowheads="1"/>
+            </p:cNvPicPr>
+            <p:nvPr/>
+          </p:nvPicPr>
+          <p:blipFill>
+            <a:blip r:embed="rId23" cstate="print">
+              <a:extLst>
+                <a:ext uri="{28A0092B-C50C-407E-A947-70E740481C1C}">
+                  <a14:useLocalDpi xmlns:a14="http://schemas.microsoft.com/office/drawing/2010/main" val="0"/>
+                </a:ext>
+              </a:extLst>
+            </a:blip>
+            <a:srcRect/>
+            <a:stretch>
+              <a:fillRect/>
+            </a:stretch>
+          </p:blipFill>
+          <p:spPr bwMode="auto">
+            <a:xfrm rot="952502">
+              <a:off x="276543" y="5229673"/>
+              <a:ext cx="1685665" cy="1264249"/>
+            </a:xfrm>
+            <a:prstGeom prst="rect">
+              <a:avLst/>
+            </a:prstGeom>
+            <a:noFill/>
+            <a:extLst>
+              <a:ext uri="{909E8E84-426E-40DD-AFC4-6F175D3DCCD1}">
+                <a14:hiddenFill xmlns:a14="http://schemas.microsoft.com/office/drawing/2010/main">
+                  <a:solidFill>
+                    <a:srgbClr val="FFFFFF"/>
+                  </a:solidFill>
+                </a14:hiddenFill>
+              </a:ext>
+            </a:extLst>
+          </p:spPr>
+        </p:pic>
+        <p:pic>
+          <p:nvPicPr>
+            <p:cNvPr id="134" name="Picture 32" descr="Image result for nginx"/>
+            <p:cNvPicPr>
+              <a:picLocks noChangeAspect="1" noChangeArrowheads="1"/>
+            </p:cNvPicPr>
+            <p:nvPr/>
+          </p:nvPicPr>
+          <p:blipFill>
+            <a:blip r:embed="rId24" cstate="print">
+              <a:extLst>
+                <a:ext uri="{28A0092B-C50C-407E-A947-70E740481C1C}">
+                  <a14:useLocalDpi xmlns:a14="http://schemas.microsoft.com/office/drawing/2010/main" val="0"/>
+                </a:ext>
+              </a:extLst>
+            </a:blip>
+            <a:srcRect/>
+            <a:stretch>
+              <a:fillRect/>
+            </a:stretch>
+          </p:blipFill>
+          <p:spPr bwMode="auto">
+            <a:xfrm rot="19168276">
+              <a:off x="8651134" y="3922993"/>
+              <a:ext cx="1126269" cy="1126269"/>
+            </a:xfrm>
+            <a:prstGeom prst="rect">
+              <a:avLst/>
+            </a:prstGeom>
+            <a:noFill/>
+            <a:extLst>
+              <a:ext uri="{909E8E84-426E-40DD-AFC4-6F175D3DCCD1}">
+                <a14:hiddenFill xmlns:a14="http://schemas.microsoft.com/office/drawing/2010/main">
+                  <a:solidFill>
+                    <a:srgbClr val="FFFFFF"/>
+                  </a:solidFill>
+                </a14:hiddenFill>
+              </a:ext>
+            </a:extLst>
+          </p:spPr>
+        </p:pic>
+        <p:pic>
+          <p:nvPicPr>
+            <p:cNvPr id="135" name="Picture 34" descr="Image result for passport.js"/>
+            <p:cNvPicPr>
+              <a:picLocks noChangeAspect="1" noChangeArrowheads="1"/>
+            </p:cNvPicPr>
+            <p:nvPr/>
+          </p:nvPicPr>
+          <p:blipFill>
+            <a:blip r:embed="rId25" cstate="print">
+              <a:extLst>
+                <a:ext uri="{28A0092B-C50C-407E-A947-70E740481C1C}">
+                  <a14:useLocalDpi xmlns:a14="http://schemas.microsoft.com/office/drawing/2010/main" val="0"/>
+                </a:ext>
+              </a:extLst>
+            </a:blip>
+            <a:srcRect/>
+            <a:stretch>
+              <a:fillRect/>
+            </a:stretch>
+          </p:blipFill>
+          <p:spPr bwMode="auto">
+            <a:xfrm rot="20273716">
+              <a:off x="2096178" y="4289626"/>
+              <a:ext cx="1198868" cy="1198868"/>
+            </a:xfrm>
+            <a:prstGeom prst="rect">
+              <a:avLst/>
+            </a:prstGeom>
+            <a:noFill/>
+            <a:extLst>
+              <a:ext uri="{909E8E84-426E-40DD-AFC4-6F175D3DCCD1}">
+                <a14:hiddenFill xmlns:a14="http://schemas.microsoft.com/office/drawing/2010/main">
+                  <a:solidFill>
+                    <a:srgbClr val="FFFFFF"/>
+                  </a:solidFill>
+                </a14:hiddenFill>
+              </a:ext>
+            </a:extLst>
+          </p:spPr>
+        </p:pic>
+        <p:pic>
+          <p:nvPicPr>
+            <p:cNvPr id="136" name="Picture 2" descr="Image result for JEST"/>
+            <p:cNvPicPr>
+              <a:picLocks noChangeAspect="1" noChangeArrowheads="1"/>
+            </p:cNvPicPr>
+            <p:nvPr/>
+          </p:nvPicPr>
+          <p:blipFill>
+            <a:blip r:embed="rId26" cstate="print">
+              <a:extLst>
+                <a:ext uri="{28A0092B-C50C-407E-A947-70E740481C1C}">
+                  <a14:useLocalDpi xmlns:a14="http://schemas.microsoft.com/office/drawing/2010/main" val="0"/>
+                </a:ext>
+              </a:extLst>
+            </a:blip>
+            <a:srcRect/>
+            <a:stretch>
+              <a:fillRect/>
+            </a:stretch>
+          </p:blipFill>
+          <p:spPr bwMode="auto">
+            <a:xfrm rot="19760663">
+              <a:off x="5898188" y="2649071"/>
+              <a:ext cx="1024089" cy="1024089"/>
+            </a:xfrm>
+            <a:prstGeom prst="rect">
+              <a:avLst/>
+            </a:prstGeom>
+            <a:noFill/>
+            <a:extLst>
+              <a:ext uri="{909E8E84-426E-40DD-AFC4-6F175D3DCCD1}">
+                <a14:hiddenFill xmlns:a14="http://schemas.microsoft.com/office/drawing/2010/main">
+                  <a:solidFill>
+                    <a:srgbClr val="FFFFFF"/>
+                  </a:solidFill>
+                </a14:hiddenFill>
+              </a:ext>
+            </a:extLst>
+          </p:spPr>
+        </p:pic>
+        <p:pic>
+          <p:nvPicPr>
+            <p:cNvPr id="137" name="Picture 4" descr="Related image"/>
+            <p:cNvPicPr>
+              <a:picLocks noChangeAspect="1" noChangeArrowheads="1"/>
+            </p:cNvPicPr>
+            <p:nvPr/>
+          </p:nvPicPr>
+          <p:blipFill>
+            <a:blip r:embed="rId27" cstate="print">
+              <a:extLst>
+                <a:ext uri="{28A0092B-C50C-407E-A947-70E740481C1C}">
+                  <a14:useLocalDpi xmlns:a14="http://schemas.microsoft.com/office/drawing/2010/main" val="0"/>
+                </a:ext>
+              </a:extLst>
+            </a:blip>
+            <a:srcRect/>
+            <a:stretch>
+              <a:fillRect/>
+            </a:stretch>
+          </p:blipFill>
+          <p:spPr bwMode="auto">
+            <a:xfrm rot="20588820">
+              <a:off x="5157101" y="4719615"/>
+              <a:ext cx="1279343" cy="1279343"/>
+            </a:xfrm>
+            <a:prstGeom prst="rect">
+              <a:avLst/>
+            </a:prstGeom>
+            <a:noFill/>
+            <a:extLst>
+              <a:ext uri="{909E8E84-426E-40DD-AFC4-6F175D3DCCD1}">
+                <a14:hiddenFill xmlns:a14="http://schemas.microsoft.com/office/drawing/2010/main">
+                  <a:solidFill>
+                    <a:srgbClr val="FFFFFF"/>
+                  </a:solidFill>
+                </a14:hiddenFill>
+              </a:ext>
+            </a:extLst>
+          </p:spPr>
+        </p:pic>
+        <p:pic>
+          <p:nvPicPr>
+            <p:cNvPr id="138" name="Picture 6" descr="Image result for babel js"/>
+            <p:cNvPicPr>
+              <a:picLocks noChangeAspect="1" noChangeArrowheads="1"/>
+            </p:cNvPicPr>
+            <p:nvPr/>
+          </p:nvPicPr>
+          <p:blipFill>
+            <a:blip r:embed="rId28" cstate="print">
+              <a:extLst>
+                <a:ext uri="{28A0092B-C50C-407E-A947-70E740481C1C}">
+                  <a14:useLocalDpi xmlns:a14="http://schemas.microsoft.com/office/drawing/2010/main" val="0"/>
+                </a:ext>
+              </a:extLst>
+            </a:blip>
+            <a:srcRect/>
+            <a:stretch>
+              <a:fillRect/>
+            </a:stretch>
+          </p:blipFill>
+          <p:spPr bwMode="auto">
+            <a:xfrm rot="2406612">
+              <a:off x="3689755" y="2182801"/>
+              <a:ext cx="2505283" cy="1137816"/>
+            </a:xfrm>
+            <a:prstGeom prst="rect">
+              <a:avLst/>
+            </a:prstGeom>
+            <a:noFill/>
+            <a:extLst>
+              <a:ext uri="{909E8E84-426E-40DD-AFC4-6F175D3DCCD1}">
+                <a14:hiddenFill xmlns:a14="http://schemas.microsoft.com/office/drawing/2010/main">
+                  <a:solidFill>
+                    <a:srgbClr val="FFFFFF"/>
+                  </a:solidFill>
+                </a14:hiddenFill>
+              </a:ext>
+            </a:extLst>
+          </p:spPr>
+        </p:pic>
+      </p:grpSp>
+      <p:sp>
+        <p:nvSpPr>
+          <p:cNvPr id="139" name="TextBox 138"/>
+          <p:cNvSpPr txBox="1"/>
+          <p:nvPr/>
+        </p:nvSpPr>
+        <p:spPr>
+          <a:xfrm>
+            <a:off x="1003102" y="1963760"/>
+            <a:ext cx="2306521" cy="373504"/>
+          </a:xfrm>
+          <a:prstGeom prst="rect">
+            <a:avLst/>
+          </a:prstGeom>
+          <a:noFill/>
+        </p:spPr>
+        <p:txBody>
+          <a:bodyPr wrap="square" rtlCol="0">
+            <a:spAutoFit/>
+          </a:bodyPr>
+          <a:lstStyle/>
+          <a:p>
+            <a:pPr algn="ctr"/>
+            <a:r>
+              <a:rPr lang="en-GB" dirty="0" smtClean="0">
+                <a:solidFill>
+                  <a:schemeClr val="tx1">
+                    <a:lumMod val="75000"/>
+                    <a:lumOff val="25000"/>
+                  </a:schemeClr>
+                </a:solidFill>
+                <a:latin typeface="Nunito Black" panose="00000A00000000000000" pitchFamily="2" charset="0"/>
+              </a:rPr>
+              <a:t>Restaurant 1</a:t>
+            </a:r>
+            <a:endParaRPr lang="en-GB" dirty="0">
+              <a:solidFill>
+                <a:schemeClr val="tx1">
+                  <a:lumMod val="75000"/>
+                  <a:lumOff val="25000"/>
+                </a:schemeClr>
+              </a:solidFill>
+              <a:latin typeface="Nunito Black" panose="00000A00000000000000" pitchFamily="2" charset="0"/>
+            </a:endParaRPr>
+          </a:p>
+        </p:txBody>
+      </p:sp>
+      <p:sp>
+        <p:nvSpPr>
+          <p:cNvPr id="140" name="TextBox 139"/>
+          <p:cNvSpPr txBox="1"/>
+          <p:nvPr/>
+        </p:nvSpPr>
+        <p:spPr>
+          <a:xfrm>
+            <a:off x="4995889" y="1962168"/>
+            <a:ext cx="2306521" cy="373504"/>
+          </a:xfrm>
+          <a:prstGeom prst="rect">
+            <a:avLst/>
+          </a:prstGeom>
+          <a:noFill/>
+        </p:spPr>
+        <p:txBody>
+          <a:bodyPr wrap="square" rtlCol="0">
+            <a:spAutoFit/>
+          </a:bodyPr>
+          <a:lstStyle/>
+          <a:p>
+            <a:pPr algn="ctr"/>
+            <a:r>
+              <a:rPr lang="en-GB" dirty="0" smtClean="0">
+                <a:solidFill>
+                  <a:schemeClr val="tx1">
+                    <a:lumMod val="75000"/>
+                    <a:lumOff val="25000"/>
+                  </a:schemeClr>
+                </a:solidFill>
+                <a:latin typeface="Nunito Black" panose="00000A00000000000000" pitchFamily="2" charset="0"/>
+              </a:rPr>
+              <a:t>Restaurant 2</a:t>
+            </a:r>
+            <a:endParaRPr lang="en-GB" dirty="0">
+              <a:solidFill>
+                <a:schemeClr val="tx1">
+                  <a:lumMod val="75000"/>
+                  <a:lumOff val="25000"/>
+                </a:schemeClr>
+              </a:solidFill>
+              <a:latin typeface="Nunito Black" panose="00000A00000000000000" pitchFamily="2" charset="0"/>
+            </a:endParaRPr>
+          </a:p>
+        </p:txBody>
+      </p:sp>
+      <p:sp>
+        <p:nvSpPr>
+          <p:cNvPr id="141" name="TextBox 140"/>
+          <p:cNvSpPr txBox="1"/>
+          <p:nvPr/>
+        </p:nvSpPr>
+        <p:spPr>
+          <a:xfrm>
+            <a:off x="8878169" y="1961217"/>
+            <a:ext cx="2306521" cy="373504"/>
+          </a:xfrm>
+          <a:prstGeom prst="rect">
+            <a:avLst/>
+          </a:prstGeom>
+          <a:noFill/>
+        </p:spPr>
+        <p:txBody>
+          <a:bodyPr wrap="square" rtlCol="0">
+            <a:spAutoFit/>
+          </a:bodyPr>
+          <a:lstStyle/>
+          <a:p>
+            <a:pPr algn="ctr"/>
+            <a:r>
+              <a:rPr lang="en-GB" dirty="0" smtClean="0">
+                <a:solidFill>
+                  <a:schemeClr val="tx1">
+                    <a:lumMod val="75000"/>
+                    <a:lumOff val="25000"/>
+                  </a:schemeClr>
+                </a:solidFill>
+                <a:latin typeface="Nunito Black" panose="00000A00000000000000" pitchFamily="2" charset="0"/>
+              </a:rPr>
+              <a:t>Restaurant 3</a:t>
+            </a:r>
+            <a:endParaRPr lang="en-GB" dirty="0">
+              <a:solidFill>
+                <a:schemeClr val="tx1">
+                  <a:lumMod val="75000"/>
+                  <a:lumOff val="25000"/>
+                </a:schemeClr>
+              </a:solidFill>
+              <a:latin typeface="Nunito Black" panose="00000A00000000000000" pitchFamily="2" charset="0"/>
+            </a:endParaRPr>
+          </a:p>
+        </p:txBody>
+      </p:sp>
+      <p:sp>
+        <p:nvSpPr>
+          <p:cNvPr id="142" name="TextBox 141"/>
+          <p:cNvSpPr txBox="1"/>
+          <p:nvPr/>
+        </p:nvSpPr>
+        <p:spPr>
+          <a:xfrm>
+            <a:off x="4995888" y="6547950"/>
+            <a:ext cx="2306521" cy="373504"/>
+          </a:xfrm>
+          <a:prstGeom prst="rect">
+            <a:avLst/>
+          </a:prstGeom>
+          <a:noFill/>
+        </p:spPr>
+        <p:txBody>
+          <a:bodyPr wrap="square" rtlCol="0">
+            <a:spAutoFit/>
+          </a:bodyPr>
+          <a:lstStyle/>
+          <a:p>
+            <a:pPr algn="ctr"/>
+            <a:r>
+              <a:rPr lang="en-GB" dirty="0" smtClean="0">
+                <a:solidFill>
+                  <a:schemeClr val="tx1">
+                    <a:lumMod val="75000"/>
+                    <a:lumOff val="25000"/>
+                  </a:schemeClr>
+                </a:solidFill>
+                <a:latin typeface="Nunito Black" panose="00000A00000000000000" pitchFamily="2" charset="0"/>
+              </a:rPr>
+              <a:t>K8s Master Node</a:t>
+            </a:r>
+            <a:endParaRPr lang="en-GB" dirty="0">
+              <a:solidFill>
+                <a:schemeClr val="tx1">
+                  <a:lumMod val="75000"/>
+                  <a:lumOff val="25000"/>
+                </a:schemeClr>
+              </a:solidFill>
+              <a:latin typeface="Nunito Black" panose="00000A00000000000000" pitchFamily="2" charset="0"/>
+            </a:endParaRPr>
+          </a:p>
+        </p:txBody>
+      </p:sp>
     </p:spTree>
     <p:extLst>
       <p:ext uri="{BB962C8B-B14F-4D97-AF65-F5344CB8AC3E}">
@@ -6262,11 +8546,11 @@
   <p:clrMapOvr>
     <a:masterClrMapping/>
   </p:clrMapOvr>
-  <mc:AlternateContent xmlns:mc="http://schemas.openxmlformats.org/markup-compatibility/2006" xmlns:p14="http://schemas.microsoft.com/office/powerpoint/2010/main">
-    <mc:Choice Requires="p14">
-      <p:transition p14:dur="0"/>
+  <mc:AlternateContent xmlns:mc="http://schemas.openxmlformats.org/markup-compatibility/2006">
+    <mc:Choice xmlns:p14="http://schemas.microsoft.com/office/powerpoint/2010/main" Requires="p14">
+      <p:transition p14:dur="10"/>
     </mc:Choice>
-    <mc:Fallback xmlns="">
+    <mc:Fallback>
       <p:transition/>
     </mc:Fallback>
   </mc:AlternateContent>
@@ -6525,31 +8809,7 @@
                 </a:solidFill>
                 <a:latin typeface="Nunito Black" panose="00000A00000000000000" pitchFamily="2" charset="0"/>
               </a:rPr>
-              <a:t>- No </a:t>
-            </a:r>
-            <a:r>
-              <a:rPr lang="en-GB" sz="2800" b="1" dirty="0" smtClean="0">
-                <a:solidFill>
-                  <a:schemeClr val="tx1">
-                    <a:lumMod val="75000"/>
-                    <a:lumOff val="25000"/>
-                  </a:schemeClr>
-                </a:solidFill>
-                <a:latin typeface="Nunito Black" panose="00000A00000000000000" pitchFamily="2" charset="0"/>
-              </a:rPr>
-              <a:t>hardware </a:t>
-            </a:r>
-            <a:r>
-              <a:rPr lang="en-GB" sz="2800" b="1" dirty="0" smtClean="0">
-                <a:solidFill>
-                  <a:schemeClr val="tx1">
-                    <a:lumMod val="75000"/>
-                    <a:lumOff val="25000"/>
-                  </a:schemeClr>
-                </a:solidFill>
-                <a:latin typeface="Nunito Black" panose="00000A00000000000000" pitchFamily="2" charset="0"/>
-              </a:rPr>
-              <a:t>required</a:t>
+              <a:t>- No hardware required</a:t>
             </a:r>
           </a:p>
           <a:p>
@@ -6624,25 +8884,7 @@
                 </a:gradFill>
                 <a:latin typeface="Nunito Black" panose="00000A00000000000000" pitchFamily="2" charset="0"/>
               </a:rPr>
-              <a:t>Business </a:t>
-            </a:r>
-            <a:r>
-              <a:rPr lang="en-GB" sz="7000" b="1" dirty="0" smtClean="0">
-                <a:gradFill flip="none" rotWithShape="1">
-                  <a:gsLst>
-                    <a:gs pos="100000">
-                      <a:srgbClr val="EA6984"/>
-                    </a:gs>
-                    <a:gs pos="0">
-                      <a:srgbClr val="D56AA0"/>
-                    </a:gs>
-                  </a:gsLst>
-                  <a:lin ang="13500000" scaled="1"/>
-                  <a:tileRect/>
-                </a:gradFill>
-                <a:latin typeface="Nunito Black" panose="00000A00000000000000" pitchFamily="2" charset="0"/>
-              </a:rPr>
-              <a:t>model - B2B</a:t>
+              <a:t>Business model - B2B</a:t>
             </a:r>
             <a:endParaRPr lang="en-GB" sz="7000" b="1" dirty="0">
               <a:gradFill flip="none" rotWithShape="1">
@@ -7611,15 +9853,12 @@
       <p:cxnSp>
         <p:nvCxnSpPr>
           <p:cNvPr id="26" name="Straight Connector 25"/>
-          <p:cNvCxnSpPr>
-            <a:stCxn id="7" idx="6"/>
-            <a:endCxn id="19" idx="2"/>
-          </p:cNvCxnSpPr>
+          <p:cNvCxnSpPr/>
           <p:nvPr/>
         </p:nvCxnSpPr>
         <p:spPr>
           <a:xfrm flipV="1">
-            <a:off x="2686958" y="3703067"/>
+            <a:off x="2690133" y="3703067"/>
             <a:ext cx="1263022" cy="15367"/>
           </a:xfrm>
           <a:prstGeom prst="line">

--- a/presentation/softuniada/presentation.pptx
+++ b/presentation/softuniada/presentation.pptx
@@ -5003,7 +5003,7 @@
       </p:grpSpPr>
       <p:pic>
         <p:nvPicPr>
-          <p:cNvPr id="23" name="Picture 22"/>
+          <p:cNvPr id="5" name="Picture 4"/>
           <p:cNvPicPr>
             <a:picLocks noChangeAspect="1"/>
           </p:cNvPicPr>
@@ -5011,6 +5011,7 @@
         </p:nvPicPr>
         <p:blipFill>
           <a:blip r:embed="rId2" cstate="print">
+            <a:lum bright="70000" contrast="-70000"/>
             <a:extLst>
               <a:ext uri="{28A0092B-C50C-407E-A947-70E740481C1C}">
                 <a14:useLocalDpi xmlns:a14="http://schemas.microsoft.com/office/drawing/2010/main" val="0"/>
@@ -5022,9 +5023,70 @@
           </a:stretch>
         </p:blipFill>
         <p:spPr>
-          <a:xfrm rot="8094596">
-            <a:off x="372053" y="3576851"/>
-            <a:ext cx="3128101" cy="3128101"/>
+          <a:xfrm rot="16200000">
+            <a:off x="5951628" y="663378"/>
+            <a:ext cx="6087720" cy="6087720"/>
+          </a:xfrm>
+          <a:prstGeom prst="rect">
+            <a:avLst/>
+          </a:prstGeom>
+        </p:spPr>
+      </p:pic>
+      <p:pic>
+        <p:nvPicPr>
+          <p:cNvPr id="4" name="Picture 3"/>
+          <p:cNvPicPr>
+            <a:picLocks noChangeAspect="1"/>
+          </p:cNvPicPr>
+          <p:nvPr/>
+        </p:nvPicPr>
+        <p:blipFill>
+          <a:blip r:embed="rId3" cstate="print">
+            <a:lum bright="70000" contrast="-70000"/>
+            <a:extLst>
+              <a:ext uri="{28A0092B-C50C-407E-A947-70E740481C1C}">
+                <a14:useLocalDpi xmlns:a14="http://schemas.microsoft.com/office/drawing/2010/main" val="0"/>
+              </a:ext>
+            </a:extLst>
+          </a:blip>
+          <a:stretch>
+            <a:fillRect/>
+          </a:stretch>
+        </p:blipFill>
+        <p:spPr>
+          <a:xfrm rot="20576677">
+            <a:off x="-91138" y="3406276"/>
+            <a:ext cx="4136948" cy="4136948"/>
+          </a:xfrm>
+          <a:prstGeom prst="rect">
+            <a:avLst/>
+          </a:prstGeom>
+        </p:spPr>
+      </p:pic>
+      <p:pic>
+        <p:nvPicPr>
+          <p:cNvPr id="23" name="Picture 22"/>
+          <p:cNvPicPr>
+            <a:picLocks noChangeAspect="1"/>
+          </p:cNvPicPr>
+          <p:nvPr/>
+        </p:nvPicPr>
+        <p:blipFill>
+          <a:blip r:embed="rId4" cstate="print">
+            <a:extLst>
+              <a:ext uri="{28A0092B-C50C-407E-A947-70E740481C1C}">
+                <a14:useLocalDpi xmlns:a14="http://schemas.microsoft.com/office/drawing/2010/main" val="0"/>
+              </a:ext>
+            </a:extLst>
+          </a:blip>
+          <a:stretch>
+            <a:fillRect/>
+          </a:stretch>
+        </p:blipFill>
+        <p:spPr>
+          <a:xfrm rot="6855718">
+            <a:off x="3135563" y="2647833"/>
+            <a:ext cx="3376168" cy="3376168"/>
           </a:xfrm>
           <a:prstGeom prst="rect">
             <a:avLst/>
@@ -5099,7 +5161,7 @@
           <p:nvPr/>
         </p:nvPicPr>
         <p:blipFill>
-          <a:blip r:embed="rId3" cstate="print">
+          <a:blip r:embed="rId5" cstate="print">
             <a:extLst>
               <a:ext uri="{28A0092B-C50C-407E-A947-70E740481C1C}">
                 <a14:useLocalDpi xmlns:a14="http://schemas.microsoft.com/office/drawing/2010/main" val="0"/>
@@ -5147,11 +5209,11 @@
             <p:nvPr/>
           </p:nvPicPr>
           <p:blipFill>
-            <a:blip r:embed="rId4" cstate="print">
+            <a:blip r:embed="rId6" cstate="print">
               <a:extLst>
                 <a:ext uri="{BEBA8EAE-BF5A-486C-A8C5-ECC9F3942E4B}">
                   <a14:imgProps xmlns:a14="http://schemas.microsoft.com/office/drawing/2010/main">
-                    <a14:imgLayer r:embed="rId5">
+                    <a14:imgLayer r:embed="rId7">
                       <a14:imgEffect>
                         <a14:colorTemperature colorTemp="11200"/>
                       </a14:imgEffect>
@@ -5186,7 +5248,7 @@
             <p:nvPr/>
           </p:nvPicPr>
           <p:blipFill>
-            <a:blip r:embed="rId6" cstate="print">
+            <a:blip r:embed="rId8" cstate="print">
               <a:extLst>
                 <a:ext uri="{28A0092B-C50C-407E-A947-70E740481C1C}">
                   <a14:useLocalDpi xmlns:a14="http://schemas.microsoft.com/office/drawing/2010/main" val="0"/>
@@ -5277,7 +5339,7 @@
           <p:nvPr/>
         </p:nvPicPr>
         <p:blipFill>
-          <a:blip r:embed="rId7" cstate="print">
+          <a:blip r:embed="rId9" cstate="print">
             <a:extLst>
               <a:ext uri="{28A0092B-C50C-407E-A947-70E740481C1C}">
                 <a14:useLocalDpi xmlns:a14="http://schemas.microsoft.com/office/drawing/2010/main" val="0"/>
@@ -5312,88 +5374,6 @@
       <p:pic>
         <p:nvPicPr>
           <p:cNvPr id="2054" name="Picture 6" descr="https://fr3fou.me/sql.791c4516.png"/>
-          <p:cNvPicPr>
-            <a:picLocks noChangeAspect="1" noChangeArrowheads="1"/>
-          </p:cNvPicPr>
-          <p:nvPr/>
-        </p:nvPicPr>
-        <p:blipFill>
-          <a:blip r:embed="rId8" cstate="print">
-            <a:extLst>
-              <a:ext uri="{28A0092B-C50C-407E-A947-70E740481C1C}">
-                <a14:useLocalDpi xmlns:a14="http://schemas.microsoft.com/office/drawing/2010/main" val="0"/>
-              </a:ext>
-            </a:extLst>
-          </a:blip>
-          <a:srcRect/>
-          <a:stretch>
-            <a:fillRect/>
-          </a:stretch>
-        </p:blipFill>
-        <p:spPr bwMode="auto">
-          <a:xfrm rot="1196916">
-            <a:off x="3364316" y="5372210"/>
-            <a:ext cx="1303284" cy="1303284"/>
-          </a:xfrm>
-          <a:prstGeom prst="rect">
-            <a:avLst/>
-          </a:prstGeom>
-          <a:noFill/>
-          <a:extLst>
-            <a:ext uri="{909E8E84-426E-40DD-AFC4-6F175D3DCCD1}">
-              <a14:hiddenFill xmlns:a14="http://schemas.microsoft.com/office/drawing/2010/main">
-                <a:solidFill>
-                  <a:srgbClr val="FFFFFF"/>
-                </a:solidFill>
-              </a14:hiddenFill>
-            </a:ext>
-          </a:extLst>
-        </p:spPr>
-      </p:pic>
-      <p:pic>
-        <p:nvPicPr>
-          <p:cNvPr id="2056" name="Picture 8" descr="https://fr3fou.me/ts.84b20c6a.png"/>
-          <p:cNvPicPr>
-            <a:picLocks noChangeAspect="1" noChangeArrowheads="1"/>
-          </p:cNvPicPr>
-          <p:nvPr/>
-        </p:nvPicPr>
-        <p:blipFill>
-          <a:blip r:embed="rId9" cstate="print">
-            <a:extLst>
-              <a:ext uri="{28A0092B-C50C-407E-A947-70E740481C1C}">
-                <a14:useLocalDpi xmlns:a14="http://schemas.microsoft.com/office/drawing/2010/main" val="0"/>
-              </a:ext>
-            </a:extLst>
-          </a:blip>
-          <a:srcRect/>
-          <a:stretch>
-            <a:fillRect/>
-          </a:stretch>
-        </p:blipFill>
-        <p:spPr bwMode="auto">
-          <a:xfrm rot="821097">
-            <a:off x="5247748" y="5441372"/>
-            <a:ext cx="1063187" cy="1063187"/>
-          </a:xfrm>
-          <a:prstGeom prst="rect">
-            <a:avLst/>
-          </a:prstGeom>
-          <a:noFill/>
-          <a:extLst>
-            <a:ext uri="{909E8E84-426E-40DD-AFC4-6F175D3DCCD1}">
-              <a14:hiddenFill xmlns:a14="http://schemas.microsoft.com/office/drawing/2010/main">
-                <a:solidFill>
-                  <a:srgbClr val="FFFFFF"/>
-                </a:solidFill>
-              </a14:hiddenFill>
-            </a:ext>
-          </a:extLst>
-        </p:spPr>
-      </p:pic>
-      <p:pic>
-        <p:nvPicPr>
-          <p:cNvPr id="2058" name="Picture 10" descr="Image result for redis"/>
           <p:cNvPicPr>
             <a:picLocks noChangeAspect="1" noChangeArrowheads="1"/>
           </p:cNvPicPr>
@@ -5413,9 +5393,9 @@
           </a:stretch>
         </p:blipFill>
         <p:spPr bwMode="auto">
-          <a:xfrm rot="19342459">
-            <a:off x="8361232" y="4930487"/>
-            <a:ext cx="1526921" cy="1360091"/>
+          <a:xfrm rot="1196916">
+            <a:off x="3364316" y="5372210"/>
+            <a:ext cx="1303284" cy="1303284"/>
           </a:xfrm>
           <a:prstGeom prst="rect">
             <a:avLst/>
@@ -5434,7 +5414,7 @@
       </p:pic>
       <p:pic>
         <p:nvPicPr>
-          <p:cNvPr id="2062" name="Picture 14" descr="Related image"/>
+          <p:cNvPr id="2056" name="Picture 8" descr="https://fr3fou.me/ts.84b20c6a.png"/>
           <p:cNvPicPr>
             <a:picLocks noChangeAspect="1" noChangeArrowheads="1"/>
           </p:cNvPicPr>
@@ -5454,9 +5434,9 @@
           </a:stretch>
         </p:blipFill>
         <p:spPr bwMode="auto">
-          <a:xfrm rot="20423972">
-            <a:off x="2206765" y="2132019"/>
-            <a:ext cx="1735313" cy="1735313"/>
+          <a:xfrm rot="821097">
+            <a:off x="5247748" y="5441372"/>
+            <a:ext cx="1063187" cy="1063187"/>
           </a:xfrm>
           <a:prstGeom prst="rect">
             <a:avLst/>
@@ -5475,7 +5455,7 @@
       </p:pic>
       <p:pic>
         <p:nvPicPr>
-          <p:cNvPr id="2064" name="Picture 16" descr="Image result for styled components"/>
+          <p:cNvPr id="2058" name="Picture 10" descr="Image result for redis"/>
           <p:cNvPicPr>
             <a:picLocks noChangeAspect="1" noChangeArrowheads="1"/>
           </p:cNvPicPr>
@@ -5495,9 +5475,9 @@
           </a:stretch>
         </p:blipFill>
         <p:spPr bwMode="auto">
-          <a:xfrm rot="20008034">
-            <a:off x="8304578" y="2610034"/>
-            <a:ext cx="1246742" cy="1246742"/>
+          <a:xfrm rot="20391405">
+            <a:off x="8309286" y="4843683"/>
+            <a:ext cx="1526921" cy="1360091"/>
           </a:xfrm>
           <a:prstGeom prst="rect">
             <a:avLst/>
@@ -5516,7 +5496,7 @@
       </p:pic>
       <p:pic>
         <p:nvPicPr>
-          <p:cNvPr id="2066" name="Picture 18" descr="Related image"/>
+          <p:cNvPr id="2062" name="Picture 14" descr="Related image"/>
           <p:cNvPicPr>
             <a:picLocks noChangeAspect="1" noChangeArrowheads="1"/>
           </p:cNvPicPr>
@@ -5536,9 +5516,9 @@
           </a:stretch>
         </p:blipFill>
         <p:spPr bwMode="auto">
-          <a:xfrm rot="1567586">
-            <a:off x="9942219" y="1822107"/>
-            <a:ext cx="1279482" cy="1391253"/>
+          <a:xfrm rot="20423972">
+            <a:off x="2032993" y="1900557"/>
+            <a:ext cx="1735313" cy="1735313"/>
           </a:xfrm>
           <a:prstGeom prst="rect">
             <a:avLst/>
@@ -5557,7 +5537,7 @@
       </p:pic>
       <p:pic>
         <p:nvPicPr>
-          <p:cNvPr id="2074" name="Picture 26" descr="Related image"/>
+          <p:cNvPr id="2064" name="Picture 16" descr="Image result for styled components"/>
           <p:cNvPicPr>
             <a:picLocks noChangeAspect="1" noChangeArrowheads="1"/>
           </p:cNvPicPr>
@@ -5577,9 +5557,9 @@
           </a:stretch>
         </p:blipFill>
         <p:spPr bwMode="auto">
-          <a:xfrm rot="952502">
-            <a:off x="276543" y="5229673"/>
-            <a:ext cx="1685665" cy="1264249"/>
+          <a:xfrm rot="968629">
+            <a:off x="1976749" y="4317207"/>
+            <a:ext cx="1246742" cy="1246742"/>
           </a:xfrm>
           <a:prstGeom prst="rect">
             <a:avLst/>
@@ -5598,7 +5578,7 @@
       </p:pic>
       <p:pic>
         <p:nvPicPr>
-          <p:cNvPr id="2076" name="Picture 28" descr="Related image"/>
+          <p:cNvPr id="2066" name="Picture 18" descr="Related image"/>
           <p:cNvPicPr>
             <a:picLocks noChangeAspect="1" noChangeArrowheads="1"/>
           </p:cNvPicPr>
@@ -5618,9 +5598,9 @@
           </a:stretch>
         </p:blipFill>
         <p:spPr bwMode="auto">
-          <a:xfrm rot="1858604">
-            <a:off x="3074037" y="3190781"/>
-            <a:ext cx="3285859" cy="2262188"/>
+          <a:xfrm rot="1567586">
+            <a:off x="9942219" y="1822107"/>
+            <a:ext cx="1279482" cy="1391253"/>
           </a:xfrm>
           <a:prstGeom prst="rect">
             <a:avLst/>
@@ -5639,7 +5619,7 @@
       </p:pic>
       <p:pic>
         <p:nvPicPr>
-          <p:cNvPr id="2078" name="Picture 30" descr="Image result for k8s"/>
+          <p:cNvPr id="2074" name="Picture 26" descr="Related image"/>
           <p:cNvPicPr>
             <a:picLocks noChangeAspect="1" noChangeArrowheads="1"/>
           </p:cNvPicPr>
@@ -5659,9 +5639,9 @@
           </a:stretch>
         </p:blipFill>
         <p:spPr bwMode="auto">
-          <a:xfrm rot="19180690">
-            <a:off x="6155726" y="1892039"/>
-            <a:ext cx="1540504" cy="1494289"/>
+          <a:xfrm rot="952502">
+            <a:off x="276543" y="5229673"/>
+            <a:ext cx="1685665" cy="1264249"/>
           </a:xfrm>
           <a:prstGeom prst="rect">
             <a:avLst/>
@@ -5680,7 +5660,7 @@
       </p:pic>
       <p:pic>
         <p:nvPicPr>
-          <p:cNvPr id="2080" name="Picture 32" descr="Image result for nginx"/>
+          <p:cNvPr id="2076" name="Picture 28" descr="Related image"/>
           <p:cNvPicPr>
             <a:picLocks noChangeAspect="1" noChangeArrowheads="1"/>
           </p:cNvPicPr>
@@ -5700,9 +5680,9 @@
           </a:stretch>
         </p:blipFill>
         <p:spPr bwMode="auto">
-          <a:xfrm rot="19168276">
-            <a:off x="10061771" y="3864797"/>
-            <a:ext cx="1126269" cy="1126269"/>
+          <a:xfrm rot="1858604">
+            <a:off x="3292277" y="3204822"/>
+            <a:ext cx="3285859" cy="2262188"/>
           </a:xfrm>
           <a:prstGeom prst="rect">
             <a:avLst/>
@@ -5721,7 +5701,7 @@
       </p:pic>
       <p:pic>
         <p:nvPicPr>
-          <p:cNvPr id="2082" name="Picture 34" descr="Image result for passport.js"/>
+          <p:cNvPr id="2078" name="Picture 30" descr="Image result for k8s"/>
           <p:cNvPicPr>
             <a:picLocks noChangeAspect="1" noChangeArrowheads="1"/>
           </p:cNvPicPr>
@@ -5741,9 +5721,9 @@
           </a:stretch>
         </p:blipFill>
         <p:spPr bwMode="auto">
-          <a:xfrm rot="20273716">
-            <a:off x="2096178" y="4289626"/>
-            <a:ext cx="1198868" cy="1198868"/>
+          <a:xfrm rot="19180690">
+            <a:off x="6155726" y="1892039"/>
+            <a:ext cx="1540504" cy="1494289"/>
           </a:xfrm>
           <a:prstGeom prst="rect">
             <a:avLst/>
@@ -5762,7 +5742,7 @@
       </p:pic>
       <p:pic>
         <p:nvPicPr>
-          <p:cNvPr id="1026" name="Picture 2" descr="Image result for JEST"/>
+          <p:cNvPr id="2080" name="Picture 32" descr="Image result for nginx"/>
           <p:cNvPicPr>
             <a:picLocks noChangeAspect="1" noChangeArrowheads="1"/>
           </p:cNvPicPr>
@@ -5782,9 +5762,9 @@
           </a:stretch>
         </p:blipFill>
         <p:spPr bwMode="auto">
-          <a:xfrm rot="19760663">
-            <a:off x="6432986" y="3887046"/>
-            <a:ext cx="1024089" cy="1024089"/>
+          <a:xfrm rot="19168276">
+            <a:off x="10061771" y="3864797"/>
+            <a:ext cx="1126269" cy="1126269"/>
           </a:xfrm>
           <a:prstGeom prst="rect">
             <a:avLst/>
@@ -5803,7 +5783,7 @@
       </p:pic>
       <p:pic>
         <p:nvPicPr>
-          <p:cNvPr id="1028" name="Picture 4" descr="Related image"/>
+          <p:cNvPr id="2082" name="Picture 34" descr="Image result for passport.js"/>
           <p:cNvPicPr>
             <a:picLocks noChangeAspect="1" noChangeArrowheads="1"/>
           </p:cNvPicPr>
@@ -5823,9 +5803,9 @@
           </a:stretch>
         </p:blipFill>
         <p:spPr bwMode="auto">
-          <a:xfrm rot="20588820">
-            <a:off x="6757731" y="5193422"/>
-            <a:ext cx="1279343" cy="1279343"/>
+          <a:xfrm rot="20273716">
+            <a:off x="8160309" y="2771769"/>
+            <a:ext cx="1198868" cy="1198868"/>
           </a:xfrm>
           <a:prstGeom prst="rect">
             <a:avLst/>
@@ -5844,6 +5824,88 @@
       </p:pic>
       <p:pic>
         <p:nvPicPr>
+          <p:cNvPr id="1026" name="Picture 2" descr="Image result for JEST"/>
+          <p:cNvPicPr>
+            <a:picLocks noChangeAspect="1" noChangeArrowheads="1"/>
+          </p:cNvPicPr>
+          <p:nvPr/>
+        </p:nvPicPr>
+        <p:blipFill>
+          <a:blip r:embed="rId21" cstate="print">
+            <a:extLst>
+              <a:ext uri="{28A0092B-C50C-407E-A947-70E740481C1C}">
+                <a14:useLocalDpi xmlns:a14="http://schemas.microsoft.com/office/drawing/2010/main" val="0"/>
+              </a:ext>
+            </a:extLst>
+          </a:blip>
+          <a:srcRect/>
+          <a:stretch>
+            <a:fillRect/>
+          </a:stretch>
+        </p:blipFill>
+        <p:spPr bwMode="auto">
+          <a:xfrm rot="19760663">
+            <a:off x="6575974" y="4117089"/>
+            <a:ext cx="1024089" cy="1024089"/>
+          </a:xfrm>
+          <a:prstGeom prst="rect">
+            <a:avLst/>
+          </a:prstGeom>
+          <a:noFill/>
+          <a:extLst>
+            <a:ext uri="{909E8E84-426E-40DD-AFC4-6F175D3DCCD1}">
+              <a14:hiddenFill xmlns:a14="http://schemas.microsoft.com/office/drawing/2010/main">
+                <a:solidFill>
+                  <a:srgbClr val="FFFFFF"/>
+                </a:solidFill>
+              </a14:hiddenFill>
+            </a:ext>
+          </a:extLst>
+        </p:spPr>
+      </p:pic>
+      <p:pic>
+        <p:nvPicPr>
+          <p:cNvPr id="1028" name="Picture 4" descr="Related image"/>
+          <p:cNvPicPr>
+            <a:picLocks noChangeAspect="1" noChangeArrowheads="1"/>
+          </p:cNvPicPr>
+          <p:nvPr/>
+        </p:nvPicPr>
+        <p:blipFill>
+          <a:blip r:embed="rId22" cstate="print">
+            <a:extLst>
+              <a:ext uri="{28A0092B-C50C-407E-A947-70E740481C1C}">
+                <a14:useLocalDpi xmlns:a14="http://schemas.microsoft.com/office/drawing/2010/main" val="0"/>
+              </a:ext>
+            </a:extLst>
+          </a:blip>
+          <a:srcRect/>
+          <a:stretch>
+            <a:fillRect/>
+          </a:stretch>
+        </p:blipFill>
+        <p:spPr bwMode="auto">
+          <a:xfrm rot="20588820">
+            <a:off x="6723645" y="5333293"/>
+            <a:ext cx="1279343" cy="1279343"/>
+          </a:xfrm>
+          <a:prstGeom prst="rect">
+            <a:avLst/>
+          </a:prstGeom>
+          <a:noFill/>
+          <a:extLst>
+            <a:ext uri="{909E8E84-426E-40DD-AFC4-6F175D3DCCD1}">
+              <a14:hiddenFill xmlns:a14="http://schemas.microsoft.com/office/drawing/2010/main">
+                <a:solidFill>
+                  <a:srgbClr val="FFFFFF"/>
+                </a:solidFill>
+              </a14:hiddenFill>
+            </a:ext>
+          </a:extLst>
+        </p:spPr>
+      </p:pic>
+      <p:pic>
+        <p:nvPicPr>
           <p:cNvPr id="1030" name="Picture 6" descr="Image result for babel js"/>
           <p:cNvPicPr>
             <a:picLocks noChangeAspect="1" noChangeArrowheads="1"/>
@@ -5851,7 +5913,7 @@
           <p:nvPr/>
         </p:nvPicPr>
         <p:blipFill>
-          <a:blip r:embed="rId21" cstate="print">
+          <a:blip r:embed="rId23" cstate="print">
             <a:extLst>
               <a:ext uri="{28A0092B-C50C-407E-A947-70E740481C1C}">
                 <a14:useLocalDpi xmlns:a14="http://schemas.microsoft.com/office/drawing/2010/main" val="0"/>
@@ -6187,23 +6249,19 @@
           <a:prstGeom prst="roundRect">
             <a:avLst/>
           </a:prstGeom>
-          <a:gradFill>
-            <a:gsLst>
-              <a:gs pos="100000">
-                <a:srgbClr val="EA6984"/>
-              </a:gs>
-              <a:gs pos="0">
-                <a:srgbClr val="D56AA0"/>
-              </a:gs>
-            </a:gsLst>
-            <a:lin ang="13500000" scaled="1"/>
-          </a:gradFill>
+          <a:noFill/>
           <a:ln w="57150">
-            <a:solidFill>
-              <a:srgbClr val="EA6984">
-                <a:alpha val="55000"/>
-              </a:srgbClr>
-            </a:solidFill>
+            <a:gradFill>
+              <a:gsLst>
+                <a:gs pos="0">
+                  <a:srgbClr val="D56AA0"/>
+                </a:gs>
+                <a:gs pos="100000">
+                  <a:srgbClr val="EA6984"/>
+                </a:gs>
+              </a:gsLst>
+              <a:lin ang="13500000" scaled="0"/>
+            </a:gradFill>
           </a:ln>
         </p:spPr>
         <p:style>
@@ -6245,23 +6303,23 @@
           <a:prstGeom prst="roundRect">
             <a:avLst/>
           </a:prstGeom>
-          <a:gradFill>
-            <a:gsLst>
-              <a:gs pos="100000">
-                <a:srgbClr val="EA6984"/>
-              </a:gs>
-              <a:gs pos="0">
-                <a:srgbClr val="D56AA0"/>
-              </a:gs>
-            </a:gsLst>
-            <a:lin ang="13500000" scaled="1"/>
-          </a:gradFill>
+          <a:solidFill>
+            <a:schemeClr val="bg1">
+              <a:alpha val="30000"/>
+            </a:schemeClr>
+          </a:solidFill>
           <a:ln w="57150">
-            <a:solidFill>
-              <a:srgbClr val="EA6984">
-                <a:alpha val="55000"/>
-              </a:srgbClr>
-            </a:solidFill>
+            <a:gradFill>
+              <a:gsLst>
+                <a:gs pos="100000">
+                  <a:srgbClr val="EA6984"/>
+                </a:gs>
+                <a:gs pos="0">
+                  <a:srgbClr val="D56AA0"/>
+                </a:gs>
+              </a:gsLst>
+              <a:lin ang="13500000" scaled="0"/>
+            </a:gradFill>
           </a:ln>
         </p:spPr>
         <p:style>
@@ -6303,23 +6361,19 @@
           <a:prstGeom prst="roundRect">
             <a:avLst/>
           </a:prstGeom>
-          <a:gradFill>
-            <a:gsLst>
-              <a:gs pos="100000">
-                <a:srgbClr val="EA6984"/>
-              </a:gs>
-              <a:gs pos="0">
-                <a:srgbClr val="D56AA0"/>
-              </a:gs>
-            </a:gsLst>
-            <a:lin ang="13500000" scaled="1"/>
-          </a:gradFill>
+          <a:noFill/>
           <a:ln w="57150">
-            <a:solidFill>
-              <a:srgbClr val="EA6984">
-                <a:alpha val="55000"/>
-              </a:srgbClr>
-            </a:solidFill>
+            <a:gradFill>
+              <a:gsLst>
+                <a:gs pos="0">
+                  <a:srgbClr val="D56AA0"/>
+                </a:gs>
+                <a:gs pos="100000">
+                  <a:srgbClr val="EA6984"/>
+                </a:gs>
+              </a:gsLst>
+              <a:lin ang="13500000" scaled="0"/>
+            </a:gradFill>
           </a:ln>
         </p:spPr>
         <p:style>
@@ -6361,23 +6415,19 @@
           <a:prstGeom prst="roundRect">
             <a:avLst/>
           </a:prstGeom>
-          <a:gradFill>
-            <a:gsLst>
-              <a:gs pos="100000">
-                <a:srgbClr val="EA6984"/>
-              </a:gs>
-              <a:gs pos="0">
-                <a:srgbClr val="D56AA0"/>
-              </a:gs>
-            </a:gsLst>
-            <a:lin ang="13500000" scaled="1"/>
-          </a:gradFill>
+          <a:noFill/>
           <a:ln w="57150">
-            <a:solidFill>
-              <a:srgbClr val="EA6984">
-                <a:alpha val="55000"/>
-              </a:srgbClr>
-            </a:solidFill>
+            <a:gradFill>
+              <a:gsLst>
+                <a:gs pos="0">
+                  <a:srgbClr val="D56AA0"/>
+                </a:gs>
+                <a:gs pos="100000">
+                  <a:srgbClr val="EA6984"/>
+                </a:gs>
+              </a:gsLst>
+              <a:lin ang="13500000" scaled="0"/>
+            </a:gradFill>
           </a:ln>
         </p:spPr>
         <p:style>
@@ -7946,7 +7996,7 @@
             <p:nvPr/>
           </p:nvPicPr>
           <p:blipFill>
-            <a:blip r:embed="rId10" cstate="print">
+            <a:blip r:embed="rId21" cstate="print">
               <a:extLst>
                 <a:ext uri="{28A0092B-C50C-407E-A947-70E740481C1C}">
                   <a14:useLocalDpi xmlns:a14="http://schemas.microsoft.com/office/drawing/2010/main" val="0"/>
@@ -8028,7 +8078,7 @@
             <p:nvPr/>
           </p:nvPicPr>
           <p:blipFill>
-            <a:blip r:embed="rId21" cstate="print">
+            <a:blip r:embed="rId22" cstate="print">
               <a:extLst>
                 <a:ext uri="{28A0092B-C50C-407E-A947-70E740481C1C}">
                   <a14:useLocalDpi xmlns:a14="http://schemas.microsoft.com/office/drawing/2010/main" val="0"/>
@@ -8069,7 +8119,7 @@
             <p:nvPr/>
           </p:nvPicPr>
           <p:blipFill>
-            <a:blip r:embed="rId22" cstate="print">
+            <a:blip r:embed="rId23" cstate="print">
               <a:extLst>
                 <a:ext uri="{28A0092B-C50C-407E-A947-70E740481C1C}">
                   <a14:useLocalDpi xmlns:a14="http://schemas.microsoft.com/office/drawing/2010/main" val="0"/>
@@ -8110,7 +8160,7 @@
             <p:nvPr/>
           </p:nvPicPr>
           <p:blipFill>
-            <a:blip r:embed="rId23" cstate="print">
+            <a:blip r:embed="rId24" cstate="print">
               <a:extLst>
                 <a:ext uri="{28A0092B-C50C-407E-A947-70E740481C1C}">
                   <a14:useLocalDpi xmlns:a14="http://schemas.microsoft.com/office/drawing/2010/main" val="0"/>
@@ -8151,7 +8201,7 @@
             <p:nvPr/>
           </p:nvPicPr>
           <p:blipFill>
-            <a:blip r:embed="rId24" cstate="print">
+            <a:blip r:embed="rId25" cstate="print">
               <a:extLst>
                 <a:ext uri="{28A0092B-C50C-407E-A947-70E740481C1C}">
                   <a14:useLocalDpi xmlns:a14="http://schemas.microsoft.com/office/drawing/2010/main" val="0"/>
@@ -8192,7 +8242,7 @@
             <p:nvPr/>
           </p:nvPicPr>
           <p:blipFill>
-            <a:blip r:embed="rId25" cstate="print">
+            <a:blip r:embed="rId26" cstate="print">
               <a:extLst>
                 <a:ext uri="{28A0092B-C50C-407E-A947-70E740481C1C}">
                   <a14:useLocalDpi xmlns:a14="http://schemas.microsoft.com/office/drawing/2010/main" val="0"/>
@@ -8233,7 +8283,7 @@
             <p:nvPr/>
           </p:nvPicPr>
           <p:blipFill>
-            <a:blip r:embed="rId26" cstate="print">
+            <a:blip r:embed="rId27" cstate="print">
               <a:extLst>
                 <a:ext uri="{28A0092B-C50C-407E-A947-70E740481C1C}">
                   <a14:useLocalDpi xmlns:a14="http://schemas.microsoft.com/office/drawing/2010/main" val="0"/>
@@ -8274,7 +8324,7 @@
             <p:nvPr/>
           </p:nvPicPr>
           <p:blipFill>
-            <a:blip r:embed="rId27" cstate="print">
+            <a:blip r:embed="rId28" cstate="print">
               <a:extLst>
                 <a:ext uri="{28A0092B-C50C-407E-A947-70E740481C1C}">
                   <a14:useLocalDpi xmlns:a14="http://schemas.microsoft.com/office/drawing/2010/main" val="0"/>
@@ -8315,7 +8365,7 @@
             <p:nvPr/>
           </p:nvPicPr>
           <p:blipFill>
-            <a:blip r:embed="rId28" cstate="print">
+            <a:blip r:embed="rId29" cstate="print">
               <a:extLst>
                 <a:ext uri="{28A0092B-C50C-407E-A947-70E740481C1C}">
                   <a14:useLocalDpi xmlns:a14="http://schemas.microsoft.com/office/drawing/2010/main" val="0"/>
@@ -8546,11 +8596,11 @@
   <p:clrMapOvr>
     <a:masterClrMapping/>
   </p:clrMapOvr>
-  <mc:AlternateContent xmlns:mc="http://schemas.openxmlformats.org/markup-compatibility/2006">
-    <mc:Choice xmlns:p14="http://schemas.microsoft.com/office/powerpoint/2010/main" Requires="p14">
+  <mc:AlternateContent xmlns:mc="http://schemas.openxmlformats.org/markup-compatibility/2006" xmlns:p14="http://schemas.microsoft.com/office/powerpoint/2010/main">
+    <mc:Choice Requires="p14">
       <p:transition p14:dur="10"/>
     </mc:Choice>
-    <mc:Fallback>
+    <mc:Fallback xmlns="">
       <p:transition/>
     </mc:Fallback>
   </mc:AlternateContent>
@@ -9185,6 +9235,941 @@
                 <a:tileRect/>
               </a:gradFill>
               <a:latin typeface="Nunito Black" panose="00000A00000000000000" pitchFamily="2" charset="0"/>
+            </a:endParaRPr>
+          </a:p>
+        </p:txBody>
+      </p:sp>
+      <p:sp>
+        <p:nvSpPr>
+          <p:cNvPr id="15" name="Rounded Rectangle 14"/>
+          <p:cNvSpPr/>
+          <p:nvPr/>
+        </p:nvSpPr>
+        <p:spPr>
+          <a:xfrm>
+            <a:off x="7249815" y="1857618"/>
+            <a:ext cx="2591108" cy="4064285"/>
+          </a:xfrm>
+          <a:prstGeom prst="roundRect">
+            <a:avLst>
+              <a:gd name="adj" fmla="val 13601"/>
+            </a:avLst>
+          </a:prstGeom>
+          <a:solidFill>
+            <a:schemeClr val="bg1"/>
+          </a:solidFill>
+          <a:ln>
+            <a:noFill/>
+          </a:ln>
+          <a:effectLst>
+            <a:outerShdw blurRad="469900" sx="103000" sy="103000" algn="t" rotWithShape="0">
+              <a:prstClr val="black">
+                <a:alpha val="10000"/>
+              </a:prstClr>
+            </a:outerShdw>
+          </a:effectLst>
+        </p:spPr>
+        <p:style>
+          <a:lnRef idx="2">
+            <a:schemeClr val="accent1">
+              <a:shade val="50000"/>
+            </a:schemeClr>
+          </a:lnRef>
+          <a:fillRef idx="1">
+            <a:schemeClr val="accent1"/>
+          </a:fillRef>
+          <a:effectRef idx="0">
+            <a:schemeClr val="accent1"/>
+          </a:effectRef>
+          <a:fontRef idx="minor">
+            <a:schemeClr val="lt1"/>
+          </a:fontRef>
+        </p:style>
+        <p:txBody>
+          <a:bodyPr rtlCol="0" anchor="ctr"/>
+          <a:lstStyle/>
+          <a:p>
+            <a:pPr algn="ctr"/>
+            <a:endParaRPr lang="en-GB"/>
+          </a:p>
+        </p:txBody>
+      </p:sp>
+      <p:sp>
+        <p:nvSpPr>
+          <p:cNvPr id="23" name="TextBox 22"/>
+          <p:cNvSpPr txBox="1"/>
+          <p:nvPr/>
+        </p:nvSpPr>
+        <p:spPr>
+          <a:xfrm>
+            <a:off x="7363826" y="2533569"/>
+            <a:ext cx="2363086" cy="769441"/>
+          </a:xfrm>
+          <a:prstGeom prst="rect">
+            <a:avLst/>
+          </a:prstGeom>
+          <a:noFill/>
+        </p:spPr>
+        <p:txBody>
+          <a:bodyPr wrap="square" rtlCol="0">
+            <a:spAutoFit/>
+          </a:bodyPr>
+          <a:lstStyle/>
+          <a:p>
+            <a:r>
+              <a:rPr lang="en-GB" sz="4400" b="1" baseline="30000" dirty="0" smtClean="0">
+                <a:latin typeface="Nunito Black" panose="00000A00000000000000" pitchFamily="2" charset="0"/>
+              </a:rPr>
+              <a:t>$ </a:t>
+            </a:r>
+            <a:r>
+              <a:rPr lang="en-GB" sz="4400" b="1" dirty="0" smtClean="0">
+                <a:latin typeface="Nunito Black" panose="00000A00000000000000" pitchFamily="2" charset="0"/>
+              </a:rPr>
+              <a:t>149.99</a:t>
+            </a:r>
+            <a:endParaRPr lang="en-GB" sz="4400" b="1" baseline="30000" dirty="0">
+              <a:latin typeface="Nunito Black" panose="00000A00000000000000" pitchFamily="2" charset="0"/>
+            </a:endParaRPr>
+          </a:p>
+        </p:txBody>
+      </p:sp>
+      <p:sp>
+        <p:nvSpPr>
+          <p:cNvPr id="25" name="TextBox 24"/>
+          <p:cNvSpPr txBox="1"/>
+          <p:nvPr/>
+        </p:nvSpPr>
+        <p:spPr>
+          <a:xfrm>
+            <a:off x="7878028" y="3187053"/>
+            <a:ext cx="1334681" cy="369332"/>
+          </a:xfrm>
+          <a:prstGeom prst="rect">
+            <a:avLst/>
+          </a:prstGeom>
+          <a:noFill/>
+        </p:spPr>
+        <p:txBody>
+          <a:bodyPr wrap="square" rtlCol="0">
+            <a:spAutoFit/>
+          </a:bodyPr>
+          <a:lstStyle/>
+          <a:p>
+            <a:r>
+              <a:rPr lang="en-GB" dirty="0" smtClean="0">
+                <a:solidFill>
+                  <a:schemeClr val="bg1">
+                    <a:lumMod val="65000"/>
+                  </a:schemeClr>
+                </a:solidFill>
+                <a:latin typeface="Nunito Black" panose="00000A00000000000000" pitchFamily="2" charset="0"/>
+              </a:rPr>
+              <a:t>per month</a:t>
+            </a:r>
+            <a:endParaRPr lang="en-GB" dirty="0">
+              <a:solidFill>
+                <a:schemeClr val="bg1">
+                  <a:lumMod val="65000"/>
+                </a:schemeClr>
+              </a:solidFill>
+              <a:latin typeface="Nunito Black" panose="00000A00000000000000" pitchFamily="2" charset="0"/>
+            </a:endParaRPr>
+          </a:p>
+        </p:txBody>
+      </p:sp>
+      <p:cxnSp>
+        <p:nvCxnSpPr>
+          <p:cNvPr id="28" name="Straight Connector 27"/>
+          <p:cNvCxnSpPr/>
+          <p:nvPr/>
+        </p:nvCxnSpPr>
+        <p:spPr>
+          <a:xfrm>
+            <a:off x="7737584" y="3714619"/>
+            <a:ext cx="1762125" cy="0"/>
+          </a:xfrm>
+          <a:prstGeom prst="line">
+            <a:avLst/>
+          </a:prstGeom>
+          <a:ln w="3175">
+            <a:solidFill>
+              <a:schemeClr val="bg1">
+                <a:lumMod val="75000"/>
+                <a:alpha val="50000"/>
+              </a:schemeClr>
+            </a:solidFill>
+          </a:ln>
+        </p:spPr>
+        <p:style>
+          <a:lnRef idx="1">
+            <a:schemeClr val="accent1"/>
+          </a:lnRef>
+          <a:fillRef idx="0">
+            <a:schemeClr val="accent1"/>
+          </a:fillRef>
+          <a:effectRef idx="0">
+            <a:schemeClr val="accent1"/>
+          </a:effectRef>
+          <a:fontRef idx="minor">
+            <a:schemeClr val="tx1"/>
+          </a:fontRef>
+        </p:style>
+      </p:cxnSp>
+      <p:grpSp>
+        <p:nvGrpSpPr>
+          <p:cNvPr id="44" name="Group 43"/>
+          <p:cNvGrpSpPr/>
+          <p:nvPr/>
+        </p:nvGrpSpPr>
+        <p:grpSpPr>
+          <a:xfrm>
+            <a:off x="2523641" y="1857618"/>
+            <a:ext cx="2591108" cy="4064285"/>
+            <a:chOff x="2680659" y="1913900"/>
+            <a:chExt cx="2591108" cy="4064285"/>
+          </a:xfrm>
+        </p:grpSpPr>
+        <p:sp>
+          <p:nvSpPr>
+            <p:cNvPr id="4" name="Rounded Rectangle 3"/>
+            <p:cNvSpPr/>
+            <p:nvPr/>
+          </p:nvSpPr>
+          <p:spPr>
+            <a:xfrm>
+              <a:off x="2680659" y="1913900"/>
+              <a:ext cx="2591108" cy="4064285"/>
+            </a:xfrm>
+            <a:prstGeom prst="roundRect">
+              <a:avLst>
+                <a:gd name="adj" fmla="val 13601"/>
+              </a:avLst>
+            </a:prstGeom>
+            <a:solidFill>
+              <a:schemeClr val="bg1"/>
+            </a:solidFill>
+            <a:ln>
+              <a:noFill/>
+            </a:ln>
+            <a:effectLst>
+              <a:outerShdw blurRad="469900" sx="103000" sy="103000" algn="t" rotWithShape="0">
+                <a:prstClr val="black">
+                  <a:alpha val="10000"/>
+                </a:prstClr>
+              </a:outerShdw>
+            </a:effectLst>
+          </p:spPr>
+          <p:style>
+            <a:lnRef idx="2">
+              <a:schemeClr val="accent1">
+                <a:shade val="50000"/>
+              </a:schemeClr>
+            </a:lnRef>
+            <a:fillRef idx="1">
+              <a:schemeClr val="accent1"/>
+            </a:fillRef>
+            <a:effectRef idx="0">
+              <a:schemeClr val="accent1"/>
+            </a:effectRef>
+            <a:fontRef idx="minor">
+              <a:schemeClr val="lt1"/>
+            </a:fontRef>
+          </p:style>
+          <p:txBody>
+            <a:bodyPr rtlCol="0" anchor="ctr"/>
+            <a:lstStyle/>
+            <a:p>
+              <a:pPr algn="ctr"/>
+              <a:endParaRPr lang="en-GB"/>
+            </a:p>
+          </p:txBody>
+        </p:sp>
+        <p:sp>
+          <p:nvSpPr>
+            <p:cNvPr id="22" name="TextBox 21"/>
+            <p:cNvSpPr txBox="1"/>
+            <p:nvPr/>
+          </p:nvSpPr>
+          <p:spPr>
+            <a:xfrm>
+              <a:off x="2908680" y="2615763"/>
+              <a:ext cx="2135066" cy="707886"/>
+            </a:xfrm>
+            <a:prstGeom prst="rect">
+              <a:avLst/>
+            </a:prstGeom>
+            <a:noFill/>
+          </p:spPr>
+          <p:txBody>
+            <a:bodyPr wrap="square" rtlCol="0">
+              <a:spAutoFit/>
+            </a:bodyPr>
+            <a:lstStyle/>
+            <a:p>
+              <a:r>
+                <a:rPr lang="en-GB" sz="4000" b="1" baseline="30000" dirty="0" smtClean="0">
+                  <a:latin typeface="Nunito Black" panose="00000A00000000000000" pitchFamily="2" charset="0"/>
+                </a:rPr>
+                <a:t>$ </a:t>
+              </a:r>
+              <a:r>
+                <a:rPr lang="en-GB" sz="4000" b="1" dirty="0" smtClean="0">
+                  <a:latin typeface="Nunito Black" panose="00000A00000000000000" pitchFamily="2" charset="0"/>
+                </a:rPr>
+                <a:t>39.99</a:t>
+              </a:r>
+              <a:endParaRPr lang="en-GB" sz="4000" b="1" baseline="30000" dirty="0">
+                <a:latin typeface="Nunito Black" panose="00000A00000000000000" pitchFamily="2" charset="0"/>
+              </a:endParaRPr>
+            </a:p>
+          </p:txBody>
+        </p:sp>
+        <p:sp>
+          <p:nvSpPr>
+            <p:cNvPr id="6" name="TextBox 5"/>
+            <p:cNvSpPr txBox="1"/>
+            <p:nvPr/>
+          </p:nvSpPr>
+          <p:spPr>
+            <a:xfrm>
+              <a:off x="3292280" y="3216997"/>
+              <a:ext cx="1357662" cy="369332"/>
+            </a:xfrm>
+            <a:prstGeom prst="rect">
+              <a:avLst/>
+            </a:prstGeom>
+            <a:noFill/>
+          </p:spPr>
+          <p:txBody>
+            <a:bodyPr wrap="square" rtlCol="0">
+              <a:spAutoFit/>
+            </a:bodyPr>
+            <a:lstStyle/>
+            <a:p>
+              <a:r>
+                <a:rPr lang="en-GB" dirty="0" smtClean="0">
+                  <a:solidFill>
+                    <a:schemeClr val="bg1">
+                      <a:lumMod val="65000"/>
+                    </a:schemeClr>
+                  </a:solidFill>
+                  <a:latin typeface="Nunito Black" panose="00000A00000000000000" pitchFamily="2" charset="0"/>
+                </a:rPr>
+                <a:t>per month</a:t>
+              </a:r>
+              <a:endParaRPr lang="en-GB" dirty="0">
+                <a:solidFill>
+                  <a:schemeClr val="bg1">
+                    <a:lumMod val="65000"/>
+                  </a:schemeClr>
+                </a:solidFill>
+                <a:latin typeface="Nunito Black" panose="00000A00000000000000" pitchFamily="2" charset="0"/>
+              </a:endParaRPr>
+            </a:p>
+          </p:txBody>
+        </p:sp>
+        <p:cxnSp>
+          <p:nvCxnSpPr>
+            <p:cNvPr id="9" name="Straight Connector 8"/>
+            <p:cNvCxnSpPr/>
+            <p:nvPr/>
+          </p:nvCxnSpPr>
+          <p:spPr>
+            <a:xfrm>
+              <a:off x="3048000" y="3761219"/>
+              <a:ext cx="1762125" cy="0"/>
+            </a:xfrm>
+            <a:prstGeom prst="line">
+              <a:avLst/>
+            </a:prstGeom>
+            <a:ln w="3175">
+              <a:solidFill>
+                <a:schemeClr val="bg1">
+                  <a:lumMod val="75000"/>
+                  <a:alpha val="50000"/>
+                </a:schemeClr>
+              </a:solidFill>
+            </a:ln>
+          </p:spPr>
+          <p:style>
+            <a:lnRef idx="1">
+              <a:schemeClr val="accent1"/>
+            </a:lnRef>
+            <a:fillRef idx="0">
+              <a:schemeClr val="accent1"/>
+            </a:fillRef>
+            <a:effectRef idx="0">
+              <a:schemeClr val="accent1"/>
+            </a:effectRef>
+            <a:fontRef idx="minor">
+              <a:schemeClr val="tx1"/>
+            </a:fontRef>
+          </p:style>
+        </p:cxnSp>
+        <p:sp>
+          <p:nvSpPr>
+            <p:cNvPr id="29" name="TextBox 28"/>
+            <p:cNvSpPr txBox="1"/>
+            <p:nvPr/>
+          </p:nvSpPr>
+          <p:spPr>
+            <a:xfrm>
+              <a:off x="3185241" y="3875624"/>
+              <a:ext cx="1487642" cy="646331"/>
+            </a:xfrm>
+            <a:prstGeom prst="rect">
+              <a:avLst/>
+            </a:prstGeom>
+            <a:noFill/>
+          </p:spPr>
+          <p:txBody>
+            <a:bodyPr wrap="square" rtlCol="0">
+              <a:spAutoFit/>
+            </a:bodyPr>
+            <a:lstStyle/>
+            <a:p>
+              <a:pPr algn="ctr"/>
+              <a:r>
+                <a:rPr lang="en-GB" dirty="0" smtClean="0">
+                  <a:solidFill>
+                    <a:schemeClr val="tx1">
+                      <a:lumMod val="75000"/>
+                      <a:lumOff val="25000"/>
+                    </a:schemeClr>
+                  </a:solidFill>
+                  <a:latin typeface="Nunito Black" panose="00000A00000000000000" pitchFamily="2" charset="0"/>
+                </a:rPr>
+                <a:t>For small restaurants</a:t>
+              </a:r>
+            </a:p>
+          </p:txBody>
+        </p:sp>
+        <p:sp>
+          <p:nvSpPr>
+            <p:cNvPr id="32" name="TextBox 31"/>
+            <p:cNvSpPr txBox="1"/>
+            <p:nvPr/>
+          </p:nvSpPr>
+          <p:spPr>
+            <a:xfrm>
+              <a:off x="3054266" y="4722620"/>
+              <a:ext cx="1732630" cy="369332"/>
+            </a:xfrm>
+            <a:prstGeom prst="rect">
+              <a:avLst/>
+            </a:prstGeom>
+            <a:noFill/>
+          </p:spPr>
+          <p:txBody>
+            <a:bodyPr wrap="square" rtlCol="0">
+              <a:spAutoFit/>
+            </a:bodyPr>
+            <a:lstStyle/>
+            <a:p>
+              <a:r>
+                <a:rPr lang="en-GB" dirty="0" smtClean="0">
+                  <a:solidFill>
+                    <a:schemeClr val="tx1">
+                      <a:lumMod val="75000"/>
+                      <a:lumOff val="25000"/>
+                    </a:schemeClr>
+                  </a:solidFill>
+                  <a:latin typeface="Font Awesome 5 Free Solid" panose="02000503000000000000" pitchFamily="50" charset="2"/>
+                </a:rPr>
+                <a:t> </a:t>
+              </a:r>
+              <a:r>
+                <a:rPr lang="en-GB" sz="1200" dirty="0" smtClean="0">
+                  <a:solidFill>
+                    <a:schemeClr val="tx1">
+                      <a:lumMod val="75000"/>
+                      <a:lumOff val="25000"/>
+                    </a:schemeClr>
+                  </a:solidFill>
+                  <a:latin typeface="Nunito Black" panose="00000A00000000000000" pitchFamily="2" charset="0"/>
+                </a:rPr>
+                <a:t>Up to 50 people</a:t>
+              </a:r>
+              <a:r>
+                <a:rPr lang="en-GB" sz="1200" dirty="0" smtClean="0">
+                  <a:solidFill>
+                    <a:schemeClr val="tx1">
+                      <a:lumMod val="75000"/>
+                      <a:lumOff val="25000"/>
+                    </a:schemeClr>
+                  </a:solidFill>
+                  <a:latin typeface="Font Awesome 5 Free Solid" panose="02000503000000000000" pitchFamily="50" charset="2"/>
+                </a:rPr>
+                <a:t> </a:t>
+              </a:r>
+              <a:endParaRPr lang="en-GB" dirty="0">
+                <a:solidFill>
+                  <a:schemeClr val="tx1">
+                    <a:lumMod val="75000"/>
+                    <a:lumOff val="25000"/>
+                  </a:schemeClr>
+                </a:solidFill>
+                <a:latin typeface="Font Awesome 5 Free Solid" panose="02000503000000000000" pitchFamily="50" charset="2"/>
+              </a:endParaRPr>
+            </a:p>
+          </p:txBody>
+        </p:sp>
+      </p:grpSp>
+      <p:grpSp>
+        <p:nvGrpSpPr>
+          <p:cNvPr id="40" name="Group 39"/>
+          <p:cNvGrpSpPr/>
+          <p:nvPr/>
+        </p:nvGrpSpPr>
+        <p:grpSpPr>
+          <a:xfrm>
+            <a:off x="4832370" y="1543581"/>
+            <a:ext cx="2591108" cy="4064285"/>
+            <a:chOff x="4966117" y="1562919"/>
+            <a:chExt cx="2591108" cy="4064285"/>
+          </a:xfrm>
+        </p:grpSpPr>
+        <p:grpSp>
+          <p:nvGrpSpPr>
+            <p:cNvPr id="37" name="Group 36"/>
+            <p:cNvGrpSpPr/>
+            <p:nvPr/>
+          </p:nvGrpSpPr>
+          <p:grpSpPr>
+            <a:xfrm>
+              <a:off x="4966117" y="1562919"/>
+              <a:ext cx="2591108" cy="4064285"/>
+              <a:chOff x="4960561" y="1229545"/>
+              <a:chExt cx="2591108" cy="4064285"/>
+            </a:xfrm>
+          </p:grpSpPr>
+          <p:sp>
+            <p:nvSpPr>
+              <p:cNvPr id="14" name="Rounded Rectangle 13"/>
+              <p:cNvSpPr/>
+              <p:nvPr/>
+            </p:nvSpPr>
+            <p:spPr>
+              <a:xfrm>
+                <a:off x="4960561" y="1229545"/>
+                <a:ext cx="2591108" cy="4064285"/>
+              </a:xfrm>
+              <a:prstGeom prst="roundRect">
+                <a:avLst>
+                  <a:gd name="adj" fmla="val 13601"/>
+                </a:avLst>
+              </a:prstGeom>
+              <a:solidFill>
+                <a:schemeClr val="bg1"/>
+              </a:solidFill>
+              <a:ln>
+                <a:noFill/>
+              </a:ln>
+              <a:effectLst>
+                <a:outerShdw blurRad="469900" sx="103000" sy="103000" algn="t" rotWithShape="0">
+                  <a:prstClr val="black">
+                    <a:alpha val="10000"/>
+                  </a:prstClr>
+                </a:outerShdw>
+              </a:effectLst>
+            </p:spPr>
+            <p:style>
+              <a:lnRef idx="2">
+                <a:schemeClr val="accent1">
+                  <a:shade val="50000"/>
+                </a:schemeClr>
+              </a:lnRef>
+              <a:fillRef idx="1">
+                <a:schemeClr val="accent1"/>
+              </a:fillRef>
+              <a:effectRef idx="0">
+                <a:schemeClr val="accent1"/>
+              </a:effectRef>
+              <a:fontRef idx="minor">
+                <a:schemeClr val="lt1"/>
+              </a:fontRef>
+            </p:style>
+            <p:txBody>
+              <a:bodyPr rtlCol="0" anchor="ctr"/>
+              <a:lstStyle/>
+              <a:p>
+                <a:pPr algn="ctr"/>
+                <a:endParaRPr lang="en-GB"/>
+              </a:p>
+            </p:txBody>
+          </p:sp>
+          <p:sp>
+            <p:nvSpPr>
+              <p:cNvPr id="5" name="TextBox 4"/>
+              <p:cNvSpPr txBox="1"/>
+              <p:nvPr/>
+            </p:nvSpPr>
+            <p:spPr>
+              <a:xfrm>
+                <a:off x="5235548" y="1848069"/>
+                <a:ext cx="2034607" cy="707886"/>
+              </a:xfrm>
+              <a:prstGeom prst="rect">
+                <a:avLst/>
+              </a:prstGeom>
+              <a:noFill/>
+            </p:spPr>
+            <p:txBody>
+              <a:bodyPr wrap="square" rtlCol="0">
+                <a:spAutoFit/>
+              </a:bodyPr>
+              <a:lstStyle/>
+              <a:p>
+                <a:r>
+                  <a:rPr lang="en-GB" sz="4400" b="1" baseline="30000" dirty="0" smtClean="0">
+                    <a:gradFill>
+                      <a:gsLst>
+                        <a:gs pos="0">
+                          <a:srgbClr val="D56AA0"/>
+                        </a:gs>
+                        <a:gs pos="100000">
+                          <a:srgbClr val="EA6984"/>
+                        </a:gs>
+                      </a:gsLst>
+                      <a:lin ang="13500000" scaled="0"/>
+                    </a:gradFill>
+                    <a:latin typeface="Nunito Black" panose="00000A00000000000000" pitchFamily="2" charset="0"/>
+                  </a:rPr>
+                  <a:t>$ </a:t>
+                </a:r>
+                <a:r>
+                  <a:rPr lang="en-GB" sz="4000" b="1" dirty="0" smtClean="0">
+                    <a:gradFill>
+                      <a:gsLst>
+                        <a:gs pos="0">
+                          <a:srgbClr val="D56AA0"/>
+                        </a:gs>
+                        <a:gs pos="100000">
+                          <a:srgbClr val="EA6984"/>
+                        </a:gs>
+                      </a:gsLst>
+                      <a:lin ang="13500000" scaled="0"/>
+                    </a:gradFill>
+                    <a:latin typeface="Nunito Black" panose="00000A00000000000000" pitchFamily="2" charset="0"/>
+                  </a:rPr>
+                  <a:t>59.99</a:t>
+                </a:r>
+                <a:endParaRPr lang="en-GB" sz="4400" b="1" baseline="30000" dirty="0">
+                  <a:gradFill>
+                    <a:gsLst>
+                      <a:gs pos="0">
+                        <a:srgbClr val="D56AA0"/>
+                      </a:gs>
+                      <a:gs pos="100000">
+                        <a:srgbClr val="EA6984"/>
+                      </a:gs>
+                    </a:gsLst>
+                    <a:lin ang="13500000" scaled="0"/>
+                  </a:gradFill>
+                  <a:latin typeface="Nunito Black" panose="00000A00000000000000" pitchFamily="2" charset="0"/>
+                </a:endParaRPr>
+              </a:p>
+            </p:txBody>
+          </p:sp>
+          <p:sp>
+            <p:nvSpPr>
+              <p:cNvPr id="24" name="TextBox 23"/>
+              <p:cNvSpPr txBox="1"/>
+              <p:nvPr/>
+            </p:nvSpPr>
+            <p:spPr>
+              <a:xfrm>
+                <a:off x="5584646" y="2421459"/>
+                <a:ext cx="1333789" cy="369332"/>
+              </a:xfrm>
+              <a:prstGeom prst="rect">
+                <a:avLst/>
+              </a:prstGeom>
+              <a:noFill/>
+            </p:spPr>
+            <p:txBody>
+              <a:bodyPr wrap="square" rtlCol="0">
+                <a:spAutoFit/>
+              </a:bodyPr>
+              <a:lstStyle/>
+              <a:p>
+                <a:r>
+                  <a:rPr lang="en-GB" dirty="0" smtClean="0">
+                    <a:solidFill>
+                      <a:schemeClr val="bg1">
+                        <a:lumMod val="65000"/>
+                      </a:schemeClr>
+                    </a:solidFill>
+                    <a:latin typeface="Nunito Black" panose="00000A00000000000000" pitchFamily="2" charset="0"/>
+                  </a:rPr>
+                  <a:t>per month</a:t>
+                </a:r>
+                <a:endParaRPr lang="en-GB" dirty="0">
+                  <a:solidFill>
+                    <a:schemeClr val="bg1">
+                      <a:lumMod val="65000"/>
+                    </a:schemeClr>
+                  </a:solidFill>
+                  <a:latin typeface="Nunito Black" panose="00000A00000000000000" pitchFamily="2" charset="0"/>
+                </a:endParaRPr>
+              </a:p>
+            </p:txBody>
+          </p:sp>
+          <p:cxnSp>
+            <p:nvCxnSpPr>
+              <p:cNvPr id="27" name="Straight Connector 26"/>
+              <p:cNvCxnSpPr/>
+              <p:nvPr/>
+            </p:nvCxnSpPr>
+            <p:spPr>
+              <a:xfrm>
+                <a:off x="5370477" y="2934146"/>
+                <a:ext cx="1762125" cy="0"/>
+              </a:xfrm>
+              <a:prstGeom prst="line">
+                <a:avLst/>
+              </a:prstGeom>
+              <a:ln w="3175">
+                <a:gradFill>
+                  <a:gsLst>
+                    <a:gs pos="0">
+                      <a:srgbClr val="D56AA0"/>
+                    </a:gs>
+                    <a:gs pos="100000">
+                      <a:srgbClr val="EA6984"/>
+                    </a:gs>
+                  </a:gsLst>
+                  <a:lin ang="5400000" scaled="1"/>
+                </a:gradFill>
+              </a:ln>
+            </p:spPr>
+            <p:style>
+              <a:lnRef idx="1">
+                <a:schemeClr val="accent1"/>
+              </a:lnRef>
+              <a:fillRef idx="0">
+                <a:schemeClr val="accent1"/>
+              </a:fillRef>
+              <a:effectRef idx="0">
+                <a:schemeClr val="accent1"/>
+              </a:effectRef>
+              <a:fontRef idx="minor">
+                <a:schemeClr val="tx1"/>
+              </a:fontRef>
+            </p:style>
+          </p:cxnSp>
+        </p:grpSp>
+        <p:sp>
+          <p:nvSpPr>
+            <p:cNvPr id="38" name="TextBox 37"/>
+            <p:cNvSpPr txBox="1"/>
+            <p:nvPr/>
+          </p:nvSpPr>
+          <p:spPr>
+            <a:xfrm>
+              <a:off x="5507008" y="3524644"/>
+              <a:ext cx="1487642" cy="646331"/>
+            </a:xfrm>
+            <a:prstGeom prst="rect">
+              <a:avLst/>
+            </a:prstGeom>
+            <a:noFill/>
+          </p:spPr>
+          <p:txBody>
+            <a:bodyPr wrap="square" rtlCol="0">
+              <a:spAutoFit/>
+            </a:bodyPr>
+            <a:lstStyle/>
+            <a:p>
+              <a:pPr algn="ctr"/>
+              <a:r>
+                <a:rPr lang="en-GB" dirty="0" smtClean="0">
+                  <a:solidFill>
+                    <a:srgbClr val="D56AA0"/>
+                  </a:solidFill>
+                  <a:latin typeface="Nunito Black" panose="00000A00000000000000" pitchFamily="2" charset="0"/>
+                </a:rPr>
+                <a:t>For medium restaurants</a:t>
+              </a:r>
+            </a:p>
+          </p:txBody>
+        </p:sp>
+        <p:sp>
+          <p:nvSpPr>
+            <p:cNvPr id="39" name="TextBox 38"/>
+            <p:cNvSpPr txBox="1"/>
+            <p:nvPr/>
+          </p:nvSpPr>
+          <p:spPr>
+            <a:xfrm>
+              <a:off x="5376032" y="4371640"/>
+              <a:ext cx="1762125" cy="369332"/>
+            </a:xfrm>
+            <a:prstGeom prst="rect">
+              <a:avLst/>
+            </a:prstGeom>
+            <a:noFill/>
+          </p:spPr>
+          <p:txBody>
+            <a:bodyPr wrap="square" rtlCol="0">
+              <a:spAutoFit/>
+            </a:bodyPr>
+            <a:lstStyle/>
+            <a:p>
+              <a:r>
+                <a:rPr lang="en-GB" dirty="0" smtClean="0">
+                  <a:solidFill>
+                    <a:srgbClr val="DF6A9D"/>
+                  </a:solidFill>
+                  <a:latin typeface="Font Awesome 5 Free Solid" panose="02000503000000000000" pitchFamily="50" charset="2"/>
+                </a:rPr>
+                <a:t></a:t>
+              </a:r>
+              <a:r>
+                <a:rPr lang="en-GB" dirty="0" smtClean="0">
+                  <a:solidFill>
+                    <a:schemeClr val="tx1">
+                      <a:lumMod val="75000"/>
+                      <a:lumOff val="25000"/>
+                    </a:schemeClr>
+                  </a:solidFill>
+                  <a:latin typeface="Font Awesome 5 Free Solid" panose="02000503000000000000" pitchFamily="50" charset="2"/>
+                </a:rPr>
+                <a:t> </a:t>
+              </a:r>
+              <a:r>
+                <a:rPr lang="en-GB" sz="1200" dirty="0" smtClean="0">
+                  <a:solidFill>
+                    <a:srgbClr val="DA6A9F"/>
+                  </a:solidFill>
+                  <a:latin typeface="Nunito Black" panose="00000A00000000000000" pitchFamily="2" charset="0"/>
+                </a:rPr>
+                <a:t>Up to 100 people</a:t>
+              </a:r>
+              <a:r>
+                <a:rPr lang="en-GB" sz="1200" dirty="0" smtClean="0">
+                  <a:solidFill>
+                    <a:srgbClr val="DA6A9F"/>
+                  </a:solidFill>
+                  <a:latin typeface="Font Awesome 5 Free Solid" panose="02000503000000000000" pitchFamily="50" charset="2"/>
+                </a:rPr>
+                <a:t> </a:t>
+              </a:r>
+              <a:endParaRPr lang="en-GB" dirty="0">
+                <a:solidFill>
+                  <a:srgbClr val="DA6A9F"/>
+                </a:solidFill>
+                <a:latin typeface="Font Awesome 5 Free Solid" panose="02000503000000000000" pitchFamily="50" charset="2"/>
+              </a:endParaRPr>
+            </a:p>
+          </p:txBody>
+        </p:sp>
+      </p:grpSp>
+      <p:sp>
+        <p:nvSpPr>
+          <p:cNvPr id="42" name="TextBox 41"/>
+          <p:cNvSpPr txBox="1"/>
+          <p:nvPr/>
+        </p:nvSpPr>
+        <p:spPr>
+          <a:xfrm>
+            <a:off x="7827060" y="4000985"/>
+            <a:ext cx="1487642" cy="646331"/>
+          </a:xfrm>
+          <a:prstGeom prst="rect">
+            <a:avLst/>
+          </a:prstGeom>
+          <a:noFill/>
+        </p:spPr>
+        <p:txBody>
+          <a:bodyPr wrap="square" rtlCol="0">
+            <a:spAutoFit/>
+          </a:bodyPr>
+          <a:lstStyle/>
+          <a:p>
+            <a:pPr algn="ctr"/>
+            <a:r>
+              <a:rPr lang="en-GB" dirty="0" smtClean="0">
+                <a:solidFill>
+                  <a:schemeClr val="tx1">
+                    <a:lumMod val="75000"/>
+                    <a:lumOff val="25000"/>
+                  </a:schemeClr>
+                </a:solidFill>
+                <a:latin typeface="Nunito Black" panose="00000A00000000000000" pitchFamily="2" charset="0"/>
+              </a:rPr>
+              <a:t>For large restaurants</a:t>
+            </a:r>
+          </a:p>
+        </p:txBody>
+      </p:sp>
+      <p:sp>
+        <p:nvSpPr>
+          <p:cNvPr id="43" name="TextBox 42"/>
+          <p:cNvSpPr txBox="1"/>
+          <p:nvPr/>
+        </p:nvSpPr>
+        <p:spPr>
+          <a:xfrm>
+            <a:off x="7696084" y="4847981"/>
+            <a:ext cx="1762125" cy="369332"/>
+          </a:xfrm>
+          <a:prstGeom prst="rect">
+            <a:avLst/>
+          </a:prstGeom>
+          <a:noFill/>
+        </p:spPr>
+        <p:txBody>
+          <a:bodyPr wrap="square" rtlCol="0">
+            <a:spAutoFit/>
+          </a:bodyPr>
+          <a:lstStyle/>
+          <a:p>
+            <a:r>
+              <a:rPr lang="en-GB" dirty="0" smtClean="0">
+                <a:solidFill>
+                  <a:schemeClr val="tx1">
+                    <a:lumMod val="75000"/>
+                    <a:lumOff val="25000"/>
+                  </a:schemeClr>
+                </a:solidFill>
+                <a:latin typeface="Font Awesome 5 Free Solid" panose="02000503000000000000" pitchFamily="50" charset="2"/>
+              </a:rPr>
+              <a:t> </a:t>
+            </a:r>
+            <a:r>
+              <a:rPr lang="en-GB" sz="1200" dirty="0" smtClean="0">
+                <a:solidFill>
+                  <a:schemeClr val="tx1">
+                    <a:lumMod val="75000"/>
+                    <a:lumOff val="25000"/>
+                  </a:schemeClr>
+                </a:solidFill>
+                <a:latin typeface="Nunito Black" panose="00000A00000000000000" pitchFamily="2" charset="0"/>
+              </a:rPr>
+              <a:t>Up to 200 people</a:t>
+            </a:r>
+            <a:r>
+              <a:rPr lang="en-GB" sz="1200" dirty="0" smtClean="0">
+                <a:solidFill>
+                  <a:schemeClr val="tx1">
+                    <a:lumMod val="75000"/>
+                    <a:lumOff val="25000"/>
+                  </a:schemeClr>
+                </a:solidFill>
+                <a:latin typeface="Font Awesome 5 Free Solid" panose="02000503000000000000" pitchFamily="50" charset="2"/>
+              </a:rPr>
+              <a:t> </a:t>
+            </a:r>
+            <a:endParaRPr lang="en-GB" dirty="0">
+              <a:solidFill>
+                <a:schemeClr val="tx1">
+                  <a:lumMod val="75000"/>
+                  <a:lumOff val="25000"/>
+                </a:schemeClr>
+              </a:solidFill>
+              <a:latin typeface="Font Awesome 5 Free Solid" panose="02000503000000000000" pitchFamily="50" charset="2"/>
             </a:endParaRPr>
           </a:p>
         </p:txBody>

--- a/presentation/softuniada/presentation.pptx
+++ b/presentation/softuniada/presentation.pptx
@@ -11,9 +11,13 @@
     <p:sldId id="262" r:id="rId5"/>
     <p:sldId id="264" r:id="rId6"/>
     <p:sldId id="263" r:id="rId7"/>
-    <p:sldId id="260" r:id="rId8"/>
-    <p:sldId id="261" r:id="rId9"/>
-    <p:sldId id="259" r:id="rId10"/>
+    <p:sldId id="267" r:id="rId8"/>
+    <p:sldId id="260" r:id="rId9"/>
+    <p:sldId id="261" r:id="rId10"/>
+    <p:sldId id="259" r:id="rId11"/>
+    <p:sldId id="268" r:id="rId12"/>
+    <p:sldId id="265" r:id="rId13"/>
+    <p:sldId id="266" r:id="rId14"/>
   </p:sldIdLst>
   <p:sldSz cx="12192000" cy="6858000"/>
   <p:notesSz cx="6858000" cy="9144000"/>
@@ -3327,6 +3331,2622 @@
 </p:sld>
 </file>
 
+<file path=ppt/slides/slide10.xml><?xml version="1.0" encoding="utf-8"?>
+<p:sld xmlns:a="http://schemas.openxmlformats.org/drawingml/2006/main" xmlns:r="http://schemas.openxmlformats.org/officeDocument/2006/relationships" xmlns:p="http://schemas.openxmlformats.org/presentationml/2006/main">
+  <p:cSld>
+    <p:bg>
+      <p:bgPr>
+        <a:solidFill>
+          <a:schemeClr val="bg1"/>
+        </a:solidFill>
+        <a:effectLst/>
+      </p:bgPr>
+    </p:bg>
+    <p:spTree>
+      <p:nvGrpSpPr>
+        <p:cNvPr id="1" name=""/>
+        <p:cNvGrpSpPr/>
+        <p:nvPr/>
+      </p:nvGrpSpPr>
+      <p:grpSpPr>
+        <a:xfrm>
+          <a:off x="0" y="0"/>
+          <a:ext cx="0" cy="0"/>
+          <a:chOff x="0" y="0"/>
+          <a:chExt cx="0" cy="0"/>
+        </a:xfrm>
+      </p:grpSpPr>
+      <p:sp>
+        <p:nvSpPr>
+          <p:cNvPr id="2" name="Title 1"/>
+          <p:cNvSpPr>
+            <a:spLocks noGrp="1"/>
+          </p:cNvSpPr>
+          <p:nvPr>
+            <p:ph type="ctrTitle"/>
+          </p:nvPr>
+        </p:nvSpPr>
+        <p:spPr>
+          <a:xfrm>
+            <a:off x="2318658" y="-653519"/>
+            <a:ext cx="9144000" cy="2387600"/>
+          </a:xfrm>
+        </p:spPr>
+        <p:txBody>
+          <a:bodyPr>
+            <a:normAutofit/>
+          </a:bodyPr>
+          <a:lstStyle/>
+          <a:p>
+            <a:pPr algn="r"/>
+            <a:r>
+              <a:rPr lang="en-GB" sz="8800" b="1" dirty="0" smtClean="0">
+                <a:gradFill flip="none" rotWithShape="1">
+                  <a:gsLst>
+                    <a:gs pos="100000">
+                      <a:srgbClr val="EA6984"/>
+                    </a:gs>
+                    <a:gs pos="0">
+                      <a:srgbClr val="D56AA0"/>
+                    </a:gs>
+                  </a:gsLst>
+                  <a:lin ang="13500000" scaled="1"/>
+                  <a:tileRect/>
+                </a:gradFill>
+                <a:latin typeface="Nunito Black" panose="00000A00000000000000" pitchFamily="2" charset="0"/>
+              </a:rPr>
+              <a:t>Roadmap</a:t>
+            </a:r>
+            <a:endParaRPr lang="en-GB" sz="4000" b="1" dirty="0">
+              <a:gradFill flip="none" rotWithShape="1">
+                <a:gsLst>
+                  <a:gs pos="100000">
+                    <a:srgbClr val="EA6984"/>
+                  </a:gs>
+                  <a:gs pos="0">
+                    <a:srgbClr val="D56AA0"/>
+                  </a:gs>
+                </a:gsLst>
+                <a:lin ang="13500000" scaled="1"/>
+                <a:tileRect/>
+              </a:gradFill>
+              <a:latin typeface="Nunito Black" panose="00000A00000000000000" pitchFamily="2" charset="0"/>
+            </a:endParaRPr>
+          </a:p>
+        </p:txBody>
+      </p:sp>
+      <p:sp>
+        <p:nvSpPr>
+          <p:cNvPr id="12" name="TextBox 11"/>
+          <p:cNvSpPr txBox="1"/>
+          <p:nvPr/>
+        </p:nvSpPr>
+        <p:spPr>
+          <a:xfrm>
+            <a:off x="6760030" y="1782237"/>
+            <a:ext cx="4702628" cy="523220"/>
+          </a:xfrm>
+          <a:prstGeom prst="rect">
+            <a:avLst/>
+          </a:prstGeom>
+          <a:noFill/>
+        </p:spPr>
+        <p:txBody>
+          <a:bodyPr wrap="square" rtlCol="0">
+            <a:spAutoFit/>
+          </a:bodyPr>
+          <a:lstStyle/>
+          <a:p>
+            <a:pPr lvl="1" algn="r"/>
+            <a:endParaRPr lang="en-GB" sz="2800" b="1" dirty="0">
+              <a:solidFill>
+                <a:srgbClr val="E6A4C5"/>
+              </a:solidFill>
+              <a:latin typeface="Nunito" panose="00000500000000000000" pitchFamily="2" charset="0"/>
+            </a:endParaRPr>
+          </a:p>
+        </p:txBody>
+      </p:sp>
+      <p:pic>
+        <p:nvPicPr>
+          <p:cNvPr id="16" name="Picture 15"/>
+          <p:cNvPicPr>
+            <a:picLocks noChangeAspect="1"/>
+          </p:cNvPicPr>
+          <p:nvPr/>
+        </p:nvPicPr>
+        <p:blipFill>
+          <a:blip r:embed="rId2" cstate="print">
+            <a:extLst>
+              <a:ext uri="{28A0092B-C50C-407E-A947-70E740481C1C}">
+                <a14:useLocalDpi xmlns:a14="http://schemas.microsoft.com/office/drawing/2010/main" val="0"/>
+              </a:ext>
+            </a:extLst>
+          </a:blip>
+          <a:stretch>
+            <a:fillRect/>
+          </a:stretch>
+        </p:blipFill>
+        <p:spPr>
+          <a:xfrm rot="11346299">
+            <a:off x="8807491" y="2656255"/>
+            <a:ext cx="6769017" cy="6769017"/>
+          </a:xfrm>
+          <a:prstGeom prst="rect">
+            <a:avLst/>
+          </a:prstGeom>
+          <a:noFill/>
+          <a:ln>
+            <a:noFill/>
+          </a:ln>
+        </p:spPr>
+      </p:pic>
+      <p:grpSp>
+        <p:nvGrpSpPr>
+          <p:cNvPr id="10" name="Group 9"/>
+          <p:cNvGrpSpPr/>
+          <p:nvPr/>
+        </p:nvGrpSpPr>
+        <p:grpSpPr>
+          <a:xfrm>
+            <a:off x="-2982265" y="-4038029"/>
+            <a:ext cx="6769017" cy="6769017"/>
+            <a:chOff x="-2982265" y="-4038029"/>
+            <a:chExt cx="6769017" cy="6769017"/>
+          </a:xfrm>
+        </p:grpSpPr>
+        <p:pic>
+          <p:nvPicPr>
+            <p:cNvPr id="17" name="Picture 16"/>
+            <p:cNvPicPr>
+              <a:picLocks noChangeAspect="1"/>
+            </p:cNvPicPr>
+            <p:nvPr/>
+          </p:nvPicPr>
+          <p:blipFill>
+            <a:blip r:embed="rId3" cstate="print">
+              <a:extLst>
+                <a:ext uri="{BEBA8EAE-BF5A-486C-A8C5-ECC9F3942E4B}">
+                  <a14:imgProps xmlns:a14="http://schemas.microsoft.com/office/drawing/2010/main">
+                    <a14:imgLayer r:embed="rId4">
+                      <a14:imgEffect>
+                        <a14:colorTemperature colorTemp="11200"/>
+                      </a14:imgEffect>
+                    </a14:imgLayer>
+                  </a14:imgProps>
+                </a:ext>
+                <a:ext uri="{28A0092B-C50C-407E-A947-70E740481C1C}">
+                  <a14:useLocalDpi xmlns:a14="http://schemas.microsoft.com/office/drawing/2010/main" val="0"/>
+                </a:ext>
+              </a:extLst>
+            </a:blip>
+            <a:stretch>
+              <a:fillRect/>
+            </a:stretch>
+          </p:blipFill>
+          <p:spPr>
+            <a:xfrm rot="8119872">
+              <a:off x="-2982265" y="-4038029"/>
+              <a:ext cx="6769017" cy="6769017"/>
+            </a:xfrm>
+            <a:prstGeom prst="rect">
+              <a:avLst/>
+            </a:prstGeom>
+            <a:ln>
+              <a:noFill/>
+            </a:ln>
+          </p:spPr>
+        </p:pic>
+        <p:pic>
+          <p:nvPicPr>
+            <p:cNvPr id="18" name="Picture 17"/>
+            <p:cNvPicPr>
+              <a:picLocks noChangeAspect="1"/>
+            </p:cNvPicPr>
+            <p:nvPr/>
+          </p:nvPicPr>
+          <p:blipFill>
+            <a:blip r:embed="rId5" cstate="print">
+              <a:extLst>
+                <a:ext uri="{28A0092B-C50C-407E-A947-70E740481C1C}">
+                  <a14:useLocalDpi xmlns:a14="http://schemas.microsoft.com/office/drawing/2010/main" val="0"/>
+                </a:ext>
+              </a:extLst>
+            </a:blip>
+            <a:stretch>
+              <a:fillRect/>
+            </a:stretch>
+          </p:blipFill>
+          <p:spPr>
+            <a:xfrm>
+              <a:off x="-1377" y="178861"/>
+              <a:ext cx="1793583" cy="1793583"/>
+            </a:xfrm>
+            <a:prstGeom prst="rect">
+              <a:avLst/>
+            </a:prstGeom>
+            <a:ln>
+              <a:noFill/>
+            </a:ln>
+          </p:spPr>
+        </p:pic>
+      </p:grpSp>
+      <p:sp>
+        <p:nvSpPr>
+          <p:cNvPr id="7" name="Oval 6"/>
+          <p:cNvSpPr/>
+          <p:nvPr/>
+        </p:nvSpPr>
+        <p:spPr>
+          <a:xfrm>
+            <a:off x="1073205" y="2911557"/>
+            <a:ext cx="1613753" cy="1613753"/>
+          </a:xfrm>
+          <a:prstGeom prst="ellipse">
+            <a:avLst/>
+          </a:prstGeom>
+          <a:gradFill>
+            <a:gsLst>
+              <a:gs pos="100000">
+                <a:srgbClr val="EA6984"/>
+              </a:gs>
+              <a:gs pos="0">
+                <a:srgbClr val="D56AA0"/>
+              </a:gs>
+            </a:gsLst>
+            <a:lin ang="13500000" scaled="1"/>
+          </a:gradFill>
+          <a:ln w="69850">
+            <a:solidFill>
+              <a:srgbClr val="D56AA0">
+                <a:alpha val="40000"/>
+              </a:srgbClr>
+            </a:solidFill>
+          </a:ln>
+        </p:spPr>
+        <p:style>
+          <a:lnRef idx="2">
+            <a:schemeClr val="accent1">
+              <a:shade val="50000"/>
+            </a:schemeClr>
+          </a:lnRef>
+          <a:fillRef idx="1">
+            <a:schemeClr val="accent1"/>
+          </a:fillRef>
+          <a:effectRef idx="0">
+            <a:schemeClr val="accent1"/>
+          </a:effectRef>
+          <a:fontRef idx="minor">
+            <a:schemeClr val="lt1"/>
+          </a:fontRef>
+        </p:style>
+        <p:txBody>
+          <a:bodyPr rtlCol="0" anchor="ctr"/>
+          <a:lstStyle/>
+          <a:p>
+            <a:pPr algn="ctr"/>
+            <a:endParaRPr lang="en-GB"/>
+          </a:p>
+        </p:txBody>
+      </p:sp>
+      <p:sp>
+        <p:nvSpPr>
+          <p:cNvPr id="8" name="TextBox 7"/>
+          <p:cNvSpPr txBox="1"/>
+          <p:nvPr/>
+        </p:nvSpPr>
+        <p:spPr>
+          <a:xfrm>
+            <a:off x="1019175" y="3350020"/>
+            <a:ext cx="1009650" cy="688580"/>
+          </a:xfrm>
+          <a:prstGeom prst="rect">
+            <a:avLst/>
+          </a:prstGeom>
+          <a:noFill/>
+        </p:spPr>
+        <p:txBody>
+          <a:bodyPr wrap="square" rtlCol="0">
+            <a:spAutoFit/>
+          </a:bodyPr>
+          <a:lstStyle/>
+          <a:p>
+            <a:endParaRPr lang="en-GB" dirty="0"/>
+          </a:p>
+        </p:txBody>
+      </p:sp>
+      <p:pic>
+        <p:nvPicPr>
+          <p:cNvPr id="14" name="Picture 13"/>
+          <p:cNvPicPr>
+            <a:picLocks noChangeAspect="1"/>
+          </p:cNvPicPr>
+          <p:nvPr/>
+        </p:nvPicPr>
+        <p:blipFill>
+          <a:blip r:embed="rId6" cstate="print">
+            <a:extLst>
+              <a:ext uri="{28A0092B-C50C-407E-A947-70E740481C1C}">
+                <a14:useLocalDpi xmlns:a14="http://schemas.microsoft.com/office/drawing/2010/main" val="0"/>
+              </a:ext>
+            </a:extLst>
+          </a:blip>
+          <a:stretch>
+            <a:fillRect/>
+          </a:stretch>
+        </p:blipFill>
+        <p:spPr>
+          <a:xfrm>
+            <a:off x="1533007" y="3366562"/>
+            <a:ext cx="703412" cy="703742"/>
+          </a:xfrm>
+          <a:prstGeom prst="rect">
+            <a:avLst/>
+          </a:prstGeom>
+        </p:spPr>
+      </p:pic>
+      <p:sp>
+        <p:nvSpPr>
+          <p:cNvPr id="19" name="Oval 18"/>
+          <p:cNvSpPr/>
+          <p:nvPr/>
+        </p:nvSpPr>
+        <p:spPr>
+          <a:xfrm>
+            <a:off x="3949980" y="2896190"/>
+            <a:ext cx="1613753" cy="1613753"/>
+          </a:xfrm>
+          <a:prstGeom prst="ellipse">
+            <a:avLst/>
+          </a:prstGeom>
+          <a:gradFill>
+            <a:gsLst>
+              <a:gs pos="100000">
+                <a:srgbClr val="EA6984"/>
+              </a:gs>
+              <a:gs pos="0">
+                <a:srgbClr val="D56AA0"/>
+              </a:gs>
+            </a:gsLst>
+            <a:lin ang="13500000" scaled="1"/>
+          </a:gradFill>
+          <a:ln w="69850">
+            <a:solidFill>
+              <a:srgbClr val="D56AA0">
+                <a:alpha val="40000"/>
+              </a:srgbClr>
+            </a:solidFill>
+          </a:ln>
+        </p:spPr>
+        <p:style>
+          <a:lnRef idx="2">
+            <a:schemeClr val="accent1">
+              <a:shade val="50000"/>
+            </a:schemeClr>
+          </a:lnRef>
+          <a:fillRef idx="1">
+            <a:schemeClr val="accent1"/>
+          </a:fillRef>
+          <a:effectRef idx="0">
+            <a:schemeClr val="accent1"/>
+          </a:effectRef>
+          <a:fontRef idx="minor">
+            <a:schemeClr val="lt1"/>
+          </a:fontRef>
+        </p:style>
+        <p:txBody>
+          <a:bodyPr rtlCol="0" anchor="ctr"/>
+          <a:lstStyle/>
+          <a:p>
+            <a:pPr algn="ctr"/>
+            <a:endParaRPr lang="en-GB"/>
+          </a:p>
+        </p:txBody>
+      </p:sp>
+      <p:sp>
+        <p:nvSpPr>
+          <p:cNvPr id="21" name="Oval 20"/>
+          <p:cNvSpPr/>
+          <p:nvPr/>
+        </p:nvSpPr>
+        <p:spPr>
+          <a:xfrm>
+            <a:off x="6823669" y="2887434"/>
+            <a:ext cx="1613753" cy="1613753"/>
+          </a:xfrm>
+          <a:prstGeom prst="ellipse">
+            <a:avLst/>
+          </a:prstGeom>
+          <a:gradFill>
+            <a:gsLst>
+              <a:gs pos="100000">
+                <a:srgbClr val="EA6984"/>
+              </a:gs>
+              <a:gs pos="0">
+                <a:srgbClr val="D56AA0"/>
+              </a:gs>
+            </a:gsLst>
+            <a:lin ang="13500000" scaled="1"/>
+          </a:gradFill>
+          <a:ln w="69850">
+            <a:solidFill>
+              <a:srgbClr val="D56AA0">
+                <a:alpha val="40000"/>
+              </a:srgbClr>
+            </a:solidFill>
+          </a:ln>
+        </p:spPr>
+        <p:style>
+          <a:lnRef idx="2">
+            <a:schemeClr val="accent1">
+              <a:shade val="50000"/>
+            </a:schemeClr>
+          </a:lnRef>
+          <a:fillRef idx="1">
+            <a:schemeClr val="accent1"/>
+          </a:fillRef>
+          <a:effectRef idx="0">
+            <a:schemeClr val="accent1"/>
+          </a:effectRef>
+          <a:fontRef idx="minor">
+            <a:schemeClr val="lt1"/>
+          </a:fontRef>
+        </p:style>
+        <p:txBody>
+          <a:bodyPr rtlCol="0" anchor="ctr"/>
+          <a:lstStyle/>
+          <a:p>
+            <a:pPr algn="ctr"/>
+            <a:endParaRPr lang="en-GB"/>
+          </a:p>
+        </p:txBody>
+      </p:sp>
+      <p:pic>
+        <p:nvPicPr>
+          <p:cNvPr id="15" name="Picture 14"/>
+          <p:cNvPicPr>
+            <a:picLocks noChangeAspect="1"/>
+          </p:cNvPicPr>
+          <p:nvPr/>
+        </p:nvPicPr>
+        <p:blipFill>
+          <a:blip r:embed="rId7" cstate="print">
+            <a:extLst>
+              <a:ext uri="{28A0092B-C50C-407E-A947-70E740481C1C}">
+                <a14:useLocalDpi xmlns:a14="http://schemas.microsoft.com/office/drawing/2010/main" val="0"/>
+              </a:ext>
+            </a:extLst>
+          </a:blip>
+          <a:stretch>
+            <a:fillRect/>
+          </a:stretch>
+        </p:blipFill>
+        <p:spPr>
+          <a:xfrm>
+            <a:off x="4472708" y="3324320"/>
+            <a:ext cx="568295" cy="757491"/>
+          </a:xfrm>
+          <a:prstGeom prst="rect">
+            <a:avLst/>
+          </a:prstGeom>
+        </p:spPr>
+      </p:pic>
+      <p:pic>
+        <p:nvPicPr>
+          <p:cNvPr id="23" name="Picture 22"/>
+          <p:cNvPicPr>
+            <a:picLocks noChangeAspect="1"/>
+          </p:cNvPicPr>
+          <p:nvPr/>
+        </p:nvPicPr>
+        <p:blipFill>
+          <a:blip r:embed="rId8" cstate="print">
+            <a:extLst>
+              <a:ext uri="{28A0092B-C50C-407E-A947-70E740481C1C}">
+                <a14:useLocalDpi xmlns:a14="http://schemas.microsoft.com/office/drawing/2010/main" val="0"/>
+              </a:ext>
+            </a:extLst>
+          </a:blip>
+          <a:stretch>
+            <a:fillRect/>
+          </a:stretch>
+        </p:blipFill>
+        <p:spPr>
+          <a:xfrm>
+            <a:off x="7397479" y="3330043"/>
+            <a:ext cx="466539" cy="746043"/>
+          </a:xfrm>
+          <a:prstGeom prst="rect">
+            <a:avLst/>
+          </a:prstGeom>
+        </p:spPr>
+      </p:pic>
+      <p:grpSp>
+        <p:nvGrpSpPr>
+          <p:cNvPr id="32" name="Group 31"/>
+          <p:cNvGrpSpPr/>
+          <p:nvPr/>
+        </p:nvGrpSpPr>
+        <p:grpSpPr>
+          <a:xfrm>
+            <a:off x="9584598" y="2887433"/>
+            <a:ext cx="1613753" cy="1613753"/>
+            <a:chOff x="9556023" y="2887433"/>
+            <a:chExt cx="1613753" cy="1613753"/>
+          </a:xfrm>
+        </p:grpSpPr>
+        <p:sp>
+          <p:nvSpPr>
+            <p:cNvPr id="22" name="Oval 21"/>
+            <p:cNvSpPr/>
+            <p:nvPr/>
+          </p:nvSpPr>
+          <p:spPr>
+            <a:xfrm>
+              <a:off x="9556023" y="2887433"/>
+              <a:ext cx="1613753" cy="1613753"/>
+            </a:xfrm>
+            <a:prstGeom prst="ellipse">
+              <a:avLst/>
+            </a:prstGeom>
+            <a:gradFill>
+              <a:gsLst>
+                <a:gs pos="100000">
+                  <a:srgbClr val="EA6984"/>
+                </a:gs>
+                <a:gs pos="0">
+                  <a:srgbClr val="D56AA0"/>
+                </a:gs>
+              </a:gsLst>
+              <a:lin ang="13500000" scaled="1"/>
+            </a:gradFill>
+            <a:ln w="69850">
+              <a:solidFill>
+                <a:srgbClr val="D56AA0">
+                  <a:alpha val="40000"/>
+                </a:srgbClr>
+              </a:solidFill>
+            </a:ln>
+          </p:spPr>
+          <p:style>
+            <a:lnRef idx="2">
+              <a:schemeClr val="accent1">
+                <a:shade val="50000"/>
+              </a:schemeClr>
+            </a:lnRef>
+            <a:fillRef idx="1">
+              <a:schemeClr val="accent1"/>
+            </a:fillRef>
+            <a:effectRef idx="0">
+              <a:schemeClr val="accent1"/>
+            </a:effectRef>
+            <a:fontRef idx="minor">
+              <a:schemeClr val="lt1"/>
+            </a:fontRef>
+          </p:style>
+          <p:txBody>
+            <a:bodyPr rtlCol="0" anchor="ctr"/>
+            <a:lstStyle/>
+            <a:p>
+              <a:pPr algn="ctr"/>
+              <a:endParaRPr lang="en-GB"/>
+            </a:p>
+          </p:txBody>
+        </p:sp>
+        <p:pic>
+          <p:nvPicPr>
+            <p:cNvPr id="24" name="Picture 23"/>
+            <p:cNvPicPr>
+              <a:picLocks noChangeAspect="1"/>
+            </p:cNvPicPr>
+            <p:nvPr/>
+          </p:nvPicPr>
+          <p:blipFill>
+            <a:blip r:embed="rId9" cstate="print">
+              <a:extLst>
+                <a:ext uri="{28A0092B-C50C-407E-A947-70E740481C1C}">
+                  <a14:useLocalDpi xmlns:a14="http://schemas.microsoft.com/office/drawing/2010/main" val="0"/>
+                </a:ext>
+              </a:extLst>
+            </a:blip>
+            <a:stretch>
+              <a:fillRect/>
+            </a:stretch>
+          </p:blipFill>
+          <p:spPr>
+            <a:xfrm>
+              <a:off x="9945492" y="3305384"/>
+              <a:ext cx="747730" cy="747730"/>
+            </a:xfrm>
+            <a:prstGeom prst="rect">
+              <a:avLst/>
+            </a:prstGeom>
+          </p:spPr>
+        </p:pic>
+      </p:grpSp>
+      <p:cxnSp>
+        <p:nvCxnSpPr>
+          <p:cNvPr id="26" name="Straight Connector 25"/>
+          <p:cNvCxnSpPr/>
+          <p:nvPr/>
+        </p:nvCxnSpPr>
+        <p:spPr>
+          <a:xfrm flipV="1">
+            <a:off x="2690133" y="3703067"/>
+            <a:ext cx="1263022" cy="15367"/>
+          </a:xfrm>
+          <a:prstGeom prst="line">
+            <a:avLst/>
+          </a:prstGeom>
+          <a:ln w="38100">
+            <a:solidFill>
+              <a:srgbClr val="D56AA0">
+                <a:alpha val="40000"/>
+              </a:srgbClr>
+            </a:solidFill>
+          </a:ln>
+        </p:spPr>
+        <p:style>
+          <a:lnRef idx="1">
+            <a:schemeClr val="accent1"/>
+          </a:lnRef>
+          <a:fillRef idx="0">
+            <a:schemeClr val="accent1"/>
+          </a:fillRef>
+          <a:effectRef idx="0">
+            <a:schemeClr val="accent1"/>
+          </a:effectRef>
+          <a:fontRef idx="minor">
+            <a:schemeClr val="tx1"/>
+          </a:fontRef>
+        </p:style>
+      </p:cxnSp>
+      <p:cxnSp>
+        <p:nvCxnSpPr>
+          <p:cNvPr id="29" name="Straight Connector 28"/>
+          <p:cNvCxnSpPr>
+            <a:stCxn id="19" idx="6"/>
+            <a:endCxn id="21" idx="2"/>
+          </p:cNvCxnSpPr>
+          <p:nvPr/>
+        </p:nvCxnSpPr>
+        <p:spPr>
+          <a:xfrm flipV="1">
+            <a:off x="5563733" y="3694311"/>
+            <a:ext cx="1259936" cy="8756"/>
+          </a:xfrm>
+          <a:prstGeom prst="line">
+            <a:avLst/>
+          </a:prstGeom>
+          <a:ln w="38100">
+            <a:solidFill>
+              <a:srgbClr val="D56AA0">
+                <a:alpha val="40000"/>
+              </a:srgbClr>
+            </a:solidFill>
+          </a:ln>
+        </p:spPr>
+        <p:style>
+          <a:lnRef idx="1">
+            <a:schemeClr val="accent1"/>
+          </a:lnRef>
+          <a:fillRef idx="0">
+            <a:schemeClr val="accent1"/>
+          </a:fillRef>
+          <a:effectRef idx="0">
+            <a:schemeClr val="accent1"/>
+          </a:effectRef>
+          <a:fontRef idx="minor">
+            <a:schemeClr val="tx1"/>
+          </a:fontRef>
+        </p:style>
+      </p:cxnSp>
+      <p:cxnSp>
+        <p:nvCxnSpPr>
+          <p:cNvPr id="34" name="Straight Connector 33"/>
+          <p:cNvCxnSpPr>
+            <a:stCxn id="21" idx="6"/>
+            <a:endCxn id="22" idx="2"/>
+          </p:cNvCxnSpPr>
+          <p:nvPr/>
+        </p:nvCxnSpPr>
+        <p:spPr>
+          <a:xfrm flipV="1">
+            <a:off x="8437422" y="3694310"/>
+            <a:ext cx="1147176" cy="1"/>
+          </a:xfrm>
+          <a:prstGeom prst="line">
+            <a:avLst/>
+          </a:prstGeom>
+          <a:ln w="38100">
+            <a:solidFill>
+              <a:srgbClr val="D56AA0">
+                <a:alpha val="40000"/>
+              </a:srgbClr>
+            </a:solidFill>
+          </a:ln>
+        </p:spPr>
+        <p:style>
+          <a:lnRef idx="1">
+            <a:schemeClr val="accent1"/>
+          </a:lnRef>
+          <a:fillRef idx="0">
+            <a:schemeClr val="accent1"/>
+          </a:fillRef>
+          <a:effectRef idx="0">
+            <a:schemeClr val="accent1"/>
+          </a:effectRef>
+          <a:fontRef idx="minor">
+            <a:schemeClr val="tx1"/>
+          </a:fontRef>
+        </p:style>
+      </p:cxnSp>
+      <p:sp>
+        <p:nvSpPr>
+          <p:cNvPr id="36" name="Oval 35"/>
+          <p:cNvSpPr/>
+          <p:nvPr/>
+        </p:nvSpPr>
+        <p:spPr>
+          <a:xfrm>
+            <a:off x="3193897" y="3589687"/>
+            <a:ext cx="242125" cy="242125"/>
+          </a:xfrm>
+          <a:prstGeom prst="ellipse">
+            <a:avLst/>
+          </a:prstGeom>
+          <a:solidFill>
+            <a:srgbClr val="E6A4C5"/>
+          </a:solidFill>
+          <a:ln w="76200">
+            <a:solidFill>
+              <a:schemeClr val="bg1"/>
+            </a:solidFill>
+          </a:ln>
+        </p:spPr>
+        <p:style>
+          <a:lnRef idx="2">
+            <a:schemeClr val="accent1">
+              <a:shade val="50000"/>
+            </a:schemeClr>
+          </a:lnRef>
+          <a:fillRef idx="1">
+            <a:schemeClr val="accent1"/>
+          </a:fillRef>
+          <a:effectRef idx="0">
+            <a:schemeClr val="accent1"/>
+          </a:effectRef>
+          <a:fontRef idx="minor">
+            <a:schemeClr val="lt1"/>
+          </a:fontRef>
+        </p:style>
+        <p:txBody>
+          <a:bodyPr rtlCol="0" anchor="ctr"/>
+          <a:lstStyle/>
+          <a:p>
+            <a:pPr algn="ctr"/>
+            <a:endParaRPr lang="en-GB"/>
+          </a:p>
+        </p:txBody>
+      </p:sp>
+      <p:sp>
+        <p:nvSpPr>
+          <p:cNvPr id="37" name="Oval 36"/>
+          <p:cNvSpPr/>
+          <p:nvPr/>
+        </p:nvSpPr>
+        <p:spPr>
+          <a:xfrm>
+            <a:off x="6078012" y="3573246"/>
+            <a:ext cx="242125" cy="242125"/>
+          </a:xfrm>
+          <a:prstGeom prst="ellipse">
+            <a:avLst/>
+          </a:prstGeom>
+          <a:solidFill>
+            <a:srgbClr val="E6A4C5"/>
+          </a:solidFill>
+          <a:ln w="76200">
+            <a:solidFill>
+              <a:schemeClr val="bg1"/>
+            </a:solidFill>
+          </a:ln>
+        </p:spPr>
+        <p:style>
+          <a:lnRef idx="2">
+            <a:schemeClr val="accent1">
+              <a:shade val="50000"/>
+            </a:schemeClr>
+          </a:lnRef>
+          <a:fillRef idx="1">
+            <a:schemeClr val="accent1"/>
+          </a:fillRef>
+          <a:effectRef idx="0">
+            <a:schemeClr val="accent1"/>
+          </a:effectRef>
+          <a:fontRef idx="minor">
+            <a:schemeClr val="lt1"/>
+          </a:fontRef>
+        </p:style>
+        <p:txBody>
+          <a:bodyPr rtlCol="0" anchor="ctr"/>
+          <a:lstStyle/>
+          <a:p>
+            <a:pPr algn="ctr"/>
+            <a:endParaRPr lang="en-GB"/>
+          </a:p>
+        </p:txBody>
+      </p:sp>
+      <p:sp>
+        <p:nvSpPr>
+          <p:cNvPr id="38" name="Oval 37"/>
+          <p:cNvSpPr/>
+          <p:nvPr/>
+        </p:nvSpPr>
+        <p:spPr>
+          <a:xfrm>
+            <a:off x="8889947" y="3582001"/>
+            <a:ext cx="242125" cy="242125"/>
+          </a:xfrm>
+          <a:prstGeom prst="ellipse">
+            <a:avLst/>
+          </a:prstGeom>
+          <a:solidFill>
+            <a:srgbClr val="E6A4C5"/>
+          </a:solidFill>
+          <a:ln w="76200">
+            <a:solidFill>
+              <a:schemeClr val="bg1"/>
+            </a:solidFill>
+          </a:ln>
+        </p:spPr>
+        <p:style>
+          <a:lnRef idx="2">
+            <a:schemeClr val="accent1">
+              <a:shade val="50000"/>
+            </a:schemeClr>
+          </a:lnRef>
+          <a:fillRef idx="1">
+            <a:schemeClr val="accent1"/>
+          </a:fillRef>
+          <a:effectRef idx="0">
+            <a:schemeClr val="accent1"/>
+          </a:effectRef>
+          <a:fontRef idx="minor">
+            <a:schemeClr val="lt1"/>
+          </a:fontRef>
+        </p:style>
+        <p:txBody>
+          <a:bodyPr rtlCol="0" anchor="ctr"/>
+          <a:lstStyle/>
+          <a:p>
+            <a:pPr algn="ctr"/>
+            <a:endParaRPr lang="en-GB"/>
+          </a:p>
+        </p:txBody>
+      </p:sp>
+      <p:sp>
+        <p:nvSpPr>
+          <p:cNvPr id="39" name="TextBox 38"/>
+          <p:cNvSpPr txBox="1"/>
+          <p:nvPr/>
+        </p:nvSpPr>
+        <p:spPr>
+          <a:xfrm>
+            <a:off x="673926" y="2241102"/>
+            <a:ext cx="2207632" cy="646331"/>
+          </a:xfrm>
+          <a:prstGeom prst="rect">
+            <a:avLst/>
+          </a:prstGeom>
+          <a:noFill/>
+        </p:spPr>
+        <p:txBody>
+          <a:bodyPr wrap="square" rtlCol="0">
+            <a:spAutoFit/>
+          </a:bodyPr>
+          <a:lstStyle/>
+          <a:p>
+            <a:pPr algn="ctr"/>
+            <a:r>
+              <a:rPr lang="en-GB" sz="3600" b="1" dirty="0" smtClean="0">
+                <a:gradFill>
+                  <a:gsLst>
+                    <a:gs pos="100000">
+                      <a:srgbClr val="EA6984"/>
+                    </a:gs>
+                    <a:gs pos="0">
+                      <a:srgbClr val="D56AA0"/>
+                    </a:gs>
+                  </a:gsLst>
+                  <a:lin ang="13500000" scaled="1"/>
+                </a:gradFill>
+                <a:latin typeface="Nunito Black" panose="00000A00000000000000" pitchFamily="2" charset="0"/>
+              </a:rPr>
+              <a:t>Q4 2018</a:t>
+            </a:r>
+            <a:endParaRPr lang="en-GB" sz="3600" b="1" dirty="0">
+              <a:gradFill>
+                <a:gsLst>
+                  <a:gs pos="100000">
+                    <a:srgbClr val="EA6984"/>
+                  </a:gs>
+                  <a:gs pos="0">
+                    <a:srgbClr val="D56AA0"/>
+                  </a:gs>
+                </a:gsLst>
+                <a:lin ang="13500000" scaled="1"/>
+              </a:gradFill>
+              <a:latin typeface="Nunito Black" panose="00000A00000000000000" pitchFamily="2" charset="0"/>
+            </a:endParaRPr>
+          </a:p>
+        </p:txBody>
+      </p:sp>
+      <p:sp>
+        <p:nvSpPr>
+          <p:cNvPr id="40" name="TextBox 39"/>
+          <p:cNvSpPr txBox="1"/>
+          <p:nvPr/>
+        </p:nvSpPr>
+        <p:spPr>
+          <a:xfrm>
+            <a:off x="3582130" y="2226549"/>
+            <a:ext cx="2343621" cy="646331"/>
+          </a:xfrm>
+          <a:prstGeom prst="rect">
+            <a:avLst/>
+          </a:prstGeom>
+          <a:noFill/>
+        </p:spPr>
+        <p:txBody>
+          <a:bodyPr wrap="square" rtlCol="0">
+            <a:spAutoFit/>
+          </a:bodyPr>
+          <a:lstStyle/>
+          <a:p>
+            <a:pPr algn="ctr"/>
+            <a:r>
+              <a:rPr lang="en-GB" sz="3600" b="1" dirty="0" smtClean="0">
+                <a:gradFill>
+                  <a:gsLst>
+                    <a:gs pos="100000">
+                      <a:srgbClr val="EA6984"/>
+                    </a:gs>
+                    <a:gs pos="0">
+                      <a:srgbClr val="D56AA0"/>
+                    </a:gs>
+                  </a:gsLst>
+                  <a:lin ang="13500000" scaled="1"/>
+                </a:gradFill>
+                <a:latin typeface="Nunito Black" panose="00000A00000000000000" pitchFamily="2" charset="0"/>
+              </a:rPr>
+              <a:t>Q1 2019</a:t>
+            </a:r>
+            <a:endParaRPr lang="en-GB" sz="3600" b="1" dirty="0">
+              <a:gradFill>
+                <a:gsLst>
+                  <a:gs pos="100000">
+                    <a:srgbClr val="EA6984"/>
+                  </a:gs>
+                  <a:gs pos="0">
+                    <a:srgbClr val="D56AA0"/>
+                  </a:gs>
+                </a:gsLst>
+                <a:lin ang="13500000" scaled="1"/>
+              </a:gradFill>
+              <a:latin typeface="Nunito Black" panose="00000A00000000000000" pitchFamily="2" charset="0"/>
+            </a:endParaRPr>
+          </a:p>
+        </p:txBody>
+      </p:sp>
+      <p:sp>
+        <p:nvSpPr>
+          <p:cNvPr id="41" name="TextBox 40"/>
+          <p:cNvSpPr txBox="1"/>
+          <p:nvPr/>
+        </p:nvSpPr>
+        <p:spPr>
+          <a:xfrm>
+            <a:off x="6446733" y="2200001"/>
+            <a:ext cx="2365010" cy="646331"/>
+          </a:xfrm>
+          <a:prstGeom prst="rect">
+            <a:avLst/>
+          </a:prstGeom>
+          <a:noFill/>
+        </p:spPr>
+        <p:txBody>
+          <a:bodyPr wrap="square" rtlCol="0">
+            <a:spAutoFit/>
+          </a:bodyPr>
+          <a:lstStyle/>
+          <a:p>
+            <a:pPr algn="ctr"/>
+            <a:r>
+              <a:rPr lang="en-GB" sz="3600" b="1" dirty="0" smtClean="0">
+                <a:gradFill>
+                  <a:gsLst>
+                    <a:gs pos="100000">
+                      <a:srgbClr val="EA6984"/>
+                    </a:gs>
+                    <a:gs pos="0">
+                      <a:srgbClr val="D56AA0"/>
+                    </a:gs>
+                  </a:gsLst>
+                  <a:lin ang="13500000" scaled="1"/>
+                </a:gradFill>
+                <a:latin typeface="Nunito Black" panose="00000A00000000000000" pitchFamily="2" charset="0"/>
+              </a:rPr>
+              <a:t>Q2 2019</a:t>
+            </a:r>
+            <a:endParaRPr lang="en-GB" sz="3600" b="1" dirty="0">
+              <a:gradFill>
+                <a:gsLst>
+                  <a:gs pos="100000">
+                    <a:srgbClr val="EA6984"/>
+                  </a:gs>
+                  <a:gs pos="0">
+                    <a:srgbClr val="D56AA0"/>
+                  </a:gs>
+                </a:gsLst>
+                <a:lin ang="13500000" scaled="1"/>
+              </a:gradFill>
+              <a:latin typeface="Nunito Black" panose="00000A00000000000000" pitchFamily="2" charset="0"/>
+            </a:endParaRPr>
+          </a:p>
+        </p:txBody>
+      </p:sp>
+      <p:sp>
+        <p:nvSpPr>
+          <p:cNvPr id="42" name="TextBox 41"/>
+          <p:cNvSpPr txBox="1"/>
+          <p:nvPr/>
+        </p:nvSpPr>
+        <p:spPr>
+          <a:xfrm>
+            <a:off x="9255419" y="2175342"/>
+            <a:ext cx="2253762" cy="646331"/>
+          </a:xfrm>
+          <a:prstGeom prst="rect">
+            <a:avLst/>
+          </a:prstGeom>
+          <a:noFill/>
+        </p:spPr>
+        <p:txBody>
+          <a:bodyPr wrap="square" rtlCol="0">
+            <a:spAutoFit/>
+          </a:bodyPr>
+          <a:lstStyle/>
+          <a:p>
+            <a:pPr algn="ctr"/>
+            <a:r>
+              <a:rPr lang="en-GB" sz="3600" b="1" dirty="0" smtClean="0">
+                <a:gradFill>
+                  <a:gsLst>
+                    <a:gs pos="100000">
+                      <a:srgbClr val="EA6984"/>
+                    </a:gs>
+                    <a:gs pos="0">
+                      <a:srgbClr val="D56AA0"/>
+                    </a:gs>
+                  </a:gsLst>
+                  <a:lin ang="13500000" scaled="1"/>
+                </a:gradFill>
+                <a:latin typeface="Nunito Black" panose="00000A00000000000000" pitchFamily="2" charset="0"/>
+              </a:rPr>
+              <a:t>Q3 2019</a:t>
+            </a:r>
+            <a:endParaRPr lang="en-GB" sz="3600" b="1" dirty="0">
+              <a:gradFill>
+                <a:gsLst>
+                  <a:gs pos="100000">
+                    <a:srgbClr val="EA6984"/>
+                  </a:gs>
+                  <a:gs pos="0">
+                    <a:srgbClr val="D56AA0"/>
+                  </a:gs>
+                </a:gsLst>
+                <a:lin ang="13500000" scaled="1"/>
+              </a:gradFill>
+              <a:latin typeface="Nunito Black" panose="00000A00000000000000" pitchFamily="2" charset="0"/>
+            </a:endParaRPr>
+          </a:p>
+        </p:txBody>
+      </p:sp>
+      <p:sp>
+        <p:nvSpPr>
+          <p:cNvPr id="43" name="TextBox 42"/>
+          <p:cNvSpPr txBox="1"/>
+          <p:nvPr/>
+        </p:nvSpPr>
+        <p:spPr>
+          <a:xfrm>
+            <a:off x="639109" y="4761007"/>
+            <a:ext cx="2481943" cy="584775"/>
+          </a:xfrm>
+          <a:prstGeom prst="rect">
+            <a:avLst/>
+          </a:prstGeom>
+          <a:noFill/>
+        </p:spPr>
+        <p:txBody>
+          <a:bodyPr wrap="square" rtlCol="0">
+            <a:spAutoFit/>
+          </a:bodyPr>
+          <a:lstStyle/>
+          <a:p>
+            <a:pPr algn="ctr"/>
+            <a:r>
+              <a:rPr lang="en-GB" sz="3200" b="1" dirty="0" smtClean="0">
+                <a:solidFill>
+                  <a:schemeClr val="tx1">
+                    <a:lumMod val="75000"/>
+                    <a:lumOff val="25000"/>
+                  </a:schemeClr>
+                </a:solidFill>
+                <a:latin typeface="Nunito Black" panose="00000A00000000000000" pitchFamily="2" charset="0"/>
+              </a:rPr>
+              <a:t>Research</a:t>
+            </a:r>
+            <a:endParaRPr lang="en-GB" sz="3200" b="1" dirty="0">
+              <a:solidFill>
+                <a:schemeClr val="tx1">
+                  <a:lumMod val="75000"/>
+                  <a:lumOff val="25000"/>
+                </a:schemeClr>
+              </a:solidFill>
+              <a:latin typeface="Nunito Black" panose="00000A00000000000000" pitchFamily="2" charset="0"/>
+            </a:endParaRPr>
+          </a:p>
+        </p:txBody>
+      </p:sp>
+      <p:sp>
+        <p:nvSpPr>
+          <p:cNvPr id="44" name="TextBox 43"/>
+          <p:cNvSpPr txBox="1"/>
+          <p:nvPr/>
+        </p:nvSpPr>
+        <p:spPr>
+          <a:xfrm>
+            <a:off x="3512968" y="4740802"/>
+            <a:ext cx="2481943" cy="584775"/>
+          </a:xfrm>
+          <a:prstGeom prst="rect">
+            <a:avLst/>
+          </a:prstGeom>
+          <a:noFill/>
+        </p:spPr>
+        <p:txBody>
+          <a:bodyPr wrap="square" rtlCol="0">
+            <a:spAutoFit/>
+          </a:bodyPr>
+          <a:lstStyle/>
+          <a:p>
+            <a:pPr algn="ctr"/>
+            <a:r>
+              <a:rPr lang="en-GB" sz="3200" b="1" dirty="0" smtClean="0">
+                <a:solidFill>
+                  <a:schemeClr val="tx1">
+                    <a:lumMod val="75000"/>
+                    <a:lumOff val="25000"/>
+                  </a:schemeClr>
+                </a:solidFill>
+                <a:latin typeface="Nunito Black" panose="00000A00000000000000" pitchFamily="2" charset="0"/>
+              </a:rPr>
+              <a:t>MVP</a:t>
+            </a:r>
+            <a:endParaRPr lang="en-GB" sz="3200" b="1" dirty="0">
+              <a:solidFill>
+                <a:schemeClr val="tx1">
+                  <a:lumMod val="75000"/>
+                  <a:lumOff val="25000"/>
+                </a:schemeClr>
+              </a:solidFill>
+              <a:latin typeface="Nunito Black" panose="00000A00000000000000" pitchFamily="2" charset="0"/>
+            </a:endParaRPr>
+          </a:p>
+        </p:txBody>
+      </p:sp>
+      <p:sp>
+        <p:nvSpPr>
+          <p:cNvPr id="45" name="TextBox 44"/>
+          <p:cNvSpPr txBox="1"/>
+          <p:nvPr/>
+        </p:nvSpPr>
+        <p:spPr>
+          <a:xfrm>
+            <a:off x="6386827" y="4700774"/>
+            <a:ext cx="2481943" cy="584775"/>
+          </a:xfrm>
+          <a:prstGeom prst="rect">
+            <a:avLst/>
+          </a:prstGeom>
+          <a:noFill/>
+        </p:spPr>
+        <p:txBody>
+          <a:bodyPr wrap="square" rtlCol="0">
+            <a:spAutoFit/>
+          </a:bodyPr>
+          <a:lstStyle/>
+          <a:p>
+            <a:pPr algn="ctr"/>
+            <a:r>
+              <a:rPr lang="en-GB" sz="3200" b="1" dirty="0" smtClean="0">
+                <a:solidFill>
+                  <a:schemeClr val="tx1">
+                    <a:lumMod val="75000"/>
+                    <a:lumOff val="25000"/>
+                  </a:schemeClr>
+                </a:solidFill>
+                <a:latin typeface="Nunito Black" panose="00000A00000000000000" pitchFamily="2" charset="0"/>
+              </a:rPr>
+              <a:t>Beta</a:t>
+            </a:r>
+            <a:endParaRPr lang="en-GB" sz="3200" b="1" dirty="0">
+              <a:solidFill>
+                <a:schemeClr val="tx1">
+                  <a:lumMod val="75000"/>
+                  <a:lumOff val="25000"/>
+                </a:schemeClr>
+              </a:solidFill>
+              <a:latin typeface="Nunito Black" panose="00000A00000000000000" pitchFamily="2" charset="0"/>
+            </a:endParaRPr>
+          </a:p>
+        </p:txBody>
+      </p:sp>
+      <p:sp>
+        <p:nvSpPr>
+          <p:cNvPr id="46" name="TextBox 45"/>
+          <p:cNvSpPr txBox="1"/>
+          <p:nvPr/>
+        </p:nvSpPr>
+        <p:spPr>
+          <a:xfrm>
+            <a:off x="9150502" y="4712030"/>
+            <a:ext cx="2481943" cy="584775"/>
+          </a:xfrm>
+          <a:prstGeom prst="rect">
+            <a:avLst/>
+          </a:prstGeom>
+          <a:noFill/>
+        </p:spPr>
+        <p:txBody>
+          <a:bodyPr wrap="square" rtlCol="0">
+            <a:spAutoFit/>
+          </a:bodyPr>
+          <a:lstStyle/>
+          <a:p>
+            <a:pPr algn="ctr"/>
+            <a:r>
+              <a:rPr lang="en-GB" sz="3200" b="1" dirty="0" smtClean="0">
+                <a:solidFill>
+                  <a:schemeClr val="tx1">
+                    <a:lumMod val="75000"/>
+                    <a:lumOff val="25000"/>
+                  </a:schemeClr>
+                </a:solidFill>
+                <a:latin typeface="Nunito Black" panose="00000A00000000000000" pitchFamily="2" charset="0"/>
+              </a:rPr>
+              <a:t>Pilot</a:t>
+            </a:r>
+            <a:endParaRPr lang="en-GB" sz="3200" b="1" dirty="0">
+              <a:solidFill>
+                <a:schemeClr val="tx1">
+                  <a:lumMod val="75000"/>
+                  <a:lumOff val="25000"/>
+                </a:schemeClr>
+              </a:solidFill>
+              <a:latin typeface="Nunito Black" panose="00000A00000000000000" pitchFamily="2" charset="0"/>
+            </a:endParaRPr>
+          </a:p>
+        </p:txBody>
+      </p:sp>
+    </p:spTree>
+    <p:extLst>
+      <p:ext uri="{BB962C8B-B14F-4D97-AF65-F5344CB8AC3E}">
+        <p14:creationId xmlns:p14="http://schemas.microsoft.com/office/powerpoint/2010/main" val="4036910040"/>
+      </p:ext>
+    </p:extLst>
+  </p:cSld>
+  <p:clrMapOvr>
+    <a:masterClrMapping/>
+  </p:clrMapOvr>
+  <mc:AlternateContent xmlns:mc="http://schemas.openxmlformats.org/markup-compatibility/2006" xmlns:p14="http://schemas.microsoft.com/office/powerpoint/2010/main">
+    <mc:Choice Requires="p14">
+      <p:transition p14:dur="0"/>
+    </mc:Choice>
+    <mc:Fallback xmlns="">
+      <p:transition/>
+    </mc:Fallback>
+  </mc:AlternateContent>
+  <p:timing>
+    <p:tnLst>
+      <p:par>
+        <p:cTn id="1" dur="indefinite" restart="never" nodeType="tmRoot"/>
+      </p:par>
+    </p:tnLst>
+  </p:timing>
+</p:sld>
+</file>
+
+<file path=ppt/slides/slide11.xml><?xml version="1.0" encoding="utf-8"?>
+<p:sld xmlns:a="http://schemas.openxmlformats.org/drawingml/2006/main" xmlns:r="http://schemas.openxmlformats.org/officeDocument/2006/relationships" xmlns:p="http://schemas.openxmlformats.org/presentationml/2006/main">
+  <p:cSld>
+    <p:bg>
+      <p:bgPr>
+        <a:solidFill>
+          <a:schemeClr val="bg1"/>
+        </a:solidFill>
+        <a:effectLst/>
+      </p:bgPr>
+    </p:bg>
+    <p:spTree>
+      <p:nvGrpSpPr>
+        <p:cNvPr id="1" name=""/>
+        <p:cNvGrpSpPr/>
+        <p:nvPr/>
+      </p:nvGrpSpPr>
+      <p:grpSpPr>
+        <a:xfrm>
+          <a:off x="0" y="0"/>
+          <a:ext cx="0" cy="0"/>
+          <a:chOff x="0" y="0"/>
+          <a:chExt cx="0" cy="0"/>
+        </a:xfrm>
+      </p:grpSpPr>
+      <p:sp>
+        <p:nvSpPr>
+          <p:cNvPr id="2" name="Title 1"/>
+          <p:cNvSpPr>
+            <a:spLocks noGrp="1"/>
+          </p:cNvSpPr>
+          <p:nvPr>
+            <p:ph type="ctrTitle"/>
+          </p:nvPr>
+        </p:nvSpPr>
+        <p:spPr>
+          <a:xfrm>
+            <a:off x="2072081" y="-653519"/>
+            <a:ext cx="9390577" cy="2387600"/>
+          </a:xfrm>
+        </p:spPr>
+        <p:txBody>
+          <a:bodyPr>
+            <a:normAutofit/>
+          </a:bodyPr>
+          <a:lstStyle/>
+          <a:p>
+            <a:pPr algn="r"/>
+            <a:r>
+              <a:rPr lang="en-GB" sz="6600" b="1" dirty="0" smtClean="0">
+                <a:gradFill flip="none" rotWithShape="1">
+                  <a:gsLst>
+                    <a:gs pos="100000">
+                      <a:srgbClr val="EA6984"/>
+                    </a:gs>
+                    <a:gs pos="0">
+                      <a:srgbClr val="D56AA0"/>
+                    </a:gs>
+                  </a:gsLst>
+                  <a:lin ang="13500000" scaled="1"/>
+                  <a:tileRect/>
+                </a:gradFill>
+                <a:latin typeface="Nunito Black" panose="00000A00000000000000" pitchFamily="2" charset="0"/>
+              </a:rPr>
+              <a:t>Conclusion and future</a:t>
+            </a:r>
+            <a:endParaRPr lang="en-GB" sz="2800" b="1" dirty="0">
+              <a:gradFill flip="none" rotWithShape="1">
+                <a:gsLst>
+                  <a:gs pos="100000">
+                    <a:srgbClr val="EA6984"/>
+                  </a:gs>
+                  <a:gs pos="0">
+                    <a:srgbClr val="D56AA0"/>
+                  </a:gs>
+                </a:gsLst>
+                <a:lin ang="13500000" scaled="1"/>
+                <a:tileRect/>
+              </a:gradFill>
+              <a:latin typeface="Nunito Black" panose="00000A00000000000000" pitchFamily="2" charset="0"/>
+            </a:endParaRPr>
+          </a:p>
+        </p:txBody>
+      </p:sp>
+      <p:sp>
+        <p:nvSpPr>
+          <p:cNvPr id="12" name="TextBox 11"/>
+          <p:cNvSpPr txBox="1"/>
+          <p:nvPr/>
+        </p:nvSpPr>
+        <p:spPr>
+          <a:xfrm>
+            <a:off x="6760030" y="1782237"/>
+            <a:ext cx="4702628" cy="523220"/>
+          </a:xfrm>
+          <a:prstGeom prst="rect">
+            <a:avLst/>
+          </a:prstGeom>
+          <a:noFill/>
+        </p:spPr>
+        <p:txBody>
+          <a:bodyPr wrap="square" rtlCol="0">
+            <a:spAutoFit/>
+          </a:bodyPr>
+          <a:lstStyle/>
+          <a:p>
+            <a:pPr lvl="1" algn="r"/>
+            <a:endParaRPr lang="en-GB" sz="2800" b="1" dirty="0">
+              <a:solidFill>
+                <a:srgbClr val="E6A4C5"/>
+              </a:solidFill>
+              <a:latin typeface="Nunito" panose="00000500000000000000" pitchFamily="2" charset="0"/>
+            </a:endParaRPr>
+          </a:p>
+        </p:txBody>
+      </p:sp>
+      <p:pic>
+        <p:nvPicPr>
+          <p:cNvPr id="16" name="Picture 15"/>
+          <p:cNvPicPr>
+            <a:picLocks noChangeAspect="1"/>
+          </p:cNvPicPr>
+          <p:nvPr/>
+        </p:nvPicPr>
+        <p:blipFill>
+          <a:blip r:embed="rId2" cstate="print">
+            <a:extLst>
+              <a:ext uri="{28A0092B-C50C-407E-A947-70E740481C1C}">
+                <a14:useLocalDpi xmlns:a14="http://schemas.microsoft.com/office/drawing/2010/main" val="0"/>
+              </a:ext>
+            </a:extLst>
+          </a:blip>
+          <a:stretch>
+            <a:fillRect/>
+          </a:stretch>
+        </p:blipFill>
+        <p:spPr>
+          <a:xfrm rot="11346299">
+            <a:off x="8807491" y="2656255"/>
+            <a:ext cx="6769017" cy="6769017"/>
+          </a:xfrm>
+          <a:prstGeom prst="rect">
+            <a:avLst/>
+          </a:prstGeom>
+          <a:noFill/>
+          <a:ln>
+            <a:noFill/>
+          </a:ln>
+        </p:spPr>
+      </p:pic>
+      <p:grpSp>
+        <p:nvGrpSpPr>
+          <p:cNvPr id="10" name="Group 9"/>
+          <p:cNvGrpSpPr/>
+          <p:nvPr/>
+        </p:nvGrpSpPr>
+        <p:grpSpPr>
+          <a:xfrm>
+            <a:off x="-2982265" y="-4038029"/>
+            <a:ext cx="6769017" cy="6769017"/>
+            <a:chOff x="-2982265" y="-4038029"/>
+            <a:chExt cx="6769017" cy="6769017"/>
+          </a:xfrm>
+        </p:grpSpPr>
+        <p:pic>
+          <p:nvPicPr>
+            <p:cNvPr id="17" name="Picture 16"/>
+            <p:cNvPicPr>
+              <a:picLocks noChangeAspect="1"/>
+            </p:cNvPicPr>
+            <p:nvPr/>
+          </p:nvPicPr>
+          <p:blipFill>
+            <a:blip r:embed="rId3" cstate="print">
+              <a:extLst>
+                <a:ext uri="{BEBA8EAE-BF5A-486C-A8C5-ECC9F3942E4B}">
+                  <a14:imgProps xmlns:a14="http://schemas.microsoft.com/office/drawing/2010/main">
+                    <a14:imgLayer r:embed="rId4">
+                      <a14:imgEffect>
+                        <a14:colorTemperature colorTemp="11200"/>
+                      </a14:imgEffect>
+                    </a14:imgLayer>
+                  </a14:imgProps>
+                </a:ext>
+                <a:ext uri="{28A0092B-C50C-407E-A947-70E740481C1C}">
+                  <a14:useLocalDpi xmlns:a14="http://schemas.microsoft.com/office/drawing/2010/main" val="0"/>
+                </a:ext>
+              </a:extLst>
+            </a:blip>
+            <a:stretch>
+              <a:fillRect/>
+            </a:stretch>
+          </p:blipFill>
+          <p:spPr>
+            <a:xfrm rot="8119872">
+              <a:off x="-2982265" y="-4038029"/>
+              <a:ext cx="6769017" cy="6769017"/>
+            </a:xfrm>
+            <a:prstGeom prst="rect">
+              <a:avLst/>
+            </a:prstGeom>
+            <a:ln>
+              <a:noFill/>
+            </a:ln>
+          </p:spPr>
+        </p:pic>
+        <p:pic>
+          <p:nvPicPr>
+            <p:cNvPr id="18" name="Picture 17"/>
+            <p:cNvPicPr>
+              <a:picLocks noChangeAspect="1"/>
+            </p:cNvPicPr>
+            <p:nvPr/>
+          </p:nvPicPr>
+          <p:blipFill>
+            <a:blip r:embed="rId5" cstate="print">
+              <a:extLst>
+                <a:ext uri="{28A0092B-C50C-407E-A947-70E740481C1C}">
+                  <a14:useLocalDpi xmlns:a14="http://schemas.microsoft.com/office/drawing/2010/main" val="0"/>
+                </a:ext>
+              </a:extLst>
+            </a:blip>
+            <a:stretch>
+              <a:fillRect/>
+            </a:stretch>
+          </p:blipFill>
+          <p:spPr>
+            <a:xfrm>
+              <a:off x="-1377" y="178861"/>
+              <a:ext cx="1793583" cy="1793583"/>
+            </a:xfrm>
+            <a:prstGeom prst="rect">
+              <a:avLst/>
+            </a:prstGeom>
+            <a:ln>
+              <a:noFill/>
+            </a:ln>
+          </p:spPr>
+        </p:pic>
+      </p:grpSp>
+      <p:pic>
+        <p:nvPicPr>
+          <p:cNvPr id="15" name="Picture 14"/>
+          <p:cNvPicPr>
+            <a:picLocks noChangeAspect="1"/>
+          </p:cNvPicPr>
+          <p:nvPr/>
+        </p:nvPicPr>
+        <p:blipFill>
+          <a:blip r:embed="rId6" cstate="print">
+            <a:extLst>
+              <a:ext uri="{28A0092B-C50C-407E-A947-70E740481C1C}">
+                <a14:useLocalDpi xmlns:a14="http://schemas.microsoft.com/office/drawing/2010/main" val="0"/>
+              </a:ext>
+            </a:extLst>
+          </a:blip>
+          <a:stretch>
+            <a:fillRect/>
+          </a:stretch>
+        </p:blipFill>
+        <p:spPr>
+          <a:xfrm>
+            <a:off x="4472708" y="3324320"/>
+            <a:ext cx="568295" cy="757491"/>
+          </a:xfrm>
+          <a:prstGeom prst="rect">
+            <a:avLst/>
+          </a:prstGeom>
+        </p:spPr>
+      </p:pic>
+      <p:pic>
+        <p:nvPicPr>
+          <p:cNvPr id="23" name="Picture 22"/>
+          <p:cNvPicPr>
+            <a:picLocks noChangeAspect="1"/>
+          </p:cNvPicPr>
+          <p:nvPr/>
+        </p:nvPicPr>
+        <p:blipFill>
+          <a:blip r:embed="rId7" cstate="print">
+            <a:extLst>
+              <a:ext uri="{28A0092B-C50C-407E-A947-70E740481C1C}">
+                <a14:useLocalDpi xmlns:a14="http://schemas.microsoft.com/office/drawing/2010/main" val="0"/>
+              </a:ext>
+            </a:extLst>
+          </a:blip>
+          <a:stretch>
+            <a:fillRect/>
+          </a:stretch>
+        </p:blipFill>
+        <p:spPr>
+          <a:xfrm>
+            <a:off x="7397479" y="3330043"/>
+            <a:ext cx="466539" cy="746043"/>
+          </a:xfrm>
+          <a:prstGeom prst="rect">
+            <a:avLst/>
+          </a:prstGeom>
+        </p:spPr>
+      </p:pic>
+      <p:pic>
+        <p:nvPicPr>
+          <p:cNvPr id="3" name="Picture 2"/>
+          <p:cNvPicPr>
+            <a:picLocks noChangeAspect="1"/>
+          </p:cNvPicPr>
+          <p:nvPr/>
+        </p:nvPicPr>
+        <p:blipFill>
+          <a:blip r:embed="rId8">
+            <a:extLst>
+              <a:ext uri="{28A0092B-C50C-407E-A947-70E740481C1C}">
+                <a14:useLocalDpi xmlns:a14="http://schemas.microsoft.com/office/drawing/2010/main" val="0"/>
+              </a:ext>
+            </a:extLst>
+          </a:blip>
+          <a:stretch>
+            <a:fillRect/>
+          </a:stretch>
+        </p:blipFill>
+        <p:spPr>
+          <a:xfrm>
+            <a:off x="275370" y="2305457"/>
+            <a:ext cx="5559122" cy="4047041"/>
+          </a:xfrm>
+          <a:prstGeom prst="rect">
+            <a:avLst/>
+          </a:prstGeom>
+        </p:spPr>
+      </p:pic>
+      <p:sp>
+        <p:nvSpPr>
+          <p:cNvPr id="11" name="TextBox 10"/>
+          <p:cNvSpPr txBox="1"/>
+          <p:nvPr/>
+        </p:nvSpPr>
+        <p:spPr>
+          <a:xfrm>
+            <a:off x="6687460" y="1782237"/>
+            <a:ext cx="4702628" cy="3970318"/>
+          </a:xfrm>
+          <a:prstGeom prst="rect">
+            <a:avLst/>
+          </a:prstGeom>
+          <a:noFill/>
+        </p:spPr>
+        <p:txBody>
+          <a:bodyPr wrap="square" rtlCol="0">
+            <a:spAutoFit/>
+          </a:bodyPr>
+          <a:lstStyle/>
+          <a:p>
+            <a:pPr lvl="1"/>
+            <a:r>
+              <a:rPr lang="en-GB" sz="2800" b="1" dirty="0">
+                <a:solidFill>
+                  <a:schemeClr val="tx1">
+                    <a:lumMod val="75000"/>
+                    <a:lumOff val="25000"/>
+                  </a:schemeClr>
+                </a:solidFill>
+                <a:latin typeface="Nunito Black" panose="00000A00000000000000" pitchFamily="2" charset="0"/>
+              </a:rPr>
+              <a:t>- </a:t>
+            </a:r>
+            <a:r>
+              <a:rPr lang="en-GB" sz="2800" b="1" dirty="0" smtClean="0">
+                <a:solidFill>
+                  <a:schemeClr val="tx1">
+                    <a:lumMod val="75000"/>
+                    <a:lumOff val="25000"/>
+                  </a:schemeClr>
+                </a:solidFill>
+                <a:latin typeface="Nunito Black" panose="00000A00000000000000" pitchFamily="2" charset="0"/>
+              </a:rPr>
+              <a:t>Implement more features, such as payment</a:t>
+            </a:r>
+            <a:endParaRPr lang="en-GB" sz="2800" b="1" dirty="0">
+              <a:solidFill>
+                <a:schemeClr val="tx1">
+                  <a:lumMod val="75000"/>
+                  <a:lumOff val="25000"/>
+                </a:schemeClr>
+              </a:solidFill>
+              <a:latin typeface="Nunito Black" panose="00000A00000000000000" pitchFamily="2" charset="0"/>
+            </a:endParaRPr>
+          </a:p>
+          <a:p>
+            <a:pPr lvl="1"/>
+            <a:endParaRPr lang="en-GB" sz="2800" b="1" dirty="0">
+              <a:solidFill>
+                <a:schemeClr val="tx1">
+                  <a:lumMod val="75000"/>
+                  <a:lumOff val="25000"/>
+                </a:schemeClr>
+              </a:solidFill>
+              <a:latin typeface="Nunito Black" panose="00000A00000000000000" pitchFamily="2" charset="0"/>
+            </a:endParaRPr>
+          </a:p>
+          <a:p>
+            <a:pPr lvl="1"/>
+            <a:r>
+              <a:rPr lang="en-GB" sz="2800" b="1" dirty="0" smtClean="0">
+                <a:solidFill>
+                  <a:schemeClr val="tx1">
+                    <a:lumMod val="75000"/>
+                    <a:lumOff val="25000"/>
+                  </a:schemeClr>
+                </a:solidFill>
+                <a:latin typeface="Nunito Black" panose="00000A00000000000000" pitchFamily="2" charset="0"/>
+              </a:rPr>
+              <a:t>- Integrate the app in existing restaurants</a:t>
+            </a:r>
+            <a:endParaRPr lang="en-GB" sz="2800" b="1" dirty="0">
+              <a:solidFill>
+                <a:schemeClr val="tx1">
+                  <a:lumMod val="75000"/>
+                  <a:lumOff val="25000"/>
+                </a:schemeClr>
+              </a:solidFill>
+              <a:latin typeface="Nunito Black" panose="00000A00000000000000" pitchFamily="2" charset="0"/>
+            </a:endParaRPr>
+          </a:p>
+          <a:p>
+            <a:pPr lvl="1"/>
+            <a:endParaRPr lang="en-GB" sz="2800" b="1" dirty="0" smtClean="0">
+              <a:solidFill>
+                <a:schemeClr val="tx1">
+                  <a:lumMod val="75000"/>
+                  <a:lumOff val="25000"/>
+                </a:schemeClr>
+              </a:solidFill>
+              <a:latin typeface="Nunito Black" panose="00000A00000000000000" pitchFamily="2" charset="0"/>
+            </a:endParaRPr>
+          </a:p>
+          <a:p>
+            <a:pPr lvl="1"/>
+            <a:r>
+              <a:rPr lang="en-GB" sz="2800" b="1" dirty="0" smtClean="0">
+                <a:solidFill>
+                  <a:schemeClr val="tx1">
+                    <a:lumMod val="75000"/>
+                    <a:lumOff val="25000"/>
+                  </a:schemeClr>
+                </a:solidFill>
+                <a:latin typeface="Nunito Black" panose="00000A00000000000000" pitchFamily="2" charset="0"/>
+              </a:rPr>
+              <a:t>- Improve based on th</a:t>
+            </a:r>
+            <a:r>
+              <a:rPr lang="en-GB" sz="2800" b="1" dirty="0" smtClean="0">
+                <a:solidFill>
+                  <a:schemeClr val="tx1">
+                    <a:lumMod val="75000"/>
+                    <a:lumOff val="25000"/>
+                  </a:schemeClr>
+                </a:solidFill>
+                <a:latin typeface="Nunito Black" panose="00000A00000000000000" pitchFamily="2" charset="0"/>
+              </a:rPr>
+              <a:t>e feedback from them</a:t>
+            </a:r>
+            <a:endParaRPr lang="en-GB" sz="2800" b="1" dirty="0">
+              <a:solidFill>
+                <a:schemeClr val="tx1">
+                  <a:lumMod val="75000"/>
+                  <a:lumOff val="25000"/>
+                </a:schemeClr>
+              </a:solidFill>
+              <a:latin typeface="Nunito Black" panose="00000A00000000000000" pitchFamily="2" charset="0"/>
+            </a:endParaRPr>
+          </a:p>
+        </p:txBody>
+      </p:sp>
+    </p:spTree>
+    <p:extLst>
+      <p:ext uri="{BB962C8B-B14F-4D97-AF65-F5344CB8AC3E}">
+        <p14:creationId xmlns:p14="http://schemas.microsoft.com/office/powerpoint/2010/main" val="4180396729"/>
+      </p:ext>
+    </p:extLst>
+  </p:cSld>
+  <p:clrMapOvr>
+    <a:masterClrMapping/>
+  </p:clrMapOvr>
+  <mc:AlternateContent xmlns:mc="http://schemas.openxmlformats.org/markup-compatibility/2006" xmlns:p14="http://schemas.microsoft.com/office/powerpoint/2010/main">
+    <mc:Choice Requires="p14">
+      <p:transition p14:dur="0"/>
+    </mc:Choice>
+    <mc:Fallback xmlns="">
+      <p:transition/>
+    </mc:Fallback>
+  </mc:AlternateContent>
+  <p:timing>
+    <p:tnLst>
+      <p:par>
+        <p:cTn id="1" dur="indefinite" restart="never" nodeType="tmRoot"/>
+      </p:par>
+    </p:tnLst>
+  </p:timing>
+</p:sld>
+</file>
+
+<file path=ppt/slides/slide12.xml><?xml version="1.0" encoding="utf-8"?>
+<p:sld xmlns:a="http://schemas.openxmlformats.org/drawingml/2006/main" xmlns:r="http://schemas.openxmlformats.org/officeDocument/2006/relationships" xmlns:p="http://schemas.openxmlformats.org/presentationml/2006/main">
+  <p:cSld>
+    <p:bg>
+      <p:bgPr>
+        <a:solidFill>
+          <a:schemeClr val="bg1"/>
+        </a:solidFill>
+        <a:effectLst/>
+      </p:bgPr>
+    </p:bg>
+    <p:spTree>
+      <p:nvGrpSpPr>
+        <p:cNvPr id="1" name=""/>
+        <p:cNvGrpSpPr/>
+        <p:nvPr/>
+      </p:nvGrpSpPr>
+      <p:grpSpPr>
+        <a:xfrm>
+          <a:off x="0" y="0"/>
+          <a:ext cx="0" cy="0"/>
+          <a:chOff x="0" y="0"/>
+          <a:chExt cx="0" cy="0"/>
+        </a:xfrm>
+      </p:grpSpPr>
+      <p:sp>
+        <p:nvSpPr>
+          <p:cNvPr id="2" name="Title 1"/>
+          <p:cNvSpPr>
+            <a:spLocks noGrp="1"/>
+          </p:cNvSpPr>
+          <p:nvPr>
+            <p:ph type="ctrTitle"/>
+          </p:nvPr>
+        </p:nvSpPr>
+        <p:spPr>
+          <a:xfrm>
+            <a:off x="2072081" y="-653519"/>
+            <a:ext cx="9390577" cy="2387600"/>
+          </a:xfrm>
+        </p:spPr>
+        <p:txBody>
+          <a:bodyPr>
+            <a:normAutofit fontScale="90000"/>
+          </a:bodyPr>
+          <a:lstStyle/>
+          <a:p>
+            <a:pPr algn="r"/>
+            <a:r>
+              <a:rPr lang="en-GB" sz="8800" b="1" dirty="0" smtClean="0">
+                <a:gradFill flip="none" rotWithShape="1">
+                  <a:gsLst>
+                    <a:gs pos="100000">
+                      <a:srgbClr val="EA6984"/>
+                    </a:gs>
+                    <a:gs pos="0">
+                      <a:srgbClr val="D56AA0"/>
+                    </a:gs>
+                  </a:gsLst>
+                  <a:lin ang="13500000" scaled="1"/>
+                  <a:tileRect/>
+                </a:gradFill>
+                <a:latin typeface="Nunito Black" panose="00000A00000000000000" pitchFamily="2" charset="0"/>
+              </a:rPr>
+              <a:t>Delirium Products!</a:t>
+            </a:r>
+            <a:endParaRPr lang="en-GB" sz="4000" b="1" dirty="0">
+              <a:gradFill flip="none" rotWithShape="1">
+                <a:gsLst>
+                  <a:gs pos="100000">
+                    <a:srgbClr val="EA6984"/>
+                  </a:gs>
+                  <a:gs pos="0">
+                    <a:srgbClr val="D56AA0"/>
+                  </a:gs>
+                </a:gsLst>
+                <a:lin ang="13500000" scaled="1"/>
+                <a:tileRect/>
+              </a:gradFill>
+              <a:latin typeface="Nunito Black" panose="00000A00000000000000" pitchFamily="2" charset="0"/>
+            </a:endParaRPr>
+          </a:p>
+        </p:txBody>
+      </p:sp>
+      <p:sp>
+        <p:nvSpPr>
+          <p:cNvPr id="12" name="TextBox 11"/>
+          <p:cNvSpPr txBox="1"/>
+          <p:nvPr/>
+        </p:nvSpPr>
+        <p:spPr>
+          <a:xfrm>
+            <a:off x="6760030" y="1782237"/>
+            <a:ext cx="4702628" cy="523220"/>
+          </a:xfrm>
+          <a:prstGeom prst="rect">
+            <a:avLst/>
+          </a:prstGeom>
+          <a:noFill/>
+        </p:spPr>
+        <p:txBody>
+          <a:bodyPr wrap="square" rtlCol="0">
+            <a:spAutoFit/>
+          </a:bodyPr>
+          <a:lstStyle/>
+          <a:p>
+            <a:pPr lvl="1" algn="r"/>
+            <a:endParaRPr lang="en-GB" sz="2800" b="1" dirty="0">
+              <a:solidFill>
+                <a:srgbClr val="E6A4C5"/>
+              </a:solidFill>
+              <a:latin typeface="Nunito" panose="00000500000000000000" pitchFamily="2" charset="0"/>
+            </a:endParaRPr>
+          </a:p>
+        </p:txBody>
+      </p:sp>
+      <p:pic>
+        <p:nvPicPr>
+          <p:cNvPr id="16" name="Picture 15"/>
+          <p:cNvPicPr>
+            <a:picLocks noChangeAspect="1"/>
+          </p:cNvPicPr>
+          <p:nvPr/>
+        </p:nvPicPr>
+        <p:blipFill>
+          <a:blip r:embed="rId2" cstate="print">
+            <a:extLst>
+              <a:ext uri="{28A0092B-C50C-407E-A947-70E740481C1C}">
+                <a14:useLocalDpi xmlns:a14="http://schemas.microsoft.com/office/drawing/2010/main" val="0"/>
+              </a:ext>
+            </a:extLst>
+          </a:blip>
+          <a:stretch>
+            <a:fillRect/>
+          </a:stretch>
+        </p:blipFill>
+        <p:spPr>
+          <a:xfrm rot="11346299">
+            <a:off x="8807491" y="2656255"/>
+            <a:ext cx="6769017" cy="6769017"/>
+          </a:xfrm>
+          <a:prstGeom prst="rect">
+            <a:avLst/>
+          </a:prstGeom>
+          <a:noFill/>
+          <a:ln>
+            <a:noFill/>
+          </a:ln>
+        </p:spPr>
+      </p:pic>
+      <p:grpSp>
+        <p:nvGrpSpPr>
+          <p:cNvPr id="10" name="Group 9"/>
+          <p:cNvGrpSpPr/>
+          <p:nvPr/>
+        </p:nvGrpSpPr>
+        <p:grpSpPr>
+          <a:xfrm>
+            <a:off x="-2982265" y="-4038029"/>
+            <a:ext cx="6769017" cy="6769017"/>
+            <a:chOff x="-2982265" y="-4038029"/>
+            <a:chExt cx="6769017" cy="6769017"/>
+          </a:xfrm>
+        </p:grpSpPr>
+        <p:pic>
+          <p:nvPicPr>
+            <p:cNvPr id="17" name="Picture 16"/>
+            <p:cNvPicPr>
+              <a:picLocks noChangeAspect="1"/>
+            </p:cNvPicPr>
+            <p:nvPr/>
+          </p:nvPicPr>
+          <p:blipFill>
+            <a:blip r:embed="rId3" cstate="print">
+              <a:extLst>
+                <a:ext uri="{BEBA8EAE-BF5A-486C-A8C5-ECC9F3942E4B}">
+                  <a14:imgProps xmlns:a14="http://schemas.microsoft.com/office/drawing/2010/main">
+                    <a14:imgLayer r:embed="rId4">
+                      <a14:imgEffect>
+                        <a14:colorTemperature colorTemp="11200"/>
+                      </a14:imgEffect>
+                    </a14:imgLayer>
+                  </a14:imgProps>
+                </a:ext>
+                <a:ext uri="{28A0092B-C50C-407E-A947-70E740481C1C}">
+                  <a14:useLocalDpi xmlns:a14="http://schemas.microsoft.com/office/drawing/2010/main" val="0"/>
+                </a:ext>
+              </a:extLst>
+            </a:blip>
+            <a:stretch>
+              <a:fillRect/>
+            </a:stretch>
+          </p:blipFill>
+          <p:spPr>
+            <a:xfrm rot="8119872">
+              <a:off x="-2982265" y="-4038029"/>
+              <a:ext cx="6769017" cy="6769017"/>
+            </a:xfrm>
+            <a:prstGeom prst="rect">
+              <a:avLst/>
+            </a:prstGeom>
+            <a:ln>
+              <a:noFill/>
+            </a:ln>
+          </p:spPr>
+        </p:pic>
+        <p:pic>
+          <p:nvPicPr>
+            <p:cNvPr id="18" name="Picture 17"/>
+            <p:cNvPicPr>
+              <a:picLocks noChangeAspect="1"/>
+            </p:cNvPicPr>
+            <p:nvPr/>
+          </p:nvPicPr>
+          <p:blipFill>
+            <a:blip r:embed="rId5" cstate="print">
+              <a:extLst>
+                <a:ext uri="{28A0092B-C50C-407E-A947-70E740481C1C}">
+                  <a14:useLocalDpi xmlns:a14="http://schemas.microsoft.com/office/drawing/2010/main" val="0"/>
+                </a:ext>
+              </a:extLst>
+            </a:blip>
+            <a:stretch>
+              <a:fillRect/>
+            </a:stretch>
+          </p:blipFill>
+          <p:spPr>
+            <a:xfrm>
+              <a:off x="-1377" y="178861"/>
+              <a:ext cx="1793583" cy="1793583"/>
+            </a:xfrm>
+            <a:prstGeom prst="rect">
+              <a:avLst/>
+            </a:prstGeom>
+            <a:ln>
+              <a:noFill/>
+            </a:ln>
+          </p:spPr>
+        </p:pic>
+      </p:grpSp>
+      <p:pic>
+        <p:nvPicPr>
+          <p:cNvPr id="1032" name="Picture 8" descr="https://scontent-sof1-1.xx.fbcdn.net/v/t1.15752-9/58087852_438603586895117_8924463019090509824_n.png?_nc_cat=107&amp;_nc_ht=scontent-sof1-1.xx&amp;oh=26f40f64c41bd9ba40d6cfa29b97969d&amp;oe=5D2AD496"/>
+          <p:cNvPicPr>
+            <a:picLocks noChangeAspect="1" noChangeArrowheads="1"/>
+          </p:cNvPicPr>
+          <p:nvPr/>
+        </p:nvPicPr>
+        <p:blipFill>
+          <a:blip r:embed="rId6" cstate="print">
+            <a:extLst>
+              <a:ext uri="{28A0092B-C50C-407E-A947-70E740481C1C}">
+                <a14:useLocalDpi xmlns:a14="http://schemas.microsoft.com/office/drawing/2010/main" val="0"/>
+              </a:ext>
+            </a:extLst>
+          </a:blip>
+          <a:srcRect/>
+          <a:stretch>
+            <a:fillRect/>
+          </a:stretch>
+        </p:blipFill>
+        <p:spPr bwMode="auto">
+          <a:xfrm>
+            <a:off x="2072081" y="2117586"/>
+            <a:ext cx="2346012" cy="2346012"/>
+          </a:xfrm>
+          <a:prstGeom prst="ellipse">
+            <a:avLst/>
+          </a:prstGeom>
+          <a:ln w="63500" cap="rnd">
+            <a:noFill/>
+          </a:ln>
+          <a:effectLst/>
+          <a:scene3d>
+            <a:camera prst="orthographicFront"/>
+            <a:lightRig rig="contrasting" dir="t">
+              <a:rot lat="0" lon="0" rev="3000000"/>
+            </a:lightRig>
+          </a:scene3d>
+          <a:sp3d contourW="7620">
+            <a:bevelT w="95250" h="31750"/>
+            <a:contourClr>
+              <a:srgbClr val="333333"/>
+            </a:contourClr>
+          </a:sp3d>
+          <a:extLst>
+            <a:ext uri="{909E8E84-426E-40DD-AFC4-6F175D3DCCD1}">
+              <a14:hiddenFill xmlns:a14="http://schemas.microsoft.com/office/drawing/2010/main">
+                <a:solidFill>
+                  <a:srgbClr val="FFFFFF"/>
+                </a:solidFill>
+              </a14:hiddenFill>
+            </a:ext>
+          </a:extLst>
+        </p:spPr>
+      </p:pic>
+      <p:pic>
+        <p:nvPicPr>
+          <p:cNvPr id="1038" name="Picture 14" descr="https://avatars0.githubusercontent.com/u/35530157?v=4"/>
+          <p:cNvPicPr>
+            <a:picLocks noChangeAspect="1" noChangeArrowheads="1"/>
+          </p:cNvPicPr>
+          <p:nvPr/>
+        </p:nvPicPr>
+        <p:blipFill>
+          <a:blip r:embed="rId7">
+            <a:extLst>
+              <a:ext uri="{28A0092B-C50C-407E-A947-70E740481C1C}">
+                <a14:useLocalDpi xmlns:a14="http://schemas.microsoft.com/office/drawing/2010/main" val="0"/>
+              </a:ext>
+            </a:extLst>
+          </a:blip>
+          <a:srcRect/>
+          <a:stretch>
+            <a:fillRect/>
+          </a:stretch>
+        </p:blipFill>
+        <p:spPr bwMode="auto">
+          <a:xfrm>
+            <a:off x="7853984" y="2117586"/>
+            <a:ext cx="2346011" cy="2346012"/>
+          </a:xfrm>
+          <a:prstGeom prst="ellipse">
+            <a:avLst/>
+          </a:prstGeom>
+          <a:ln w="63500" cap="rnd">
+            <a:noFill/>
+          </a:ln>
+          <a:effectLst/>
+          <a:scene3d>
+            <a:camera prst="orthographicFront"/>
+            <a:lightRig rig="contrasting" dir="t">
+              <a:rot lat="0" lon="0" rev="3000000"/>
+            </a:lightRig>
+          </a:scene3d>
+          <a:sp3d contourW="7620">
+            <a:bevelT w="95250" h="31750"/>
+            <a:contourClr>
+              <a:srgbClr val="333333"/>
+            </a:contourClr>
+          </a:sp3d>
+          <a:extLst>
+            <a:ext uri="{909E8E84-426E-40DD-AFC4-6F175D3DCCD1}">
+              <a14:hiddenFill xmlns:a14="http://schemas.microsoft.com/office/drawing/2010/main">
+                <a:solidFill>
+                  <a:srgbClr val="FFFFFF"/>
+                </a:solidFill>
+              </a14:hiddenFill>
+            </a:ext>
+          </a:extLst>
+        </p:spPr>
+      </p:pic>
+      <p:sp>
+        <p:nvSpPr>
+          <p:cNvPr id="49" name="Title 1"/>
+          <p:cNvSpPr txBox="1">
+            <a:spLocks/>
+          </p:cNvSpPr>
+          <p:nvPr/>
+        </p:nvSpPr>
+        <p:spPr>
+          <a:xfrm>
+            <a:off x="704193" y="4865919"/>
+            <a:ext cx="5079507" cy="518882"/>
+          </a:xfrm>
+          <a:prstGeom prst="rect">
+            <a:avLst/>
+          </a:prstGeom>
+        </p:spPr>
+        <p:txBody>
+          <a:bodyPr vert="horz" lIns="91440" tIns="45720" rIns="91440" bIns="45720" rtlCol="0" anchor="b">
+            <a:normAutofit fontScale="90000" lnSpcReduction="20000"/>
+          </a:bodyPr>
+          <a:lstStyle>
+            <a:lvl1pPr algn="ctr" defTabSz="914400" rtl="0" eaLnBrk="1" latinLnBrk="0" hangingPunct="1">
+              <a:lnSpc>
+                <a:spcPct val="90000"/>
+              </a:lnSpc>
+              <a:spcBef>
+                <a:spcPct val="0"/>
+              </a:spcBef>
+              <a:buNone/>
+              <a:defRPr sz="6000" kern="1200">
+                <a:solidFill>
+                  <a:schemeClr val="tx1"/>
+                </a:solidFill>
+                <a:latin typeface="+mj-lt"/>
+                <a:ea typeface="+mj-ea"/>
+                <a:cs typeface="+mj-cs"/>
+              </a:defRPr>
+            </a:lvl1pPr>
+          </a:lstStyle>
+          <a:p>
+            <a:r>
+              <a:rPr lang="en-GB" sz="4000" b="1" dirty="0" smtClean="0">
+                <a:solidFill>
+                  <a:schemeClr val="tx1">
+                    <a:lumMod val="75000"/>
+                    <a:lumOff val="25000"/>
+                  </a:schemeClr>
+                </a:solidFill>
+                <a:latin typeface="Nunito Black" panose="00000A00000000000000" pitchFamily="2" charset="0"/>
+              </a:rPr>
+              <a:t>Simo Aleksandrov</a:t>
+            </a:r>
+            <a:endParaRPr lang="en-GB" sz="1400" b="1" dirty="0">
+              <a:solidFill>
+                <a:schemeClr val="tx1">
+                  <a:lumMod val="75000"/>
+                  <a:lumOff val="25000"/>
+                </a:schemeClr>
+              </a:solidFill>
+              <a:latin typeface="Nunito Black" panose="00000A00000000000000" pitchFamily="2" charset="0"/>
+            </a:endParaRPr>
+          </a:p>
+        </p:txBody>
+      </p:sp>
+      <p:sp>
+        <p:nvSpPr>
+          <p:cNvPr id="50" name="Title 1"/>
+          <p:cNvSpPr txBox="1">
+            <a:spLocks/>
+          </p:cNvSpPr>
+          <p:nvPr/>
+        </p:nvSpPr>
+        <p:spPr>
+          <a:xfrm>
+            <a:off x="6571590" y="4844682"/>
+            <a:ext cx="5079507" cy="518882"/>
+          </a:xfrm>
+          <a:prstGeom prst="rect">
+            <a:avLst/>
+          </a:prstGeom>
+        </p:spPr>
+        <p:txBody>
+          <a:bodyPr vert="horz" lIns="91440" tIns="45720" rIns="91440" bIns="45720" rtlCol="0" anchor="b">
+            <a:normAutofit fontScale="90000" lnSpcReduction="20000"/>
+          </a:bodyPr>
+          <a:lstStyle>
+            <a:lvl1pPr algn="ctr" defTabSz="914400" rtl="0" eaLnBrk="1" latinLnBrk="0" hangingPunct="1">
+              <a:lnSpc>
+                <a:spcPct val="90000"/>
+              </a:lnSpc>
+              <a:spcBef>
+                <a:spcPct val="0"/>
+              </a:spcBef>
+              <a:buNone/>
+              <a:defRPr sz="6000" kern="1200">
+                <a:solidFill>
+                  <a:schemeClr val="tx1"/>
+                </a:solidFill>
+                <a:latin typeface="+mj-lt"/>
+                <a:ea typeface="+mj-ea"/>
+                <a:cs typeface="+mj-cs"/>
+              </a:defRPr>
+            </a:lvl1pPr>
+          </a:lstStyle>
+          <a:p>
+            <a:r>
+              <a:rPr lang="en-GB" sz="4000" b="1" dirty="0" smtClean="0">
+                <a:solidFill>
+                  <a:schemeClr val="tx1">
+                    <a:lumMod val="75000"/>
+                    <a:lumOff val="25000"/>
+                  </a:schemeClr>
+                </a:solidFill>
+                <a:latin typeface="Nunito Black" panose="00000A00000000000000" pitchFamily="2" charset="0"/>
+              </a:rPr>
+              <a:t>Lyubo Lyubchev</a:t>
+            </a:r>
+            <a:endParaRPr lang="en-GB" sz="1400" b="1" dirty="0">
+              <a:solidFill>
+                <a:schemeClr val="tx1">
+                  <a:lumMod val="75000"/>
+                  <a:lumOff val="25000"/>
+                </a:schemeClr>
+              </a:solidFill>
+              <a:latin typeface="Nunito Black" panose="00000A00000000000000" pitchFamily="2" charset="0"/>
+            </a:endParaRPr>
+          </a:p>
+        </p:txBody>
+      </p:sp>
+    </p:spTree>
+    <p:extLst>
+      <p:ext uri="{BB962C8B-B14F-4D97-AF65-F5344CB8AC3E}">
+        <p14:creationId xmlns:p14="http://schemas.microsoft.com/office/powerpoint/2010/main" val="3638750650"/>
+      </p:ext>
+    </p:extLst>
+  </p:cSld>
+  <p:clrMapOvr>
+    <a:masterClrMapping/>
+  </p:clrMapOvr>
+  <mc:AlternateContent xmlns:mc="http://schemas.openxmlformats.org/markup-compatibility/2006" xmlns:p14="http://schemas.microsoft.com/office/powerpoint/2010/main">
+    <mc:Choice Requires="p14">
+      <p:transition p14:dur="0"/>
+    </mc:Choice>
+    <mc:Fallback xmlns="">
+      <p:transition/>
+    </mc:Fallback>
+  </mc:AlternateContent>
+  <p:timing>
+    <p:tnLst>
+      <p:par>
+        <p:cTn id="1" dur="indefinite" restart="never" nodeType="tmRoot"/>
+      </p:par>
+    </p:tnLst>
+  </p:timing>
+</p:sld>
+</file>
+
+<file path=ppt/slides/slide13.xml><?xml version="1.0" encoding="utf-8"?>
+<p:sld xmlns:a="http://schemas.openxmlformats.org/drawingml/2006/main" xmlns:r="http://schemas.openxmlformats.org/officeDocument/2006/relationships" xmlns:p="http://schemas.openxmlformats.org/presentationml/2006/main">
+  <p:cSld>
+    <p:bg>
+      <p:bgPr>
+        <a:solidFill>
+          <a:schemeClr val="bg1"/>
+        </a:solidFill>
+        <a:effectLst/>
+      </p:bgPr>
+    </p:bg>
+    <p:spTree>
+      <p:nvGrpSpPr>
+        <p:cNvPr id="1" name=""/>
+        <p:cNvGrpSpPr/>
+        <p:nvPr/>
+      </p:nvGrpSpPr>
+      <p:grpSpPr>
+        <a:xfrm>
+          <a:off x="0" y="0"/>
+          <a:ext cx="0" cy="0"/>
+          <a:chOff x="0" y="0"/>
+          <a:chExt cx="0" cy="0"/>
+        </a:xfrm>
+      </p:grpSpPr>
+      <p:sp>
+        <p:nvSpPr>
+          <p:cNvPr id="2" name="Title 1"/>
+          <p:cNvSpPr>
+            <a:spLocks noGrp="1"/>
+          </p:cNvSpPr>
+          <p:nvPr>
+            <p:ph type="ctrTitle"/>
+          </p:nvPr>
+        </p:nvSpPr>
+        <p:spPr>
+          <a:xfrm>
+            <a:off x="743720" y="2353528"/>
+            <a:ext cx="11070772" cy="2387600"/>
+          </a:xfrm>
+        </p:spPr>
+        <p:txBody>
+          <a:bodyPr>
+            <a:noAutofit/>
+          </a:bodyPr>
+          <a:lstStyle/>
+          <a:p>
+            <a:r>
+              <a:rPr lang="en-GB" sz="8800" b="1" dirty="0" smtClean="0">
+                <a:gradFill flip="none" rotWithShape="1">
+                  <a:gsLst>
+                    <a:gs pos="100000">
+                      <a:srgbClr val="EA6984"/>
+                    </a:gs>
+                    <a:gs pos="0">
+                      <a:srgbClr val="D56AA0"/>
+                    </a:gs>
+                  </a:gsLst>
+                  <a:lin ang="13500000" scaled="1"/>
+                  <a:tileRect/>
+                </a:gradFill>
+                <a:latin typeface="Nunito Black" panose="00000A00000000000000" pitchFamily="2" charset="0"/>
+              </a:rPr>
+              <a:t>Thanks for your attention!</a:t>
+            </a:r>
+            <a:endParaRPr lang="en-GB" sz="4000" b="1" dirty="0">
+              <a:gradFill flip="none" rotWithShape="1">
+                <a:gsLst>
+                  <a:gs pos="100000">
+                    <a:srgbClr val="EA6984"/>
+                  </a:gs>
+                  <a:gs pos="0">
+                    <a:srgbClr val="D56AA0"/>
+                  </a:gs>
+                </a:gsLst>
+                <a:lin ang="13500000" scaled="1"/>
+                <a:tileRect/>
+              </a:gradFill>
+              <a:latin typeface="Nunito Black" panose="00000A00000000000000" pitchFamily="2" charset="0"/>
+            </a:endParaRPr>
+          </a:p>
+        </p:txBody>
+      </p:sp>
+      <p:sp>
+        <p:nvSpPr>
+          <p:cNvPr id="12" name="TextBox 11"/>
+          <p:cNvSpPr txBox="1"/>
+          <p:nvPr/>
+        </p:nvSpPr>
+        <p:spPr>
+          <a:xfrm>
+            <a:off x="6760030" y="1782237"/>
+            <a:ext cx="4702628" cy="523220"/>
+          </a:xfrm>
+          <a:prstGeom prst="rect">
+            <a:avLst/>
+          </a:prstGeom>
+          <a:noFill/>
+        </p:spPr>
+        <p:txBody>
+          <a:bodyPr wrap="square" rtlCol="0">
+            <a:spAutoFit/>
+          </a:bodyPr>
+          <a:lstStyle/>
+          <a:p>
+            <a:pPr lvl="1" algn="r"/>
+            <a:endParaRPr lang="en-GB" sz="2800" b="1" dirty="0">
+              <a:solidFill>
+                <a:srgbClr val="E6A4C5"/>
+              </a:solidFill>
+              <a:latin typeface="Nunito" panose="00000500000000000000" pitchFamily="2" charset="0"/>
+            </a:endParaRPr>
+          </a:p>
+        </p:txBody>
+      </p:sp>
+      <p:pic>
+        <p:nvPicPr>
+          <p:cNvPr id="16" name="Picture 15"/>
+          <p:cNvPicPr>
+            <a:picLocks noChangeAspect="1"/>
+          </p:cNvPicPr>
+          <p:nvPr/>
+        </p:nvPicPr>
+        <p:blipFill>
+          <a:blip r:embed="rId2" cstate="print">
+            <a:extLst>
+              <a:ext uri="{28A0092B-C50C-407E-A947-70E740481C1C}">
+                <a14:useLocalDpi xmlns:a14="http://schemas.microsoft.com/office/drawing/2010/main" val="0"/>
+              </a:ext>
+            </a:extLst>
+          </a:blip>
+          <a:stretch>
+            <a:fillRect/>
+          </a:stretch>
+        </p:blipFill>
+        <p:spPr>
+          <a:xfrm rot="11346299">
+            <a:off x="8807491" y="2656255"/>
+            <a:ext cx="6769017" cy="6769017"/>
+          </a:xfrm>
+          <a:prstGeom prst="rect">
+            <a:avLst/>
+          </a:prstGeom>
+          <a:noFill/>
+          <a:ln>
+            <a:noFill/>
+          </a:ln>
+        </p:spPr>
+      </p:pic>
+      <p:grpSp>
+        <p:nvGrpSpPr>
+          <p:cNvPr id="10" name="Group 9"/>
+          <p:cNvGrpSpPr/>
+          <p:nvPr/>
+        </p:nvGrpSpPr>
+        <p:grpSpPr>
+          <a:xfrm>
+            <a:off x="-2982265" y="-4038029"/>
+            <a:ext cx="6769017" cy="6769017"/>
+            <a:chOff x="-2982265" y="-4038029"/>
+            <a:chExt cx="6769017" cy="6769017"/>
+          </a:xfrm>
+        </p:grpSpPr>
+        <p:pic>
+          <p:nvPicPr>
+            <p:cNvPr id="17" name="Picture 16"/>
+            <p:cNvPicPr>
+              <a:picLocks noChangeAspect="1"/>
+            </p:cNvPicPr>
+            <p:nvPr/>
+          </p:nvPicPr>
+          <p:blipFill>
+            <a:blip r:embed="rId3" cstate="print">
+              <a:extLst>
+                <a:ext uri="{BEBA8EAE-BF5A-486C-A8C5-ECC9F3942E4B}">
+                  <a14:imgProps xmlns:a14="http://schemas.microsoft.com/office/drawing/2010/main">
+                    <a14:imgLayer r:embed="rId4">
+                      <a14:imgEffect>
+                        <a14:colorTemperature colorTemp="11200"/>
+                      </a14:imgEffect>
+                    </a14:imgLayer>
+                  </a14:imgProps>
+                </a:ext>
+                <a:ext uri="{28A0092B-C50C-407E-A947-70E740481C1C}">
+                  <a14:useLocalDpi xmlns:a14="http://schemas.microsoft.com/office/drawing/2010/main" val="0"/>
+                </a:ext>
+              </a:extLst>
+            </a:blip>
+            <a:stretch>
+              <a:fillRect/>
+            </a:stretch>
+          </p:blipFill>
+          <p:spPr>
+            <a:xfrm rot="8119872">
+              <a:off x="-2982265" y="-4038029"/>
+              <a:ext cx="6769017" cy="6769017"/>
+            </a:xfrm>
+            <a:prstGeom prst="rect">
+              <a:avLst/>
+            </a:prstGeom>
+            <a:ln>
+              <a:noFill/>
+            </a:ln>
+          </p:spPr>
+        </p:pic>
+        <p:pic>
+          <p:nvPicPr>
+            <p:cNvPr id="18" name="Picture 17"/>
+            <p:cNvPicPr>
+              <a:picLocks noChangeAspect="1"/>
+            </p:cNvPicPr>
+            <p:nvPr/>
+          </p:nvPicPr>
+          <p:blipFill>
+            <a:blip r:embed="rId5" cstate="print">
+              <a:extLst>
+                <a:ext uri="{28A0092B-C50C-407E-A947-70E740481C1C}">
+                  <a14:useLocalDpi xmlns:a14="http://schemas.microsoft.com/office/drawing/2010/main" val="0"/>
+                </a:ext>
+              </a:extLst>
+            </a:blip>
+            <a:stretch>
+              <a:fillRect/>
+            </a:stretch>
+          </p:blipFill>
+          <p:spPr>
+            <a:xfrm>
+              <a:off x="-1377" y="178861"/>
+              <a:ext cx="1793583" cy="1793583"/>
+            </a:xfrm>
+            <a:prstGeom prst="rect">
+              <a:avLst/>
+            </a:prstGeom>
+            <a:ln>
+              <a:noFill/>
+            </a:ln>
+          </p:spPr>
+        </p:pic>
+      </p:grpSp>
+    </p:spTree>
+    <p:extLst>
+      <p:ext uri="{BB962C8B-B14F-4D97-AF65-F5344CB8AC3E}">
+        <p14:creationId xmlns:p14="http://schemas.microsoft.com/office/powerpoint/2010/main" val="586656158"/>
+      </p:ext>
+    </p:extLst>
+  </p:cSld>
+  <p:clrMapOvr>
+    <a:masterClrMapping/>
+  </p:clrMapOvr>
+  <mc:AlternateContent xmlns:mc="http://schemas.openxmlformats.org/markup-compatibility/2006" xmlns:p14="http://schemas.microsoft.com/office/powerpoint/2010/main">
+    <mc:Choice Requires="p14">
+      <p:transition p14:dur="0"/>
+    </mc:Choice>
+    <mc:Fallback xmlns="">
+      <p:transition/>
+    </mc:Fallback>
+  </mc:AlternateContent>
+  <p:timing>
+    <p:tnLst>
+      <p:par>
+        <p:cTn id="1" dur="indefinite" restart="never" nodeType="tmRoot"/>
+      </p:par>
+    </p:tnLst>
+  </p:timing>
+</p:sld>
+</file>
+
 <file path=ppt/slides/slide2.xml><?xml version="1.0" encoding="utf-8"?>
 <p:sld xmlns:a="http://schemas.openxmlformats.org/drawingml/2006/main" xmlns:r="http://schemas.openxmlformats.org/officeDocument/2006/relationships" xmlns:p="http://schemas.openxmlformats.org/presentationml/2006/main">
   <p:cSld>
@@ -6736,7 +9356,7 @@
         </p:blipFill>
         <p:spPr bwMode="auto">
           <a:xfrm>
-            <a:off x="5532657" y="5093557"/>
+            <a:off x="5543069" y="4996745"/>
             <a:ext cx="1240985" cy="1203756"/>
           </a:xfrm>
           <a:prstGeom prst="rect">
@@ -8547,7 +11167,7 @@
         </p:nvSpPr>
         <p:spPr>
           <a:xfrm>
-            <a:off x="4995888" y="6547950"/>
+            <a:off x="4995888" y="6187112"/>
             <a:ext cx="2306521" cy="373504"/>
           </a:xfrm>
           <a:prstGeom prst="rect">
@@ -8615,6 +11235,295 @@
 </file>
 
 <file path=ppt/slides/slide7.xml><?xml version="1.0" encoding="utf-8"?>
+<p:sld xmlns:a="http://schemas.openxmlformats.org/drawingml/2006/main" xmlns:r="http://schemas.openxmlformats.org/officeDocument/2006/relationships" xmlns:p="http://schemas.openxmlformats.org/presentationml/2006/main">
+  <p:cSld>
+    <p:bg>
+      <p:bgPr>
+        <a:solidFill>
+          <a:schemeClr val="bg1"/>
+        </a:solidFill>
+        <a:effectLst/>
+      </p:bgPr>
+    </p:bg>
+    <p:spTree>
+      <p:nvGrpSpPr>
+        <p:cNvPr id="1" name=""/>
+        <p:cNvGrpSpPr/>
+        <p:nvPr/>
+      </p:nvGrpSpPr>
+      <p:grpSpPr>
+        <a:xfrm>
+          <a:off x="0" y="0"/>
+          <a:ext cx="0" cy="0"/>
+          <a:chOff x="0" y="0"/>
+          <a:chExt cx="0" cy="0"/>
+        </a:xfrm>
+      </p:grpSpPr>
+      <p:sp>
+        <p:nvSpPr>
+          <p:cNvPr id="2" name="Title 1"/>
+          <p:cNvSpPr>
+            <a:spLocks noGrp="1"/>
+          </p:cNvSpPr>
+          <p:nvPr>
+            <p:ph type="ctrTitle"/>
+          </p:nvPr>
+        </p:nvSpPr>
+        <p:spPr>
+          <a:xfrm>
+            <a:off x="1516435" y="2993429"/>
+            <a:ext cx="9144000" cy="1263996"/>
+          </a:xfrm>
+        </p:spPr>
+        <p:txBody>
+          <a:bodyPr>
+            <a:normAutofit fontScale="90000"/>
+          </a:bodyPr>
+          <a:lstStyle/>
+          <a:p>
+            <a:r>
+              <a:rPr lang="en-GB" sz="8800" b="1" dirty="0" smtClean="0">
+                <a:gradFill flip="none" rotWithShape="1">
+                  <a:gsLst>
+                    <a:gs pos="100000">
+                      <a:srgbClr val="EA6984"/>
+                    </a:gs>
+                    <a:gs pos="0">
+                      <a:srgbClr val="D56AA0"/>
+                    </a:gs>
+                  </a:gsLst>
+                  <a:lin ang="13500000" scaled="1"/>
+                  <a:tileRect/>
+                </a:gradFill>
+                <a:latin typeface="Nunito Black" panose="00000A00000000000000" pitchFamily="2" charset="0"/>
+              </a:rPr>
+              <a:t>Demo</a:t>
+            </a:r>
+            <a:endParaRPr lang="en-GB" sz="4000" b="1" dirty="0">
+              <a:gradFill flip="none" rotWithShape="1">
+                <a:gsLst>
+                  <a:gs pos="100000">
+                    <a:srgbClr val="EA6984"/>
+                  </a:gs>
+                  <a:gs pos="0">
+                    <a:srgbClr val="D56AA0"/>
+                  </a:gs>
+                </a:gsLst>
+                <a:lin ang="13500000" scaled="1"/>
+                <a:tileRect/>
+              </a:gradFill>
+              <a:latin typeface="Nunito Black" panose="00000A00000000000000" pitchFamily="2" charset="0"/>
+            </a:endParaRPr>
+          </a:p>
+        </p:txBody>
+      </p:sp>
+      <p:pic>
+        <p:nvPicPr>
+          <p:cNvPr id="16" name="Picture 15"/>
+          <p:cNvPicPr>
+            <a:picLocks noChangeAspect="1"/>
+          </p:cNvPicPr>
+          <p:nvPr/>
+        </p:nvPicPr>
+        <p:blipFill>
+          <a:blip r:embed="rId2" cstate="print">
+            <a:extLst>
+              <a:ext uri="{28A0092B-C50C-407E-A947-70E740481C1C}">
+                <a14:useLocalDpi xmlns:a14="http://schemas.microsoft.com/office/drawing/2010/main" val="0"/>
+              </a:ext>
+            </a:extLst>
+          </a:blip>
+          <a:stretch>
+            <a:fillRect/>
+          </a:stretch>
+        </p:blipFill>
+        <p:spPr>
+          <a:xfrm rot="11346299">
+            <a:off x="8807491" y="2656255"/>
+            <a:ext cx="6769017" cy="6769017"/>
+          </a:xfrm>
+          <a:prstGeom prst="rect">
+            <a:avLst/>
+          </a:prstGeom>
+          <a:noFill/>
+          <a:ln>
+            <a:noFill/>
+          </a:ln>
+        </p:spPr>
+      </p:pic>
+      <p:grpSp>
+        <p:nvGrpSpPr>
+          <p:cNvPr id="10" name="Group 9"/>
+          <p:cNvGrpSpPr/>
+          <p:nvPr/>
+        </p:nvGrpSpPr>
+        <p:grpSpPr>
+          <a:xfrm>
+            <a:off x="-2982265" y="-4038029"/>
+            <a:ext cx="6769017" cy="6769017"/>
+            <a:chOff x="-2982265" y="-4038029"/>
+            <a:chExt cx="6769017" cy="6769017"/>
+          </a:xfrm>
+        </p:grpSpPr>
+        <p:pic>
+          <p:nvPicPr>
+            <p:cNvPr id="17" name="Picture 16"/>
+            <p:cNvPicPr>
+              <a:picLocks noChangeAspect="1"/>
+            </p:cNvPicPr>
+            <p:nvPr/>
+          </p:nvPicPr>
+          <p:blipFill>
+            <a:blip r:embed="rId3" cstate="print">
+              <a:extLst>
+                <a:ext uri="{BEBA8EAE-BF5A-486C-A8C5-ECC9F3942E4B}">
+                  <a14:imgProps xmlns:a14="http://schemas.microsoft.com/office/drawing/2010/main">
+                    <a14:imgLayer r:embed="rId4">
+                      <a14:imgEffect>
+                        <a14:colorTemperature colorTemp="11200"/>
+                      </a14:imgEffect>
+                    </a14:imgLayer>
+                  </a14:imgProps>
+                </a:ext>
+                <a:ext uri="{28A0092B-C50C-407E-A947-70E740481C1C}">
+                  <a14:useLocalDpi xmlns:a14="http://schemas.microsoft.com/office/drawing/2010/main" val="0"/>
+                </a:ext>
+              </a:extLst>
+            </a:blip>
+            <a:stretch>
+              <a:fillRect/>
+            </a:stretch>
+          </p:blipFill>
+          <p:spPr>
+            <a:xfrm rot="8119872">
+              <a:off x="-2982265" y="-4038029"/>
+              <a:ext cx="6769017" cy="6769017"/>
+            </a:xfrm>
+            <a:prstGeom prst="rect">
+              <a:avLst/>
+            </a:prstGeom>
+          </p:spPr>
+        </p:pic>
+        <p:pic>
+          <p:nvPicPr>
+            <p:cNvPr id="18" name="Picture 17"/>
+            <p:cNvPicPr>
+              <a:picLocks noChangeAspect="1"/>
+            </p:cNvPicPr>
+            <p:nvPr/>
+          </p:nvPicPr>
+          <p:blipFill>
+            <a:blip r:embed="rId5" cstate="print">
+              <a:extLst>
+                <a:ext uri="{28A0092B-C50C-407E-A947-70E740481C1C}">
+                  <a14:useLocalDpi xmlns:a14="http://schemas.microsoft.com/office/drawing/2010/main" val="0"/>
+                </a:ext>
+              </a:extLst>
+            </a:blip>
+            <a:stretch>
+              <a:fillRect/>
+            </a:stretch>
+          </p:blipFill>
+          <p:spPr>
+            <a:xfrm>
+              <a:off x="-1377" y="178861"/>
+              <a:ext cx="1793583" cy="1793583"/>
+            </a:xfrm>
+            <a:prstGeom prst="rect">
+              <a:avLst/>
+            </a:prstGeom>
+          </p:spPr>
+        </p:pic>
+      </p:grpSp>
+      <p:sp>
+        <p:nvSpPr>
+          <p:cNvPr id="19" name="Title 1"/>
+          <p:cNvSpPr txBox="1">
+            <a:spLocks/>
+          </p:cNvSpPr>
+          <p:nvPr/>
+        </p:nvSpPr>
+        <p:spPr>
+          <a:xfrm>
+            <a:off x="581048" y="2221658"/>
+            <a:ext cx="3237464" cy="1060105"/>
+          </a:xfrm>
+          <a:prstGeom prst="rect">
+            <a:avLst/>
+          </a:prstGeom>
+        </p:spPr>
+        <p:txBody>
+          <a:bodyPr vert="horz" lIns="91440" tIns="45720" rIns="91440" bIns="45720" rtlCol="0" anchor="b">
+            <a:normAutofit/>
+          </a:bodyPr>
+          <a:lstStyle>
+            <a:lvl1pPr algn="ctr" defTabSz="914400" rtl="0" eaLnBrk="1" latinLnBrk="0" hangingPunct="1">
+              <a:lnSpc>
+                <a:spcPct val="90000"/>
+              </a:lnSpc>
+              <a:spcBef>
+                <a:spcPct val="0"/>
+              </a:spcBef>
+              <a:buNone/>
+              <a:defRPr sz="6000" kern="1200">
+                <a:solidFill>
+                  <a:schemeClr val="tx1"/>
+                </a:solidFill>
+                <a:latin typeface="+mj-lt"/>
+                <a:ea typeface="+mj-ea"/>
+                <a:cs typeface="+mj-cs"/>
+              </a:defRPr>
+            </a:lvl1pPr>
+          </a:lstStyle>
+          <a:p>
+            <a:pPr algn="r"/>
+            <a:endParaRPr lang="en-GB" sz="4800" b="1" dirty="0">
+              <a:gradFill flip="none" rotWithShape="1">
+                <a:gsLst>
+                  <a:gs pos="100000">
+                    <a:srgbClr val="EA6984"/>
+                  </a:gs>
+                  <a:gs pos="0">
+                    <a:srgbClr val="D56AA0"/>
+                  </a:gs>
+                </a:gsLst>
+                <a:lin ang="13500000" scaled="1"/>
+                <a:tileRect/>
+              </a:gradFill>
+              <a:latin typeface="Nunito" panose="00000500000000000000" pitchFamily="2" charset="0"/>
+            </a:endParaRPr>
+          </a:p>
+        </p:txBody>
+      </p:sp>
+    </p:spTree>
+    <p:extLst>
+      <p:ext uri="{BB962C8B-B14F-4D97-AF65-F5344CB8AC3E}">
+        <p14:creationId xmlns:p14="http://schemas.microsoft.com/office/powerpoint/2010/main" val="1831577324"/>
+      </p:ext>
+    </p:extLst>
+  </p:cSld>
+  <p:clrMapOvr>
+    <a:masterClrMapping/>
+  </p:clrMapOvr>
+  <mc:AlternateContent xmlns:mc="http://schemas.openxmlformats.org/markup-compatibility/2006" xmlns:p14="http://schemas.microsoft.com/office/powerpoint/2010/main">
+    <mc:Choice Requires="p14">
+      <p:transition p14:dur="10"/>
+    </mc:Choice>
+    <mc:Fallback xmlns="">
+      <p:transition/>
+    </mc:Fallback>
+  </mc:AlternateContent>
+  <p:timing>
+    <p:tnLst>
+      <p:par>
+        <p:cTn id="1" dur="indefinite" restart="never" nodeType="tmRoot"/>
+      </p:par>
+    </p:tnLst>
+  </p:timing>
+</p:sld>
+</file>
+
+<file path=ppt/slides/slide8.xml><?xml version="1.0" encoding="utf-8"?>
 <p:sld xmlns:a="http://schemas.openxmlformats.org/drawingml/2006/main" xmlns:r="http://schemas.openxmlformats.org/officeDocument/2006/relationships" xmlns:p="http://schemas.openxmlformats.org/presentationml/2006/main">
   <p:cSld>
     <p:bg>
@@ -9012,7 +11921,7 @@
 </p:sld>
 </file>
 
-<file path=ppt/slides/slide8.xml><?xml version="1.0" encoding="utf-8"?>
+<file path=ppt/slides/slide9.xml><?xml version="1.0" encoding="utf-8"?>
 <p:sld xmlns:a="http://schemas.openxmlformats.org/drawingml/2006/main" xmlns:r="http://schemas.openxmlformats.org/officeDocument/2006/relationships" xmlns:p="http://schemas.openxmlformats.org/presentationml/2006/main">
   <p:cSld>
     <p:bg>
@@ -10202,1344 +13111,6 @@
 </p:sld>
 </file>
 
-<file path=ppt/slides/slide9.xml><?xml version="1.0" encoding="utf-8"?>
-<p:sld xmlns:a="http://schemas.openxmlformats.org/drawingml/2006/main" xmlns:r="http://schemas.openxmlformats.org/officeDocument/2006/relationships" xmlns:p="http://schemas.openxmlformats.org/presentationml/2006/main">
-  <p:cSld>
-    <p:bg>
-      <p:bgPr>
-        <a:solidFill>
-          <a:schemeClr val="bg1"/>
-        </a:solidFill>
-        <a:effectLst/>
-      </p:bgPr>
-    </p:bg>
-    <p:spTree>
-      <p:nvGrpSpPr>
-        <p:cNvPr id="1" name=""/>
-        <p:cNvGrpSpPr/>
-        <p:nvPr/>
-      </p:nvGrpSpPr>
-      <p:grpSpPr>
-        <a:xfrm>
-          <a:off x="0" y="0"/>
-          <a:ext cx="0" cy="0"/>
-          <a:chOff x="0" y="0"/>
-          <a:chExt cx="0" cy="0"/>
-        </a:xfrm>
-      </p:grpSpPr>
-      <p:sp>
-        <p:nvSpPr>
-          <p:cNvPr id="2" name="Title 1"/>
-          <p:cNvSpPr>
-            <a:spLocks noGrp="1"/>
-          </p:cNvSpPr>
-          <p:nvPr>
-            <p:ph type="ctrTitle"/>
-          </p:nvPr>
-        </p:nvSpPr>
-        <p:spPr>
-          <a:xfrm>
-            <a:off x="2318658" y="-653519"/>
-            <a:ext cx="9144000" cy="2387600"/>
-          </a:xfrm>
-        </p:spPr>
-        <p:txBody>
-          <a:bodyPr>
-            <a:normAutofit/>
-          </a:bodyPr>
-          <a:lstStyle/>
-          <a:p>
-            <a:pPr algn="r"/>
-            <a:r>
-              <a:rPr lang="en-GB" sz="8800" b="1" dirty="0" smtClean="0">
-                <a:gradFill flip="none" rotWithShape="1">
-                  <a:gsLst>
-                    <a:gs pos="100000">
-                      <a:srgbClr val="EA6984"/>
-                    </a:gs>
-                    <a:gs pos="0">
-                      <a:srgbClr val="D56AA0"/>
-                    </a:gs>
-                  </a:gsLst>
-                  <a:lin ang="13500000" scaled="1"/>
-                  <a:tileRect/>
-                </a:gradFill>
-                <a:latin typeface="Nunito Black" panose="00000A00000000000000" pitchFamily="2" charset="0"/>
-              </a:rPr>
-              <a:t>Roadmap</a:t>
-            </a:r>
-            <a:endParaRPr lang="en-GB" sz="4000" b="1" dirty="0">
-              <a:gradFill flip="none" rotWithShape="1">
-                <a:gsLst>
-                  <a:gs pos="100000">
-                    <a:srgbClr val="EA6984"/>
-                  </a:gs>
-                  <a:gs pos="0">
-                    <a:srgbClr val="D56AA0"/>
-                  </a:gs>
-                </a:gsLst>
-                <a:lin ang="13500000" scaled="1"/>
-                <a:tileRect/>
-              </a:gradFill>
-              <a:latin typeface="Nunito Black" panose="00000A00000000000000" pitchFamily="2" charset="0"/>
-            </a:endParaRPr>
-          </a:p>
-        </p:txBody>
-      </p:sp>
-      <p:sp>
-        <p:nvSpPr>
-          <p:cNvPr id="12" name="TextBox 11"/>
-          <p:cNvSpPr txBox="1"/>
-          <p:nvPr/>
-        </p:nvSpPr>
-        <p:spPr>
-          <a:xfrm>
-            <a:off x="6760030" y="1782237"/>
-            <a:ext cx="4702628" cy="523220"/>
-          </a:xfrm>
-          <a:prstGeom prst="rect">
-            <a:avLst/>
-          </a:prstGeom>
-          <a:noFill/>
-        </p:spPr>
-        <p:txBody>
-          <a:bodyPr wrap="square" rtlCol="0">
-            <a:spAutoFit/>
-          </a:bodyPr>
-          <a:lstStyle/>
-          <a:p>
-            <a:pPr lvl="1" algn="r"/>
-            <a:endParaRPr lang="en-GB" sz="2800" b="1" dirty="0">
-              <a:solidFill>
-                <a:srgbClr val="E6A4C5"/>
-              </a:solidFill>
-              <a:latin typeface="Nunito" panose="00000500000000000000" pitchFamily="2" charset="0"/>
-            </a:endParaRPr>
-          </a:p>
-        </p:txBody>
-      </p:sp>
-      <p:pic>
-        <p:nvPicPr>
-          <p:cNvPr id="16" name="Picture 15"/>
-          <p:cNvPicPr>
-            <a:picLocks noChangeAspect="1"/>
-          </p:cNvPicPr>
-          <p:nvPr/>
-        </p:nvPicPr>
-        <p:blipFill>
-          <a:blip r:embed="rId2" cstate="print">
-            <a:extLst>
-              <a:ext uri="{28A0092B-C50C-407E-A947-70E740481C1C}">
-                <a14:useLocalDpi xmlns:a14="http://schemas.microsoft.com/office/drawing/2010/main" val="0"/>
-              </a:ext>
-            </a:extLst>
-          </a:blip>
-          <a:stretch>
-            <a:fillRect/>
-          </a:stretch>
-        </p:blipFill>
-        <p:spPr>
-          <a:xfrm rot="11346299">
-            <a:off x="8807491" y="2656255"/>
-            <a:ext cx="6769017" cy="6769017"/>
-          </a:xfrm>
-          <a:prstGeom prst="rect">
-            <a:avLst/>
-          </a:prstGeom>
-          <a:noFill/>
-          <a:ln>
-            <a:noFill/>
-          </a:ln>
-        </p:spPr>
-      </p:pic>
-      <p:grpSp>
-        <p:nvGrpSpPr>
-          <p:cNvPr id="10" name="Group 9"/>
-          <p:cNvGrpSpPr/>
-          <p:nvPr/>
-        </p:nvGrpSpPr>
-        <p:grpSpPr>
-          <a:xfrm>
-            <a:off x="-2982265" y="-4038029"/>
-            <a:ext cx="6769017" cy="6769017"/>
-            <a:chOff x="-2982265" y="-4038029"/>
-            <a:chExt cx="6769017" cy="6769017"/>
-          </a:xfrm>
-        </p:grpSpPr>
-        <p:pic>
-          <p:nvPicPr>
-            <p:cNvPr id="17" name="Picture 16"/>
-            <p:cNvPicPr>
-              <a:picLocks noChangeAspect="1"/>
-            </p:cNvPicPr>
-            <p:nvPr/>
-          </p:nvPicPr>
-          <p:blipFill>
-            <a:blip r:embed="rId3" cstate="print">
-              <a:extLst>
-                <a:ext uri="{BEBA8EAE-BF5A-486C-A8C5-ECC9F3942E4B}">
-                  <a14:imgProps xmlns:a14="http://schemas.microsoft.com/office/drawing/2010/main">
-                    <a14:imgLayer r:embed="rId4">
-                      <a14:imgEffect>
-                        <a14:colorTemperature colorTemp="11200"/>
-                      </a14:imgEffect>
-                    </a14:imgLayer>
-                  </a14:imgProps>
-                </a:ext>
-                <a:ext uri="{28A0092B-C50C-407E-A947-70E740481C1C}">
-                  <a14:useLocalDpi xmlns:a14="http://schemas.microsoft.com/office/drawing/2010/main" val="0"/>
-                </a:ext>
-              </a:extLst>
-            </a:blip>
-            <a:stretch>
-              <a:fillRect/>
-            </a:stretch>
-          </p:blipFill>
-          <p:spPr>
-            <a:xfrm rot="8119872">
-              <a:off x="-2982265" y="-4038029"/>
-              <a:ext cx="6769017" cy="6769017"/>
-            </a:xfrm>
-            <a:prstGeom prst="rect">
-              <a:avLst/>
-            </a:prstGeom>
-            <a:ln>
-              <a:noFill/>
-            </a:ln>
-          </p:spPr>
-        </p:pic>
-        <p:pic>
-          <p:nvPicPr>
-            <p:cNvPr id="18" name="Picture 17"/>
-            <p:cNvPicPr>
-              <a:picLocks noChangeAspect="1"/>
-            </p:cNvPicPr>
-            <p:nvPr/>
-          </p:nvPicPr>
-          <p:blipFill>
-            <a:blip r:embed="rId5" cstate="print">
-              <a:extLst>
-                <a:ext uri="{28A0092B-C50C-407E-A947-70E740481C1C}">
-                  <a14:useLocalDpi xmlns:a14="http://schemas.microsoft.com/office/drawing/2010/main" val="0"/>
-                </a:ext>
-              </a:extLst>
-            </a:blip>
-            <a:stretch>
-              <a:fillRect/>
-            </a:stretch>
-          </p:blipFill>
-          <p:spPr>
-            <a:xfrm>
-              <a:off x="-1377" y="178861"/>
-              <a:ext cx="1793583" cy="1793583"/>
-            </a:xfrm>
-            <a:prstGeom prst="rect">
-              <a:avLst/>
-            </a:prstGeom>
-            <a:ln>
-              <a:noFill/>
-            </a:ln>
-          </p:spPr>
-        </p:pic>
-      </p:grpSp>
-      <p:sp>
-        <p:nvSpPr>
-          <p:cNvPr id="7" name="Oval 6"/>
-          <p:cNvSpPr/>
-          <p:nvPr/>
-        </p:nvSpPr>
-        <p:spPr>
-          <a:xfrm>
-            <a:off x="1073205" y="2911557"/>
-            <a:ext cx="1613753" cy="1613753"/>
-          </a:xfrm>
-          <a:prstGeom prst="ellipse">
-            <a:avLst/>
-          </a:prstGeom>
-          <a:gradFill>
-            <a:gsLst>
-              <a:gs pos="100000">
-                <a:srgbClr val="EA6984"/>
-              </a:gs>
-              <a:gs pos="0">
-                <a:srgbClr val="D56AA0"/>
-              </a:gs>
-            </a:gsLst>
-            <a:lin ang="13500000" scaled="1"/>
-          </a:gradFill>
-          <a:ln w="69850">
-            <a:solidFill>
-              <a:srgbClr val="D56AA0">
-                <a:alpha val="40000"/>
-              </a:srgbClr>
-            </a:solidFill>
-          </a:ln>
-        </p:spPr>
-        <p:style>
-          <a:lnRef idx="2">
-            <a:schemeClr val="accent1">
-              <a:shade val="50000"/>
-            </a:schemeClr>
-          </a:lnRef>
-          <a:fillRef idx="1">
-            <a:schemeClr val="accent1"/>
-          </a:fillRef>
-          <a:effectRef idx="0">
-            <a:schemeClr val="accent1"/>
-          </a:effectRef>
-          <a:fontRef idx="minor">
-            <a:schemeClr val="lt1"/>
-          </a:fontRef>
-        </p:style>
-        <p:txBody>
-          <a:bodyPr rtlCol="0" anchor="ctr"/>
-          <a:lstStyle/>
-          <a:p>
-            <a:pPr algn="ctr"/>
-            <a:endParaRPr lang="en-GB"/>
-          </a:p>
-        </p:txBody>
-      </p:sp>
-      <p:sp>
-        <p:nvSpPr>
-          <p:cNvPr id="8" name="TextBox 7"/>
-          <p:cNvSpPr txBox="1"/>
-          <p:nvPr/>
-        </p:nvSpPr>
-        <p:spPr>
-          <a:xfrm>
-            <a:off x="1019175" y="3350020"/>
-            <a:ext cx="1009650" cy="688580"/>
-          </a:xfrm>
-          <a:prstGeom prst="rect">
-            <a:avLst/>
-          </a:prstGeom>
-          <a:noFill/>
-        </p:spPr>
-        <p:txBody>
-          <a:bodyPr wrap="square" rtlCol="0">
-            <a:spAutoFit/>
-          </a:bodyPr>
-          <a:lstStyle/>
-          <a:p>
-            <a:endParaRPr lang="en-GB" dirty="0"/>
-          </a:p>
-        </p:txBody>
-      </p:sp>
-      <p:pic>
-        <p:nvPicPr>
-          <p:cNvPr id="14" name="Picture 13"/>
-          <p:cNvPicPr>
-            <a:picLocks noChangeAspect="1"/>
-          </p:cNvPicPr>
-          <p:nvPr/>
-        </p:nvPicPr>
-        <p:blipFill>
-          <a:blip r:embed="rId6" cstate="print">
-            <a:extLst>
-              <a:ext uri="{28A0092B-C50C-407E-A947-70E740481C1C}">
-                <a14:useLocalDpi xmlns:a14="http://schemas.microsoft.com/office/drawing/2010/main" val="0"/>
-              </a:ext>
-            </a:extLst>
-          </a:blip>
-          <a:stretch>
-            <a:fillRect/>
-          </a:stretch>
-        </p:blipFill>
-        <p:spPr>
-          <a:xfrm>
-            <a:off x="1533007" y="3366562"/>
-            <a:ext cx="703412" cy="703742"/>
-          </a:xfrm>
-          <a:prstGeom prst="rect">
-            <a:avLst/>
-          </a:prstGeom>
-        </p:spPr>
-      </p:pic>
-      <p:sp>
-        <p:nvSpPr>
-          <p:cNvPr id="19" name="Oval 18"/>
-          <p:cNvSpPr/>
-          <p:nvPr/>
-        </p:nvSpPr>
-        <p:spPr>
-          <a:xfrm>
-            <a:off x="3949980" y="2896190"/>
-            <a:ext cx="1613753" cy="1613753"/>
-          </a:xfrm>
-          <a:prstGeom prst="ellipse">
-            <a:avLst/>
-          </a:prstGeom>
-          <a:gradFill>
-            <a:gsLst>
-              <a:gs pos="100000">
-                <a:srgbClr val="EA6984"/>
-              </a:gs>
-              <a:gs pos="0">
-                <a:srgbClr val="D56AA0"/>
-              </a:gs>
-            </a:gsLst>
-            <a:lin ang="13500000" scaled="1"/>
-          </a:gradFill>
-          <a:ln w="69850">
-            <a:solidFill>
-              <a:srgbClr val="D56AA0">
-                <a:alpha val="40000"/>
-              </a:srgbClr>
-            </a:solidFill>
-          </a:ln>
-        </p:spPr>
-        <p:style>
-          <a:lnRef idx="2">
-            <a:schemeClr val="accent1">
-              <a:shade val="50000"/>
-            </a:schemeClr>
-          </a:lnRef>
-          <a:fillRef idx="1">
-            <a:schemeClr val="accent1"/>
-          </a:fillRef>
-          <a:effectRef idx="0">
-            <a:schemeClr val="accent1"/>
-          </a:effectRef>
-          <a:fontRef idx="minor">
-            <a:schemeClr val="lt1"/>
-          </a:fontRef>
-        </p:style>
-        <p:txBody>
-          <a:bodyPr rtlCol="0" anchor="ctr"/>
-          <a:lstStyle/>
-          <a:p>
-            <a:pPr algn="ctr"/>
-            <a:endParaRPr lang="en-GB"/>
-          </a:p>
-        </p:txBody>
-      </p:sp>
-      <p:sp>
-        <p:nvSpPr>
-          <p:cNvPr id="21" name="Oval 20"/>
-          <p:cNvSpPr/>
-          <p:nvPr/>
-        </p:nvSpPr>
-        <p:spPr>
-          <a:xfrm>
-            <a:off x="6823669" y="2887434"/>
-            <a:ext cx="1613753" cy="1613753"/>
-          </a:xfrm>
-          <a:prstGeom prst="ellipse">
-            <a:avLst/>
-          </a:prstGeom>
-          <a:gradFill>
-            <a:gsLst>
-              <a:gs pos="100000">
-                <a:srgbClr val="EA6984"/>
-              </a:gs>
-              <a:gs pos="0">
-                <a:srgbClr val="D56AA0"/>
-              </a:gs>
-            </a:gsLst>
-            <a:lin ang="13500000" scaled="1"/>
-          </a:gradFill>
-          <a:ln w="69850">
-            <a:solidFill>
-              <a:srgbClr val="D56AA0">
-                <a:alpha val="40000"/>
-              </a:srgbClr>
-            </a:solidFill>
-          </a:ln>
-        </p:spPr>
-        <p:style>
-          <a:lnRef idx="2">
-            <a:schemeClr val="accent1">
-              <a:shade val="50000"/>
-            </a:schemeClr>
-          </a:lnRef>
-          <a:fillRef idx="1">
-            <a:schemeClr val="accent1"/>
-          </a:fillRef>
-          <a:effectRef idx="0">
-            <a:schemeClr val="accent1"/>
-          </a:effectRef>
-          <a:fontRef idx="minor">
-            <a:schemeClr val="lt1"/>
-          </a:fontRef>
-        </p:style>
-        <p:txBody>
-          <a:bodyPr rtlCol="0" anchor="ctr"/>
-          <a:lstStyle/>
-          <a:p>
-            <a:pPr algn="ctr"/>
-            <a:endParaRPr lang="en-GB"/>
-          </a:p>
-        </p:txBody>
-      </p:sp>
-      <p:pic>
-        <p:nvPicPr>
-          <p:cNvPr id="15" name="Picture 14"/>
-          <p:cNvPicPr>
-            <a:picLocks noChangeAspect="1"/>
-          </p:cNvPicPr>
-          <p:nvPr/>
-        </p:nvPicPr>
-        <p:blipFill>
-          <a:blip r:embed="rId7" cstate="print">
-            <a:extLst>
-              <a:ext uri="{28A0092B-C50C-407E-A947-70E740481C1C}">
-                <a14:useLocalDpi xmlns:a14="http://schemas.microsoft.com/office/drawing/2010/main" val="0"/>
-              </a:ext>
-            </a:extLst>
-          </a:blip>
-          <a:stretch>
-            <a:fillRect/>
-          </a:stretch>
-        </p:blipFill>
-        <p:spPr>
-          <a:xfrm>
-            <a:off x="4472708" y="3324320"/>
-            <a:ext cx="568295" cy="757491"/>
-          </a:xfrm>
-          <a:prstGeom prst="rect">
-            <a:avLst/>
-          </a:prstGeom>
-        </p:spPr>
-      </p:pic>
-      <p:pic>
-        <p:nvPicPr>
-          <p:cNvPr id="23" name="Picture 22"/>
-          <p:cNvPicPr>
-            <a:picLocks noChangeAspect="1"/>
-          </p:cNvPicPr>
-          <p:nvPr/>
-        </p:nvPicPr>
-        <p:blipFill>
-          <a:blip r:embed="rId8" cstate="print">
-            <a:extLst>
-              <a:ext uri="{28A0092B-C50C-407E-A947-70E740481C1C}">
-                <a14:useLocalDpi xmlns:a14="http://schemas.microsoft.com/office/drawing/2010/main" val="0"/>
-              </a:ext>
-            </a:extLst>
-          </a:blip>
-          <a:stretch>
-            <a:fillRect/>
-          </a:stretch>
-        </p:blipFill>
-        <p:spPr>
-          <a:xfrm>
-            <a:off x="7397479" y="3330043"/>
-            <a:ext cx="466539" cy="746043"/>
-          </a:xfrm>
-          <a:prstGeom prst="rect">
-            <a:avLst/>
-          </a:prstGeom>
-        </p:spPr>
-      </p:pic>
-      <p:grpSp>
-        <p:nvGrpSpPr>
-          <p:cNvPr id="32" name="Group 31"/>
-          <p:cNvGrpSpPr/>
-          <p:nvPr/>
-        </p:nvGrpSpPr>
-        <p:grpSpPr>
-          <a:xfrm>
-            <a:off x="9584598" y="2887433"/>
-            <a:ext cx="1613753" cy="1613753"/>
-            <a:chOff x="9556023" y="2887433"/>
-            <a:chExt cx="1613753" cy="1613753"/>
-          </a:xfrm>
-        </p:grpSpPr>
-        <p:sp>
-          <p:nvSpPr>
-            <p:cNvPr id="22" name="Oval 21"/>
-            <p:cNvSpPr/>
-            <p:nvPr/>
-          </p:nvSpPr>
-          <p:spPr>
-            <a:xfrm>
-              <a:off x="9556023" y="2887433"/>
-              <a:ext cx="1613753" cy="1613753"/>
-            </a:xfrm>
-            <a:prstGeom prst="ellipse">
-              <a:avLst/>
-            </a:prstGeom>
-            <a:gradFill>
-              <a:gsLst>
-                <a:gs pos="100000">
-                  <a:srgbClr val="EA6984"/>
-                </a:gs>
-                <a:gs pos="0">
-                  <a:srgbClr val="D56AA0"/>
-                </a:gs>
-              </a:gsLst>
-              <a:lin ang="13500000" scaled="1"/>
-            </a:gradFill>
-            <a:ln w="69850">
-              <a:solidFill>
-                <a:srgbClr val="D56AA0">
-                  <a:alpha val="40000"/>
-                </a:srgbClr>
-              </a:solidFill>
-            </a:ln>
-          </p:spPr>
-          <p:style>
-            <a:lnRef idx="2">
-              <a:schemeClr val="accent1">
-                <a:shade val="50000"/>
-              </a:schemeClr>
-            </a:lnRef>
-            <a:fillRef idx="1">
-              <a:schemeClr val="accent1"/>
-            </a:fillRef>
-            <a:effectRef idx="0">
-              <a:schemeClr val="accent1"/>
-            </a:effectRef>
-            <a:fontRef idx="minor">
-              <a:schemeClr val="lt1"/>
-            </a:fontRef>
-          </p:style>
-          <p:txBody>
-            <a:bodyPr rtlCol="0" anchor="ctr"/>
-            <a:lstStyle/>
-            <a:p>
-              <a:pPr algn="ctr"/>
-              <a:endParaRPr lang="en-GB"/>
-            </a:p>
-          </p:txBody>
-        </p:sp>
-        <p:pic>
-          <p:nvPicPr>
-            <p:cNvPr id="24" name="Picture 23"/>
-            <p:cNvPicPr>
-              <a:picLocks noChangeAspect="1"/>
-            </p:cNvPicPr>
-            <p:nvPr/>
-          </p:nvPicPr>
-          <p:blipFill>
-            <a:blip r:embed="rId9" cstate="print">
-              <a:extLst>
-                <a:ext uri="{28A0092B-C50C-407E-A947-70E740481C1C}">
-                  <a14:useLocalDpi xmlns:a14="http://schemas.microsoft.com/office/drawing/2010/main" val="0"/>
-                </a:ext>
-              </a:extLst>
-            </a:blip>
-            <a:stretch>
-              <a:fillRect/>
-            </a:stretch>
-          </p:blipFill>
-          <p:spPr>
-            <a:xfrm>
-              <a:off x="9945492" y="3305384"/>
-              <a:ext cx="747730" cy="747730"/>
-            </a:xfrm>
-            <a:prstGeom prst="rect">
-              <a:avLst/>
-            </a:prstGeom>
-          </p:spPr>
-        </p:pic>
-      </p:grpSp>
-      <p:cxnSp>
-        <p:nvCxnSpPr>
-          <p:cNvPr id="26" name="Straight Connector 25"/>
-          <p:cNvCxnSpPr/>
-          <p:nvPr/>
-        </p:nvCxnSpPr>
-        <p:spPr>
-          <a:xfrm flipV="1">
-            <a:off x="2690133" y="3703067"/>
-            <a:ext cx="1263022" cy="15367"/>
-          </a:xfrm>
-          <a:prstGeom prst="line">
-            <a:avLst/>
-          </a:prstGeom>
-          <a:ln w="38100">
-            <a:solidFill>
-              <a:srgbClr val="D56AA0">
-                <a:alpha val="40000"/>
-              </a:srgbClr>
-            </a:solidFill>
-          </a:ln>
-        </p:spPr>
-        <p:style>
-          <a:lnRef idx="1">
-            <a:schemeClr val="accent1"/>
-          </a:lnRef>
-          <a:fillRef idx="0">
-            <a:schemeClr val="accent1"/>
-          </a:fillRef>
-          <a:effectRef idx="0">
-            <a:schemeClr val="accent1"/>
-          </a:effectRef>
-          <a:fontRef idx="minor">
-            <a:schemeClr val="tx1"/>
-          </a:fontRef>
-        </p:style>
-      </p:cxnSp>
-      <p:cxnSp>
-        <p:nvCxnSpPr>
-          <p:cNvPr id="29" name="Straight Connector 28"/>
-          <p:cNvCxnSpPr>
-            <a:stCxn id="19" idx="6"/>
-            <a:endCxn id="21" idx="2"/>
-          </p:cNvCxnSpPr>
-          <p:nvPr/>
-        </p:nvCxnSpPr>
-        <p:spPr>
-          <a:xfrm flipV="1">
-            <a:off x="5563733" y="3694311"/>
-            <a:ext cx="1259936" cy="8756"/>
-          </a:xfrm>
-          <a:prstGeom prst="line">
-            <a:avLst/>
-          </a:prstGeom>
-          <a:ln w="38100">
-            <a:solidFill>
-              <a:srgbClr val="D56AA0">
-                <a:alpha val="40000"/>
-              </a:srgbClr>
-            </a:solidFill>
-          </a:ln>
-        </p:spPr>
-        <p:style>
-          <a:lnRef idx="1">
-            <a:schemeClr val="accent1"/>
-          </a:lnRef>
-          <a:fillRef idx="0">
-            <a:schemeClr val="accent1"/>
-          </a:fillRef>
-          <a:effectRef idx="0">
-            <a:schemeClr val="accent1"/>
-          </a:effectRef>
-          <a:fontRef idx="minor">
-            <a:schemeClr val="tx1"/>
-          </a:fontRef>
-        </p:style>
-      </p:cxnSp>
-      <p:cxnSp>
-        <p:nvCxnSpPr>
-          <p:cNvPr id="34" name="Straight Connector 33"/>
-          <p:cNvCxnSpPr>
-            <a:stCxn id="21" idx="6"/>
-            <a:endCxn id="22" idx="2"/>
-          </p:cNvCxnSpPr>
-          <p:nvPr/>
-        </p:nvCxnSpPr>
-        <p:spPr>
-          <a:xfrm flipV="1">
-            <a:off x="8437422" y="3694310"/>
-            <a:ext cx="1147176" cy="1"/>
-          </a:xfrm>
-          <a:prstGeom prst="line">
-            <a:avLst/>
-          </a:prstGeom>
-          <a:ln w="38100">
-            <a:solidFill>
-              <a:srgbClr val="D56AA0">
-                <a:alpha val="40000"/>
-              </a:srgbClr>
-            </a:solidFill>
-          </a:ln>
-        </p:spPr>
-        <p:style>
-          <a:lnRef idx="1">
-            <a:schemeClr val="accent1"/>
-          </a:lnRef>
-          <a:fillRef idx="0">
-            <a:schemeClr val="accent1"/>
-          </a:fillRef>
-          <a:effectRef idx="0">
-            <a:schemeClr val="accent1"/>
-          </a:effectRef>
-          <a:fontRef idx="minor">
-            <a:schemeClr val="tx1"/>
-          </a:fontRef>
-        </p:style>
-      </p:cxnSp>
-      <p:sp>
-        <p:nvSpPr>
-          <p:cNvPr id="36" name="Oval 35"/>
-          <p:cNvSpPr/>
-          <p:nvPr/>
-        </p:nvSpPr>
-        <p:spPr>
-          <a:xfrm>
-            <a:off x="3193897" y="3589687"/>
-            <a:ext cx="242125" cy="242125"/>
-          </a:xfrm>
-          <a:prstGeom prst="ellipse">
-            <a:avLst/>
-          </a:prstGeom>
-          <a:solidFill>
-            <a:srgbClr val="E6A4C5"/>
-          </a:solidFill>
-          <a:ln w="76200">
-            <a:solidFill>
-              <a:schemeClr val="bg1"/>
-            </a:solidFill>
-          </a:ln>
-        </p:spPr>
-        <p:style>
-          <a:lnRef idx="2">
-            <a:schemeClr val="accent1">
-              <a:shade val="50000"/>
-            </a:schemeClr>
-          </a:lnRef>
-          <a:fillRef idx="1">
-            <a:schemeClr val="accent1"/>
-          </a:fillRef>
-          <a:effectRef idx="0">
-            <a:schemeClr val="accent1"/>
-          </a:effectRef>
-          <a:fontRef idx="minor">
-            <a:schemeClr val="lt1"/>
-          </a:fontRef>
-        </p:style>
-        <p:txBody>
-          <a:bodyPr rtlCol="0" anchor="ctr"/>
-          <a:lstStyle/>
-          <a:p>
-            <a:pPr algn="ctr"/>
-            <a:endParaRPr lang="en-GB"/>
-          </a:p>
-        </p:txBody>
-      </p:sp>
-      <p:sp>
-        <p:nvSpPr>
-          <p:cNvPr id="37" name="Oval 36"/>
-          <p:cNvSpPr/>
-          <p:nvPr/>
-        </p:nvSpPr>
-        <p:spPr>
-          <a:xfrm>
-            <a:off x="6078012" y="3573246"/>
-            <a:ext cx="242125" cy="242125"/>
-          </a:xfrm>
-          <a:prstGeom prst="ellipse">
-            <a:avLst/>
-          </a:prstGeom>
-          <a:solidFill>
-            <a:srgbClr val="E6A4C5"/>
-          </a:solidFill>
-          <a:ln w="76200">
-            <a:solidFill>
-              <a:schemeClr val="bg1"/>
-            </a:solidFill>
-          </a:ln>
-        </p:spPr>
-        <p:style>
-          <a:lnRef idx="2">
-            <a:schemeClr val="accent1">
-              <a:shade val="50000"/>
-            </a:schemeClr>
-          </a:lnRef>
-          <a:fillRef idx="1">
-            <a:schemeClr val="accent1"/>
-          </a:fillRef>
-          <a:effectRef idx="0">
-            <a:schemeClr val="accent1"/>
-          </a:effectRef>
-          <a:fontRef idx="minor">
-            <a:schemeClr val="lt1"/>
-          </a:fontRef>
-        </p:style>
-        <p:txBody>
-          <a:bodyPr rtlCol="0" anchor="ctr"/>
-          <a:lstStyle/>
-          <a:p>
-            <a:pPr algn="ctr"/>
-            <a:endParaRPr lang="en-GB"/>
-          </a:p>
-        </p:txBody>
-      </p:sp>
-      <p:sp>
-        <p:nvSpPr>
-          <p:cNvPr id="38" name="Oval 37"/>
-          <p:cNvSpPr/>
-          <p:nvPr/>
-        </p:nvSpPr>
-        <p:spPr>
-          <a:xfrm>
-            <a:off x="8889947" y="3582001"/>
-            <a:ext cx="242125" cy="242125"/>
-          </a:xfrm>
-          <a:prstGeom prst="ellipse">
-            <a:avLst/>
-          </a:prstGeom>
-          <a:solidFill>
-            <a:srgbClr val="E6A4C5"/>
-          </a:solidFill>
-          <a:ln w="76200">
-            <a:solidFill>
-              <a:schemeClr val="bg1"/>
-            </a:solidFill>
-          </a:ln>
-        </p:spPr>
-        <p:style>
-          <a:lnRef idx="2">
-            <a:schemeClr val="accent1">
-              <a:shade val="50000"/>
-            </a:schemeClr>
-          </a:lnRef>
-          <a:fillRef idx="1">
-            <a:schemeClr val="accent1"/>
-          </a:fillRef>
-          <a:effectRef idx="0">
-            <a:schemeClr val="accent1"/>
-          </a:effectRef>
-          <a:fontRef idx="minor">
-            <a:schemeClr val="lt1"/>
-          </a:fontRef>
-        </p:style>
-        <p:txBody>
-          <a:bodyPr rtlCol="0" anchor="ctr"/>
-          <a:lstStyle/>
-          <a:p>
-            <a:pPr algn="ctr"/>
-            <a:endParaRPr lang="en-GB"/>
-          </a:p>
-        </p:txBody>
-      </p:sp>
-      <p:sp>
-        <p:nvSpPr>
-          <p:cNvPr id="39" name="TextBox 38"/>
-          <p:cNvSpPr txBox="1"/>
-          <p:nvPr/>
-        </p:nvSpPr>
-        <p:spPr>
-          <a:xfrm>
-            <a:off x="673926" y="2241102"/>
-            <a:ext cx="2207632" cy="646331"/>
-          </a:xfrm>
-          <a:prstGeom prst="rect">
-            <a:avLst/>
-          </a:prstGeom>
-          <a:noFill/>
-        </p:spPr>
-        <p:txBody>
-          <a:bodyPr wrap="square" rtlCol="0">
-            <a:spAutoFit/>
-          </a:bodyPr>
-          <a:lstStyle/>
-          <a:p>
-            <a:pPr algn="ctr"/>
-            <a:r>
-              <a:rPr lang="en-GB" sz="3600" b="1" dirty="0" smtClean="0">
-                <a:gradFill>
-                  <a:gsLst>
-                    <a:gs pos="100000">
-                      <a:srgbClr val="EA6984"/>
-                    </a:gs>
-                    <a:gs pos="0">
-                      <a:srgbClr val="D56AA0"/>
-                    </a:gs>
-                  </a:gsLst>
-                  <a:lin ang="13500000" scaled="1"/>
-                </a:gradFill>
-                <a:latin typeface="Nunito" panose="00000500000000000000" pitchFamily="2" charset="0"/>
-              </a:rPr>
-              <a:t>Q4 2018</a:t>
-            </a:r>
-            <a:endParaRPr lang="en-GB" sz="3600" b="1" dirty="0">
-              <a:gradFill>
-                <a:gsLst>
-                  <a:gs pos="100000">
-                    <a:srgbClr val="EA6984"/>
-                  </a:gs>
-                  <a:gs pos="0">
-                    <a:srgbClr val="D56AA0"/>
-                  </a:gs>
-                </a:gsLst>
-                <a:lin ang="13500000" scaled="1"/>
-              </a:gradFill>
-              <a:latin typeface="Nunito" panose="00000500000000000000" pitchFamily="2" charset="0"/>
-            </a:endParaRPr>
-          </a:p>
-        </p:txBody>
-      </p:sp>
-      <p:sp>
-        <p:nvSpPr>
-          <p:cNvPr id="40" name="TextBox 39"/>
-          <p:cNvSpPr txBox="1"/>
-          <p:nvPr/>
-        </p:nvSpPr>
-        <p:spPr>
-          <a:xfrm>
-            <a:off x="3582130" y="2226549"/>
-            <a:ext cx="2343621" cy="646331"/>
-          </a:xfrm>
-          <a:prstGeom prst="rect">
-            <a:avLst/>
-          </a:prstGeom>
-          <a:noFill/>
-        </p:spPr>
-        <p:txBody>
-          <a:bodyPr wrap="square" rtlCol="0">
-            <a:spAutoFit/>
-          </a:bodyPr>
-          <a:lstStyle/>
-          <a:p>
-            <a:pPr algn="ctr"/>
-            <a:r>
-              <a:rPr lang="en-GB" sz="3600" b="1" dirty="0" smtClean="0">
-                <a:gradFill>
-                  <a:gsLst>
-                    <a:gs pos="100000">
-                      <a:srgbClr val="EA6984"/>
-                    </a:gs>
-                    <a:gs pos="0">
-                      <a:srgbClr val="D56AA0"/>
-                    </a:gs>
-                  </a:gsLst>
-                  <a:lin ang="13500000" scaled="1"/>
-                </a:gradFill>
-                <a:latin typeface="Nunito" panose="00000500000000000000" pitchFamily="2" charset="0"/>
-              </a:rPr>
-              <a:t>Q1 2019</a:t>
-            </a:r>
-            <a:endParaRPr lang="en-GB" sz="3600" b="1" dirty="0">
-              <a:gradFill>
-                <a:gsLst>
-                  <a:gs pos="100000">
-                    <a:srgbClr val="EA6984"/>
-                  </a:gs>
-                  <a:gs pos="0">
-                    <a:srgbClr val="D56AA0"/>
-                  </a:gs>
-                </a:gsLst>
-                <a:lin ang="13500000" scaled="1"/>
-              </a:gradFill>
-              <a:latin typeface="Nunito" panose="00000500000000000000" pitchFamily="2" charset="0"/>
-            </a:endParaRPr>
-          </a:p>
-        </p:txBody>
-      </p:sp>
-      <p:sp>
-        <p:nvSpPr>
-          <p:cNvPr id="41" name="TextBox 40"/>
-          <p:cNvSpPr txBox="1"/>
-          <p:nvPr/>
-        </p:nvSpPr>
-        <p:spPr>
-          <a:xfrm>
-            <a:off x="6446733" y="2200001"/>
-            <a:ext cx="2365010" cy="646331"/>
-          </a:xfrm>
-          <a:prstGeom prst="rect">
-            <a:avLst/>
-          </a:prstGeom>
-          <a:noFill/>
-        </p:spPr>
-        <p:txBody>
-          <a:bodyPr wrap="square" rtlCol="0">
-            <a:spAutoFit/>
-          </a:bodyPr>
-          <a:lstStyle/>
-          <a:p>
-            <a:pPr algn="ctr"/>
-            <a:r>
-              <a:rPr lang="en-GB" sz="3600" b="1" dirty="0" smtClean="0">
-                <a:gradFill>
-                  <a:gsLst>
-                    <a:gs pos="100000">
-                      <a:srgbClr val="EA6984"/>
-                    </a:gs>
-                    <a:gs pos="0">
-                      <a:srgbClr val="D56AA0"/>
-                    </a:gs>
-                  </a:gsLst>
-                  <a:lin ang="13500000" scaled="1"/>
-                </a:gradFill>
-                <a:latin typeface="Nunito" panose="00000500000000000000" pitchFamily="2" charset="0"/>
-              </a:rPr>
-              <a:t>Q2 2019</a:t>
-            </a:r>
-            <a:endParaRPr lang="en-GB" sz="3600" b="1" dirty="0">
-              <a:gradFill>
-                <a:gsLst>
-                  <a:gs pos="100000">
-                    <a:srgbClr val="EA6984"/>
-                  </a:gs>
-                  <a:gs pos="0">
-                    <a:srgbClr val="D56AA0"/>
-                  </a:gs>
-                </a:gsLst>
-                <a:lin ang="13500000" scaled="1"/>
-              </a:gradFill>
-              <a:latin typeface="Nunito" panose="00000500000000000000" pitchFamily="2" charset="0"/>
-            </a:endParaRPr>
-          </a:p>
-        </p:txBody>
-      </p:sp>
-      <p:sp>
-        <p:nvSpPr>
-          <p:cNvPr id="42" name="TextBox 41"/>
-          <p:cNvSpPr txBox="1"/>
-          <p:nvPr/>
-        </p:nvSpPr>
-        <p:spPr>
-          <a:xfrm>
-            <a:off x="9255419" y="2175342"/>
-            <a:ext cx="2253762" cy="646331"/>
-          </a:xfrm>
-          <a:prstGeom prst="rect">
-            <a:avLst/>
-          </a:prstGeom>
-          <a:noFill/>
-        </p:spPr>
-        <p:txBody>
-          <a:bodyPr wrap="square" rtlCol="0">
-            <a:spAutoFit/>
-          </a:bodyPr>
-          <a:lstStyle/>
-          <a:p>
-            <a:pPr algn="ctr"/>
-            <a:r>
-              <a:rPr lang="en-GB" sz="3600" b="1" dirty="0" smtClean="0">
-                <a:gradFill>
-                  <a:gsLst>
-                    <a:gs pos="100000">
-                      <a:srgbClr val="EA6984"/>
-                    </a:gs>
-                    <a:gs pos="0">
-                      <a:srgbClr val="D56AA0"/>
-                    </a:gs>
-                  </a:gsLst>
-                  <a:lin ang="13500000" scaled="1"/>
-                </a:gradFill>
-                <a:latin typeface="Nunito" panose="00000500000000000000" pitchFamily="2" charset="0"/>
-              </a:rPr>
-              <a:t>Q3 2019</a:t>
-            </a:r>
-            <a:endParaRPr lang="en-GB" sz="3600" b="1" dirty="0">
-              <a:gradFill>
-                <a:gsLst>
-                  <a:gs pos="100000">
-                    <a:srgbClr val="EA6984"/>
-                  </a:gs>
-                  <a:gs pos="0">
-                    <a:srgbClr val="D56AA0"/>
-                  </a:gs>
-                </a:gsLst>
-                <a:lin ang="13500000" scaled="1"/>
-              </a:gradFill>
-              <a:latin typeface="Nunito" panose="00000500000000000000" pitchFamily="2" charset="0"/>
-            </a:endParaRPr>
-          </a:p>
-        </p:txBody>
-      </p:sp>
-      <p:sp>
-        <p:nvSpPr>
-          <p:cNvPr id="43" name="TextBox 42"/>
-          <p:cNvSpPr txBox="1"/>
-          <p:nvPr/>
-        </p:nvSpPr>
-        <p:spPr>
-          <a:xfrm>
-            <a:off x="639109" y="4761007"/>
-            <a:ext cx="2481943" cy="584775"/>
-          </a:xfrm>
-          <a:prstGeom prst="rect">
-            <a:avLst/>
-          </a:prstGeom>
-          <a:noFill/>
-        </p:spPr>
-        <p:txBody>
-          <a:bodyPr wrap="square" rtlCol="0">
-            <a:spAutoFit/>
-          </a:bodyPr>
-          <a:lstStyle/>
-          <a:p>
-            <a:pPr algn="ctr"/>
-            <a:r>
-              <a:rPr lang="en-GB" sz="3200" b="1" dirty="0" smtClean="0">
-                <a:solidFill>
-                  <a:schemeClr val="tx1">
-                    <a:lumMod val="75000"/>
-                    <a:lumOff val="25000"/>
-                  </a:schemeClr>
-                </a:solidFill>
-                <a:latin typeface="Nunito" panose="00000500000000000000" pitchFamily="2" charset="0"/>
-              </a:rPr>
-              <a:t>Research</a:t>
-            </a:r>
-            <a:endParaRPr lang="en-GB" sz="3200" b="1" dirty="0">
-              <a:solidFill>
-                <a:schemeClr val="tx1">
-                  <a:lumMod val="75000"/>
-                  <a:lumOff val="25000"/>
-                </a:schemeClr>
-              </a:solidFill>
-              <a:latin typeface="Nunito" panose="00000500000000000000" pitchFamily="2" charset="0"/>
-            </a:endParaRPr>
-          </a:p>
-        </p:txBody>
-      </p:sp>
-      <p:sp>
-        <p:nvSpPr>
-          <p:cNvPr id="44" name="TextBox 43"/>
-          <p:cNvSpPr txBox="1"/>
-          <p:nvPr/>
-        </p:nvSpPr>
-        <p:spPr>
-          <a:xfrm>
-            <a:off x="3512968" y="4740802"/>
-            <a:ext cx="2481943" cy="584775"/>
-          </a:xfrm>
-          <a:prstGeom prst="rect">
-            <a:avLst/>
-          </a:prstGeom>
-          <a:noFill/>
-        </p:spPr>
-        <p:txBody>
-          <a:bodyPr wrap="square" rtlCol="0">
-            <a:spAutoFit/>
-          </a:bodyPr>
-          <a:lstStyle/>
-          <a:p>
-            <a:pPr algn="ctr"/>
-            <a:r>
-              <a:rPr lang="en-GB" sz="3200" b="1" dirty="0" smtClean="0">
-                <a:solidFill>
-                  <a:schemeClr val="tx1">
-                    <a:lumMod val="75000"/>
-                    <a:lumOff val="25000"/>
-                  </a:schemeClr>
-                </a:solidFill>
-                <a:latin typeface="Nunito" panose="00000500000000000000" pitchFamily="2" charset="0"/>
-              </a:rPr>
-              <a:t>MVP</a:t>
-            </a:r>
-            <a:endParaRPr lang="en-GB" sz="3200" b="1" dirty="0">
-              <a:solidFill>
-                <a:schemeClr val="tx1">
-                  <a:lumMod val="75000"/>
-                  <a:lumOff val="25000"/>
-                </a:schemeClr>
-              </a:solidFill>
-              <a:latin typeface="Nunito" panose="00000500000000000000" pitchFamily="2" charset="0"/>
-            </a:endParaRPr>
-          </a:p>
-        </p:txBody>
-      </p:sp>
-      <p:sp>
-        <p:nvSpPr>
-          <p:cNvPr id="45" name="TextBox 44"/>
-          <p:cNvSpPr txBox="1"/>
-          <p:nvPr/>
-        </p:nvSpPr>
-        <p:spPr>
-          <a:xfrm>
-            <a:off x="6386827" y="4700774"/>
-            <a:ext cx="2481943" cy="584775"/>
-          </a:xfrm>
-          <a:prstGeom prst="rect">
-            <a:avLst/>
-          </a:prstGeom>
-          <a:noFill/>
-        </p:spPr>
-        <p:txBody>
-          <a:bodyPr wrap="square" rtlCol="0">
-            <a:spAutoFit/>
-          </a:bodyPr>
-          <a:lstStyle/>
-          <a:p>
-            <a:pPr algn="ctr"/>
-            <a:r>
-              <a:rPr lang="en-GB" sz="3200" b="1" dirty="0" smtClean="0">
-                <a:solidFill>
-                  <a:schemeClr val="tx1">
-                    <a:lumMod val="75000"/>
-                    <a:lumOff val="25000"/>
-                  </a:schemeClr>
-                </a:solidFill>
-                <a:latin typeface="Nunito" panose="00000500000000000000" pitchFamily="2" charset="0"/>
-              </a:rPr>
-              <a:t>Beta</a:t>
-            </a:r>
-            <a:endParaRPr lang="en-GB" sz="3200" b="1" dirty="0">
-              <a:solidFill>
-                <a:schemeClr val="tx1">
-                  <a:lumMod val="75000"/>
-                  <a:lumOff val="25000"/>
-                </a:schemeClr>
-              </a:solidFill>
-              <a:latin typeface="Nunito" panose="00000500000000000000" pitchFamily="2" charset="0"/>
-            </a:endParaRPr>
-          </a:p>
-        </p:txBody>
-      </p:sp>
-      <p:sp>
-        <p:nvSpPr>
-          <p:cNvPr id="46" name="TextBox 45"/>
-          <p:cNvSpPr txBox="1"/>
-          <p:nvPr/>
-        </p:nvSpPr>
-        <p:spPr>
-          <a:xfrm>
-            <a:off x="9150502" y="4712030"/>
-            <a:ext cx="2481943" cy="584775"/>
-          </a:xfrm>
-          <a:prstGeom prst="rect">
-            <a:avLst/>
-          </a:prstGeom>
-          <a:noFill/>
-        </p:spPr>
-        <p:txBody>
-          <a:bodyPr wrap="square" rtlCol="0">
-            <a:spAutoFit/>
-          </a:bodyPr>
-          <a:lstStyle/>
-          <a:p>
-            <a:pPr algn="ctr"/>
-            <a:r>
-              <a:rPr lang="en-GB" sz="3200" b="1" dirty="0" smtClean="0">
-                <a:solidFill>
-                  <a:schemeClr val="tx1">
-                    <a:lumMod val="75000"/>
-                    <a:lumOff val="25000"/>
-                  </a:schemeClr>
-                </a:solidFill>
-                <a:latin typeface="Nunito" panose="00000500000000000000" pitchFamily="2" charset="0"/>
-              </a:rPr>
-              <a:t>Pilot</a:t>
-            </a:r>
-            <a:endParaRPr lang="en-GB" sz="3200" b="1" dirty="0">
-              <a:solidFill>
-                <a:schemeClr val="tx1">
-                  <a:lumMod val="75000"/>
-                  <a:lumOff val="25000"/>
-                </a:schemeClr>
-              </a:solidFill>
-              <a:latin typeface="Nunito" panose="00000500000000000000" pitchFamily="2" charset="0"/>
-            </a:endParaRPr>
-          </a:p>
-        </p:txBody>
-      </p:sp>
-    </p:spTree>
-    <p:extLst>
-      <p:ext uri="{BB962C8B-B14F-4D97-AF65-F5344CB8AC3E}">
-        <p14:creationId xmlns:p14="http://schemas.microsoft.com/office/powerpoint/2010/main" val="4036910040"/>
-      </p:ext>
-    </p:extLst>
-  </p:cSld>
-  <p:clrMapOvr>
-    <a:masterClrMapping/>
-  </p:clrMapOvr>
-  <mc:AlternateContent xmlns:mc="http://schemas.openxmlformats.org/markup-compatibility/2006" xmlns:p14="http://schemas.microsoft.com/office/powerpoint/2010/main">
-    <mc:Choice Requires="p14">
-      <p:transition p14:dur="0"/>
-    </mc:Choice>
-    <mc:Fallback xmlns="">
-      <p:transition/>
-    </mc:Fallback>
-  </mc:AlternateContent>
-  <p:timing>
-    <p:tnLst>
-      <p:par>
-        <p:cTn id="1" dur="indefinite" restart="never" nodeType="tmRoot"/>
-      </p:par>
-    </p:tnLst>
-  </p:timing>
-</p:sld>
-</file>
-
 <file path=ppt/theme/theme1.xml><?xml version="1.0" encoding="utf-8"?>
 <a:theme xmlns:a="http://schemas.openxmlformats.org/drawingml/2006/main" name="Office Theme">
   <a:themeElements>

--- a/presentation/softuniada/presentation.pptx
+++ b/presentation/softuniada/presentation.pptx
@@ -15,9 +15,10 @@
     <p:sldId id="260" r:id="rId9"/>
     <p:sldId id="261" r:id="rId10"/>
     <p:sldId id="259" r:id="rId11"/>
-    <p:sldId id="268" r:id="rId12"/>
-    <p:sldId id="265" r:id="rId13"/>
-    <p:sldId id="266" r:id="rId14"/>
+    <p:sldId id="269" r:id="rId12"/>
+    <p:sldId id="268" r:id="rId13"/>
+    <p:sldId id="265" r:id="rId14"/>
+    <p:sldId id="266" r:id="rId15"/>
   </p:sldIdLst>
   <p:sldSz cx="12192000" cy="6858000"/>
   <p:notesSz cx="6858000" cy="9144000"/>
@@ -4706,6 +4707,304 @@
         </p:nvSpPr>
         <p:spPr>
           <a:xfrm>
+            <a:off x="2318658" y="-653519"/>
+            <a:ext cx="9144000" cy="2387600"/>
+          </a:xfrm>
+        </p:spPr>
+        <p:txBody>
+          <a:bodyPr>
+            <a:normAutofit/>
+          </a:bodyPr>
+          <a:lstStyle/>
+          <a:p>
+            <a:pPr algn="r"/>
+            <a:r>
+              <a:rPr lang="en-GB" sz="8800" b="1" dirty="0" smtClean="0">
+                <a:gradFill flip="none" rotWithShape="1">
+                  <a:gsLst>
+                    <a:gs pos="100000">
+                      <a:srgbClr val="EA6984"/>
+                    </a:gs>
+                    <a:gs pos="0">
+                      <a:srgbClr val="D56AA0"/>
+                    </a:gs>
+                  </a:gsLst>
+                  <a:lin ang="13500000" scaled="1"/>
+                  <a:tileRect/>
+                </a:gradFill>
+                <a:latin typeface="Nunito Black" panose="00000A00000000000000" pitchFamily="2" charset="0"/>
+              </a:rPr>
+              <a:t>Competition</a:t>
+            </a:r>
+            <a:endParaRPr lang="en-GB" sz="4000" b="1" dirty="0">
+              <a:gradFill flip="none" rotWithShape="1">
+                <a:gsLst>
+                  <a:gs pos="100000">
+                    <a:srgbClr val="EA6984"/>
+                  </a:gs>
+                  <a:gs pos="0">
+                    <a:srgbClr val="D56AA0"/>
+                  </a:gs>
+                </a:gsLst>
+                <a:lin ang="13500000" scaled="1"/>
+                <a:tileRect/>
+              </a:gradFill>
+              <a:latin typeface="Nunito Black" panose="00000A00000000000000" pitchFamily="2" charset="0"/>
+            </a:endParaRPr>
+          </a:p>
+        </p:txBody>
+      </p:sp>
+      <p:sp>
+        <p:nvSpPr>
+          <p:cNvPr id="12" name="TextBox 11"/>
+          <p:cNvSpPr txBox="1"/>
+          <p:nvPr/>
+        </p:nvSpPr>
+        <p:spPr>
+          <a:xfrm>
+            <a:off x="6760030" y="1782237"/>
+            <a:ext cx="4702628" cy="523220"/>
+          </a:xfrm>
+          <a:prstGeom prst="rect">
+            <a:avLst/>
+          </a:prstGeom>
+          <a:noFill/>
+        </p:spPr>
+        <p:txBody>
+          <a:bodyPr wrap="square" rtlCol="0">
+            <a:spAutoFit/>
+          </a:bodyPr>
+          <a:lstStyle/>
+          <a:p>
+            <a:pPr lvl="1" algn="r"/>
+            <a:endParaRPr lang="en-GB" sz="2800" b="1" dirty="0">
+              <a:solidFill>
+                <a:srgbClr val="E6A4C5"/>
+              </a:solidFill>
+              <a:latin typeface="Nunito" panose="00000500000000000000" pitchFamily="2" charset="0"/>
+            </a:endParaRPr>
+          </a:p>
+        </p:txBody>
+      </p:sp>
+      <p:pic>
+        <p:nvPicPr>
+          <p:cNvPr id="16" name="Picture 15"/>
+          <p:cNvPicPr>
+            <a:picLocks noChangeAspect="1"/>
+          </p:cNvPicPr>
+          <p:nvPr/>
+        </p:nvPicPr>
+        <p:blipFill>
+          <a:blip r:embed="rId2" cstate="print">
+            <a:extLst>
+              <a:ext uri="{28A0092B-C50C-407E-A947-70E740481C1C}">
+                <a14:useLocalDpi xmlns:a14="http://schemas.microsoft.com/office/drawing/2010/main" val="0"/>
+              </a:ext>
+            </a:extLst>
+          </a:blip>
+          <a:stretch>
+            <a:fillRect/>
+          </a:stretch>
+        </p:blipFill>
+        <p:spPr>
+          <a:xfrm rot="11346299">
+            <a:off x="8807491" y="2656255"/>
+            <a:ext cx="6769017" cy="6769017"/>
+          </a:xfrm>
+          <a:prstGeom prst="rect">
+            <a:avLst/>
+          </a:prstGeom>
+          <a:noFill/>
+          <a:ln>
+            <a:noFill/>
+          </a:ln>
+        </p:spPr>
+      </p:pic>
+      <p:grpSp>
+        <p:nvGrpSpPr>
+          <p:cNvPr id="10" name="Group 9"/>
+          <p:cNvGrpSpPr/>
+          <p:nvPr/>
+        </p:nvGrpSpPr>
+        <p:grpSpPr>
+          <a:xfrm>
+            <a:off x="-2982265" y="-4038029"/>
+            <a:ext cx="6769017" cy="6769017"/>
+            <a:chOff x="-2982265" y="-4038029"/>
+            <a:chExt cx="6769017" cy="6769017"/>
+          </a:xfrm>
+        </p:grpSpPr>
+        <p:pic>
+          <p:nvPicPr>
+            <p:cNvPr id="17" name="Picture 16"/>
+            <p:cNvPicPr>
+              <a:picLocks noChangeAspect="1"/>
+            </p:cNvPicPr>
+            <p:nvPr/>
+          </p:nvPicPr>
+          <p:blipFill>
+            <a:blip r:embed="rId3" cstate="print">
+              <a:extLst>
+                <a:ext uri="{BEBA8EAE-BF5A-486C-A8C5-ECC9F3942E4B}">
+                  <a14:imgProps xmlns:a14="http://schemas.microsoft.com/office/drawing/2010/main">
+                    <a14:imgLayer r:embed="rId4">
+                      <a14:imgEffect>
+                        <a14:colorTemperature colorTemp="11200"/>
+                      </a14:imgEffect>
+                    </a14:imgLayer>
+                  </a14:imgProps>
+                </a:ext>
+                <a:ext uri="{28A0092B-C50C-407E-A947-70E740481C1C}">
+                  <a14:useLocalDpi xmlns:a14="http://schemas.microsoft.com/office/drawing/2010/main" val="0"/>
+                </a:ext>
+              </a:extLst>
+            </a:blip>
+            <a:stretch>
+              <a:fillRect/>
+            </a:stretch>
+          </p:blipFill>
+          <p:spPr>
+            <a:xfrm rot="8119872">
+              <a:off x="-2982265" y="-4038029"/>
+              <a:ext cx="6769017" cy="6769017"/>
+            </a:xfrm>
+            <a:prstGeom prst="rect">
+              <a:avLst/>
+            </a:prstGeom>
+            <a:ln>
+              <a:noFill/>
+            </a:ln>
+          </p:spPr>
+        </p:pic>
+        <p:pic>
+          <p:nvPicPr>
+            <p:cNvPr id="18" name="Picture 17"/>
+            <p:cNvPicPr>
+              <a:picLocks noChangeAspect="1"/>
+            </p:cNvPicPr>
+            <p:nvPr/>
+          </p:nvPicPr>
+          <p:blipFill>
+            <a:blip r:embed="rId5" cstate="print">
+              <a:extLst>
+                <a:ext uri="{28A0092B-C50C-407E-A947-70E740481C1C}">
+                  <a14:useLocalDpi xmlns:a14="http://schemas.microsoft.com/office/drawing/2010/main" val="0"/>
+                </a:ext>
+              </a:extLst>
+            </a:blip>
+            <a:stretch>
+              <a:fillRect/>
+            </a:stretch>
+          </p:blipFill>
+          <p:spPr>
+            <a:xfrm>
+              <a:off x="-1377" y="178861"/>
+              <a:ext cx="1793583" cy="1793583"/>
+            </a:xfrm>
+            <a:prstGeom prst="rect">
+              <a:avLst/>
+            </a:prstGeom>
+            <a:ln>
+              <a:noFill/>
+            </a:ln>
+          </p:spPr>
+        </p:pic>
+      </p:grpSp>
+      <p:pic>
+        <p:nvPicPr>
+          <p:cNvPr id="23" name="Picture 22"/>
+          <p:cNvPicPr>
+            <a:picLocks noChangeAspect="1"/>
+          </p:cNvPicPr>
+          <p:nvPr/>
+        </p:nvPicPr>
+        <p:blipFill>
+          <a:blip r:embed="rId6" cstate="print">
+            <a:extLst>
+              <a:ext uri="{28A0092B-C50C-407E-A947-70E740481C1C}">
+                <a14:useLocalDpi xmlns:a14="http://schemas.microsoft.com/office/drawing/2010/main" val="0"/>
+              </a:ext>
+            </a:extLst>
+          </a:blip>
+          <a:stretch>
+            <a:fillRect/>
+          </a:stretch>
+        </p:blipFill>
+        <p:spPr>
+          <a:xfrm>
+            <a:off x="7397479" y="3330043"/>
+            <a:ext cx="466539" cy="746043"/>
+          </a:xfrm>
+          <a:prstGeom prst="rect">
+            <a:avLst/>
+          </a:prstGeom>
+        </p:spPr>
+      </p:pic>
+    </p:spTree>
+    <p:extLst>
+      <p:ext uri="{BB962C8B-B14F-4D97-AF65-F5344CB8AC3E}">
+        <p14:creationId xmlns:p14="http://schemas.microsoft.com/office/powerpoint/2010/main" val="1463533106"/>
+      </p:ext>
+    </p:extLst>
+  </p:cSld>
+  <p:clrMapOvr>
+    <a:masterClrMapping/>
+  </p:clrMapOvr>
+  <mc:AlternateContent xmlns:mc="http://schemas.openxmlformats.org/markup-compatibility/2006" xmlns:p14="http://schemas.microsoft.com/office/powerpoint/2010/main">
+    <mc:Choice Requires="p14">
+      <p:transition p14:dur="0"/>
+    </mc:Choice>
+    <mc:Fallback xmlns="">
+      <p:transition/>
+    </mc:Fallback>
+  </mc:AlternateContent>
+  <p:timing>
+    <p:tnLst>
+      <p:par>
+        <p:cTn id="1" dur="indefinite" restart="never" nodeType="tmRoot"/>
+      </p:par>
+    </p:tnLst>
+  </p:timing>
+</p:sld>
+</file>
+
+<file path=ppt/slides/slide12.xml><?xml version="1.0" encoding="utf-8"?>
+<p:sld xmlns:a="http://schemas.openxmlformats.org/drawingml/2006/main" xmlns:r="http://schemas.openxmlformats.org/officeDocument/2006/relationships" xmlns:p="http://schemas.openxmlformats.org/presentationml/2006/main">
+  <p:cSld>
+    <p:bg>
+      <p:bgPr>
+        <a:solidFill>
+          <a:schemeClr val="bg1"/>
+        </a:solidFill>
+        <a:effectLst/>
+      </p:bgPr>
+    </p:bg>
+    <p:spTree>
+      <p:nvGrpSpPr>
+        <p:cNvPr id="1" name=""/>
+        <p:cNvGrpSpPr/>
+        <p:nvPr/>
+      </p:nvGrpSpPr>
+      <p:grpSpPr>
+        <a:xfrm>
+          <a:off x="0" y="0"/>
+          <a:ext cx="0" cy="0"/>
+          <a:chOff x="0" y="0"/>
+          <a:chExt cx="0" cy="0"/>
+        </a:xfrm>
+      </p:grpSpPr>
+      <p:sp>
+        <p:nvSpPr>
+          <p:cNvPr id="2" name="Title 1"/>
+          <p:cNvSpPr>
+            <a:spLocks noGrp="1"/>
+          </p:cNvSpPr>
+          <p:nvPr>
+            <p:ph type="ctrTitle"/>
+          </p:nvPr>
+        </p:nvSpPr>
+        <p:spPr>
+          <a:xfrm>
             <a:off x="2072081" y="-653519"/>
             <a:ext cx="9390577" cy="2387600"/>
           </a:xfrm>
@@ -5007,8 +5306,8 @@
         </p:nvSpPr>
         <p:spPr>
           <a:xfrm>
-            <a:off x="6687460" y="1782237"/>
-            <a:ext cx="4702628" cy="3970318"/>
+            <a:off x="6285031" y="1782237"/>
+            <a:ext cx="4702628" cy="4832092"/>
           </a:xfrm>
           <a:prstGeom prst="rect">
             <a:avLst/>
@@ -5116,7 +5415,7 @@
                 </a:solidFill>
                 <a:latin typeface="Nunito Black" panose="00000A00000000000000" pitchFamily="2" charset="0"/>
               </a:rPr>
-              <a:t>- Improve based on th</a:t>
+              <a:t>- Improve </a:t>
             </a:r>
             <a:r>
               <a:rPr lang="en-GB" sz="2800" b="1" dirty="0" smtClean="0">
@@ -5128,7 +5427,49 @@
                 </a:solidFill>
                 <a:latin typeface="Nunito Black" panose="00000A00000000000000" pitchFamily="2" charset="0"/>
               </a:rPr>
-              <a:t>e feedback from them</a:t>
+              <a:t>based on the feedback from </a:t>
+            </a:r>
+            <a:r>
+              <a:rPr lang="en-GB" sz="2800" b="1" dirty="0" smtClean="0">
+                <a:solidFill>
+                  <a:schemeClr val="tx1">
+                    <a:lumMod val="75000"/>
+                    <a:lumOff val="25000"/>
+                  </a:schemeClr>
+                </a:solidFill>
+                <a:latin typeface="Nunito Black" panose="00000A00000000000000" pitchFamily="2" charset="0"/>
+              </a:rPr>
+              <a:t>them</a:t>
+            </a:r>
+          </a:p>
+          <a:p>
+            <a:pPr marL="914400" lvl="1" indent="-457200">
+              <a:buFontTx/>
+              <a:buChar char="-"/>
+            </a:pPr>
+            <a:endParaRPr lang="en-GB" sz="2800" b="1" dirty="0" smtClean="0">
+              <a:solidFill>
+                <a:schemeClr val="tx1">
+                  <a:lumMod val="75000"/>
+                  <a:lumOff val="25000"/>
+                </a:schemeClr>
+              </a:solidFill>
+              <a:latin typeface="Nunito Black" panose="00000A00000000000000" pitchFamily="2" charset="0"/>
+            </a:endParaRPr>
+          </a:p>
+          <a:p>
+            <a:pPr lvl="1"/>
+            <a:r>
+              <a:rPr lang="en-GB" sz="2800" b="1" dirty="0" smtClean="0">
+                <a:solidFill>
+                  <a:schemeClr val="tx1">
+                    <a:lumMod val="75000"/>
+                    <a:lumOff val="25000"/>
+                  </a:schemeClr>
+                </a:solidFill>
+                <a:latin typeface="Nunito Black" panose="00000A00000000000000" pitchFamily="2" charset="0"/>
+              </a:rPr>
+              <a:t>- Implement i18n</a:t>
             </a:r>
             <a:endParaRPr lang="en-GB" sz="2800" b="1" dirty="0">
               <a:solidFill>
@@ -5170,7 +5511,7 @@
 </p:sld>
 </file>
 
-<file path=ppt/slides/slide12.xml><?xml version="1.0" encoding="utf-8"?>
+<file path=ppt/slides/slide13.xml><?xml version="1.0" encoding="utf-8"?>
 <p:sld xmlns:a="http://schemas.openxmlformats.org/drawingml/2006/main" xmlns:r="http://schemas.openxmlformats.org/officeDocument/2006/relationships" xmlns:p="http://schemas.openxmlformats.org/presentationml/2006/main">
   <p:cSld>
     <p:bg>
@@ -5680,7 +6021,7 @@
 </p:sld>
 </file>
 
-<file path=ppt/slides/slide13.xml><?xml version="1.0" encoding="utf-8"?>
+<file path=ppt/slides/slide14.xml><?xml version="1.0" encoding="utf-8"?>
 <p:sld xmlns:a="http://schemas.openxmlformats.org/drawingml/2006/main" xmlns:r="http://schemas.openxmlformats.org/officeDocument/2006/relationships" xmlns:p="http://schemas.openxmlformats.org/presentationml/2006/main">
   <p:cSld>
     <p:bg>

--- a/presentation/softuniada/presentation.pptx
+++ b/presentation/softuniada/presentation.pptx
@@ -16,9 +16,10 @@
     <p:sldId id="261" r:id="rId10"/>
     <p:sldId id="259" r:id="rId11"/>
     <p:sldId id="269" r:id="rId12"/>
-    <p:sldId id="268" r:id="rId13"/>
-    <p:sldId id="265" r:id="rId14"/>
-    <p:sldId id="266" r:id="rId15"/>
+    <p:sldId id="270" r:id="rId13"/>
+    <p:sldId id="268" r:id="rId14"/>
+    <p:sldId id="265" r:id="rId15"/>
+    <p:sldId id="266" r:id="rId16"/>
   </p:sldIdLst>
   <p:sldSz cx="12192000" cy="6858000"/>
   <p:notesSz cx="6858000" cy="9144000"/>
@@ -256,7 +257,7 @@
           <a:p>
             <a:fld id="{3F05D807-3FBC-4F6F-9B3B-F8E209AEAD47}" type="datetimeFigureOut">
               <a:rPr lang="en-GB" smtClean="0"/>
-              <a:t>18/04/2019</a:t>
+              <a:t>19/04/2019</a:t>
             </a:fld>
             <a:endParaRPr lang="en-GB"/>
           </a:p>
@@ -426,7 +427,7 @@
           <a:p>
             <a:fld id="{3F05D807-3FBC-4F6F-9B3B-F8E209AEAD47}" type="datetimeFigureOut">
               <a:rPr lang="en-GB" smtClean="0"/>
-              <a:t>18/04/2019</a:t>
+              <a:t>19/04/2019</a:t>
             </a:fld>
             <a:endParaRPr lang="en-GB"/>
           </a:p>
@@ -606,7 +607,7 @@
           <a:p>
             <a:fld id="{3F05D807-3FBC-4F6F-9B3B-F8E209AEAD47}" type="datetimeFigureOut">
               <a:rPr lang="en-GB" smtClean="0"/>
-              <a:t>18/04/2019</a:t>
+              <a:t>19/04/2019</a:t>
             </a:fld>
             <a:endParaRPr lang="en-GB"/>
           </a:p>
@@ -776,7 +777,7 @@
           <a:p>
             <a:fld id="{3F05D807-3FBC-4F6F-9B3B-F8E209AEAD47}" type="datetimeFigureOut">
               <a:rPr lang="en-GB" smtClean="0"/>
-              <a:t>18/04/2019</a:t>
+              <a:t>19/04/2019</a:t>
             </a:fld>
             <a:endParaRPr lang="en-GB"/>
           </a:p>
@@ -1022,7 +1023,7 @@
           <a:p>
             <a:fld id="{3F05D807-3FBC-4F6F-9B3B-F8E209AEAD47}" type="datetimeFigureOut">
               <a:rPr lang="en-GB" smtClean="0"/>
-              <a:t>18/04/2019</a:t>
+              <a:t>19/04/2019</a:t>
             </a:fld>
             <a:endParaRPr lang="en-GB"/>
           </a:p>
@@ -1254,7 +1255,7 @@
           <a:p>
             <a:fld id="{3F05D807-3FBC-4F6F-9B3B-F8E209AEAD47}" type="datetimeFigureOut">
               <a:rPr lang="en-GB" smtClean="0"/>
-              <a:t>18/04/2019</a:t>
+              <a:t>19/04/2019</a:t>
             </a:fld>
             <a:endParaRPr lang="en-GB"/>
           </a:p>
@@ -1621,7 +1622,7 @@
           <a:p>
             <a:fld id="{3F05D807-3FBC-4F6F-9B3B-F8E209AEAD47}" type="datetimeFigureOut">
               <a:rPr lang="en-GB" smtClean="0"/>
-              <a:t>18/04/2019</a:t>
+              <a:t>19/04/2019</a:t>
             </a:fld>
             <a:endParaRPr lang="en-GB"/>
           </a:p>
@@ -1739,7 +1740,7 @@
           <a:p>
             <a:fld id="{3F05D807-3FBC-4F6F-9B3B-F8E209AEAD47}" type="datetimeFigureOut">
               <a:rPr lang="en-GB" smtClean="0"/>
-              <a:t>18/04/2019</a:t>
+              <a:t>19/04/2019</a:t>
             </a:fld>
             <a:endParaRPr lang="en-GB"/>
           </a:p>
@@ -1834,7 +1835,7 @@
           <a:p>
             <a:fld id="{3F05D807-3FBC-4F6F-9B3B-F8E209AEAD47}" type="datetimeFigureOut">
               <a:rPr lang="en-GB" smtClean="0"/>
-              <a:t>18/04/2019</a:t>
+              <a:t>19/04/2019</a:t>
             </a:fld>
             <a:endParaRPr lang="en-GB"/>
           </a:p>
@@ -2111,7 +2112,7 @@
           <a:p>
             <a:fld id="{3F05D807-3FBC-4F6F-9B3B-F8E209AEAD47}" type="datetimeFigureOut">
               <a:rPr lang="en-GB" smtClean="0"/>
-              <a:t>18/04/2019</a:t>
+              <a:t>19/04/2019</a:t>
             </a:fld>
             <a:endParaRPr lang="en-GB"/>
           </a:p>
@@ -2364,7 +2365,7 @@
           <a:p>
             <a:fld id="{3F05D807-3FBC-4F6F-9B3B-F8E209AEAD47}" type="datetimeFigureOut">
               <a:rPr lang="en-GB" smtClean="0"/>
-              <a:t>18/04/2019</a:t>
+              <a:t>19/04/2019</a:t>
             </a:fld>
             <a:endParaRPr lang="en-GB"/>
           </a:p>
@@ -2577,7 +2578,7 @@
           <a:p>
             <a:fld id="{3F05D807-3FBC-4F6F-9B3B-F8E209AEAD47}" type="datetimeFigureOut">
               <a:rPr lang="en-GB" smtClean="0"/>
-              <a:t>18/04/2019</a:t>
+              <a:t>19/04/2019</a:t>
             </a:fld>
             <a:endParaRPr lang="en-GB"/>
           </a:p>
@@ -4912,14 +4913,14 @@
       </p:grpSp>
       <p:pic>
         <p:nvPicPr>
-          <p:cNvPr id="23" name="Picture 22"/>
+          <p:cNvPr id="3" name="Picture 2"/>
           <p:cNvPicPr>
             <a:picLocks noChangeAspect="1"/>
           </p:cNvPicPr>
           <p:nvPr/>
         </p:nvPicPr>
         <p:blipFill>
-          <a:blip r:embed="rId6" cstate="print">
+          <a:blip r:embed="rId6">
             <a:extLst>
               <a:ext uri="{28A0092B-C50C-407E-A947-70E740481C1C}">
                 <a14:useLocalDpi xmlns:a14="http://schemas.microsoft.com/office/drawing/2010/main" val="0"/>
@@ -4932,14 +4933,190 @@
         </p:blipFill>
         <p:spPr>
           <a:xfrm>
-            <a:off x="7397479" y="3330043"/>
-            <a:ext cx="466539" cy="746043"/>
+            <a:off x="795817" y="2265935"/>
+            <a:ext cx="5497214" cy="4008657"/>
           </a:xfrm>
           <a:prstGeom prst="rect">
             <a:avLst/>
           </a:prstGeom>
         </p:spPr>
       </p:pic>
+      <p:sp>
+        <p:nvSpPr>
+          <p:cNvPr id="11" name="TextBox 10"/>
+          <p:cNvSpPr txBox="1"/>
+          <p:nvPr/>
+        </p:nvSpPr>
+        <p:spPr>
+          <a:xfrm>
+            <a:off x="6687460" y="1782237"/>
+            <a:ext cx="4775198" cy="5262979"/>
+          </a:xfrm>
+          <a:prstGeom prst="rect">
+            <a:avLst/>
+          </a:prstGeom>
+          <a:noFill/>
+        </p:spPr>
+        <p:txBody>
+          <a:bodyPr wrap="square" rtlCol="0">
+            <a:spAutoFit/>
+          </a:bodyPr>
+          <a:lstStyle/>
+          <a:p>
+            <a:pPr lvl="1"/>
+            <a:r>
+              <a:rPr lang="en-GB" sz="2800" b="1" dirty="0" smtClean="0">
+                <a:solidFill>
+                  <a:schemeClr val="tx1">
+                    <a:lumMod val="75000"/>
+                    <a:lumOff val="25000"/>
+                  </a:schemeClr>
+                </a:solidFill>
+                <a:latin typeface="Nunito Black" panose="00000A00000000000000" pitchFamily="2" charset="0"/>
+              </a:rPr>
+              <a:t>- We don’t require any specific hardware</a:t>
+            </a:r>
+          </a:p>
+          <a:p>
+            <a:pPr marL="914400" lvl="1" indent="-457200">
+              <a:buFontTx/>
+              <a:buChar char="-"/>
+            </a:pPr>
+            <a:endParaRPr lang="en-GB" sz="2800" b="1" dirty="0">
+              <a:solidFill>
+                <a:schemeClr val="tx1">
+                  <a:lumMod val="75000"/>
+                  <a:lumOff val="25000"/>
+                </a:schemeClr>
+              </a:solidFill>
+              <a:latin typeface="Nunito Black" panose="00000A00000000000000" pitchFamily="2" charset="0"/>
+            </a:endParaRPr>
+          </a:p>
+          <a:p>
+            <a:pPr lvl="1"/>
+            <a:r>
+              <a:rPr lang="en-GB" sz="2800" b="1" dirty="0" smtClean="0">
+                <a:solidFill>
+                  <a:schemeClr val="tx1">
+                    <a:lumMod val="75000"/>
+                    <a:lumOff val="25000"/>
+                  </a:schemeClr>
+                </a:solidFill>
+                <a:latin typeface="Nunito Black" panose="00000A00000000000000" pitchFamily="2" charset="0"/>
+              </a:rPr>
+              <a:t>- Use on any device</a:t>
+            </a:r>
+          </a:p>
+          <a:p>
+            <a:pPr marL="914400" lvl="1" indent="-457200">
+              <a:buFontTx/>
+              <a:buChar char="-"/>
+            </a:pPr>
+            <a:endParaRPr lang="en-GB" sz="2800" b="1" dirty="0">
+              <a:solidFill>
+                <a:schemeClr val="tx1">
+                  <a:lumMod val="75000"/>
+                  <a:lumOff val="25000"/>
+                </a:schemeClr>
+              </a:solidFill>
+              <a:latin typeface="Nunito Black" panose="00000A00000000000000" pitchFamily="2" charset="0"/>
+            </a:endParaRPr>
+          </a:p>
+          <a:p>
+            <a:pPr lvl="1"/>
+            <a:r>
+              <a:rPr lang="en-GB" sz="2800" b="1" dirty="0" smtClean="0">
+                <a:solidFill>
+                  <a:schemeClr val="tx1">
+                    <a:lumMod val="75000"/>
+                    <a:lumOff val="25000"/>
+                  </a:schemeClr>
+                </a:solidFill>
+                <a:latin typeface="Nunito Black" panose="00000A00000000000000" pitchFamily="2" charset="0"/>
+              </a:rPr>
+              <a:t>- No need to download</a:t>
+            </a:r>
+          </a:p>
+          <a:p>
+            <a:pPr lvl="1"/>
+            <a:endParaRPr lang="en-GB" sz="2800" b="1" dirty="0">
+              <a:solidFill>
+                <a:schemeClr val="tx1">
+                  <a:lumMod val="75000"/>
+                  <a:lumOff val="25000"/>
+                </a:schemeClr>
+              </a:solidFill>
+              <a:latin typeface="Nunito Black" panose="00000A00000000000000" pitchFamily="2" charset="0"/>
+            </a:endParaRPr>
+          </a:p>
+          <a:p>
+            <a:pPr lvl="1"/>
+            <a:r>
+              <a:rPr lang="en-GB" sz="2800" b="1" dirty="0" smtClean="0">
+                <a:solidFill>
+                  <a:schemeClr val="tx1">
+                    <a:lumMod val="75000"/>
+                    <a:lumOff val="25000"/>
+                  </a:schemeClr>
+                </a:solidFill>
+                <a:latin typeface="Nunito Black" panose="00000A00000000000000" pitchFamily="2" charset="0"/>
+              </a:rPr>
+              <a:t>- Cheaper</a:t>
+            </a:r>
+          </a:p>
+          <a:p>
+            <a:pPr lvl="1"/>
+            <a:endParaRPr lang="en-GB" sz="2800" b="1" dirty="0" smtClean="0">
+              <a:solidFill>
+                <a:schemeClr val="tx1">
+                  <a:lumMod val="75000"/>
+                  <a:lumOff val="25000"/>
+                </a:schemeClr>
+              </a:solidFill>
+              <a:latin typeface="Nunito Black" panose="00000A00000000000000" pitchFamily="2" charset="0"/>
+            </a:endParaRPr>
+          </a:p>
+          <a:p>
+            <a:pPr lvl="1"/>
+            <a:r>
+              <a:rPr lang="en-GB" sz="2800" b="1" dirty="0" smtClean="0">
+                <a:solidFill>
+                  <a:schemeClr val="tx1">
+                    <a:lumMod val="75000"/>
+                    <a:lumOff val="25000"/>
+                  </a:schemeClr>
+                </a:solidFill>
+                <a:latin typeface="Nunito Black" panose="00000A00000000000000" pitchFamily="2" charset="0"/>
+              </a:rPr>
+              <a:t>- Better UI</a:t>
+            </a:r>
+          </a:p>
+          <a:p>
+            <a:pPr lvl="1"/>
+            <a:endParaRPr lang="en-GB" sz="2800" b="1" dirty="0" smtClean="0">
+              <a:solidFill>
+                <a:schemeClr val="tx1">
+                  <a:lumMod val="75000"/>
+                  <a:lumOff val="25000"/>
+                </a:schemeClr>
+              </a:solidFill>
+              <a:latin typeface="Nunito Black" panose="00000A00000000000000" pitchFamily="2" charset="0"/>
+            </a:endParaRPr>
+          </a:p>
+          <a:p>
+            <a:pPr lvl="1"/>
+            <a:endParaRPr lang="en-GB" sz="2800" b="1" dirty="0">
+              <a:solidFill>
+                <a:schemeClr val="tx1">
+                  <a:lumMod val="75000"/>
+                  <a:lumOff val="25000"/>
+                </a:schemeClr>
+              </a:solidFill>
+              <a:latin typeface="Nunito Black" panose="00000A00000000000000" pitchFamily="2" charset="0"/>
+            </a:endParaRPr>
+          </a:p>
+        </p:txBody>
+      </p:sp>
     </p:spTree>
     <p:extLst>
       <p:ext uri="{BB962C8B-B14F-4D97-AF65-F5344CB8AC3E}">
@@ -4971,6 +5148,1102 @@
 <file path=ppt/slides/slide12.xml><?xml version="1.0" encoding="utf-8"?>
 <p:sld xmlns:a="http://schemas.openxmlformats.org/drawingml/2006/main" xmlns:r="http://schemas.openxmlformats.org/officeDocument/2006/relationships" xmlns:p="http://schemas.openxmlformats.org/presentationml/2006/main">
   <p:cSld>
+    <p:spTree>
+      <p:nvGrpSpPr>
+        <p:cNvPr id="1" name=""/>
+        <p:cNvGrpSpPr/>
+        <p:nvPr/>
+      </p:nvGrpSpPr>
+      <p:grpSpPr>
+        <a:xfrm>
+          <a:off x="0" y="0"/>
+          <a:ext cx="0" cy="0"/>
+          <a:chOff x="0" y="0"/>
+          <a:chExt cx="0" cy="0"/>
+        </a:xfrm>
+      </p:grpSpPr>
+      <p:sp>
+        <p:nvSpPr>
+          <p:cNvPr id="2" name="Title 1"/>
+          <p:cNvSpPr>
+            <a:spLocks noGrp="1"/>
+          </p:cNvSpPr>
+          <p:nvPr>
+            <p:ph type="ctrTitle"/>
+          </p:nvPr>
+        </p:nvSpPr>
+        <p:spPr>
+          <a:xfrm>
+            <a:off x="2318658" y="-653519"/>
+            <a:ext cx="9144000" cy="2387600"/>
+          </a:xfrm>
+        </p:spPr>
+        <p:txBody>
+          <a:bodyPr>
+            <a:normAutofit fontScale="90000"/>
+          </a:bodyPr>
+          <a:lstStyle/>
+          <a:p>
+            <a:pPr algn="r"/>
+            <a:r>
+              <a:rPr lang="en-GB" sz="8800" b="1" dirty="0" smtClean="0">
+                <a:gradFill flip="none" rotWithShape="1">
+                  <a:gsLst>
+                    <a:gs pos="100000">
+                      <a:srgbClr val="EA6984"/>
+                    </a:gs>
+                    <a:gs pos="0">
+                      <a:srgbClr val="D56AA0"/>
+                    </a:gs>
+                  </a:gsLst>
+                  <a:lin ang="13500000" scaled="1"/>
+                  <a:tileRect/>
+                </a:gradFill>
+                <a:latin typeface="Nunito Black" panose="00000A00000000000000" pitchFamily="2" charset="0"/>
+              </a:rPr>
+              <a:t>What we learned</a:t>
+            </a:r>
+            <a:endParaRPr lang="en-GB" sz="4000" b="1" dirty="0">
+              <a:gradFill flip="none" rotWithShape="1">
+                <a:gsLst>
+                  <a:gs pos="100000">
+                    <a:srgbClr val="EA6984"/>
+                  </a:gs>
+                  <a:gs pos="0">
+                    <a:srgbClr val="D56AA0"/>
+                  </a:gs>
+                </a:gsLst>
+                <a:lin ang="13500000" scaled="1"/>
+                <a:tileRect/>
+              </a:gradFill>
+              <a:latin typeface="Nunito Black" panose="00000A00000000000000" pitchFamily="2" charset="0"/>
+            </a:endParaRPr>
+          </a:p>
+        </p:txBody>
+      </p:sp>
+      <p:sp>
+        <p:nvSpPr>
+          <p:cNvPr id="12" name="TextBox 11"/>
+          <p:cNvSpPr txBox="1"/>
+          <p:nvPr/>
+        </p:nvSpPr>
+        <p:spPr>
+          <a:xfrm>
+            <a:off x="6760030" y="1782237"/>
+            <a:ext cx="4702628" cy="523220"/>
+          </a:xfrm>
+          <a:prstGeom prst="rect">
+            <a:avLst/>
+          </a:prstGeom>
+          <a:noFill/>
+        </p:spPr>
+        <p:txBody>
+          <a:bodyPr wrap="square" rtlCol="0">
+            <a:spAutoFit/>
+          </a:bodyPr>
+          <a:lstStyle/>
+          <a:p>
+            <a:pPr lvl="1" algn="r"/>
+            <a:endParaRPr lang="en-GB" sz="2800" b="1" dirty="0">
+              <a:solidFill>
+                <a:srgbClr val="E6A4C5"/>
+              </a:solidFill>
+              <a:latin typeface="Nunito" panose="00000500000000000000" pitchFamily="2" charset="0"/>
+            </a:endParaRPr>
+          </a:p>
+        </p:txBody>
+      </p:sp>
+      <p:pic>
+        <p:nvPicPr>
+          <p:cNvPr id="16" name="Picture 15"/>
+          <p:cNvPicPr>
+            <a:picLocks noChangeAspect="1"/>
+          </p:cNvPicPr>
+          <p:nvPr/>
+        </p:nvPicPr>
+        <p:blipFill>
+          <a:blip r:embed="rId2" cstate="print">
+            <a:extLst>
+              <a:ext uri="{28A0092B-C50C-407E-A947-70E740481C1C}">
+                <a14:useLocalDpi xmlns:a14="http://schemas.microsoft.com/office/drawing/2010/main" val="0"/>
+              </a:ext>
+            </a:extLst>
+          </a:blip>
+          <a:stretch>
+            <a:fillRect/>
+          </a:stretch>
+        </p:blipFill>
+        <p:spPr>
+          <a:xfrm rot="11346299">
+            <a:off x="8807491" y="2656255"/>
+            <a:ext cx="6769017" cy="6769017"/>
+          </a:xfrm>
+          <a:prstGeom prst="rect">
+            <a:avLst/>
+          </a:prstGeom>
+          <a:noFill/>
+          <a:ln>
+            <a:noFill/>
+          </a:ln>
+        </p:spPr>
+      </p:pic>
+      <p:grpSp>
+        <p:nvGrpSpPr>
+          <p:cNvPr id="10" name="Group 9"/>
+          <p:cNvGrpSpPr/>
+          <p:nvPr/>
+        </p:nvGrpSpPr>
+        <p:grpSpPr>
+          <a:xfrm>
+            <a:off x="-2982265" y="-4038029"/>
+            <a:ext cx="6769017" cy="6769017"/>
+            <a:chOff x="-2982265" y="-4038029"/>
+            <a:chExt cx="6769017" cy="6769017"/>
+          </a:xfrm>
+        </p:grpSpPr>
+        <p:pic>
+          <p:nvPicPr>
+            <p:cNvPr id="17" name="Picture 16"/>
+            <p:cNvPicPr>
+              <a:picLocks noChangeAspect="1"/>
+            </p:cNvPicPr>
+            <p:nvPr/>
+          </p:nvPicPr>
+          <p:blipFill>
+            <a:blip r:embed="rId3" cstate="print">
+              <a:extLst>
+                <a:ext uri="{BEBA8EAE-BF5A-486C-A8C5-ECC9F3942E4B}">
+                  <a14:imgProps xmlns:a14="http://schemas.microsoft.com/office/drawing/2010/main">
+                    <a14:imgLayer r:embed="rId4">
+                      <a14:imgEffect>
+                        <a14:colorTemperature colorTemp="11200"/>
+                      </a14:imgEffect>
+                    </a14:imgLayer>
+                  </a14:imgProps>
+                </a:ext>
+                <a:ext uri="{28A0092B-C50C-407E-A947-70E740481C1C}">
+                  <a14:useLocalDpi xmlns:a14="http://schemas.microsoft.com/office/drawing/2010/main" val="0"/>
+                </a:ext>
+              </a:extLst>
+            </a:blip>
+            <a:stretch>
+              <a:fillRect/>
+            </a:stretch>
+          </p:blipFill>
+          <p:spPr>
+            <a:xfrm rot="8119872">
+              <a:off x="-2982265" y="-4038029"/>
+              <a:ext cx="6769017" cy="6769017"/>
+            </a:xfrm>
+            <a:prstGeom prst="rect">
+              <a:avLst/>
+            </a:prstGeom>
+            <a:ln>
+              <a:noFill/>
+            </a:ln>
+          </p:spPr>
+        </p:pic>
+        <p:pic>
+          <p:nvPicPr>
+            <p:cNvPr id="18" name="Picture 17"/>
+            <p:cNvPicPr>
+              <a:picLocks noChangeAspect="1"/>
+            </p:cNvPicPr>
+            <p:nvPr/>
+          </p:nvPicPr>
+          <p:blipFill>
+            <a:blip r:embed="rId5" cstate="print">
+              <a:extLst>
+                <a:ext uri="{28A0092B-C50C-407E-A947-70E740481C1C}">
+                  <a14:useLocalDpi xmlns:a14="http://schemas.microsoft.com/office/drawing/2010/main" val="0"/>
+                </a:ext>
+              </a:extLst>
+            </a:blip>
+            <a:stretch>
+              <a:fillRect/>
+            </a:stretch>
+          </p:blipFill>
+          <p:spPr>
+            <a:xfrm>
+              <a:off x="-1377" y="178861"/>
+              <a:ext cx="1793583" cy="1793583"/>
+            </a:xfrm>
+            <a:prstGeom prst="rect">
+              <a:avLst/>
+            </a:prstGeom>
+            <a:ln>
+              <a:noFill/>
+            </a:ln>
+          </p:spPr>
+        </p:pic>
+      </p:grpSp>
+      <p:sp>
+        <p:nvSpPr>
+          <p:cNvPr id="13" name="TextBox 12"/>
+          <p:cNvSpPr txBox="1"/>
+          <p:nvPr/>
+        </p:nvSpPr>
+        <p:spPr>
+          <a:xfrm>
+            <a:off x="-557434" y="1782237"/>
+            <a:ext cx="4775198" cy="5632311"/>
+          </a:xfrm>
+          <a:prstGeom prst="rect">
+            <a:avLst/>
+          </a:prstGeom>
+          <a:noFill/>
+        </p:spPr>
+        <p:txBody>
+          <a:bodyPr wrap="square" rtlCol="0">
+            <a:spAutoFit/>
+          </a:bodyPr>
+          <a:lstStyle/>
+          <a:p>
+            <a:pPr lvl="1" algn="r"/>
+            <a:r>
+              <a:rPr lang="en-GB" sz="2400" dirty="0" smtClean="0">
+                <a:solidFill>
+                  <a:schemeClr val="tx1">
+                    <a:lumMod val="75000"/>
+                    <a:lumOff val="25000"/>
+                  </a:schemeClr>
+                </a:solidFill>
+                <a:latin typeface="Nunito Black" panose="00000A00000000000000" pitchFamily="2" charset="0"/>
+              </a:rPr>
+              <a:t>- Typescript</a:t>
+            </a:r>
+          </a:p>
+          <a:p>
+            <a:pPr lvl="1" algn="r"/>
+            <a:r>
+              <a:rPr lang="en-GB" sz="2400" dirty="0" smtClean="0">
+                <a:solidFill>
+                  <a:schemeClr val="tx1">
+                    <a:lumMod val="75000"/>
+                    <a:lumOff val="25000"/>
+                  </a:schemeClr>
+                </a:solidFill>
+                <a:latin typeface="Nunito Black" panose="00000A00000000000000" pitchFamily="2" charset="0"/>
+              </a:rPr>
+              <a:t>- CSS-in-JS</a:t>
+            </a:r>
+          </a:p>
+          <a:p>
+            <a:pPr lvl="1" algn="r"/>
+            <a:r>
+              <a:rPr lang="en-GB" sz="2400" dirty="0" smtClean="0">
+                <a:solidFill>
+                  <a:schemeClr val="tx1">
+                    <a:lumMod val="75000"/>
+                    <a:lumOff val="25000"/>
+                  </a:schemeClr>
+                </a:solidFill>
+                <a:latin typeface="Nunito Black" panose="00000A00000000000000" pitchFamily="2" charset="0"/>
+              </a:rPr>
+              <a:t>- Less</a:t>
+            </a:r>
+          </a:p>
+          <a:p>
+            <a:pPr lvl="1" algn="r"/>
+            <a:r>
+              <a:rPr lang="en-GB" sz="2400" dirty="0" smtClean="0">
+                <a:solidFill>
+                  <a:schemeClr val="tx1">
+                    <a:lumMod val="75000"/>
+                    <a:lumOff val="25000"/>
+                  </a:schemeClr>
+                </a:solidFill>
+                <a:latin typeface="Nunito Black" panose="00000A00000000000000" pitchFamily="2" charset="0"/>
+              </a:rPr>
+              <a:t>- </a:t>
+            </a:r>
+            <a:r>
+              <a:rPr lang="en-GB" sz="2400" dirty="0" err="1" smtClean="0">
+                <a:solidFill>
+                  <a:schemeClr val="tx1">
+                    <a:lumMod val="75000"/>
+                    <a:lumOff val="25000"/>
+                  </a:schemeClr>
+                </a:solidFill>
+                <a:latin typeface="Nunito Black" panose="00000A00000000000000" pitchFamily="2" charset="0"/>
+              </a:rPr>
+              <a:t>Webpack</a:t>
+            </a:r>
+            <a:endParaRPr lang="en-GB" sz="2400" dirty="0" smtClean="0">
+              <a:solidFill>
+                <a:schemeClr val="tx1">
+                  <a:lumMod val="75000"/>
+                  <a:lumOff val="25000"/>
+                </a:schemeClr>
+              </a:solidFill>
+              <a:latin typeface="Nunito Black" panose="00000A00000000000000" pitchFamily="2" charset="0"/>
+            </a:endParaRPr>
+          </a:p>
+          <a:p>
+            <a:pPr lvl="1" algn="r"/>
+            <a:r>
+              <a:rPr lang="en-GB" sz="2400" dirty="0" smtClean="0">
+                <a:solidFill>
+                  <a:schemeClr val="tx1">
+                    <a:lumMod val="75000"/>
+                    <a:lumOff val="25000"/>
+                  </a:schemeClr>
+                </a:solidFill>
+                <a:latin typeface="Nunito Black" panose="00000A00000000000000" pitchFamily="2" charset="0"/>
+              </a:rPr>
+              <a:t>- Babel</a:t>
+            </a:r>
+          </a:p>
+          <a:p>
+            <a:pPr lvl="1" algn="r"/>
+            <a:r>
+              <a:rPr lang="en-GB" sz="2400" dirty="0" smtClean="0">
+                <a:solidFill>
+                  <a:schemeClr val="tx1">
+                    <a:lumMod val="75000"/>
+                    <a:lumOff val="25000"/>
+                  </a:schemeClr>
+                </a:solidFill>
+                <a:latin typeface="Nunito Black" panose="00000A00000000000000" pitchFamily="2" charset="0"/>
+              </a:rPr>
+              <a:t>- CSS Flexbox</a:t>
+            </a:r>
+            <a:br>
+              <a:rPr lang="en-GB" sz="2400" dirty="0" smtClean="0">
+                <a:solidFill>
+                  <a:schemeClr val="tx1">
+                    <a:lumMod val="75000"/>
+                    <a:lumOff val="25000"/>
+                  </a:schemeClr>
+                </a:solidFill>
+                <a:latin typeface="Nunito Black" panose="00000A00000000000000" pitchFamily="2" charset="0"/>
+              </a:rPr>
+            </a:br>
+            <a:r>
+              <a:rPr lang="en-GB" sz="2400" dirty="0" smtClean="0">
+                <a:solidFill>
+                  <a:schemeClr val="tx1">
+                    <a:lumMod val="75000"/>
+                    <a:lumOff val="25000"/>
+                  </a:schemeClr>
+                </a:solidFill>
+                <a:latin typeface="Nunito Black" panose="00000A00000000000000" pitchFamily="2" charset="0"/>
+              </a:rPr>
+              <a:t>- Advanced React Patterns</a:t>
+            </a:r>
+          </a:p>
+          <a:p>
+            <a:pPr lvl="1" algn="r"/>
+            <a:r>
+              <a:rPr lang="en-GB" sz="2400" dirty="0" smtClean="0">
+                <a:solidFill>
+                  <a:schemeClr val="tx1">
+                    <a:lumMod val="75000"/>
+                    <a:lumOff val="25000"/>
+                  </a:schemeClr>
+                </a:solidFill>
+                <a:latin typeface="Nunito Black" panose="00000A00000000000000" pitchFamily="2" charset="0"/>
+              </a:rPr>
+              <a:t>- React SSR / Next.js </a:t>
+            </a:r>
+            <a:endParaRPr lang="en-GB" sz="2400" dirty="0">
+              <a:solidFill>
+                <a:schemeClr val="tx1">
+                  <a:lumMod val="75000"/>
+                  <a:lumOff val="25000"/>
+                </a:schemeClr>
+              </a:solidFill>
+              <a:latin typeface="Nunito Black" panose="00000A00000000000000" pitchFamily="2" charset="0"/>
+            </a:endParaRPr>
+          </a:p>
+          <a:p>
+            <a:pPr lvl="1" algn="r"/>
+            <a:r>
+              <a:rPr lang="en-GB" sz="2400" dirty="0" smtClean="0">
+                <a:solidFill>
+                  <a:schemeClr val="tx1">
+                    <a:lumMod val="75000"/>
+                    <a:lumOff val="25000"/>
+                  </a:schemeClr>
+                </a:solidFill>
+                <a:latin typeface="Nunito Black" panose="00000A00000000000000" pitchFamily="2" charset="0"/>
+              </a:rPr>
+              <a:t>- Input validation</a:t>
+            </a:r>
+          </a:p>
+          <a:p>
+            <a:pPr lvl="1" algn="r"/>
+            <a:r>
+              <a:rPr lang="en-GB" sz="2400" dirty="0" smtClean="0">
+                <a:solidFill>
+                  <a:schemeClr val="tx1">
+                    <a:lumMod val="75000"/>
+                    <a:lumOff val="25000"/>
+                  </a:schemeClr>
+                </a:solidFill>
+                <a:latin typeface="Nunito Black" panose="00000A00000000000000" pitchFamily="2" charset="0"/>
+              </a:rPr>
+              <a:t>- </a:t>
+            </a:r>
+            <a:r>
+              <a:rPr lang="en-GB" sz="2400" dirty="0" err="1" smtClean="0">
+                <a:solidFill>
+                  <a:schemeClr val="tx1">
+                    <a:lumMod val="75000"/>
+                    <a:lumOff val="25000"/>
+                  </a:schemeClr>
+                </a:solidFill>
+                <a:latin typeface="Nunito Black" panose="00000A00000000000000" pitchFamily="2" charset="0"/>
+              </a:rPr>
+              <a:t>Realtime</a:t>
+            </a:r>
+            <a:r>
+              <a:rPr lang="en-GB" sz="2400" dirty="0" smtClean="0">
+                <a:solidFill>
+                  <a:schemeClr val="tx1">
+                    <a:lumMod val="75000"/>
+                    <a:lumOff val="25000"/>
+                  </a:schemeClr>
+                </a:solidFill>
+                <a:latin typeface="Nunito Black" panose="00000A00000000000000" pitchFamily="2" charset="0"/>
+              </a:rPr>
+              <a:t> connection</a:t>
+            </a:r>
+            <a:endParaRPr lang="en-GB" sz="2400" dirty="0">
+              <a:solidFill>
+                <a:schemeClr val="tx1">
+                  <a:lumMod val="75000"/>
+                  <a:lumOff val="25000"/>
+                </a:schemeClr>
+              </a:solidFill>
+              <a:latin typeface="Nunito Black" panose="00000A00000000000000" pitchFamily="2" charset="0"/>
+            </a:endParaRPr>
+          </a:p>
+          <a:p>
+            <a:pPr lvl="1" algn="r"/>
+            <a:r>
+              <a:rPr lang="en-GB" sz="2400" dirty="0" smtClean="0">
+                <a:solidFill>
+                  <a:schemeClr val="tx1">
+                    <a:lumMod val="75000"/>
+                    <a:lumOff val="25000"/>
+                  </a:schemeClr>
+                </a:solidFill>
+                <a:latin typeface="Nunito Black" panose="00000A00000000000000" pitchFamily="2" charset="0"/>
+              </a:rPr>
+              <a:t>- PWAs</a:t>
+            </a:r>
+          </a:p>
+          <a:p>
+            <a:pPr lvl="1" algn="r"/>
+            <a:r>
+              <a:rPr lang="en-GB" sz="2400" dirty="0" smtClean="0">
+                <a:solidFill>
+                  <a:schemeClr val="tx1">
+                    <a:lumMod val="75000"/>
+                    <a:lumOff val="25000"/>
+                  </a:schemeClr>
+                </a:solidFill>
+                <a:latin typeface="Nunito Black" panose="00000A00000000000000" pitchFamily="2" charset="0"/>
+              </a:rPr>
+              <a:t>- Authentication</a:t>
+            </a:r>
+          </a:p>
+          <a:p>
+            <a:pPr marL="800100" lvl="1" indent="-342900" algn="r">
+              <a:buFontTx/>
+              <a:buChar char="-"/>
+            </a:pPr>
+            <a:endParaRPr lang="en-GB" sz="2400" dirty="0" smtClean="0">
+              <a:solidFill>
+                <a:schemeClr val="tx1">
+                  <a:lumMod val="75000"/>
+                  <a:lumOff val="25000"/>
+                </a:schemeClr>
+              </a:solidFill>
+              <a:latin typeface="Nunito Black" panose="00000A00000000000000" pitchFamily="2" charset="0"/>
+            </a:endParaRPr>
+          </a:p>
+          <a:p>
+            <a:pPr lvl="1" algn="r"/>
+            <a:endParaRPr lang="en-GB" sz="2400" dirty="0" smtClean="0">
+              <a:solidFill>
+                <a:schemeClr val="tx1">
+                  <a:lumMod val="75000"/>
+                  <a:lumOff val="25000"/>
+                </a:schemeClr>
+              </a:solidFill>
+              <a:latin typeface="Nunito Black" panose="00000A00000000000000" pitchFamily="2" charset="0"/>
+            </a:endParaRPr>
+          </a:p>
+          <a:p>
+            <a:pPr lvl="1" algn="r"/>
+            <a:endParaRPr lang="en-GB" sz="2400" dirty="0">
+              <a:solidFill>
+                <a:schemeClr val="tx1">
+                  <a:lumMod val="75000"/>
+                  <a:lumOff val="25000"/>
+                </a:schemeClr>
+              </a:solidFill>
+              <a:latin typeface="Nunito Black" panose="00000A00000000000000" pitchFamily="2" charset="0"/>
+            </a:endParaRPr>
+          </a:p>
+        </p:txBody>
+      </p:sp>
+      <p:sp>
+        <p:nvSpPr>
+          <p:cNvPr id="14" name="TextBox 13"/>
+          <p:cNvSpPr txBox="1"/>
+          <p:nvPr/>
+        </p:nvSpPr>
+        <p:spPr>
+          <a:xfrm>
+            <a:off x="8059021" y="1734612"/>
+            <a:ext cx="4432293" cy="4524315"/>
+          </a:xfrm>
+          <a:prstGeom prst="rect">
+            <a:avLst/>
+          </a:prstGeom>
+          <a:noFill/>
+        </p:spPr>
+        <p:txBody>
+          <a:bodyPr wrap="square" rtlCol="0">
+            <a:spAutoFit/>
+          </a:bodyPr>
+          <a:lstStyle/>
+          <a:p>
+            <a:pPr lvl="1"/>
+            <a:r>
+              <a:rPr lang="en-GB" sz="2400" b="1" dirty="0" smtClean="0">
+                <a:solidFill>
+                  <a:schemeClr val="tx1">
+                    <a:lumMod val="75000"/>
+                    <a:lumOff val="25000"/>
+                  </a:schemeClr>
+                </a:solidFill>
+                <a:latin typeface="Nunito Black" panose="00000A00000000000000" pitchFamily="2" charset="0"/>
+              </a:rPr>
+              <a:t>- Express.js</a:t>
+            </a:r>
+          </a:p>
+          <a:p>
+            <a:pPr lvl="1"/>
+            <a:r>
+              <a:rPr lang="en-GB" sz="2400" b="1" dirty="0" smtClean="0">
+                <a:solidFill>
+                  <a:schemeClr val="tx1">
+                    <a:lumMod val="75000"/>
+                    <a:lumOff val="25000"/>
+                  </a:schemeClr>
+                </a:solidFill>
+                <a:latin typeface="Nunito Black" panose="00000A00000000000000" pitchFamily="2" charset="0"/>
+              </a:rPr>
+              <a:t>- Passport.js</a:t>
+            </a:r>
+          </a:p>
+          <a:p>
+            <a:pPr lvl="1"/>
+            <a:r>
+              <a:rPr lang="en-GB" sz="2400" b="1" dirty="0" smtClean="0">
+                <a:solidFill>
+                  <a:schemeClr val="tx1">
+                    <a:lumMod val="75000"/>
+                    <a:lumOff val="25000"/>
+                  </a:schemeClr>
+                </a:solidFill>
+                <a:latin typeface="Nunito Black" panose="00000A00000000000000" pitchFamily="2" charset="0"/>
+              </a:rPr>
+              <a:t>- </a:t>
+            </a:r>
+            <a:r>
+              <a:rPr lang="en-GB" sz="2400" b="1" dirty="0" err="1" smtClean="0">
+                <a:solidFill>
+                  <a:schemeClr val="tx1">
+                    <a:lumMod val="75000"/>
+                    <a:lumOff val="25000"/>
+                  </a:schemeClr>
+                </a:solidFill>
+                <a:latin typeface="Nunito Black" panose="00000A00000000000000" pitchFamily="2" charset="0"/>
+              </a:rPr>
+              <a:t>TypeORM</a:t>
+            </a:r>
+            <a:endParaRPr lang="en-GB" sz="2400" b="1" dirty="0" smtClean="0">
+              <a:solidFill>
+                <a:schemeClr val="tx1">
+                  <a:lumMod val="75000"/>
+                  <a:lumOff val="25000"/>
+                </a:schemeClr>
+              </a:solidFill>
+              <a:latin typeface="Nunito Black" panose="00000A00000000000000" pitchFamily="2" charset="0"/>
+            </a:endParaRPr>
+          </a:p>
+          <a:p>
+            <a:pPr lvl="1"/>
+            <a:r>
+              <a:rPr lang="en-GB" sz="2400" b="1" dirty="0" smtClean="0">
+                <a:solidFill>
+                  <a:schemeClr val="tx1">
+                    <a:lumMod val="75000"/>
+                    <a:lumOff val="25000"/>
+                  </a:schemeClr>
+                </a:solidFill>
+                <a:latin typeface="Nunito Black" panose="00000A00000000000000" pitchFamily="2" charset="0"/>
+              </a:rPr>
+              <a:t>- Jest / Testing</a:t>
+            </a:r>
+          </a:p>
+          <a:p>
+            <a:pPr lvl="1"/>
+            <a:r>
+              <a:rPr lang="en-GB" sz="2400" b="1" dirty="0" smtClean="0">
+                <a:solidFill>
+                  <a:schemeClr val="tx1">
+                    <a:lumMod val="75000"/>
+                    <a:lumOff val="25000"/>
+                  </a:schemeClr>
+                </a:solidFill>
+                <a:latin typeface="Nunito Black" panose="00000A00000000000000" pitchFamily="2" charset="0"/>
+              </a:rPr>
+              <a:t>- Rate limiting</a:t>
+            </a:r>
+          </a:p>
+          <a:p>
+            <a:pPr lvl="1"/>
+            <a:r>
+              <a:rPr lang="en-GB" sz="2400" b="1" dirty="0" smtClean="0">
+                <a:solidFill>
+                  <a:schemeClr val="tx1">
+                    <a:lumMod val="75000"/>
+                    <a:lumOff val="25000"/>
+                  </a:schemeClr>
+                </a:solidFill>
+                <a:latin typeface="Nunito Black" panose="00000A00000000000000" pitchFamily="2" charset="0"/>
+              </a:rPr>
+              <a:t>- Writing API docs</a:t>
+            </a:r>
+          </a:p>
+          <a:p>
+            <a:pPr lvl="1"/>
+            <a:r>
+              <a:rPr lang="en-GB" sz="2400" b="1" dirty="0" smtClean="0">
+                <a:solidFill>
+                  <a:schemeClr val="tx1">
+                    <a:lumMod val="75000"/>
+                    <a:lumOff val="25000"/>
+                  </a:schemeClr>
+                </a:solidFill>
+                <a:latin typeface="Nunito Black" panose="00000A00000000000000" pitchFamily="2" charset="0"/>
+              </a:rPr>
+              <a:t>- </a:t>
+            </a:r>
+            <a:r>
+              <a:rPr lang="en-GB" sz="2400" b="1" dirty="0" err="1" smtClean="0">
+                <a:solidFill>
+                  <a:schemeClr val="tx1">
+                    <a:lumMod val="75000"/>
+                    <a:lumOff val="25000"/>
+                  </a:schemeClr>
+                </a:solidFill>
+                <a:latin typeface="Nunito Black" panose="00000A00000000000000" pitchFamily="2" charset="0"/>
+              </a:rPr>
+              <a:t>Redis</a:t>
+            </a:r>
+            <a:endParaRPr lang="en-GB" sz="2400" b="1" dirty="0" smtClean="0">
+              <a:solidFill>
+                <a:schemeClr val="tx1">
+                  <a:lumMod val="75000"/>
+                  <a:lumOff val="25000"/>
+                </a:schemeClr>
+              </a:solidFill>
+              <a:latin typeface="Nunito Black" panose="00000A00000000000000" pitchFamily="2" charset="0"/>
+            </a:endParaRPr>
+          </a:p>
+          <a:p>
+            <a:pPr lvl="1"/>
+            <a:r>
+              <a:rPr lang="en-GB" sz="2400" b="1" dirty="0" smtClean="0">
+                <a:solidFill>
+                  <a:schemeClr val="tx1">
+                    <a:lumMod val="75000"/>
+                    <a:lumOff val="25000"/>
+                  </a:schemeClr>
+                </a:solidFill>
+                <a:latin typeface="Nunito Black" panose="00000A00000000000000" pitchFamily="2" charset="0"/>
+              </a:rPr>
+              <a:t>- MySQL</a:t>
+            </a:r>
+          </a:p>
+          <a:p>
+            <a:pPr lvl="1"/>
+            <a:r>
+              <a:rPr lang="en-GB" sz="2400" b="1" dirty="0" smtClean="0">
+                <a:solidFill>
+                  <a:schemeClr val="tx1">
+                    <a:lumMod val="75000"/>
+                    <a:lumOff val="25000"/>
+                  </a:schemeClr>
+                </a:solidFill>
+                <a:latin typeface="Nunito Black" panose="00000A00000000000000" pitchFamily="2" charset="0"/>
+              </a:rPr>
+              <a:t>- Caching</a:t>
+            </a:r>
+          </a:p>
+          <a:p>
+            <a:pPr lvl="1"/>
+            <a:r>
+              <a:rPr lang="en-GB" sz="2400" b="1" dirty="0" smtClean="0">
+                <a:solidFill>
+                  <a:schemeClr val="tx1">
+                    <a:lumMod val="75000"/>
+                    <a:lumOff val="25000"/>
+                  </a:schemeClr>
+                </a:solidFill>
+                <a:latin typeface="Nunito Black" panose="00000A00000000000000" pitchFamily="2" charset="0"/>
+              </a:rPr>
+              <a:t>- Sessions</a:t>
+            </a:r>
+          </a:p>
+          <a:p>
+            <a:pPr lvl="1"/>
+            <a:r>
+              <a:rPr lang="en-GB" sz="2400" b="1" dirty="0" smtClean="0">
+                <a:solidFill>
+                  <a:schemeClr val="tx1">
+                    <a:lumMod val="75000"/>
+                    <a:lumOff val="25000"/>
+                  </a:schemeClr>
+                </a:solidFill>
+                <a:latin typeface="Nunito Black" panose="00000A00000000000000" pitchFamily="2" charset="0"/>
+              </a:rPr>
+              <a:t>- Error handling</a:t>
+            </a:r>
+          </a:p>
+          <a:p>
+            <a:pPr lvl="1"/>
+            <a:r>
+              <a:rPr lang="en-GB" sz="2400" b="1" dirty="0" smtClean="0">
+                <a:solidFill>
+                  <a:schemeClr val="tx1">
+                    <a:lumMod val="75000"/>
+                    <a:lumOff val="25000"/>
+                  </a:schemeClr>
+                </a:solidFill>
+                <a:latin typeface="Nunito Black" panose="00000A00000000000000" pitchFamily="2" charset="0"/>
+              </a:rPr>
+              <a:t>- Decorators</a:t>
+            </a:r>
+          </a:p>
+        </p:txBody>
+      </p:sp>
+      <p:sp>
+        <p:nvSpPr>
+          <p:cNvPr id="19" name="TextBox 18"/>
+          <p:cNvSpPr txBox="1"/>
+          <p:nvPr/>
+        </p:nvSpPr>
+        <p:spPr>
+          <a:xfrm>
+            <a:off x="4000452" y="1781706"/>
+            <a:ext cx="4382718" cy="4524315"/>
+          </a:xfrm>
+          <a:prstGeom prst="rect">
+            <a:avLst/>
+          </a:prstGeom>
+          <a:noFill/>
+        </p:spPr>
+        <p:txBody>
+          <a:bodyPr wrap="square" rtlCol="0">
+            <a:spAutoFit/>
+          </a:bodyPr>
+          <a:lstStyle/>
+          <a:p>
+            <a:pPr lvl="1" algn="ctr"/>
+            <a:r>
+              <a:rPr lang="en-GB" sz="2400" dirty="0" smtClean="0">
+                <a:solidFill>
+                  <a:schemeClr val="tx1">
+                    <a:lumMod val="75000"/>
+                    <a:lumOff val="25000"/>
+                  </a:schemeClr>
+                </a:solidFill>
+                <a:latin typeface="Nunito Black" panose="00000A00000000000000" pitchFamily="2" charset="0"/>
+              </a:rPr>
+              <a:t>- Docker</a:t>
+            </a:r>
+          </a:p>
+          <a:p>
+            <a:pPr lvl="1" algn="ctr"/>
+            <a:r>
+              <a:rPr lang="en-GB" sz="2400" dirty="0" smtClean="0">
+                <a:solidFill>
+                  <a:schemeClr val="tx1">
+                    <a:lumMod val="75000"/>
+                    <a:lumOff val="25000"/>
+                  </a:schemeClr>
+                </a:solidFill>
+                <a:latin typeface="Nunito Black" panose="00000A00000000000000" pitchFamily="2" charset="0"/>
+              </a:rPr>
+              <a:t>- Writing docs</a:t>
+            </a:r>
+          </a:p>
+          <a:p>
+            <a:pPr lvl="1" algn="ctr"/>
+            <a:r>
+              <a:rPr lang="en-GB" sz="2400" dirty="0" smtClean="0">
+                <a:solidFill>
+                  <a:schemeClr val="tx1">
+                    <a:lumMod val="75000"/>
+                    <a:lumOff val="25000"/>
+                  </a:schemeClr>
+                </a:solidFill>
+                <a:latin typeface="Nunito Black" panose="00000A00000000000000" pitchFamily="2" charset="0"/>
+              </a:rPr>
+              <a:t>- </a:t>
+            </a:r>
+            <a:r>
+              <a:rPr lang="en-GB" sz="2400" dirty="0" err="1" smtClean="0">
+                <a:solidFill>
+                  <a:schemeClr val="tx1">
+                    <a:lumMod val="75000"/>
+                    <a:lumOff val="25000"/>
+                  </a:schemeClr>
+                </a:solidFill>
+                <a:latin typeface="Nunito Black" panose="00000A00000000000000" pitchFamily="2" charset="0"/>
+              </a:rPr>
+              <a:t>LaTeX</a:t>
+            </a:r>
+            <a:endParaRPr lang="en-GB" sz="2400" dirty="0" smtClean="0">
+              <a:solidFill>
+                <a:schemeClr val="tx1">
+                  <a:lumMod val="75000"/>
+                  <a:lumOff val="25000"/>
+                </a:schemeClr>
+              </a:solidFill>
+              <a:latin typeface="Nunito Black" panose="00000A00000000000000" pitchFamily="2" charset="0"/>
+            </a:endParaRPr>
+          </a:p>
+          <a:p>
+            <a:pPr lvl="1" algn="ctr"/>
+            <a:r>
+              <a:rPr lang="en-GB" sz="2400" dirty="0" smtClean="0">
+                <a:solidFill>
+                  <a:schemeClr val="tx1">
+                    <a:lumMod val="75000"/>
+                    <a:lumOff val="25000"/>
+                  </a:schemeClr>
+                </a:solidFill>
+                <a:latin typeface="Nunito Black" panose="00000A00000000000000" pitchFamily="2" charset="0"/>
+              </a:rPr>
+              <a:t>- A basic</a:t>
+            </a:r>
+          </a:p>
+          <a:p>
+            <a:pPr lvl="1" algn="ctr"/>
+            <a:r>
+              <a:rPr lang="en-GB" sz="2400" dirty="0">
+                <a:solidFill>
+                  <a:schemeClr val="tx1">
+                    <a:lumMod val="75000"/>
+                    <a:lumOff val="25000"/>
+                  </a:schemeClr>
+                </a:solidFill>
+                <a:latin typeface="Nunito Black" panose="00000A00000000000000" pitchFamily="2" charset="0"/>
+              </a:rPr>
+              <a:t>u</a:t>
+            </a:r>
+            <a:r>
+              <a:rPr lang="en-GB" sz="2400" dirty="0" smtClean="0">
+                <a:solidFill>
+                  <a:schemeClr val="tx1">
+                    <a:lumMod val="75000"/>
+                    <a:lumOff val="25000"/>
+                  </a:schemeClr>
+                </a:solidFill>
+                <a:latin typeface="Nunito Black" panose="00000A00000000000000" pitchFamily="2" charset="0"/>
+              </a:rPr>
+              <a:t>nderstanding of</a:t>
+            </a:r>
+          </a:p>
+          <a:p>
+            <a:pPr lvl="1" algn="ctr"/>
+            <a:r>
+              <a:rPr lang="en-GB" sz="2400" dirty="0" err="1" smtClean="0">
+                <a:solidFill>
+                  <a:schemeClr val="tx1">
+                    <a:lumMod val="75000"/>
+                    <a:lumOff val="25000"/>
+                  </a:schemeClr>
+                </a:solidFill>
+                <a:latin typeface="Nunito Black" panose="00000A00000000000000" pitchFamily="2" charset="0"/>
+              </a:rPr>
+              <a:t>Serverless</a:t>
+            </a:r>
+            <a:r>
+              <a:rPr lang="en-GB" sz="2400" dirty="0" smtClean="0">
+                <a:solidFill>
+                  <a:schemeClr val="tx1">
+                    <a:lumMod val="75000"/>
+                    <a:lumOff val="25000"/>
+                  </a:schemeClr>
+                </a:solidFill>
+                <a:latin typeface="Nunito Black" panose="00000A00000000000000" pitchFamily="2" charset="0"/>
+              </a:rPr>
+              <a:t> &amp; </a:t>
+            </a:r>
+            <a:r>
+              <a:rPr lang="en-GB" sz="2400" dirty="0" err="1" smtClean="0">
+                <a:solidFill>
+                  <a:schemeClr val="tx1">
+                    <a:lumMod val="75000"/>
+                    <a:lumOff val="25000"/>
+                  </a:schemeClr>
+                </a:solidFill>
+                <a:latin typeface="Nunito Black" panose="00000A00000000000000" pitchFamily="2" charset="0"/>
+              </a:rPr>
+              <a:t>GraphQL</a:t>
+            </a:r>
+            <a:endParaRPr lang="en-GB" sz="2400" dirty="0" smtClean="0">
+              <a:solidFill>
+                <a:schemeClr val="tx1">
+                  <a:lumMod val="75000"/>
+                  <a:lumOff val="25000"/>
+                </a:schemeClr>
+              </a:solidFill>
+              <a:latin typeface="Nunito Black" panose="00000A00000000000000" pitchFamily="2" charset="0"/>
+            </a:endParaRPr>
+          </a:p>
+          <a:p>
+            <a:pPr lvl="1" algn="ctr"/>
+            <a:r>
+              <a:rPr lang="en-GB" sz="2400" dirty="0" smtClean="0">
+                <a:solidFill>
+                  <a:schemeClr val="tx1">
+                    <a:lumMod val="75000"/>
+                    <a:lumOff val="25000"/>
+                  </a:schemeClr>
+                </a:solidFill>
+                <a:latin typeface="Nunito Black" panose="00000A00000000000000" pitchFamily="2" charset="0"/>
+              </a:rPr>
+              <a:t>- Git workflow</a:t>
+            </a:r>
+          </a:p>
+          <a:p>
+            <a:pPr lvl="1" algn="ctr"/>
+            <a:r>
+              <a:rPr lang="en-GB" sz="2400" dirty="0" smtClean="0">
+                <a:solidFill>
+                  <a:schemeClr val="tx1">
+                    <a:lumMod val="75000"/>
+                    <a:lumOff val="25000"/>
+                  </a:schemeClr>
+                </a:solidFill>
+                <a:latin typeface="Nunito Black" panose="00000A00000000000000" pitchFamily="2" charset="0"/>
+              </a:rPr>
+              <a:t>- Kanban Board</a:t>
+            </a:r>
+          </a:p>
+          <a:p>
+            <a:pPr lvl="1" algn="ctr"/>
+            <a:r>
+              <a:rPr lang="en-GB" sz="2400" dirty="0" smtClean="0">
+                <a:solidFill>
+                  <a:schemeClr val="tx1">
+                    <a:lumMod val="75000"/>
+                    <a:lumOff val="25000"/>
+                  </a:schemeClr>
+                </a:solidFill>
+                <a:latin typeface="Nunito Black" panose="00000A00000000000000" pitchFamily="2" charset="0"/>
+              </a:rPr>
+              <a:t>- Agile-like methodology</a:t>
+            </a:r>
+          </a:p>
+          <a:p>
+            <a:pPr lvl="1" algn="ctr"/>
+            <a:r>
+              <a:rPr lang="en-GB" sz="2400" dirty="0" smtClean="0">
+                <a:solidFill>
+                  <a:schemeClr val="tx1">
+                    <a:lumMod val="75000"/>
+                    <a:lumOff val="25000"/>
+                  </a:schemeClr>
+                </a:solidFill>
+                <a:latin typeface="Nunito Black" panose="00000A00000000000000" pitchFamily="2" charset="0"/>
+              </a:rPr>
+              <a:t>- Linux</a:t>
+            </a:r>
+          </a:p>
+          <a:p>
+            <a:pPr lvl="1" algn="ctr"/>
+            <a:r>
+              <a:rPr lang="en-GB" sz="2400" dirty="0" smtClean="0">
+                <a:solidFill>
+                  <a:schemeClr val="tx1">
+                    <a:lumMod val="75000"/>
+                    <a:lumOff val="25000"/>
+                  </a:schemeClr>
+                </a:solidFill>
+                <a:latin typeface="Nunito Black" panose="00000A00000000000000" pitchFamily="2" charset="0"/>
+              </a:rPr>
+              <a:t>- OOP</a:t>
+            </a:r>
+          </a:p>
+          <a:p>
+            <a:pPr lvl="1" algn="ctr"/>
+            <a:r>
+              <a:rPr lang="en-GB" sz="2400" dirty="0" smtClean="0">
+                <a:solidFill>
+                  <a:schemeClr val="tx1">
+                    <a:lumMod val="75000"/>
+                    <a:lumOff val="25000"/>
+                  </a:schemeClr>
+                </a:solidFill>
+                <a:latin typeface="Nunito Black" panose="00000A00000000000000" pitchFamily="2" charset="0"/>
+              </a:rPr>
+              <a:t>- Deployment</a:t>
+            </a:r>
+            <a:endParaRPr lang="en-GB" sz="2400" dirty="0">
+              <a:solidFill>
+                <a:schemeClr val="tx1">
+                  <a:lumMod val="75000"/>
+                  <a:lumOff val="25000"/>
+                </a:schemeClr>
+              </a:solidFill>
+              <a:latin typeface="Nunito Black" panose="00000A00000000000000" pitchFamily="2" charset="0"/>
+            </a:endParaRPr>
+          </a:p>
+        </p:txBody>
+      </p:sp>
+    </p:spTree>
+    <p:extLst>
+      <p:ext uri="{BB962C8B-B14F-4D97-AF65-F5344CB8AC3E}">
+        <p14:creationId xmlns:p14="http://schemas.microsoft.com/office/powerpoint/2010/main" val="280243765"/>
+      </p:ext>
+    </p:extLst>
+  </p:cSld>
+  <p:clrMapOvr>
+    <a:masterClrMapping/>
+  </p:clrMapOvr>
+  <mc:AlternateContent xmlns:mc="http://schemas.openxmlformats.org/markup-compatibility/2006" xmlns:p14="http://schemas.microsoft.com/office/powerpoint/2010/main">
+    <mc:Choice Requires="p14">
+      <p:transition p14:dur="0"/>
+    </mc:Choice>
+    <mc:Fallback xmlns="">
+      <p:transition/>
+    </mc:Fallback>
+  </mc:AlternateContent>
+  <p:timing>
+    <p:tnLst>
+      <p:par>
+        <p:cTn id="1" dur="indefinite" restart="never" nodeType="tmRoot"/>
+      </p:par>
+    </p:tnLst>
+  </p:timing>
+</p:sld>
+</file>
+
+<file path=ppt/slides/slide13.xml><?xml version="1.0" encoding="utf-8"?>
+<p:sld xmlns:a="http://schemas.openxmlformats.org/drawingml/2006/main" xmlns:r="http://schemas.openxmlformats.org/officeDocument/2006/relationships" xmlns:p="http://schemas.openxmlformats.org/presentationml/2006/main">
+  <p:cSld>
     <p:bg>
       <p:bgPr>
         <a:solidFill>
@@ -4993,6 +6266,167 @@
           <a:chExt cx="0" cy="0"/>
         </a:xfrm>
       </p:grpSpPr>
+      <p:sp>
+        <p:nvSpPr>
+          <p:cNvPr id="11" name="TextBox 10"/>
+          <p:cNvSpPr txBox="1"/>
+          <p:nvPr/>
+        </p:nvSpPr>
+        <p:spPr>
+          <a:xfrm>
+            <a:off x="6285031" y="1782237"/>
+            <a:ext cx="4702628" cy="4832092"/>
+          </a:xfrm>
+          <a:prstGeom prst="rect">
+            <a:avLst/>
+          </a:prstGeom>
+          <a:noFill/>
+        </p:spPr>
+        <p:txBody>
+          <a:bodyPr wrap="square" rtlCol="0">
+            <a:spAutoFit/>
+          </a:bodyPr>
+          <a:lstStyle/>
+          <a:p>
+            <a:pPr lvl="1"/>
+            <a:r>
+              <a:rPr lang="en-GB" sz="2800" b="1" dirty="0">
+                <a:solidFill>
+                  <a:schemeClr val="tx1">
+                    <a:lumMod val="75000"/>
+                    <a:lumOff val="25000"/>
+                  </a:schemeClr>
+                </a:solidFill>
+                <a:latin typeface="Nunito Black" panose="00000A00000000000000" pitchFamily="2" charset="0"/>
+              </a:rPr>
+              <a:t>- </a:t>
+            </a:r>
+            <a:r>
+              <a:rPr lang="en-GB" sz="2800" b="1" dirty="0" smtClean="0">
+                <a:solidFill>
+                  <a:schemeClr val="tx1">
+                    <a:lumMod val="75000"/>
+                    <a:lumOff val="25000"/>
+                  </a:schemeClr>
+                </a:solidFill>
+                <a:latin typeface="Nunito Black" panose="00000A00000000000000" pitchFamily="2" charset="0"/>
+              </a:rPr>
+              <a:t>Implement more features, such as payment</a:t>
+            </a:r>
+            <a:endParaRPr lang="en-GB" sz="2800" b="1" dirty="0">
+              <a:solidFill>
+                <a:schemeClr val="tx1">
+                  <a:lumMod val="75000"/>
+                  <a:lumOff val="25000"/>
+                </a:schemeClr>
+              </a:solidFill>
+              <a:latin typeface="Nunito Black" panose="00000A00000000000000" pitchFamily="2" charset="0"/>
+            </a:endParaRPr>
+          </a:p>
+          <a:p>
+            <a:pPr lvl="1"/>
+            <a:endParaRPr lang="en-GB" sz="2800" b="1" dirty="0">
+              <a:solidFill>
+                <a:schemeClr val="tx1">
+                  <a:lumMod val="75000"/>
+                  <a:lumOff val="25000"/>
+                </a:schemeClr>
+              </a:solidFill>
+              <a:latin typeface="Nunito Black" panose="00000A00000000000000" pitchFamily="2" charset="0"/>
+            </a:endParaRPr>
+          </a:p>
+          <a:p>
+            <a:pPr lvl="1"/>
+            <a:r>
+              <a:rPr lang="en-GB" sz="2800" b="1" dirty="0" smtClean="0">
+                <a:solidFill>
+                  <a:schemeClr val="tx1">
+                    <a:lumMod val="75000"/>
+                    <a:lumOff val="25000"/>
+                  </a:schemeClr>
+                </a:solidFill>
+                <a:latin typeface="Nunito Black" panose="00000A00000000000000" pitchFamily="2" charset="0"/>
+              </a:rPr>
+              <a:t>- Integrate the app in existing restaurants</a:t>
+            </a:r>
+            <a:endParaRPr lang="en-GB" sz="2800" b="1" dirty="0">
+              <a:solidFill>
+                <a:schemeClr val="tx1">
+                  <a:lumMod val="75000"/>
+                  <a:lumOff val="25000"/>
+                </a:schemeClr>
+              </a:solidFill>
+              <a:latin typeface="Nunito Black" panose="00000A00000000000000" pitchFamily="2" charset="0"/>
+            </a:endParaRPr>
+          </a:p>
+          <a:p>
+            <a:pPr lvl="1"/>
+            <a:endParaRPr lang="en-GB" sz="2800" b="1" dirty="0" smtClean="0">
+              <a:solidFill>
+                <a:schemeClr val="tx1">
+                  <a:lumMod val="75000"/>
+                  <a:lumOff val="25000"/>
+                </a:schemeClr>
+              </a:solidFill>
+              <a:latin typeface="Nunito Black" panose="00000A00000000000000" pitchFamily="2" charset="0"/>
+            </a:endParaRPr>
+          </a:p>
+          <a:p>
+            <a:pPr lvl="1"/>
+            <a:r>
+              <a:rPr lang="en-GB" sz="2800" b="1" dirty="0" smtClean="0">
+                <a:solidFill>
+                  <a:schemeClr val="tx1">
+                    <a:lumMod val="75000"/>
+                    <a:lumOff val="25000"/>
+                  </a:schemeClr>
+                </a:solidFill>
+                <a:latin typeface="Nunito Black" panose="00000A00000000000000" pitchFamily="2" charset="0"/>
+              </a:rPr>
+              <a:t>- Improve based on the feedback from them</a:t>
+            </a:r>
+          </a:p>
+          <a:p>
+            <a:pPr marL="914400" lvl="1" indent="-457200">
+              <a:buFontTx/>
+              <a:buChar char="-"/>
+            </a:pPr>
+            <a:endParaRPr lang="en-GB" sz="2800" b="1" dirty="0" smtClean="0">
+              <a:solidFill>
+                <a:schemeClr val="tx1">
+                  <a:lumMod val="75000"/>
+                  <a:lumOff val="25000"/>
+                </a:schemeClr>
+              </a:solidFill>
+              <a:latin typeface="Nunito Black" panose="00000A00000000000000" pitchFamily="2" charset="0"/>
+            </a:endParaRPr>
+          </a:p>
+          <a:p>
+            <a:pPr lvl="1"/>
+            <a:r>
+              <a:rPr lang="en-GB" sz="2800" b="1" dirty="0" smtClean="0">
+                <a:solidFill>
+                  <a:schemeClr val="tx1">
+                    <a:lumMod val="75000"/>
+                    <a:lumOff val="25000"/>
+                  </a:schemeClr>
+                </a:solidFill>
+                <a:latin typeface="Nunito Black" panose="00000A00000000000000" pitchFamily="2" charset="0"/>
+              </a:rPr>
+              <a:t>- Implement i18n</a:t>
+            </a:r>
+            <a:endParaRPr lang="en-GB" sz="2800" b="1" dirty="0">
+              <a:solidFill>
+                <a:schemeClr val="tx1">
+                  <a:lumMod val="75000"/>
+                  <a:lumOff val="25000"/>
+                </a:schemeClr>
+              </a:solidFill>
+              <a:latin typeface="Nunito Black" panose="00000A00000000000000" pitchFamily="2" charset="0"/>
+            </a:endParaRPr>
+          </a:p>
+        </p:txBody>
+      </p:sp>
       <p:sp>
         <p:nvSpPr>
           <p:cNvPr id="2" name="Title 1"/>
@@ -5240,36 +6674,6 @@
       </p:pic>
       <p:pic>
         <p:nvPicPr>
-          <p:cNvPr id="23" name="Picture 22"/>
-          <p:cNvPicPr>
-            <a:picLocks noChangeAspect="1"/>
-          </p:cNvPicPr>
-          <p:nvPr/>
-        </p:nvPicPr>
-        <p:blipFill>
-          <a:blip r:embed="rId7" cstate="print">
-            <a:extLst>
-              <a:ext uri="{28A0092B-C50C-407E-A947-70E740481C1C}">
-                <a14:useLocalDpi xmlns:a14="http://schemas.microsoft.com/office/drawing/2010/main" val="0"/>
-              </a:ext>
-            </a:extLst>
-          </a:blip>
-          <a:stretch>
-            <a:fillRect/>
-          </a:stretch>
-        </p:blipFill>
-        <p:spPr>
-          <a:xfrm>
-            <a:off x="7397479" y="3330043"/>
-            <a:ext cx="466539" cy="746043"/>
-          </a:xfrm>
-          <a:prstGeom prst="rect">
-            <a:avLst/>
-          </a:prstGeom>
-        </p:spPr>
-      </p:pic>
-      <p:pic>
-        <p:nvPicPr>
           <p:cNvPr id="3" name="Picture 2"/>
           <p:cNvPicPr>
             <a:picLocks noChangeAspect="1"/>
@@ -5277,7 +6681,7 @@
           <p:nvPr/>
         </p:nvPicPr>
         <p:blipFill>
-          <a:blip r:embed="rId8">
+          <a:blip r:embed="rId7">
             <a:extLst>
               <a:ext uri="{28A0092B-C50C-407E-A947-70E740481C1C}">
                 <a14:useLocalDpi xmlns:a14="http://schemas.microsoft.com/office/drawing/2010/main" val="0"/>
@@ -5298,191 +6702,6 @@
           </a:prstGeom>
         </p:spPr>
       </p:pic>
-      <p:sp>
-        <p:nvSpPr>
-          <p:cNvPr id="11" name="TextBox 10"/>
-          <p:cNvSpPr txBox="1"/>
-          <p:nvPr/>
-        </p:nvSpPr>
-        <p:spPr>
-          <a:xfrm>
-            <a:off x="6285031" y="1782237"/>
-            <a:ext cx="4702628" cy="4832092"/>
-          </a:xfrm>
-          <a:prstGeom prst="rect">
-            <a:avLst/>
-          </a:prstGeom>
-          <a:noFill/>
-        </p:spPr>
-        <p:txBody>
-          <a:bodyPr wrap="square" rtlCol="0">
-            <a:spAutoFit/>
-          </a:bodyPr>
-          <a:lstStyle/>
-          <a:p>
-            <a:pPr lvl="1"/>
-            <a:r>
-              <a:rPr lang="en-GB" sz="2800" b="1" dirty="0">
-                <a:solidFill>
-                  <a:schemeClr val="tx1">
-                    <a:lumMod val="75000"/>
-                    <a:lumOff val="25000"/>
-                  </a:schemeClr>
-                </a:solidFill>
-                <a:latin typeface="Nunito Black" panose="00000A00000000000000" pitchFamily="2" charset="0"/>
-              </a:rPr>
-              <a:t>- </a:t>
-            </a:r>
-            <a:r>
-              <a:rPr lang="en-GB" sz="2800" b="1" dirty="0" smtClean="0">
-                <a:solidFill>
-                  <a:schemeClr val="tx1">
-                    <a:lumMod val="75000"/>
-                    <a:lumOff val="25000"/>
-                  </a:schemeClr>
-                </a:solidFill>
-                <a:latin typeface="Nunito Black" panose="00000A00000000000000" pitchFamily="2" charset="0"/>
-              </a:rPr>
-              <a:t>Implement more features, such as payment</a:t>
-            </a:r>
-            <a:endParaRPr lang="en-GB" sz="2800" b="1" dirty="0">
-              <a:solidFill>
-                <a:schemeClr val="tx1">
-                  <a:lumMod val="75000"/>
-                  <a:lumOff val="25000"/>
-                </a:schemeClr>
-              </a:solidFill>
-              <a:latin typeface="Nunito Black" panose="00000A00000000000000" pitchFamily="2" charset="0"/>
-            </a:endParaRPr>
-          </a:p>
-          <a:p>
-            <a:pPr lvl="1"/>
-            <a:endParaRPr lang="en-GB" sz="2800" b="1" dirty="0">
-              <a:solidFill>
-                <a:schemeClr val="tx1">
-                  <a:lumMod val="75000"/>
-                  <a:lumOff val="25000"/>
-                </a:schemeClr>
-              </a:solidFill>
-              <a:latin typeface="Nunito Black" panose="00000A00000000000000" pitchFamily="2" charset="0"/>
-            </a:endParaRPr>
-          </a:p>
-          <a:p>
-            <a:pPr lvl="1"/>
-            <a:r>
-              <a:rPr lang="en-GB" sz="2800" b="1" dirty="0" smtClean="0">
-                <a:solidFill>
-                  <a:schemeClr val="tx1">
-                    <a:lumMod val="75000"/>
-                    <a:lumOff val="25000"/>
-                  </a:schemeClr>
-                </a:solidFill>
-                <a:latin typeface="Nunito Black" panose="00000A00000000000000" pitchFamily="2" charset="0"/>
-              </a:rPr>
-              <a:t>- Integrate the app in existing restaurants</a:t>
-            </a:r>
-            <a:endParaRPr lang="en-GB" sz="2800" b="1" dirty="0">
-              <a:solidFill>
-                <a:schemeClr val="tx1">
-                  <a:lumMod val="75000"/>
-                  <a:lumOff val="25000"/>
-                </a:schemeClr>
-              </a:solidFill>
-              <a:latin typeface="Nunito Black" panose="00000A00000000000000" pitchFamily="2" charset="0"/>
-            </a:endParaRPr>
-          </a:p>
-          <a:p>
-            <a:pPr lvl="1"/>
-            <a:endParaRPr lang="en-GB" sz="2800" b="1" dirty="0" smtClean="0">
-              <a:solidFill>
-                <a:schemeClr val="tx1">
-                  <a:lumMod val="75000"/>
-                  <a:lumOff val="25000"/>
-                </a:schemeClr>
-              </a:solidFill>
-              <a:latin typeface="Nunito Black" panose="00000A00000000000000" pitchFamily="2" charset="0"/>
-            </a:endParaRPr>
-          </a:p>
-          <a:p>
-            <a:pPr lvl="1"/>
-            <a:r>
-              <a:rPr lang="en-GB" sz="2800" b="1" dirty="0" smtClean="0">
-                <a:solidFill>
-                  <a:schemeClr val="tx1">
-                    <a:lumMod val="75000"/>
-                    <a:lumOff val="25000"/>
-                  </a:schemeClr>
-                </a:solidFill>
-                <a:latin typeface="Nunito Black" panose="00000A00000000000000" pitchFamily="2" charset="0"/>
-              </a:rPr>
-              <a:t>- Improve </a:t>
-            </a:r>
-            <a:r>
-              <a:rPr lang="en-GB" sz="2800" b="1" dirty="0" smtClean="0">
-                <a:solidFill>
-                  <a:schemeClr val="tx1">
-                    <a:lumMod val="75000"/>
-                    <a:lumOff val="25000"/>
-                  </a:schemeClr>
-                </a:solidFill>
-                <a:latin typeface="Nunito Black" panose="00000A00000000000000" pitchFamily="2" charset="0"/>
-              </a:rPr>
-              <a:t>based on the feedback from </a:t>
-            </a:r>
-            <a:r>
-              <a:rPr lang="en-GB" sz="2800" b="1" dirty="0" smtClean="0">
-                <a:solidFill>
-                  <a:schemeClr val="tx1">
-                    <a:lumMod val="75000"/>
-                    <a:lumOff val="25000"/>
-                  </a:schemeClr>
-                </a:solidFill>
-                <a:latin typeface="Nunito Black" panose="00000A00000000000000" pitchFamily="2" charset="0"/>
-              </a:rPr>
-              <a:t>them</a:t>
-            </a:r>
-          </a:p>
-          <a:p>
-            <a:pPr marL="914400" lvl="1" indent="-457200">
-              <a:buFontTx/>
-              <a:buChar char="-"/>
-            </a:pPr>
-            <a:endParaRPr lang="en-GB" sz="2800" b="1" dirty="0" smtClean="0">
-              <a:solidFill>
-                <a:schemeClr val="tx1">
-                  <a:lumMod val="75000"/>
-                  <a:lumOff val="25000"/>
-                </a:schemeClr>
-              </a:solidFill>
-              <a:latin typeface="Nunito Black" panose="00000A00000000000000" pitchFamily="2" charset="0"/>
-            </a:endParaRPr>
-          </a:p>
-          <a:p>
-            <a:pPr lvl="1"/>
-            <a:r>
-              <a:rPr lang="en-GB" sz="2800" b="1" dirty="0" smtClean="0">
-                <a:solidFill>
-                  <a:schemeClr val="tx1">
-                    <a:lumMod val="75000"/>
-                    <a:lumOff val="25000"/>
-                  </a:schemeClr>
-                </a:solidFill>
-                <a:latin typeface="Nunito Black" panose="00000A00000000000000" pitchFamily="2" charset="0"/>
-              </a:rPr>
-              <a:t>- Implement i18n</a:t>
-            </a:r>
-            <a:endParaRPr lang="en-GB" sz="2800" b="1" dirty="0">
-              <a:solidFill>
-                <a:schemeClr val="tx1">
-                  <a:lumMod val="75000"/>
-                  <a:lumOff val="25000"/>
-                </a:schemeClr>
-              </a:solidFill>
-              <a:latin typeface="Nunito Black" panose="00000A00000000000000" pitchFamily="2" charset="0"/>
-            </a:endParaRPr>
-          </a:p>
-        </p:txBody>
-      </p:sp>
     </p:spTree>
     <p:extLst>
       <p:ext uri="{BB962C8B-B14F-4D97-AF65-F5344CB8AC3E}">
@@ -5511,7 +6730,7 @@
 </p:sld>
 </file>
 
-<file path=ppt/slides/slide13.xml><?xml version="1.0" encoding="utf-8"?>
+<file path=ppt/slides/slide14.xml><?xml version="1.0" encoding="utf-8"?>
 <p:sld xmlns:a="http://schemas.openxmlformats.org/drawingml/2006/main" xmlns:r="http://schemas.openxmlformats.org/officeDocument/2006/relationships" xmlns:p="http://schemas.openxmlformats.org/presentationml/2006/main">
   <p:cSld>
     <p:bg>
@@ -5993,6 +7212,132 @@
           </a:p>
         </p:txBody>
       </p:sp>
+      <p:sp>
+        <p:nvSpPr>
+          <p:cNvPr id="14" name="Title 1"/>
+          <p:cNvSpPr txBox="1">
+            <a:spLocks/>
+          </p:cNvSpPr>
+          <p:nvPr/>
+        </p:nvSpPr>
+        <p:spPr>
+          <a:xfrm>
+            <a:off x="704193" y="5363564"/>
+            <a:ext cx="5079507" cy="518882"/>
+          </a:xfrm>
+          <a:prstGeom prst="rect">
+            <a:avLst/>
+          </a:prstGeom>
+        </p:spPr>
+        <p:txBody>
+          <a:bodyPr vert="horz" lIns="91440" tIns="45720" rIns="91440" bIns="45720" rtlCol="0" anchor="b">
+            <a:noAutofit/>
+          </a:bodyPr>
+          <a:lstStyle>
+            <a:lvl1pPr algn="ctr" defTabSz="914400" rtl="0" eaLnBrk="1" latinLnBrk="0" hangingPunct="1">
+              <a:lnSpc>
+                <a:spcPct val="90000"/>
+              </a:lnSpc>
+              <a:spcBef>
+                <a:spcPct val="0"/>
+              </a:spcBef>
+              <a:buNone/>
+              <a:defRPr sz="6000" kern="1200">
+                <a:solidFill>
+                  <a:schemeClr val="tx1"/>
+                </a:solidFill>
+                <a:latin typeface="+mj-lt"/>
+                <a:ea typeface="+mj-ea"/>
+                <a:cs typeface="+mj-cs"/>
+              </a:defRPr>
+            </a:lvl1pPr>
+          </a:lstStyle>
+          <a:p>
+            <a:r>
+              <a:rPr lang="en-GB" sz="2800" b="1" dirty="0" smtClean="0">
+                <a:solidFill>
+                  <a:schemeClr val="bg1">
+                    <a:lumMod val="65000"/>
+                  </a:schemeClr>
+                </a:solidFill>
+                <a:latin typeface="Nunito Black" panose="00000A00000000000000" pitchFamily="2" charset="0"/>
+              </a:rPr>
+              <a:t>@fr3fou</a:t>
+            </a:r>
+            <a:endParaRPr lang="en-GB" sz="1100" b="1" dirty="0">
+              <a:solidFill>
+                <a:schemeClr val="bg1">
+                  <a:lumMod val="65000"/>
+                </a:schemeClr>
+              </a:solidFill>
+              <a:latin typeface="Nunito Black" panose="00000A00000000000000" pitchFamily="2" charset="0"/>
+            </a:endParaRPr>
+          </a:p>
+        </p:txBody>
+      </p:sp>
+      <p:sp>
+        <p:nvSpPr>
+          <p:cNvPr id="15" name="Title 1"/>
+          <p:cNvSpPr txBox="1">
+            <a:spLocks/>
+          </p:cNvSpPr>
+          <p:nvPr/>
+        </p:nvSpPr>
+        <p:spPr>
+          <a:xfrm>
+            <a:off x="6571590" y="5363564"/>
+            <a:ext cx="5079507" cy="518882"/>
+          </a:xfrm>
+          <a:prstGeom prst="rect">
+            <a:avLst/>
+          </a:prstGeom>
+        </p:spPr>
+        <p:txBody>
+          <a:bodyPr vert="horz" lIns="91440" tIns="45720" rIns="91440" bIns="45720" rtlCol="0" anchor="b">
+            <a:noAutofit/>
+          </a:bodyPr>
+          <a:lstStyle>
+            <a:lvl1pPr algn="ctr" defTabSz="914400" rtl="0" eaLnBrk="1" latinLnBrk="0" hangingPunct="1">
+              <a:lnSpc>
+                <a:spcPct val="90000"/>
+              </a:lnSpc>
+              <a:spcBef>
+                <a:spcPct val="0"/>
+              </a:spcBef>
+              <a:buNone/>
+              <a:defRPr sz="6000" kern="1200">
+                <a:solidFill>
+                  <a:schemeClr val="tx1"/>
+                </a:solidFill>
+                <a:latin typeface="+mj-lt"/>
+                <a:ea typeface="+mj-ea"/>
+                <a:cs typeface="+mj-cs"/>
+              </a:defRPr>
+            </a:lvl1pPr>
+          </a:lstStyle>
+          <a:p>
+            <a:r>
+              <a:rPr lang="en-GB" sz="2800" b="1" dirty="0" smtClean="0">
+                <a:solidFill>
+                  <a:schemeClr val="bg1">
+                    <a:lumMod val="65000"/>
+                  </a:schemeClr>
+                </a:solidFill>
+                <a:latin typeface="Nunito Black" panose="00000A00000000000000" pitchFamily="2" charset="0"/>
+              </a:rPr>
+              <a:t>@impzero</a:t>
+            </a:r>
+            <a:endParaRPr lang="en-GB" sz="1100" b="1" dirty="0">
+              <a:solidFill>
+                <a:schemeClr val="bg1">
+                  <a:lumMod val="65000"/>
+                </a:schemeClr>
+              </a:solidFill>
+              <a:latin typeface="Nunito Black" panose="00000A00000000000000" pitchFamily="2" charset="0"/>
+            </a:endParaRPr>
+          </a:p>
+        </p:txBody>
+      </p:sp>
     </p:spTree>
     <p:extLst>
       <p:ext uri="{BB962C8B-B14F-4D97-AF65-F5344CB8AC3E}">
@@ -6021,7 +7366,7 @@
 </p:sld>
 </file>
 
-<file path=ppt/slides/slide14.xml><?xml version="1.0" encoding="utf-8"?>
+<file path=ppt/slides/slide15.xml><?xml version="1.0" encoding="utf-8"?>
 <p:sld xmlns:a="http://schemas.openxmlformats.org/drawingml/2006/main" xmlns:r="http://schemas.openxmlformats.org/officeDocument/2006/relationships" xmlns:p="http://schemas.openxmlformats.org/presentationml/2006/main">
   <p:cSld>
     <p:bg>
@@ -6260,6 +7605,80 @@
           </p:spPr>
         </p:pic>
       </p:grpSp>
+      <p:sp>
+        <p:nvSpPr>
+          <p:cNvPr id="8" name="Title 1"/>
+          <p:cNvSpPr txBox="1">
+            <a:spLocks/>
+          </p:cNvSpPr>
+          <p:nvPr/>
+        </p:nvSpPr>
+        <p:spPr>
+          <a:xfrm>
+            <a:off x="2578336" y="5308521"/>
+            <a:ext cx="7401539" cy="518882"/>
+          </a:xfrm>
+          <a:prstGeom prst="rect">
+            <a:avLst/>
+          </a:prstGeom>
+        </p:spPr>
+        <p:txBody>
+          <a:bodyPr vert="horz" lIns="91440" tIns="45720" rIns="91440" bIns="45720" rtlCol="0" anchor="b">
+            <a:noAutofit/>
+          </a:bodyPr>
+          <a:lstStyle>
+            <a:lvl1pPr algn="ctr" defTabSz="914400" rtl="0" eaLnBrk="1" latinLnBrk="0" hangingPunct="1">
+              <a:lnSpc>
+                <a:spcPct val="90000"/>
+              </a:lnSpc>
+              <a:spcBef>
+                <a:spcPct val="0"/>
+              </a:spcBef>
+              <a:buNone/>
+              <a:defRPr sz="6000" kern="1200">
+                <a:solidFill>
+                  <a:schemeClr val="tx1"/>
+                </a:solidFill>
+                <a:latin typeface="+mj-lt"/>
+                <a:ea typeface="+mj-ea"/>
+                <a:cs typeface="+mj-cs"/>
+              </a:defRPr>
+            </a:lvl1pPr>
+          </a:lstStyle>
+          <a:p>
+            <a:r>
+              <a:rPr lang="en-GB" sz="3600" b="1" dirty="0">
+                <a:solidFill>
+                  <a:schemeClr val="bg1">
+                    <a:lumMod val="65000"/>
+                  </a:schemeClr>
+                </a:solidFill>
+                <a:latin typeface="Nunito Black" panose="00000A00000000000000" pitchFamily="2" charset="0"/>
+              </a:rPr>
+              <a:t>l</a:t>
+            </a:r>
+            <a:r>
+              <a:rPr lang="en-GB" sz="3600" b="1" dirty="0" smtClean="0">
+                <a:solidFill>
+                  <a:schemeClr val="bg1">
+                    <a:lumMod val="65000"/>
+                  </a:schemeClr>
+                </a:solidFill>
+                <a:latin typeface="Nunito Black" panose="00000A00000000000000" pitchFamily="2" charset="0"/>
+              </a:rPr>
+              <a:t>uncherbox.deliriumproducts.me</a:t>
+            </a:r>
+            <a:endParaRPr lang="en-GB" sz="1050" b="1" dirty="0">
+              <a:solidFill>
+                <a:schemeClr val="bg1">
+                  <a:lumMod val="65000"/>
+                </a:schemeClr>
+              </a:solidFill>
+              <a:latin typeface="Nunito Black" panose="00000A00000000000000" pitchFamily="2" charset="0"/>
+            </a:endParaRPr>
+          </a:p>
+        </p:txBody>
+      </p:sp>
     </p:spTree>
     <p:extLst>
       <p:ext uri="{BB962C8B-B14F-4D97-AF65-F5344CB8AC3E}">
@@ -12497,7 +13916,7 @@
         </p:nvSpPr>
         <p:spPr>
           <a:xfrm>
-            <a:off x="7249815" y="1857618"/>
+            <a:off x="7249815" y="1994778"/>
             <a:ext cx="2591108" cy="4064285"/>
           </a:xfrm>
           <a:prstGeom prst="roundRect">
@@ -12552,7 +13971,7 @@
         </p:nvSpPr>
         <p:spPr>
           <a:xfrm>
-            <a:off x="7363826" y="2533569"/>
+            <a:off x="7363826" y="2670729"/>
             <a:ext cx="2363086" cy="769441"/>
           </a:xfrm>
           <a:prstGeom prst="rect">
@@ -12592,7 +14011,7 @@
         </p:nvSpPr>
         <p:spPr>
           <a:xfrm>
-            <a:off x="7878028" y="3187053"/>
+            <a:off x="7878028" y="3324213"/>
             <a:ext cx="1334681" cy="369332"/>
           </a:xfrm>
           <a:prstGeom prst="rect">
@@ -12636,7 +14055,7 @@
         </p:nvCxnSpPr>
         <p:spPr>
           <a:xfrm>
-            <a:off x="7737584" y="3714619"/>
+            <a:off x="7737584" y="3851779"/>
             <a:ext cx="1762125" cy="0"/>
           </a:xfrm>
           <a:prstGeom prst="line">
@@ -12674,7 +14093,7 @@
         </p:nvGrpSpPr>
         <p:grpSpPr>
           <a:xfrm>
-            <a:off x="2523641" y="1857618"/>
+            <a:off x="2523641" y="1994778"/>
             <a:ext cx="2591108" cy="4064285"/>
             <a:chOff x="2680659" y="1913900"/>
             <a:chExt cx="2591108" cy="4064285"/>
@@ -12974,7 +14393,7 @@
         </p:nvGrpSpPr>
         <p:grpSpPr>
           <a:xfrm>
-            <a:off x="4832370" y="1543581"/>
+            <a:off x="4832370" y="1680741"/>
             <a:ext cx="2591108" cy="4064285"/>
             <a:chOff x="4966117" y="1562919"/>
             <a:chExt cx="2591108" cy="4064285"/>
@@ -13324,7 +14743,7 @@
         </p:nvSpPr>
         <p:spPr>
           <a:xfrm>
-            <a:off x="7827060" y="4000985"/>
+            <a:off x="7827060" y="4138145"/>
             <a:ext cx="1487642" cy="646331"/>
           </a:xfrm>
           <a:prstGeom prst="rect">
@@ -13362,7 +14781,7 @@
         </p:nvSpPr>
         <p:spPr>
           <a:xfrm>
-            <a:off x="7696084" y="4847981"/>
+            <a:off x="7696084" y="4985141"/>
             <a:ext cx="1762125" cy="369332"/>
           </a:xfrm>
           <a:prstGeom prst="rect">

--- a/presentation/softuniada/presentation.pptx
+++ b/presentation/softuniada/presentation.pptx
@@ -5714,7 +5714,7 @@
           <a:p>
             <a:pPr lvl="1"/>
             <a:r>
-              <a:rPr lang="en-GB" sz="2400" b="1" dirty="0" smtClean="0">
+              <a:rPr lang="en-GB" sz="2400" dirty="0" smtClean="0">
                 <a:solidFill>
                   <a:schemeClr val="tx1">
                     <a:lumMod val="75000"/>
@@ -5729,7 +5729,7 @@
           <a:p>
             <a:pPr lvl="1"/>
             <a:r>
-              <a:rPr lang="en-GB" sz="2400" b="1" dirty="0" smtClean="0">
+              <a:rPr lang="en-GB" sz="2400" dirty="0" smtClean="0">
                 <a:solidFill>
                   <a:schemeClr val="tx1">
                     <a:lumMod val="75000"/>
@@ -5744,7 +5744,7 @@
           <a:p>
             <a:pPr lvl="1"/>
             <a:r>
-              <a:rPr lang="en-GB" sz="2400" b="1" dirty="0" smtClean="0">
+              <a:rPr lang="en-GB" sz="2400" dirty="0" smtClean="0">
                 <a:solidFill>
                   <a:schemeClr val="tx1">
                     <a:lumMod val="75000"/>
@@ -5756,7 +5756,7 @@
               <a:t>- </a:t>
             </a:r>
             <a:r>
-              <a:rPr lang="en-GB" sz="2400" b="1" dirty="0" err="1" smtClean="0">
+              <a:rPr lang="en-GB" sz="2400" dirty="0" err="1" smtClean="0">
                 <a:solidFill>
                   <a:schemeClr val="tx1">
                     <a:lumMod val="75000"/>
@@ -5767,7 +5767,7 @@
               </a:rPr>
               <a:t>TypeORM</a:t>
             </a:r>
-            <a:endParaRPr lang="en-GB" sz="2400" b="1" dirty="0" smtClean="0">
+            <a:endParaRPr lang="en-GB" sz="2400" dirty="0" smtClean="0">
               <a:solidFill>
                 <a:schemeClr val="tx1">
                   <a:lumMod val="75000"/>
@@ -5780,7 +5780,7 @@
           <a:p>
             <a:pPr lvl="1"/>
             <a:r>
-              <a:rPr lang="en-GB" sz="2400" b="1" dirty="0" smtClean="0">
+              <a:rPr lang="en-GB" sz="2400" dirty="0" smtClean="0">
                 <a:solidFill>
                   <a:schemeClr val="tx1">
                     <a:lumMod val="75000"/>
@@ -5795,7 +5795,7 @@
           <a:p>
             <a:pPr lvl="1"/>
             <a:r>
-              <a:rPr lang="en-GB" sz="2400" b="1" dirty="0" smtClean="0">
+              <a:rPr lang="en-GB" sz="2400" dirty="0" smtClean="0">
                 <a:solidFill>
                   <a:schemeClr val="tx1">
                     <a:lumMod val="75000"/>
@@ -5810,7 +5810,7 @@
           <a:p>
             <a:pPr lvl="1"/>
             <a:r>
-              <a:rPr lang="en-GB" sz="2400" b="1" dirty="0" smtClean="0">
+              <a:rPr lang="en-GB" sz="2400" dirty="0" smtClean="0">
                 <a:solidFill>
                   <a:schemeClr val="tx1">
                     <a:lumMod val="75000"/>
@@ -5825,7 +5825,7 @@
           <a:p>
             <a:pPr lvl="1"/>
             <a:r>
-              <a:rPr lang="en-GB" sz="2400" b="1" dirty="0" smtClean="0">
+              <a:rPr lang="en-GB" sz="2400" dirty="0" smtClean="0">
                 <a:solidFill>
                   <a:schemeClr val="tx1">
                     <a:lumMod val="75000"/>
@@ -5837,7 +5837,7 @@
               <a:t>- </a:t>
             </a:r>
             <a:r>
-              <a:rPr lang="en-GB" sz="2400" b="1" dirty="0" err="1" smtClean="0">
+              <a:rPr lang="en-GB" sz="2400" dirty="0" err="1" smtClean="0">
                 <a:solidFill>
                   <a:schemeClr val="tx1">
                     <a:lumMod val="75000"/>
@@ -5848,7 +5848,7 @@
               </a:rPr>
               <a:t>Redis</a:t>
             </a:r>
-            <a:endParaRPr lang="en-GB" sz="2400" b="1" dirty="0" smtClean="0">
+            <a:endParaRPr lang="en-GB" sz="2400" dirty="0" smtClean="0">
               <a:solidFill>
                 <a:schemeClr val="tx1">
                   <a:lumMod val="75000"/>
@@ -5861,7 +5861,7 @@
           <a:p>
             <a:pPr lvl="1"/>
             <a:r>
-              <a:rPr lang="en-GB" sz="2400" b="1" dirty="0" smtClean="0">
+              <a:rPr lang="en-GB" sz="2400" dirty="0" smtClean="0">
                 <a:solidFill>
                   <a:schemeClr val="tx1">
                     <a:lumMod val="75000"/>
@@ -5876,7 +5876,7 @@
           <a:p>
             <a:pPr lvl="1"/>
             <a:r>
-              <a:rPr lang="en-GB" sz="2400" b="1" dirty="0" smtClean="0">
+              <a:rPr lang="en-GB" sz="2400" dirty="0" smtClean="0">
                 <a:solidFill>
                   <a:schemeClr val="tx1">
                     <a:lumMod val="75000"/>
@@ -5891,7 +5891,7 @@
           <a:p>
             <a:pPr lvl="1"/>
             <a:r>
-              <a:rPr lang="en-GB" sz="2400" b="1" dirty="0" smtClean="0">
+              <a:rPr lang="en-GB" sz="2400" dirty="0" smtClean="0">
                 <a:solidFill>
                   <a:schemeClr val="tx1">
                     <a:lumMod val="75000"/>
@@ -5906,7 +5906,7 @@
           <a:p>
             <a:pPr lvl="1"/>
             <a:r>
-              <a:rPr lang="en-GB" sz="2400" b="1" dirty="0" smtClean="0">
+              <a:rPr lang="en-GB" sz="2400" dirty="0" smtClean="0">
                 <a:solidFill>
                   <a:schemeClr val="tx1">
                     <a:lumMod val="75000"/>
@@ -5921,7 +5921,7 @@
           <a:p>
             <a:pPr lvl="1"/>
             <a:r>
-              <a:rPr lang="en-GB" sz="2400" b="1" dirty="0" smtClean="0">
+              <a:rPr lang="en-GB" sz="2400" dirty="0" smtClean="0">
                 <a:solidFill>
                   <a:schemeClr val="tx1">
                     <a:lumMod val="75000"/>
